--- a/trunk/Project 2/Part2/CS554_EuroTeam_Project2_OP5.pptx
+++ b/trunk/Project 2/Part2/CS554_EuroTeam_Project2_OP5.pptx
@@ -5,10 +5,10 @@
     <p:sldMasterId id="2147483660" r:id="rId2"/>
   </p:sldMasterIdLst>
   <p:notesMasterIdLst>
-    <p:notesMasterId r:id="rId29"/>
+    <p:notesMasterId r:id="rId31"/>
   </p:notesMasterIdLst>
   <p:handoutMasterIdLst>
-    <p:handoutMasterId r:id="rId30"/>
+    <p:handoutMasterId r:id="rId32"/>
   </p:handoutMasterIdLst>
   <p:sldIdLst>
     <p:sldId id="256" r:id="rId3"/>
@@ -16,27 +16,29 @@
     <p:sldId id="344" r:id="rId5"/>
     <p:sldId id="345" r:id="rId6"/>
     <p:sldId id="351" r:id="rId7"/>
-    <p:sldId id="352" r:id="rId8"/>
-    <p:sldId id="343" r:id="rId9"/>
-    <p:sldId id="342" r:id="rId10"/>
-    <p:sldId id="335" r:id="rId11"/>
-    <p:sldId id="347" r:id="rId12"/>
-    <p:sldId id="348" r:id="rId13"/>
-    <p:sldId id="349" r:id="rId14"/>
-    <p:sldId id="336" r:id="rId15"/>
-    <p:sldId id="346" r:id="rId16"/>
-    <p:sldId id="334" r:id="rId17"/>
-    <p:sldId id="337" r:id="rId18"/>
-    <p:sldId id="353" r:id="rId19"/>
-    <p:sldId id="354" r:id="rId20"/>
-    <p:sldId id="355" r:id="rId21"/>
-    <p:sldId id="356" r:id="rId22"/>
-    <p:sldId id="338" r:id="rId23"/>
-    <p:sldId id="339" r:id="rId24"/>
-    <p:sldId id="340" r:id="rId25"/>
-    <p:sldId id="341" r:id="rId26"/>
-    <p:sldId id="350" r:id="rId27"/>
-    <p:sldId id="286" r:id="rId28"/>
+    <p:sldId id="357" r:id="rId8"/>
+    <p:sldId id="358" r:id="rId9"/>
+    <p:sldId id="352" r:id="rId10"/>
+    <p:sldId id="343" r:id="rId11"/>
+    <p:sldId id="342" r:id="rId12"/>
+    <p:sldId id="335" r:id="rId13"/>
+    <p:sldId id="347" r:id="rId14"/>
+    <p:sldId id="348" r:id="rId15"/>
+    <p:sldId id="349" r:id="rId16"/>
+    <p:sldId id="336" r:id="rId17"/>
+    <p:sldId id="346" r:id="rId18"/>
+    <p:sldId id="334" r:id="rId19"/>
+    <p:sldId id="337" r:id="rId20"/>
+    <p:sldId id="353" r:id="rId21"/>
+    <p:sldId id="354" r:id="rId22"/>
+    <p:sldId id="355" r:id="rId23"/>
+    <p:sldId id="356" r:id="rId24"/>
+    <p:sldId id="338" r:id="rId25"/>
+    <p:sldId id="339" r:id="rId26"/>
+    <p:sldId id="340" r:id="rId27"/>
+    <p:sldId id="341" r:id="rId28"/>
+    <p:sldId id="350" r:id="rId29"/>
+    <p:sldId id="286" r:id="rId30"/>
   </p:sldIdLst>
   <p:sldSz cx="9144000" cy="6858000" type="screen4x3"/>
   <p:notesSz cx="7099300" cy="10234613"/>
@@ -3628,7 +3630,7 @@
               <a:pPr>
                 <a:defRPr/>
               </a:pPr>
-              <a:t>11/11/2009</a:t>
+              <a:t>18/11/2009</a:t>
             </a:fld>
             <a:endParaRPr lang="fr-FR" altLang="ko-KR"/>
           </a:p>
@@ -3725,7 +3727,7 @@
     </p:spTree>
     <p:extLst>
       <p:ext uri="{BB962C8B-B14F-4D97-AF65-F5344CB8AC3E}">
-        <p14:creationId xmlns:p14="http://schemas.microsoft.com/office/powerpoint/2007/7/12/main" xmlns="" val="3216856891"/>
+        <p14:creationId xmlns="" xmlns:p14="http://schemas.microsoft.com/office/powerpoint/2007/7/12/main" val="3216856891"/>
       </p:ext>
     </p:extLst>
   </p:cSld>
@@ -3837,7 +3839,7 @@
               <a:pPr>
                 <a:defRPr/>
               </a:pPr>
-              <a:t>11/11/2009</a:t>
+              <a:t>18/11/2009</a:t>
             </a:fld>
             <a:endParaRPr lang="fr-FR" altLang="ko-KR"/>
           </a:p>
@@ -4030,7 +4032,7 @@
     </p:spTree>
     <p:extLst>
       <p:ext uri="{BB962C8B-B14F-4D97-AF65-F5344CB8AC3E}">
-        <p14:creationId xmlns:p14="http://schemas.microsoft.com/office/powerpoint/2007/7/12/main" xmlns="" val="3483236166"/>
+        <p14:creationId xmlns="" xmlns:p14="http://schemas.microsoft.com/office/powerpoint/2007/7/12/main" val="3483236166"/>
       </p:ext>
     </p:extLst>
   </p:cSld>
@@ -4438,7 +4440,31 @@
                 <a:latin typeface="+mn-lt"/>
                 <a:cs typeface="+mn-cs"/>
               </a:rPr>
-              <a:t>November 12th, </a:t>
+              <a:t>November </a:t>
+            </a:r>
+            <a:r>
+              <a:rPr sz="1800" b="0" smtClean="0">
+                <a:solidFill>
+                  <a:schemeClr val="bg1">
+                    <a:lumMod val="50000"/>
+                  </a:schemeClr>
+                </a:solidFill>
+                <a:latin typeface="+mn-lt"/>
+                <a:cs typeface="+mn-cs"/>
+              </a:rPr>
+              <a:t>19th</a:t>
+            </a:r>
+            <a:r>
+              <a:rPr sz="1800" b="0" smtClean="0">
+                <a:solidFill>
+                  <a:schemeClr val="bg1">
+                    <a:lumMod val="50000"/>
+                  </a:schemeClr>
+                </a:solidFill>
+                <a:latin typeface="+mn-lt"/>
+                <a:cs typeface="+mn-cs"/>
+              </a:rPr>
+              <a:t>, </a:t>
             </a:r>
             <a:r>
               <a:rPr sz="1800" b="0" dirty="0" smtClean="0">
@@ -5583,7 +5609,29 @@
                 </a:solidFill>
                 <a:latin typeface="+mn-lt"/>
               </a:rPr>
-              <a:t> 12th, 2009</a:t>
+              <a:t> </a:t>
+            </a:r>
+            <a:r>
+              <a:rPr lang="fr-FR" sz="1050" b="1" baseline="0" dirty="0" smtClean="0">
+                <a:solidFill>
+                  <a:schemeClr val="bg1">
+                    <a:lumMod val="50000"/>
+                  </a:schemeClr>
+                </a:solidFill>
+                <a:latin typeface="+mn-lt"/>
+              </a:rPr>
+              <a:t>19th</a:t>
+            </a:r>
+            <a:r>
+              <a:rPr lang="fr-FR" sz="1050" b="1" baseline="0" dirty="0" smtClean="0">
+                <a:solidFill>
+                  <a:schemeClr val="bg1">
+                    <a:lumMod val="50000"/>
+                  </a:schemeClr>
+                </a:solidFill>
+                <a:latin typeface="+mn-lt"/>
+              </a:rPr>
+              <a:t>, 2009</a:t>
             </a:r>
           </a:p>
           <a:p>
@@ -5908,7 +5956,7 @@
           <a:blip r:embed="rId4">
             <a:extLst>
               <a:ext uri="28A0092B-C50C-407e-A947-70E740481C1C">
-                <a14:useLocalDpi xmlns:a14="http://schemas.microsoft.com/office/drawing/2007/7/7/main" xmlns="" val="0"/>
+                <a14:useLocalDpi xmlns="" xmlns:a14="http://schemas.microsoft.com/office/drawing/2007/7/7/main" val="0"/>
               </a:ext>
             </a:extLst>
           </a:blip>
@@ -5928,14 +5976,14 @@
           <a:noFill/>
           <a:extLst>
             <a:ext uri="{909E8E84-426E-40dd-AFC4-6F175D3DCCD1}">
-              <a14:hiddenFill xmlns:a14="http://schemas.microsoft.com/office/drawing/2007/7/7/main" xmlns="">
+              <a14:hiddenFill xmlns="" xmlns:a14="http://schemas.microsoft.com/office/drawing/2007/7/7/main">
                 <a:solidFill>
                   <a:schemeClr val="accent1"/>
                 </a:solidFill>
               </a14:hiddenFill>
             </a:ext>
             <a:ext uri="{91240B29-F687-4f45-9708-019B960494DF}">
-              <a14:hiddenLine xmlns:a14="http://schemas.microsoft.com/office/drawing/2007/7/7/main" xmlns="" w="9525">
+              <a14:hiddenLine xmlns="" xmlns:a14="http://schemas.microsoft.com/office/drawing/2007/7/7/main" w="9525">
                 <a:solidFill>
                   <a:schemeClr val="tx1"/>
                 </a:solidFill>
@@ -5945,7 +5993,7 @@
               </a14:hiddenLine>
             </a:ext>
             <a:ext uri="{AF507438-7753-43e0-B8FC-AC1667EBCBE1}">
-              <a14:hiddenEffects xmlns:a14="http://schemas.microsoft.com/office/drawing/2007/7/7/main" xmlns="">
+              <a14:hiddenEffects xmlns="" xmlns:a14="http://schemas.microsoft.com/office/drawing/2007/7/7/main">
                 <a:effectLst>
                   <a:outerShdw dist="35921" dir="2700000" algn="ctr" rotWithShape="0">
                     <a:schemeClr val="bg2"/>
@@ -5959,7 +6007,7 @@
     </p:spTree>
     <p:extLst>
       <p:ext uri="{BB962C8B-B14F-4D97-AF65-F5344CB8AC3E}">
-        <p14:creationId xmlns:p14="http://schemas.microsoft.com/office/powerpoint/2007/7/12/main" xmlns="" val="1066328049"/>
+        <p14:creationId xmlns="" xmlns:p14="http://schemas.microsoft.com/office/powerpoint/2007/7/12/main" val="1066328049"/>
       </p:ext>
     </p:extLst>
   </p:cSld>
@@ -6413,19 +6461,7 @@
                 <a:latin typeface="+mn-lt"/>
                 <a:cs typeface="+mn-cs"/>
               </a:rPr>
-              <a:t> / </a:t>
-            </a:r>
-            <a:r>
-              <a:rPr lang="fr-FR" sz="1100" b="1" kern="0" dirty="0" smtClean="0">
-                <a:solidFill>
-                  <a:schemeClr val="bg1">
-                    <a:lumMod val="65000"/>
-                  </a:schemeClr>
-                </a:solidFill>
-                <a:latin typeface="+mn-lt"/>
-                <a:cs typeface="+mn-cs"/>
-              </a:rPr>
-              <a:t>26    </a:t>
+              <a:t> / 26    </a:t>
             </a:r>
             <a:endParaRPr lang="fr-FR" sz="1100" b="1" kern="0" dirty="0">
               <a:solidFill>
@@ -6490,7 +6526,7 @@
         <p:spPr>
           <a:xfrm>
             <a:off x="7786523" y="6643688"/>
-            <a:ext cx="1298752" cy="246221"/>
+            <a:ext cx="1298753" cy="246221"/>
           </a:xfrm>
           <a:prstGeom prst="rect">
             <a:avLst/>
@@ -6527,7 +6563,17 @@
                 <a:latin typeface="Calibri" pitchFamily="34" charset="0"/>
                 <a:ea typeface="굴림" charset="-127"/>
               </a:rPr>
-              <a:t> 12th </a:t>
+              <a:t> </a:t>
+            </a:r>
+            <a:r>
+              <a:rPr lang="fr-FR" altLang="ko-KR" sz="1000" dirty="0" smtClean="0">
+                <a:solidFill>
+                  <a:srgbClr val="7F7F7F"/>
+                </a:solidFill>
+                <a:latin typeface="Calibri" pitchFamily="34" charset="0"/>
+                <a:ea typeface="굴림" charset="-127"/>
+              </a:rPr>
+              <a:t>19th </a:t>
             </a:r>
             <a:r>
               <a:rPr lang="fr-FR" altLang="ko-KR" sz="1000" dirty="0">
@@ -7349,8 +7395,17 @@
                   </a:outerShdw>
                 </a:effectLst>
               </a:rPr>
-              <a:t>OP4</a:t>
-            </a:r>
+              <a:t>OP5</a:t>
+            </a:r>
+            <a:endParaRPr lang="fr-FR" b="1" dirty="0" smtClean="0">
+              <a:effectLst>
+                <a:outerShdw blurRad="38100" dist="38100" dir="2700000" algn="tl">
+                  <a:srgbClr val="000000">
+                    <a:alpha val="43137"/>
+                  </a:srgbClr>
+                </a:outerShdw>
+              </a:effectLst>
+            </a:endParaRPr>
           </a:p>
           <a:p>
             <a:pPr algn="ctr"/>
@@ -7493,6 +7548,1046 @@
           <a:lstStyle/>
           <a:p>
             <a:r>
+              <a:rPr lang="fr-FR" dirty="0" smtClean="0"/>
+              <a:t>3. A</a:t>
+            </a:r>
+            <a:r>
+              <a:rPr smtClean="0"/>
+              <a:t>cme kernel &amp; elements</a:t>
+            </a:r>
+            <a:endParaRPr lang="fr-FR" dirty="0"/>
+          </a:p>
+        </p:txBody>
+      </p:sp>
+      <p:sp>
+        <p:nvSpPr>
+          <p:cNvPr id="3" name="Espace réservé du texte 2"/>
+          <p:cNvSpPr>
+            <a:spLocks noGrp="1"/>
+          </p:cNvSpPr>
+          <p:nvPr>
+            <p:ph type="body" sz="quarter" idx="10"/>
+          </p:nvPr>
+        </p:nvSpPr>
+        <p:spPr>
+          <a:xfrm>
+            <a:off x="285750" y="1214422"/>
+            <a:ext cx="8643968" cy="5357828"/>
+          </a:xfrm>
+        </p:spPr>
+        <p:txBody>
+          <a:bodyPr/>
+          <a:lstStyle/>
+          <a:p>
+            <a:r>
+              <a:rPr lang="en-US" dirty="0" smtClean="0"/>
+              <a:t>Components, with ports</a:t>
+            </a:r>
+          </a:p>
+          <a:p>
+            <a:r>
+              <a:rPr lang="en-US" dirty="0" smtClean="0"/>
+              <a:t>Connectors, with roles</a:t>
+            </a:r>
+          </a:p>
+          <a:p>
+            <a:r>
+              <a:rPr lang="en-US" dirty="0" smtClean="0"/>
+              <a:t>Attachments of particular ports to particular roles</a:t>
+            </a:r>
+          </a:p>
+          <a:p>
+            <a:r>
+              <a:rPr lang="en-US" dirty="0" smtClean="0"/>
+              <a:t>Properties of any of above</a:t>
+            </a:r>
+            <a:endParaRPr lang="fr-FR" dirty="0"/>
+          </a:p>
+        </p:txBody>
+      </p:sp>
+      <p:sp>
+        <p:nvSpPr>
+          <p:cNvPr id="5" name="ZoneTexte 4"/>
+          <p:cNvSpPr txBox="1"/>
+          <p:nvPr/>
+        </p:nvSpPr>
+        <p:spPr>
+          <a:xfrm>
+            <a:off x="500034" y="0"/>
+            <a:ext cx="1558440" cy="276999"/>
+          </a:xfrm>
+          <a:prstGeom prst="rect">
+            <a:avLst/>
+          </a:prstGeom>
+          <a:noFill/>
+          <a:ln>
+            <a:noFill/>
+          </a:ln>
+        </p:spPr>
+        <p:txBody>
+          <a:bodyPr wrap="none" rtlCol="0">
+            <a:spAutoFit/>
+          </a:bodyPr>
+          <a:lstStyle/>
+          <a:p>
+            <a:pPr marL="0" marR="0" indent="0" algn="l" defTabSz="914400" rtl="0" eaLnBrk="1" fontAlgn="auto" latinLnBrk="0" hangingPunct="1">
+              <a:lnSpc>
+                <a:spcPct val="100000"/>
+              </a:lnSpc>
+              <a:spcBef>
+                <a:spcPct val="20000"/>
+              </a:spcBef>
+              <a:spcAft>
+                <a:spcPts val="0"/>
+              </a:spcAft>
+              <a:buClrTx/>
+              <a:buSzTx/>
+              <a:buFontTx/>
+              <a:buNone/>
+              <a:tabLst/>
+            </a:pPr>
+            <a:r>
+              <a:rPr lang="fr-FR" sz="1200" kern="0" dirty="0" err="1" smtClean="0">
+                <a:solidFill>
+                  <a:schemeClr val="tx1">
+                    <a:lumMod val="50000"/>
+                    <a:lumOff val="50000"/>
+                  </a:schemeClr>
+                </a:solidFill>
+                <a:latin typeface="+mn-lt"/>
+                <a:cs typeface="+mn-cs"/>
+              </a:rPr>
+              <a:t>Why</a:t>
+            </a:r>
+            <a:r>
+              <a:rPr lang="fr-FR" sz="1200" kern="0" dirty="0" smtClean="0">
+                <a:solidFill>
+                  <a:schemeClr val="tx1">
+                    <a:lumMod val="50000"/>
+                    <a:lumOff val="50000"/>
+                  </a:schemeClr>
+                </a:solidFill>
+                <a:latin typeface="+mn-lt"/>
+                <a:cs typeface="+mn-cs"/>
+              </a:rPr>
+              <a:t> do </a:t>
+            </a:r>
+            <a:r>
+              <a:rPr lang="fr-FR" sz="1200" kern="0" dirty="0" err="1" smtClean="0">
+                <a:solidFill>
+                  <a:schemeClr val="tx1">
+                    <a:lumMod val="50000"/>
+                    <a:lumOff val="50000"/>
+                  </a:schemeClr>
+                </a:solidFill>
+                <a:latin typeface="+mn-lt"/>
+                <a:cs typeface="+mn-cs"/>
+              </a:rPr>
+              <a:t>we</a:t>
+            </a:r>
+            <a:r>
+              <a:rPr lang="fr-FR" sz="1200" kern="0" dirty="0" smtClean="0">
+                <a:solidFill>
+                  <a:schemeClr val="tx1">
+                    <a:lumMod val="50000"/>
+                    <a:lumOff val="50000"/>
+                  </a:schemeClr>
+                </a:solidFill>
+                <a:latin typeface="+mn-lt"/>
+                <a:cs typeface="+mn-cs"/>
+              </a:rPr>
+              <a:t> use </a:t>
+            </a:r>
+            <a:r>
+              <a:rPr lang="fr-FR" sz="1200" kern="0" dirty="0" err="1" smtClean="0">
+                <a:solidFill>
+                  <a:schemeClr val="tx1">
+                    <a:lumMod val="50000"/>
+                    <a:lumOff val="50000"/>
+                  </a:schemeClr>
+                </a:solidFill>
+                <a:latin typeface="+mn-lt"/>
+                <a:cs typeface="+mn-cs"/>
+              </a:rPr>
+              <a:t>ADLs</a:t>
+            </a:r>
+            <a:r>
+              <a:rPr lang="fr-FR" sz="1200" kern="0" dirty="0" smtClean="0">
+                <a:solidFill>
+                  <a:schemeClr val="tx1">
+                    <a:lumMod val="50000"/>
+                    <a:lumOff val="50000"/>
+                  </a:schemeClr>
+                </a:solidFill>
+                <a:latin typeface="+mn-lt"/>
+                <a:cs typeface="+mn-cs"/>
+              </a:rPr>
+              <a:t>?</a:t>
+            </a:r>
+            <a:endParaRPr kumimoji="0" lang="fr-FR" sz="1200" b="1" i="0" u="sng" strike="noStrike" kern="0" cap="none" spc="0" normalizeH="0" baseline="0" noProof="0" dirty="0" smtClean="0">
+              <a:ln>
+                <a:noFill/>
+              </a:ln>
+              <a:effectLst/>
+              <a:uLnTx/>
+              <a:uFillTx/>
+              <a:latin typeface="+mn-lt"/>
+              <a:ea typeface="+mn-ea"/>
+              <a:cs typeface="+mn-cs"/>
+            </a:endParaRPr>
+          </a:p>
+        </p:txBody>
+      </p:sp>
+      <p:sp>
+        <p:nvSpPr>
+          <p:cNvPr id="6" name="ZoneTexte 5"/>
+          <p:cNvSpPr txBox="1"/>
+          <p:nvPr/>
+        </p:nvSpPr>
+        <p:spPr>
+          <a:xfrm>
+            <a:off x="2786050" y="0"/>
+            <a:ext cx="889987" cy="276999"/>
+          </a:xfrm>
+          <a:prstGeom prst="rect">
+            <a:avLst/>
+          </a:prstGeom>
+          <a:noFill/>
+          <a:ln>
+            <a:noFill/>
+          </a:ln>
+        </p:spPr>
+        <p:txBody>
+          <a:bodyPr wrap="none" rtlCol="0">
+            <a:spAutoFit/>
+          </a:bodyPr>
+          <a:lstStyle/>
+          <a:p>
+            <a:pPr fontAlgn="auto">
+              <a:spcBef>
+                <a:spcPct val="20000"/>
+              </a:spcBef>
+              <a:spcAft>
+                <a:spcPts val="0"/>
+              </a:spcAft>
+            </a:pPr>
+            <a:r>
+              <a:rPr lang="fr-FR" sz="1200" kern="0" dirty="0" smtClean="0">
+                <a:solidFill>
+                  <a:schemeClr val="tx1">
+                    <a:lumMod val="50000"/>
+                    <a:lumOff val="50000"/>
+                  </a:schemeClr>
+                </a:solidFill>
+                <a:latin typeface="+mn-lt"/>
+                <a:cs typeface="+mn-cs"/>
+              </a:rPr>
+              <a:t>ADL </a:t>
+            </a:r>
+            <a:r>
+              <a:rPr lang="fr-FR" sz="1200" kern="0" dirty="0" err="1" smtClean="0">
+                <a:solidFill>
+                  <a:schemeClr val="tx1">
+                    <a:lumMod val="50000"/>
+                    <a:lumOff val="50000"/>
+                  </a:schemeClr>
+                </a:solidFill>
+                <a:latin typeface="+mn-lt"/>
+                <a:cs typeface="+mn-cs"/>
+              </a:rPr>
+              <a:t>Choice</a:t>
+            </a:r>
+            <a:endParaRPr lang="fr-FR" sz="1200" kern="0" dirty="0" smtClean="0">
+              <a:solidFill>
+                <a:schemeClr val="tx1">
+                  <a:lumMod val="50000"/>
+                  <a:lumOff val="50000"/>
+                </a:schemeClr>
+              </a:solidFill>
+              <a:latin typeface="+mn-lt"/>
+              <a:cs typeface="+mn-cs"/>
+            </a:endParaRPr>
+          </a:p>
+        </p:txBody>
+      </p:sp>
+      <p:sp>
+        <p:nvSpPr>
+          <p:cNvPr id="7" name="ZoneTexte 6"/>
+          <p:cNvSpPr txBox="1"/>
+          <p:nvPr/>
+        </p:nvSpPr>
+        <p:spPr>
+          <a:xfrm>
+            <a:off x="4572000" y="0"/>
+            <a:ext cx="1418978" cy="276999"/>
+          </a:xfrm>
+          <a:prstGeom prst="rect">
+            <a:avLst/>
+          </a:prstGeom>
+          <a:noFill/>
+          <a:ln>
+            <a:noFill/>
+          </a:ln>
+        </p:spPr>
+        <p:txBody>
+          <a:bodyPr wrap="none" rtlCol="0">
+            <a:spAutoFit/>
+          </a:bodyPr>
+          <a:lstStyle/>
+          <a:p>
+            <a:pPr marL="0" marR="0" indent="0" algn="l" defTabSz="914400" rtl="0" eaLnBrk="1" fontAlgn="auto" latinLnBrk="0" hangingPunct="1">
+              <a:lnSpc>
+                <a:spcPct val="100000"/>
+              </a:lnSpc>
+              <a:spcBef>
+                <a:spcPct val="20000"/>
+              </a:spcBef>
+              <a:spcAft>
+                <a:spcPts val="0"/>
+              </a:spcAft>
+              <a:buClrTx/>
+              <a:buSzTx/>
+              <a:buFontTx/>
+              <a:buNone/>
+              <a:tabLst/>
+            </a:pPr>
+            <a:r>
+              <a:rPr lang="fr-FR" sz="1200" b="1" u="sng" kern="0" dirty="0" smtClean="0">
+                <a:latin typeface="+mn-lt"/>
+                <a:cs typeface="+mn-cs"/>
+              </a:rPr>
+              <a:t>ACME</a:t>
+            </a:r>
+            <a:r>
+              <a:rPr kumimoji="0" lang="fr-FR" sz="1200" i="0" u="none" strike="noStrike" kern="0" cap="none" spc="0" normalizeH="0" baseline="0" noProof="0" dirty="0" smtClean="0">
+                <a:ln>
+                  <a:noFill/>
+                </a:ln>
+                <a:solidFill>
+                  <a:schemeClr val="tx1">
+                    <a:lumMod val="50000"/>
+                    <a:lumOff val="50000"/>
+                  </a:schemeClr>
+                </a:solidFill>
+                <a:effectLst/>
+                <a:uLnTx/>
+                <a:uFillTx/>
+                <a:latin typeface="+mn-lt"/>
+                <a:ea typeface="+mn-ea"/>
+                <a:cs typeface="+mn-cs"/>
+              </a:rPr>
+              <a:t> </a:t>
+            </a:r>
+            <a:r>
+              <a:rPr lang="fr-FR" sz="1200" b="1" u="sng" kern="0" dirty="0" err="1" smtClean="0">
+                <a:latin typeface="+mn-lt"/>
+                <a:cs typeface="+mn-cs"/>
+              </a:rPr>
+              <a:t>Presentation</a:t>
+            </a:r>
+            <a:endParaRPr lang="fr-FR" sz="1200" b="1" u="sng" kern="0" dirty="0" smtClean="0">
+              <a:latin typeface="+mn-lt"/>
+              <a:cs typeface="+mn-cs"/>
+            </a:endParaRPr>
+          </a:p>
+        </p:txBody>
+      </p:sp>
+      <p:sp>
+        <p:nvSpPr>
+          <p:cNvPr id="8" name="ZoneTexte 7"/>
+          <p:cNvSpPr txBox="1"/>
+          <p:nvPr/>
+        </p:nvSpPr>
+        <p:spPr>
+          <a:xfrm>
+            <a:off x="6786578" y="0"/>
+            <a:ext cx="1382110" cy="276999"/>
+          </a:xfrm>
+          <a:prstGeom prst="rect">
+            <a:avLst/>
+          </a:prstGeom>
+          <a:noFill/>
+          <a:ln>
+            <a:noFill/>
+          </a:ln>
+        </p:spPr>
+        <p:txBody>
+          <a:bodyPr wrap="none" rtlCol="0">
+            <a:spAutoFit/>
+          </a:bodyPr>
+          <a:lstStyle/>
+          <a:p>
+            <a:pPr marL="0" marR="0" indent="0" algn="l" defTabSz="914400" rtl="0" eaLnBrk="1" fontAlgn="auto" latinLnBrk="0" hangingPunct="1">
+              <a:lnSpc>
+                <a:spcPct val="100000"/>
+              </a:lnSpc>
+              <a:spcBef>
+                <a:spcPct val="20000"/>
+              </a:spcBef>
+              <a:spcAft>
+                <a:spcPts val="0"/>
+              </a:spcAft>
+              <a:buClrTx/>
+              <a:buSzTx/>
+              <a:buFontTx/>
+              <a:buNone/>
+              <a:tabLst/>
+            </a:pPr>
+            <a:r>
+              <a:rPr kumimoji="0" lang="fr-FR" sz="1200" i="0" u="none" strike="noStrike" kern="0" cap="none" spc="0" normalizeH="0" baseline="0" noProof="0" dirty="0" smtClean="0">
+                <a:ln>
+                  <a:noFill/>
+                </a:ln>
+                <a:solidFill>
+                  <a:schemeClr val="tx1">
+                    <a:lumMod val="50000"/>
+                    <a:lumOff val="50000"/>
+                  </a:schemeClr>
+                </a:solidFill>
+                <a:effectLst/>
+                <a:uLnTx/>
+                <a:uFillTx/>
+                <a:latin typeface="+mn-lt"/>
+                <a:ea typeface="+mn-ea"/>
+                <a:cs typeface="+mn-cs"/>
+              </a:rPr>
+              <a:t>ATAM introduction</a:t>
+            </a:r>
+          </a:p>
+        </p:txBody>
+      </p:sp>
+    </p:spTree>
+  </p:cSld>
+  <p:clrMapOvr>
+    <a:masterClrMapping/>
+  </p:clrMapOvr>
+  <p:timing>
+    <p:tnLst>
+      <p:par>
+        <p:cTn id="1" dur="indefinite" restart="never" nodeType="tmRoot"/>
+      </p:par>
+    </p:tnLst>
+  </p:timing>
+</p:sld>
+</file>
+
+<file path=ppt/slides/slide11.xml><?xml version="1.0" encoding="utf-8"?>
+<p:sld xmlns:a="http://schemas.openxmlformats.org/drawingml/2006/main" xmlns:r="http://schemas.openxmlformats.org/officeDocument/2006/relationships" xmlns:p="http://schemas.openxmlformats.org/presentationml/2006/main">
+  <p:cSld>
+    <p:spTree>
+      <p:nvGrpSpPr>
+        <p:cNvPr id="1" name=""/>
+        <p:cNvGrpSpPr/>
+        <p:nvPr/>
+      </p:nvGrpSpPr>
+      <p:grpSpPr>
+        <a:xfrm>
+          <a:off x="0" y="0"/>
+          <a:ext cx="0" cy="0"/>
+          <a:chOff x="0" y="0"/>
+          <a:chExt cx="0" cy="0"/>
+        </a:xfrm>
+      </p:grpSpPr>
+      <p:sp>
+        <p:nvSpPr>
+          <p:cNvPr id="2" name="Titre 1"/>
+          <p:cNvSpPr>
+            <a:spLocks noGrp="1"/>
+          </p:cNvSpPr>
+          <p:nvPr>
+            <p:ph type="ctrTitle"/>
+          </p:nvPr>
+        </p:nvSpPr>
+        <p:spPr/>
+        <p:txBody>
+          <a:bodyPr/>
+          <a:lstStyle/>
+          <a:p>
+            <a:r>
+              <a:rPr smtClean="0"/>
+              <a:t>3. Acme description</a:t>
+            </a:r>
+            <a:endParaRPr lang="fr-FR" dirty="0"/>
+          </a:p>
+        </p:txBody>
+      </p:sp>
+      <p:sp>
+        <p:nvSpPr>
+          <p:cNvPr id="3" name="Espace réservé du texte 2"/>
+          <p:cNvSpPr>
+            <a:spLocks noGrp="1"/>
+          </p:cNvSpPr>
+          <p:nvPr>
+            <p:ph type="body" sz="quarter" idx="10"/>
+          </p:nvPr>
+        </p:nvSpPr>
+        <p:spPr/>
+        <p:txBody>
+          <a:bodyPr/>
+          <a:lstStyle/>
+          <a:p>
+            <a:r>
+              <a:rPr lang="en-US" dirty="0" smtClean="0"/>
+              <a:t>ACME describes a whole system thanks to</a:t>
+            </a:r>
+          </a:p>
+          <a:p>
+            <a:pPr lvl="1"/>
+            <a:r>
+              <a:rPr lang="en-US" dirty="0" smtClean="0"/>
+              <a:t>Library of 7 architectural elements</a:t>
+            </a:r>
+          </a:p>
+          <a:p>
+            <a:pPr lvl="2"/>
+            <a:r>
+              <a:rPr lang="en-US" dirty="0" smtClean="0"/>
+              <a:t>Components</a:t>
+            </a:r>
+          </a:p>
+          <a:p>
+            <a:pPr lvl="2"/>
+            <a:r>
+              <a:rPr lang="en-US" dirty="0" smtClean="0"/>
+              <a:t> connectors</a:t>
+            </a:r>
+          </a:p>
+          <a:p>
+            <a:pPr lvl="2"/>
+            <a:r>
+              <a:rPr lang="en-US" dirty="0" smtClean="0"/>
+              <a:t>systems</a:t>
+            </a:r>
+          </a:p>
+          <a:p>
+            <a:pPr lvl="2"/>
+            <a:r>
+              <a:rPr lang="en-US" dirty="0" smtClean="0"/>
+              <a:t>ports</a:t>
+            </a:r>
+          </a:p>
+          <a:p>
+            <a:pPr lvl="2"/>
+            <a:r>
+              <a:rPr lang="en-US" dirty="0" smtClean="0"/>
+              <a:t>Roles</a:t>
+            </a:r>
+          </a:p>
+          <a:p>
+            <a:pPr lvl="2"/>
+            <a:r>
+              <a:rPr lang="en-US" dirty="0" smtClean="0"/>
+              <a:t> representations</a:t>
+            </a:r>
+          </a:p>
+          <a:p>
+            <a:pPr lvl="2"/>
+            <a:r>
+              <a:rPr lang="en-US" dirty="0" smtClean="0"/>
+              <a:t> representation maps</a:t>
+            </a:r>
+          </a:p>
+          <a:p>
+            <a:pPr lvl="1"/>
+            <a:r>
+              <a:rPr smtClean="0"/>
+              <a:t>Architectural families</a:t>
+            </a:r>
+          </a:p>
+          <a:p>
+            <a:pPr lvl="2"/>
+            <a:r>
+              <a:rPr smtClean="0"/>
+              <a:t>Tiered</a:t>
+            </a:r>
+          </a:p>
+          <a:p>
+            <a:pPr lvl="2"/>
+            <a:r>
+              <a:rPr smtClean="0"/>
+              <a:t>Pipe &amp; filters</a:t>
+            </a:r>
+          </a:p>
+          <a:p>
+            <a:pPr lvl="2"/>
+            <a:r>
+              <a:rPr smtClean="0"/>
+              <a:t>Client &amp; servers</a:t>
+            </a:r>
+          </a:p>
+          <a:p>
+            <a:pPr lvl="2"/>
+            <a:r>
+              <a:rPr smtClean="0"/>
+              <a:t>Pub-Sub</a:t>
+            </a:r>
+          </a:p>
+          <a:p>
+            <a:pPr lvl="2"/>
+            <a:r>
+              <a:rPr smtClean="0"/>
+              <a:t>Shared data</a:t>
+            </a:r>
+          </a:p>
+          <a:p>
+            <a:pPr lvl="2"/>
+            <a:r>
+              <a:rPr lang="fr-FR" dirty="0" smtClean="0"/>
+              <a:t>T</a:t>
+            </a:r>
+            <a:r>
+              <a:rPr smtClean="0"/>
+              <a:t>hree-tiered</a:t>
+            </a:r>
+          </a:p>
+          <a:p>
+            <a:pPr lvl="1"/>
+            <a:endParaRPr smtClean="0"/>
+          </a:p>
+          <a:p>
+            <a:pPr lvl="1">
+              <a:buNone/>
+            </a:pPr>
+            <a:endParaRPr smtClean="0"/>
+          </a:p>
+        </p:txBody>
+      </p:sp>
+      <p:sp>
+        <p:nvSpPr>
+          <p:cNvPr id="4" name="ZoneTexte 3"/>
+          <p:cNvSpPr txBox="1"/>
+          <p:nvPr/>
+        </p:nvSpPr>
+        <p:spPr>
+          <a:xfrm>
+            <a:off x="500034" y="0"/>
+            <a:ext cx="1558440" cy="276999"/>
+          </a:xfrm>
+          <a:prstGeom prst="rect">
+            <a:avLst/>
+          </a:prstGeom>
+          <a:noFill/>
+          <a:ln>
+            <a:noFill/>
+          </a:ln>
+        </p:spPr>
+        <p:txBody>
+          <a:bodyPr wrap="none" rtlCol="0">
+            <a:spAutoFit/>
+          </a:bodyPr>
+          <a:lstStyle/>
+          <a:p>
+            <a:pPr marL="0" marR="0" indent="0" algn="l" defTabSz="914400" rtl="0" eaLnBrk="1" fontAlgn="auto" latinLnBrk="0" hangingPunct="1">
+              <a:lnSpc>
+                <a:spcPct val="100000"/>
+              </a:lnSpc>
+              <a:spcBef>
+                <a:spcPct val="20000"/>
+              </a:spcBef>
+              <a:spcAft>
+                <a:spcPts val="0"/>
+              </a:spcAft>
+              <a:buClrTx/>
+              <a:buSzTx/>
+              <a:buFontTx/>
+              <a:buNone/>
+              <a:tabLst/>
+            </a:pPr>
+            <a:r>
+              <a:rPr lang="fr-FR" sz="1200" kern="0" dirty="0" err="1" smtClean="0">
+                <a:solidFill>
+                  <a:schemeClr val="tx1">
+                    <a:lumMod val="50000"/>
+                    <a:lumOff val="50000"/>
+                  </a:schemeClr>
+                </a:solidFill>
+                <a:latin typeface="+mn-lt"/>
+                <a:cs typeface="+mn-cs"/>
+              </a:rPr>
+              <a:t>Why</a:t>
+            </a:r>
+            <a:r>
+              <a:rPr lang="fr-FR" sz="1200" kern="0" dirty="0" smtClean="0">
+                <a:solidFill>
+                  <a:schemeClr val="tx1">
+                    <a:lumMod val="50000"/>
+                    <a:lumOff val="50000"/>
+                  </a:schemeClr>
+                </a:solidFill>
+                <a:latin typeface="+mn-lt"/>
+                <a:cs typeface="+mn-cs"/>
+              </a:rPr>
+              <a:t> do </a:t>
+            </a:r>
+            <a:r>
+              <a:rPr lang="fr-FR" sz="1200" kern="0" dirty="0" err="1" smtClean="0">
+                <a:solidFill>
+                  <a:schemeClr val="tx1">
+                    <a:lumMod val="50000"/>
+                    <a:lumOff val="50000"/>
+                  </a:schemeClr>
+                </a:solidFill>
+                <a:latin typeface="+mn-lt"/>
+                <a:cs typeface="+mn-cs"/>
+              </a:rPr>
+              <a:t>we</a:t>
+            </a:r>
+            <a:r>
+              <a:rPr lang="fr-FR" sz="1200" kern="0" dirty="0" smtClean="0">
+                <a:solidFill>
+                  <a:schemeClr val="tx1">
+                    <a:lumMod val="50000"/>
+                    <a:lumOff val="50000"/>
+                  </a:schemeClr>
+                </a:solidFill>
+                <a:latin typeface="+mn-lt"/>
+                <a:cs typeface="+mn-cs"/>
+              </a:rPr>
+              <a:t> use </a:t>
+            </a:r>
+            <a:r>
+              <a:rPr lang="fr-FR" sz="1200" kern="0" dirty="0" err="1" smtClean="0">
+                <a:solidFill>
+                  <a:schemeClr val="tx1">
+                    <a:lumMod val="50000"/>
+                    <a:lumOff val="50000"/>
+                  </a:schemeClr>
+                </a:solidFill>
+                <a:latin typeface="+mn-lt"/>
+                <a:cs typeface="+mn-cs"/>
+              </a:rPr>
+              <a:t>ADLs</a:t>
+            </a:r>
+            <a:r>
+              <a:rPr lang="fr-FR" sz="1200" kern="0" dirty="0" smtClean="0">
+                <a:solidFill>
+                  <a:schemeClr val="tx1">
+                    <a:lumMod val="50000"/>
+                    <a:lumOff val="50000"/>
+                  </a:schemeClr>
+                </a:solidFill>
+                <a:latin typeface="+mn-lt"/>
+                <a:cs typeface="+mn-cs"/>
+              </a:rPr>
+              <a:t>?</a:t>
+            </a:r>
+            <a:endParaRPr kumimoji="0" lang="fr-FR" sz="1200" b="1" i="0" u="sng" strike="noStrike" kern="0" cap="none" spc="0" normalizeH="0" baseline="0" noProof="0" dirty="0" smtClean="0">
+              <a:ln>
+                <a:noFill/>
+              </a:ln>
+              <a:effectLst/>
+              <a:uLnTx/>
+              <a:uFillTx/>
+              <a:latin typeface="+mn-lt"/>
+              <a:ea typeface="+mn-ea"/>
+              <a:cs typeface="+mn-cs"/>
+            </a:endParaRPr>
+          </a:p>
+        </p:txBody>
+      </p:sp>
+      <p:sp>
+        <p:nvSpPr>
+          <p:cNvPr id="5" name="ZoneTexte 4"/>
+          <p:cNvSpPr txBox="1"/>
+          <p:nvPr/>
+        </p:nvSpPr>
+        <p:spPr>
+          <a:xfrm>
+            <a:off x="2786050" y="0"/>
+            <a:ext cx="889987" cy="276999"/>
+          </a:xfrm>
+          <a:prstGeom prst="rect">
+            <a:avLst/>
+          </a:prstGeom>
+          <a:noFill/>
+          <a:ln>
+            <a:noFill/>
+          </a:ln>
+        </p:spPr>
+        <p:txBody>
+          <a:bodyPr wrap="none" rtlCol="0">
+            <a:spAutoFit/>
+          </a:bodyPr>
+          <a:lstStyle/>
+          <a:p>
+            <a:pPr fontAlgn="auto">
+              <a:spcBef>
+                <a:spcPct val="20000"/>
+              </a:spcBef>
+              <a:spcAft>
+                <a:spcPts val="0"/>
+              </a:spcAft>
+            </a:pPr>
+            <a:r>
+              <a:rPr lang="fr-FR" sz="1200" kern="0" dirty="0" smtClean="0">
+                <a:solidFill>
+                  <a:schemeClr val="tx1">
+                    <a:lumMod val="50000"/>
+                    <a:lumOff val="50000"/>
+                  </a:schemeClr>
+                </a:solidFill>
+                <a:latin typeface="+mn-lt"/>
+                <a:cs typeface="+mn-cs"/>
+              </a:rPr>
+              <a:t>ADL </a:t>
+            </a:r>
+            <a:r>
+              <a:rPr lang="fr-FR" sz="1200" kern="0" dirty="0" err="1" smtClean="0">
+                <a:solidFill>
+                  <a:schemeClr val="tx1">
+                    <a:lumMod val="50000"/>
+                    <a:lumOff val="50000"/>
+                  </a:schemeClr>
+                </a:solidFill>
+                <a:latin typeface="+mn-lt"/>
+                <a:cs typeface="+mn-cs"/>
+              </a:rPr>
+              <a:t>Choice</a:t>
+            </a:r>
+            <a:endParaRPr lang="fr-FR" sz="1200" kern="0" dirty="0" smtClean="0">
+              <a:solidFill>
+                <a:schemeClr val="tx1">
+                  <a:lumMod val="50000"/>
+                  <a:lumOff val="50000"/>
+                </a:schemeClr>
+              </a:solidFill>
+              <a:latin typeface="+mn-lt"/>
+              <a:cs typeface="+mn-cs"/>
+            </a:endParaRPr>
+          </a:p>
+        </p:txBody>
+      </p:sp>
+      <p:sp>
+        <p:nvSpPr>
+          <p:cNvPr id="6" name="ZoneTexte 5"/>
+          <p:cNvSpPr txBox="1"/>
+          <p:nvPr/>
+        </p:nvSpPr>
+        <p:spPr>
+          <a:xfrm>
+            <a:off x="4572000" y="0"/>
+            <a:ext cx="1418978" cy="276999"/>
+          </a:xfrm>
+          <a:prstGeom prst="rect">
+            <a:avLst/>
+          </a:prstGeom>
+          <a:noFill/>
+          <a:ln>
+            <a:noFill/>
+          </a:ln>
+        </p:spPr>
+        <p:txBody>
+          <a:bodyPr wrap="none" rtlCol="0">
+            <a:spAutoFit/>
+          </a:bodyPr>
+          <a:lstStyle/>
+          <a:p>
+            <a:pPr marL="0" marR="0" indent="0" algn="l" defTabSz="914400" rtl="0" eaLnBrk="1" fontAlgn="auto" latinLnBrk="0" hangingPunct="1">
+              <a:lnSpc>
+                <a:spcPct val="100000"/>
+              </a:lnSpc>
+              <a:spcBef>
+                <a:spcPct val="20000"/>
+              </a:spcBef>
+              <a:spcAft>
+                <a:spcPts val="0"/>
+              </a:spcAft>
+              <a:buClrTx/>
+              <a:buSzTx/>
+              <a:buFontTx/>
+              <a:buNone/>
+              <a:tabLst/>
+            </a:pPr>
+            <a:r>
+              <a:rPr lang="fr-FR" sz="1200" b="1" u="sng" kern="0" dirty="0" smtClean="0">
+                <a:latin typeface="+mn-lt"/>
+                <a:cs typeface="+mn-cs"/>
+              </a:rPr>
+              <a:t>ACME</a:t>
+            </a:r>
+            <a:r>
+              <a:rPr kumimoji="0" lang="fr-FR" sz="1200" i="0" u="none" strike="noStrike" kern="0" cap="none" spc="0" normalizeH="0" baseline="0" noProof="0" dirty="0" smtClean="0">
+                <a:ln>
+                  <a:noFill/>
+                </a:ln>
+                <a:solidFill>
+                  <a:schemeClr val="tx1">
+                    <a:lumMod val="50000"/>
+                    <a:lumOff val="50000"/>
+                  </a:schemeClr>
+                </a:solidFill>
+                <a:effectLst/>
+                <a:uLnTx/>
+                <a:uFillTx/>
+                <a:latin typeface="+mn-lt"/>
+                <a:ea typeface="+mn-ea"/>
+                <a:cs typeface="+mn-cs"/>
+              </a:rPr>
+              <a:t> </a:t>
+            </a:r>
+            <a:r>
+              <a:rPr lang="fr-FR" sz="1200" b="1" u="sng" kern="0" dirty="0" err="1" smtClean="0">
+                <a:latin typeface="+mn-lt"/>
+                <a:cs typeface="+mn-cs"/>
+              </a:rPr>
+              <a:t>Presentation</a:t>
+            </a:r>
+            <a:endParaRPr lang="fr-FR" sz="1200" b="1" u="sng" kern="0" dirty="0" smtClean="0">
+              <a:latin typeface="+mn-lt"/>
+              <a:cs typeface="+mn-cs"/>
+            </a:endParaRPr>
+          </a:p>
+        </p:txBody>
+      </p:sp>
+      <p:sp>
+        <p:nvSpPr>
+          <p:cNvPr id="7" name="ZoneTexte 6"/>
+          <p:cNvSpPr txBox="1"/>
+          <p:nvPr/>
+        </p:nvSpPr>
+        <p:spPr>
+          <a:xfrm>
+            <a:off x="6786578" y="0"/>
+            <a:ext cx="1382110" cy="276999"/>
+          </a:xfrm>
+          <a:prstGeom prst="rect">
+            <a:avLst/>
+          </a:prstGeom>
+          <a:noFill/>
+          <a:ln>
+            <a:noFill/>
+          </a:ln>
+        </p:spPr>
+        <p:txBody>
+          <a:bodyPr wrap="none" rtlCol="0">
+            <a:spAutoFit/>
+          </a:bodyPr>
+          <a:lstStyle/>
+          <a:p>
+            <a:pPr marL="0" marR="0" indent="0" algn="l" defTabSz="914400" rtl="0" eaLnBrk="1" fontAlgn="auto" latinLnBrk="0" hangingPunct="1">
+              <a:lnSpc>
+                <a:spcPct val="100000"/>
+              </a:lnSpc>
+              <a:spcBef>
+                <a:spcPct val="20000"/>
+              </a:spcBef>
+              <a:spcAft>
+                <a:spcPts val="0"/>
+              </a:spcAft>
+              <a:buClrTx/>
+              <a:buSzTx/>
+              <a:buFontTx/>
+              <a:buNone/>
+              <a:tabLst/>
+            </a:pPr>
+            <a:r>
+              <a:rPr kumimoji="0" lang="fr-FR" sz="1200" i="0" u="none" strike="noStrike" kern="0" cap="none" spc="0" normalizeH="0" baseline="0" noProof="0" dirty="0" smtClean="0">
+                <a:ln>
+                  <a:noFill/>
+                </a:ln>
+                <a:solidFill>
+                  <a:schemeClr val="tx1">
+                    <a:lumMod val="50000"/>
+                    <a:lumOff val="50000"/>
+                  </a:schemeClr>
+                </a:solidFill>
+                <a:effectLst/>
+                <a:uLnTx/>
+                <a:uFillTx/>
+                <a:latin typeface="+mn-lt"/>
+                <a:ea typeface="+mn-ea"/>
+                <a:cs typeface="+mn-cs"/>
+              </a:rPr>
+              <a:t>ATAM introduction</a:t>
+            </a:r>
+          </a:p>
+        </p:txBody>
+      </p:sp>
+      <p:pic>
+        <p:nvPicPr>
+          <p:cNvPr id="8" name="Picture 2" descr="D:\Bureau\ElementsOfAnAcmeDescription.png"/>
+          <p:cNvPicPr>
+            <a:picLocks noChangeAspect="1" noChangeArrowheads="1"/>
+          </p:cNvPicPr>
+          <p:nvPr/>
+        </p:nvPicPr>
+        <p:blipFill>
+          <a:blip r:embed="rId2">
+            <a:clrChange>
+              <a:clrFrom>
+                <a:srgbClr val="FFFFFF"/>
+              </a:clrFrom>
+              <a:clrTo>
+                <a:srgbClr val="FFFFFF">
+                  <a:alpha val="0"/>
+                </a:srgbClr>
+              </a:clrTo>
+            </a:clrChange>
+          </a:blip>
+          <a:srcRect t="8887" b="8908"/>
+          <a:stretch>
+            <a:fillRect/>
+          </a:stretch>
+        </p:blipFill>
+        <p:spPr bwMode="auto">
+          <a:xfrm>
+            <a:off x="3857620" y="2357430"/>
+            <a:ext cx="4572032" cy="1990179"/>
+          </a:xfrm>
+          <a:prstGeom prst="rect">
+            <a:avLst/>
+          </a:prstGeom>
+          <a:noFill/>
+        </p:spPr>
+      </p:pic>
+    </p:spTree>
+  </p:cSld>
+  <p:clrMapOvr>
+    <a:masterClrMapping/>
+  </p:clrMapOvr>
+  <p:timing>
+    <p:tnLst>
+      <p:par>
+        <p:cTn id="1" dur="indefinite" restart="never" nodeType="tmRoot"/>
+      </p:par>
+    </p:tnLst>
+  </p:timing>
+</p:sld>
+</file>
+
+<file path=ppt/slides/slide12.xml><?xml version="1.0" encoding="utf-8"?>
+<p:sld xmlns:a="http://schemas.openxmlformats.org/drawingml/2006/main" xmlns:r="http://schemas.openxmlformats.org/officeDocument/2006/relationships" xmlns:p="http://schemas.openxmlformats.org/presentationml/2006/main">
+  <p:cSld>
+    <p:spTree>
+      <p:nvGrpSpPr>
+        <p:cNvPr id="1" name=""/>
+        <p:cNvGrpSpPr/>
+        <p:nvPr/>
+      </p:nvGrpSpPr>
+      <p:grpSpPr>
+        <a:xfrm>
+          <a:off x="0" y="0"/>
+          <a:ext cx="0" cy="0"/>
+          <a:chOff x="0" y="0"/>
+          <a:chExt cx="0" cy="0"/>
+        </a:xfrm>
+      </p:grpSpPr>
+      <p:sp>
+        <p:nvSpPr>
+          <p:cNvPr id="2" name="Titre 1"/>
+          <p:cNvSpPr>
+            <a:spLocks noGrp="1"/>
+          </p:cNvSpPr>
+          <p:nvPr>
+            <p:ph type="ctrTitle"/>
+          </p:nvPr>
+        </p:nvSpPr>
+        <p:spPr/>
+        <p:txBody>
+          <a:bodyPr/>
+          <a:lstStyle/>
+          <a:p>
+            <a:r>
               <a:rPr smtClean="0"/>
               <a:t>3. Acme description</a:t>
             </a:r>
@@ -8063,7 +9158,7 @@
 </p:sld>
 </file>
 
-<file path=ppt/slides/slide11.xml><?xml version="1.0" encoding="utf-8"?>
+<file path=ppt/slides/slide13.xml><?xml version="1.0" encoding="utf-8"?>
 <p:sld xmlns:a="http://schemas.openxmlformats.org/drawingml/2006/main" xmlns:r="http://schemas.openxmlformats.org/officeDocument/2006/relationships" xmlns:p="http://schemas.openxmlformats.org/presentationml/2006/main">
   <p:cSld>
     <p:spTree>
@@ -9026,7 +10121,7 @@
 </p:sld>
 </file>
 
-<file path=ppt/slides/slide12.xml><?xml version="1.0" encoding="utf-8"?>
+<file path=ppt/slides/slide14.xml><?xml version="1.0" encoding="utf-8"?>
 <p:sld xmlns:a="http://schemas.openxmlformats.org/drawingml/2006/main" xmlns:r="http://schemas.openxmlformats.org/officeDocument/2006/relationships" xmlns:p="http://schemas.openxmlformats.org/presentationml/2006/main">
   <p:cSld>
     <p:spTree>
@@ -9060,11 +10155,7 @@
           <a:p>
             <a:r>
               <a:rPr smtClean="0"/>
-              <a:t>3. ACME </a:t>
-            </a:r>
-            <a:r>
-              <a:rPr smtClean="0"/>
-              <a:t>particularities</a:t>
+              <a:t>3. ACME particularities</a:t>
             </a:r>
             <a:endParaRPr lang="fr-FR" dirty="0"/>
           </a:p>
@@ -9113,13 +10204,8 @@
             <a:pPr lvl="1"/>
             <a:r>
               <a:rPr smtClean="0"/>
-              <a:t>Way to abstract complex </a:t>
-            </a:r>
-            <a:r>
-              <a:rPr smtClean="0"/>
-              <a:t>system</a:t>
-            </a:r>
-            <a:endParaRPr smtClean="0"/>
+              <a:t>Way to abstract complex system</a:t>
+            </a:r>
           </a:p>
         </p:txBody>
       </p:sp>
@@ -10115,7 +11201,7 @@
 </p:sld>
 </file>
 
-<file path=ppt/slides/slide13.xml><?xml version="1.0" encoding="utf-8"?>
+<file path=ppt/slides/slide15.xml><?xml version="1.0" encoding="utf-8"?>
 <p:sld xmlns:a="http://schemas.openxmlformats.org/drawingml/2006/main" xmlns:r="http://schemas.openxmlformats.org/officeDocument/2006/relationships" xmlns:p="http://schemas.openxmlformats.org/presentationml/2006/main">
   <p:cSld>
     <p:spTree>
@@ -10149,11 +11235,7 @@
           <a:p>
             <a:r>
               <a:rPr smtClean="0"/>
-              <a:t>3. ACME </a:t>
-            </a:r>
-            <a:r>
-              <a:rPr smtClean="0"/>
-              <a:t>particularities (cont.)</a:t>
+              <a:t>3. ACME particularities (cont.)</a:t>
             </a:r>
             <a:endParaRPr lang="fr-FR" dirty="0"/>
           </a:p>
@@ -10176,15 +11258,7 @@
           <a:p>
             <a:r>
               <a:rPr lang="en-US" dirty="0" smtClean="0"/>
-              <a:t>ACME </a:t>
-            </a:r>
-            <a:r>
-              <a:rPr lang="en-US" dirty="0" smtClean="0"/>
-              <a:t>method </a:t>
-            </a:r>
-            <a:r>
-              <a:rPr lang="en-US" dirty="0" smtClean="0"/>
-              <a:t>allows a translation mechanism…</a:t>
+              <a:t>ACME method allows a translation mechanism…</a:t>
             </a:r>
           </a:p>
           <a:p>
@@ -10644,7 +11718,7 @@
 </p:sld>
 </file>
 
-<file path=ppt/slides/slide14.xml><?xml version="1.0" encoding="utf-8"?>
+<file path=ppt/slides/slide16.xml><?xml version="1.0" encoding="utf-8"?>
 <p:sld xmlns:a="http://schemas.openxmlformats.org/drawingml/2006/main" xmlns:r="http://schemas.openxmlformats.org/officeDocument/2006/relationships" xmlns:p="http://schemas.openxmlformats.org/presentationml/2006/main">
   <p:cSld>
     <p:spTree>
@@ -10678,11 +11752,7 @@
           <a:p>
             <a:r>
               <a:rPr smtClean="0"/>
-              <a:t>3. </a:t>
-            </a:r>
-            <a:r>
-              <a:rPr smtClean="0"/>
-              <a:t>ACME particularities (cont.)</a:t>
+              <a:t>3. ACME particularities (cont.)</a:t>
             </a:r>
             <a:endParaRPr lang="fr-FR" dirty="0"/>
           </a:p>
@@ -10718,11 +11788,7 @@
             </a:r>
             <a:r>
               <a:rPr lang="en-US" dirty="0" smtClean="0"/>
-              <a:t> </a:t>
-            </a:r>
-            <a:r>
-              <a:rPr lang="en-US" dirty="0" smtClean="0"/>
-              <a:t>and </a:t>
+              <a:t> and </a:t>
             </a:r>
             <a:r>
               <a:rPr lang="en-US" b="1" dirty="0" smtClean="0"/>
@@ -11152,1025 +12218,6 @@
 </p:sld>
 </file>
 
-<file path=ppt/slides/slide15.xml><?xml version="1.0" encoding="utf-8"?>
-<p:sld xmlns:a="http://schemas.openxmlformats.org/drawingml/2006/main" xmlns:r="http://schemas.openxmlformats.org/officeDocument/2006/relationships" xmlns:p="http://schemas.openxmlformats.org/presentationml/2006/main" show="0">
-  <p:cSld>
-    <p:spTree>
-      <p:nvGrpSpPr>
-        <p:cNvPr id="1" name=""/>
-        <p:cNvGrpSpPr/>
-        <p:nvPr/>
-      </p:nvGrpSpPr>
-      <p:grpSpPr>
-        <a:xfrm>
-          <a:off x="0" y="0"/>
-          <a:ext cx="0" cy="0"/>
-          <a:chOff x="0" y="0"/>
-          <a:chExt cx="0" cy="0"/>
-        </a:xfrm>
-      </p:grpSpPr>
-      <p:sp>
-        <p:nvSpPr>
-          <p:cNvPr id="2" name="Titre 1"/>
-          <p:cNvSpPr>
-            <a:spLocks noGrp="1"/>
-          </p:cNvSpPr>
-          <p:nvPr>
-            <p:ph type="ctrTitle"/>
-          </p:nvPr>
-        </p:nvSpPr>
-        <p:spPr/>
-        <p:txBody>
-          <a:bodyPr/>
-          <a:lstStyle/>
-          <a:p>
-            <a:r>
-              <a:rPr lang="fr-FR" dirty="0" smtClean="0"/>
-              <a:t>3. A</a:t>
-            </a:r>
-            <a:r>
-              <a:rPr smtClean="0"/>
-              <a:t>cme language</a:t>
-            </a:r>
-            <a:endParaRPr lang="fr-FR" dirty="0"/>
-          </a:p>
-        </p:txBody>
-      </p:sp>
-      <p:sp>
-        <p:nvSpPr>
-          <p:cNvPr id="3" name="Espace réservé du texte 2"/>
-          <p:cNvSpPr>
-            <a:spLocks noGrp="1"/>
-          </p:cNvSpPr>
-          <p:nvPr>
-            <p:ph type="body" sz="quarter" idx="10"/>
-          </p:nvPr>
-        </p:nvSpPr>
-        <p:spPr/>
-        <p:txBody>
-          <a:bodyPr/>
-          <a:lstStyle/>
-          <a:p>
-            <a:r>
-              <a:rPr smtClean="0"/>
-              <a:t>Language is based on </a:t>
-            </a:r>
-          </a:p>
-          <a:p>
-            <a:pPr lvl="1"/>
-            <a:r>
-              <a:rPr smtClean="0"/>
-              <a:t>First order predicate logic </a:t>
-            </a:r>
-          </a:p>
-          <a:p>
-            <a:pPr lvl="1"/>
-            <a:r>
-              <a:rPr smtClean="0"/>
-              <a:t>Rules checking if architectural model is well formed</a:t>
-            </a:r>
-          </a:p>
-          <a:p>
-            <a:endParaRPr smtClean="0"/>
-          </a:p>
-          <a:p>
-            <a:r>
-              <a:rPr smtClean="0"/>
-              <a:t>Rules can be </a:t>
-            </a:r>
-            <a:r>
-              <a:rPr smtClean="0"/>
-              <a:t>defined</a:t>
-            </a:r>
-            <a:endParaRPr smtClean="0"/>
-          </a:p>
-          <a:p>
-            <a:pPr lvl="1"/>
-            <a:r>
-              <a:rPr smtClean="0"/>
-              <a:t>By the style designer</a:t>
-            </a:r>
-          </a:p>
-          <a:p>
-            <a:pPr lvl="1"/>
-            <a:r>
-              <a:rPr smtClean="0"/>
-              <a:t>By ourself</a:t>
-            </a:r>
-          </a:p>
-          <a:p>
-            <a:pPr lvl="1"/>
-            <a:endParaRPr smtClean="0"/>
-          </a:p>
-          <a:p>
-            <a:r>
-              <a:rPr smtClean="0"/>
-              <a:t>2 types of rules</a:t>
-            </a:r>
-          </a:p>
-          <a:p>
-            <a:pPr lvl="1"/>
-            <a:r>
-              <a:rPr smtClean="0"/>
-              <a:t>Invariant : violations of which are errors</a:t>
-            </a:r>
-          </a:p>
-          <a:p>
-            <a:pPr lvl="1"/>
-            <a:r>
-              <a:rPr smtClean="0"/>
-              <a:t>Heuristics : violations of which leads to warnings</a:t>
-            </a:r>
-            <a:endParaRPr lang="fr-FR" dirty="0"/>
-          </a:p>
-        </p:txBody>
-      </p:sp>
-      <p:sp>
-        <p:nvSpPr>
-          <p:cNvPr id="4" name="ZoneTexte 3"/>
-          <p:cNvSpPr txBox="1"/>
-          <p:nvPr/>
-        </p:nvSpPr>
-        <p:spPr>
-          <a:xfrm>
-            <a:off x="500034" y="0"/>
-            <a:ext cx="1558440" cy="276999"/>
-          </a:xfrm>
-          <a:prstGeom prst="rect">
-            <a:avLst/>
-          </a:prstGeom>
-          <a:noFill/>
-          <a:ln>
-            <a:noFill/>
-          </a:ln>
-        </p:spPr>
-        <p:txBody>
-          <a:bodyPr wrap="none" rtlCol="0">
-            <a:spAutoFit/>
-          </a:bodyPr>
-          <a:lstStyle/>
-          <a:p>
-            <a:pPr marL="0" marR="0" indent="0" algn="l" defTabSz="914400" rtl="0" eaLnBrk="1" fontAlgn="auto" latinLnBrk="0" hangingPunct="1">
-              <a:lnSpc>
-                <a:spcPct val="100000"/>
-              </a:lnSpc>
-              <a:spcBef>
-                <a:spcPct val="20000"/>
-              </a:spcBef>
-              <a:spcAft>
-                <a:spcPts val="0"/>
-              </a:spcAft>
-              <a:buClrTx/>
-              <a:buSzTx/>
-              <a:buFontTx/>
-              <a:buNone/>
-              <a:tabLst/>
-            </a:pPr>
-            <a:r>
-              <a:rPr lang="fr-FR" sz="1200" kern="0" dirty="0" err="1" smtClean="0">
-                <a:solidFill>
-                  <a:schemeClr val="tx1">
-                    <a:lumMod val="50000"/>
-                    <a:lumOff val="50000"/>
-                  </a:schemeClr>
-                </a:solidFill>
-                <a:latin typeface="+mn-lt"/>
-                <a:cs typeface="+mn-cs"/>
-              </a:rPr>
-              <a:t>Why</a:t>
-            </a:r>
-            <a:r>
-              <a:rPr lang="fr-FR" sz="1200" kern="0" dirty="0" smtClean="0">
-                <a:solidFill>
-                  <a:schemeClr val="tx1">
-                    <a:lumMod val="50000"/>
-                    <a:lumOff val="50000"/>
-                  </a:schemeClr>
-                </a:solidFill>
-                <a:latin typeface="+mn-lt"/>
-                <a:cs typeface="+mn-cs"/>
-              </a:rPr>
-              <a:t> do </a:t>
-            </a:r>
-            <a:r>
-              <a:rPr lang="fr-FR" sz="1200" kern="0" dirty="0" err="1" smtClean="0">
-                <a:solidFill>
-                  <a:schemeClr val="tx1">
-                    <a:lumMod val="50000"/>
-                    <a:lumOff val="50000"/>
-                  </a:schemeClr>
-                </a:solidFill>
-                <a:latin typeface="+mn-lt"/>
-                <a:cs typeface="+mn-cs"/>
-              </a:rPr>
-              <a:t>we</a:t>
-            </a:r>
-            <a:r>
-              <a:rPr lang="fr-FR" sz="1200" kern="0" dirty="0" smtClean="0">
-                <a:solidFill>
-                  <a:schemeClr val="tx1">
-                    <a:lumMod val="50000"/>
-                    <a:lumOff val="50000"/>
-                  </a:schemeClr>
-                </a:solidFill>
-                <a:latin typeface="+mn-lt"/>
-                <a:cs typeface="+mn-cs"/>
-              </a:rPr>
-              <a:t> use </a:t>
-            </a:r>
-            <a:r>
-              <a:rPr lang="fr-FR" sz="1200" kern="0" dirty="0" err="1" smtClean="0">
-                <a:solidFill>
-                  <a:schemeClr val="tx1">
-                    <a:lumMod val="50000"/>
-                    <a:lumOff val="50000"/>
-                  </a:schemeClr>
-                </a:solidFill>
-                <a:latin typeface="+mn-lt"/>
-                <a:cs typeface="+mn-cs"/>
-              </a:rPr>
-              <a:t>ADLs</a:t>
-            </a:r>
-            <a:r>
-              <a:rPr lang="fr-FR" sz="1200" kern="0" dirty="0" smtClean="0">
-                <a:solidFill>
-                  <a:schemeClr val="tx1">
-                    <a:lumMod val="50000"/>
-                    <a:lumOff val="50000"/>
-                  </a:schemeClr>
-                </a:solidFill>
-                <a:latin typeface="+mn-lt"/>
-                <a:cs typeface="+mn-cs"/>
-              </a:rPr>
-              <a:t>?</a:t>
-            </a:r>
-            <a:endParaRPr kumimoji="0" lang="fr-FR" sz="1200" b="1" i="0" u="sng" strike="noStrike" kern="0" cap="none" spc="0" normalizeH="0" baseline="0" noProof="0" dirty="0" smtClean="0">
-              <a:ln>
-                <a:noFill/>
-              </a:ln>
-              <a:effectLst/>
-              <a:uLnTx/>
-              <a:uFillTx/>
-              <a:latin typeface="+mn-lt"/>
-              <a:ea typeface="+mn-ea"/>
-              <a:cs typeface="+mn-cs"/>
-            </a:endParaRPr>
-          </a:p>
-        </p:txBody>
-      </p:sp>
-      <p:sp>
-        <p:nvSpPr>
-          <p:cNvPr id="5" name="ZoneTexte 4"/>
-          <p:cNvSpPr txBox="1"/>
-          <p:nvPr/>
-        </p:nvSpPr>
-        <p:spPr>
-          <a:xfrm>
-            <a:off x="2786050" y="0"/>
-            <a:ext cx="889987" cy="276999"/>
-          </a:xfrm>
-          <a:prstGeom prst="rect">
-            <a:avLst/>
-          </a:prstGeom>
-          <a:noFill/>
-          <a:ln>
-            <a:noFill/>
-          </a:ln>
-        </p:spPr>
-        <p:txBody>
-          <a:bodyPr wrap="none" rtlCol="0">
-            <a:spAutoFit/>
-          </a:bodyPr>
-          <a:lstStyle/>
-          <a:p>
-            <a:pPr fontAlgn="auto">
-              <a:spcBef>
-                <a:spcPct val="20000"/>
-              </a:spcBef>
-              <a:spcAft>
-                <a:spcPts val="0"/>
-              </a:spcAft>
-            </a:pPr>
-            <a:r>
-              <a:rPr lang="fr-FR" sz="1200" kern="0" dirty="0" smtClean="0">
-                <a:solidFill>
-                  <a:schemeClr val="tx1">
-                    <a:lumMod val="50000"/>
-                    <a:lumOff val="50000"/>
-                  </a:schemeClr>
-                </a:solidFill>
-                <a:latin typeface="+mn-lt"/>
-                <a:cs typeface="+mn-cs"/>
-              </a:rPr>
-              <a:t>ADL </a:t>
-            </a:r>
-            <a:r>
-              <a:rPr lang="fr-FR" sz="1200" kern="0" dirty="0" err="1" smtClean="0">
-                <a:solidFill>
-                  <a:schemeClr val="tx1">
-                    <a:lumMod val="50000"/>
-                    <a:lumOff val="50000"/>
-                  </a:schemeClr>
-                </a:solidFill>
-                <a:latin typeface="+mn-lt"/>
-                <a:cs typeface="+mn-cs"/>
-              </a:rPr>
-              <a:t>Choice</a:t>
-            </a:r>
-            <a:endParaRPr lang="fr-FR" sz="1200" kern="0" dirty="0" smtClean="0">
-              <a:solidFill>
-                <a:schemeClr val="tx1">
-                  <a:lumMod val="50000"/>
-                  <a:lumOff val="50000"/>
-                </a:schemeClr>
-              </a:solidFill>
-              <a:latin typeface="+mn-lt"/>
-              <a:cs typeface="+mn-cs"/>
-            </a:endParaRPr>
-          </a:p>
-        </p:txBody>
-      </p:sp>
-      <p:sp>
-        <p:nvSpPr>
-          <p:cNvPr id="6" name="ZoneTexte 5"/>
-          <p:cNvSpPr txBox="1"/>
-          <p:nvPr/>
-        </p:nvSpPr>
-        <p:spPr>
-          <a:xfrm>
-            <a:off x="4572000" y="0"/>
-            <a:ext cx="1418978" cy="276999"/>
-          </a:xfrm>
-          <a:prstGeom prst="rect">
-            <a:avLst/>
-          </a:prstGeom>
-          <a:noFill/>
-          <a:ln>
-            <a:noFill/>
-          </a:ln>
-        </p:spPr>
-        <p:txBody>
-          <a:bodyPr wrap="none" rtlCol="0">
-            <a:spAutoFit/>
-          </a:bodyPr>
-          <a:lstStyle/>
-          <a:p>
-            <a:pPr marL="0" marR="0" indent="0" algn="l" defTabSz="914400" rtl="0" eaLnBrk="1" fontAlgn="auto" latinLnBrk="0" hangingPunct="1">
-              <a:lnSpc>
-                <a:spcPct val="100000"/>
-              </a:lnSpc>
-              <a:spcBef>
-                <a:spcPct val="20000"/>
-              </a:spcBef>
-              <a:spcAft>
-                <a:spcPts val="0"/>
-              </a:spcAft>
-              <a:buClrTx/>
-              <a:buSzTx/>
-              <a:buFontTx/>
-              <a:buNone/>
-              <a:tabLst/>
-            </a:pPr>
-            <a:r>
-              <a:rPr lang="fr-FR" sz="1200" b="1" u="sng" kern="0" dirty="0" smtClean="0">
-                <a:latin typeface="+mn-lt"/>
-                <a:cs typeface="+mn-cs"/>
-              </a:rPr>
-              <a:t>ACME</a:t>
-            </a:r>
-            <a:r>
-              <a:rPr kumimoji="0" lang="fr-FR" sz="1200" i="0" u="none" strike="noStrike" kern="0" cap="none" spc="0" normalizeH="0" baseline="0" noProof="0" dirty="0" smtClean="0">
-                <a:ln>
-                  <a:noFill/>
-                </a:ln>
-                <a:solidFill>
-                  <a:schemeClr val="tx1">
-                    <a:lumMod val="50000"/>
-                    <a:lumOff val="50000"/>
-                  </a:schemeClr>
-                </a:solidFill>
-                <a:effectLst/>
-                <a:uLnTx/>
-                <a:uFillTx/>
-                <a:latin typeface="+mn-lt"/>
-                <a:ea typeface="+mn-ea"/>
-                <a:cs typeface="+mn-cs"/>
-              </a:rPr>
-              <a:t> </a:t>
-            </a:r>
-            <a:r>
-              <a:rPr lang="fr-FR" sz="1200" b="1" u="sng" kern="0" dirty="0" err="1" smtClean="0">
-                <a:latin typeface="+mn-lt"/>
-                <a:cs typeface="+mn-cs"/>
-              </a:rPr>
-              <a:t>Presentation</a:t>
-            </a:r>
-            <a:endParaRPr lang="fr-FR" sz="1200" b="1" u="sng" kern="0" dirty="0" smtClean="0">
-              <a:latin typeface="+mn-lt"/>
-              <a:cs typeface="+mn-cs"/>
-            </a:endParaRPr>
-          </a:p>
-        </p:txBody>
-      </p:sp>
-      <p:sp>
-        <p:nvSpPr>
-          <p:cNvPr id="7" name="ZoneTexte 6"/>
-          <p:cNvSpPr txBox="1"/>
-          <p:nvPr/>
-        </p:nvSpPr>
-        <p:spPr>
-          <a:xfrm>
-            <a:off x="6786578" y="0"/>
-            <a:ext cx="1382110" cy="276999"/>
-          </a:xfrm>
-          <a:prstGeom prst="rect">
-            <a:avLst/>
-          </a:prstGeom>
-          <a:noFill/>
-          <a:ln>
-            <a:noFill/>
-          </a:ln>
-        </p:spPr>
-        <p:txBody>
-          <a:bodyPr wrap="none" rtlCol="0">
-            <a:spAutoFit/>
-          </a:bodyPr>
-          <a:lstStyle/>
-          <a:p>
-            <a:pPr marL="0" marR="0" indent="0" algn="l" defTabSz="914400" rtl="0" eaLnBrk="1" fontAlgn="auto" latinLnBrk="0" hangingPunct="1">
-              <a:lnSpc>
-                <a:spcPct val="100000"/>
-              </a:lnSpc>
-              <a:spcBef>
-                <a:spcPct val="20000"/>
-              </a:spcBef>
-              <a:spcAft>
-                <a:spcPts val="0"/>
-              </a:spcAft>
-              <a:buClrTx/>
-              <a:buSzTx/>
-              <a:buFontTx/>
-              <a:buNone/>
-              <a:tabLst/>
-            </a:pPr>
-            <a:r>
-              <a:rPr kumimoji="0" lang="fr-FR" sz="1200" i="0" u="none" strike="noStrike" kern="0" cap="none" spc="0" normalizeH="0" baseline="0" noProof="0" dirty="0" smtClean="0">
-                <a:ln>
-                  <a:noFill/>
-                </a:ln>
-                <a:solidFill>
-                  <a:schemeClr val="tx1">
-                    <a:lumMod val="50000"/>
-                    <a:lumOff val="50000"/>
-                  </a:schemeClr>
-                </a:solidFill>
-                <a:effectLst/>
-                <a:uLnTx/>
-                <a:uFillTx/>
-                <a:latin typeface="+mn-lt"/>
-                <a:ea typeface="+mn-ea"/>
-                <a:cs typeface="+mn-cs"/>
-              </a:rPr>
-              <a:t>ATAM introduction</a:t>
-            </a:r>
-          </a:p>
-        </p:txBody>
-      </p:sp>
-    </p:spTree>
-  </p:cSld>
-  <p:clrMapOvr>
-    <a:masterClrMapping/>
-  </p:clrMapOvr>
-  <p:transition/>
-</p:sld>
-</file>
-
-<file path=ppt/slides/slide16.xml><?xml version="1.0" encoding="utf-8"?>
-<p:sld xmlns:a="http://schemas.openxmlformats.org/drawingml/2006/main" xmlns:r="http://schemas.openxmlformats.org/officeDocument/2006/relationships" xmlns:p="http://schemas.openxmlformats.org/presentationml/2006/main">
-  <p:cSld>
-    <p:spTree>
-      <p:nvGrpSpPr>
-        <p:cNvPr id="1" name=""/>
-        <p:cNvGrpSpPr/>
-        <p:nvPr/>
-      </p:nvGrpSpPr>
-      <p:grpSpPr>
-        <a:xfrm>
-          <a:off x="0" y="0"/>
-          <a:ext cx="0" cy="0"/>
-          <a:chOff x="0" y="0"/>
-          <a:chExt cx="0" cy="0"/>
-        </a:xfrm>
-      </p:grpSpPr>
-      <p:sp>
-        <p:nvSpPr>
-          <p:cNvPr id="2" name="Titre 1"/>
-          <p:cNvSpPr>
-            <a:spLocks noGrp="1"/>
-          </p:cNvSpPr>
-          <p:nvPr>
-            <p:ph type="ctrTitle"/>
-          </p:nvPr>
-        </p:nvSpPr>
-        <p:spPr/>
-        <p:txBody>
-          <a:bodyPr/>
-          <a:lstStyle/>
-          <a:p>
-            <a:r>
-              <a:rPr smtClean="0"/>
-              <a:t>3. Acme tool</a:t>
-            </a:r>
-            <a:endParaRPr lang="fr-FR" dirty="0"/>
-          </a:p>
-        </p:txBody>
-      </p:sp>
-      <p:sp>
-        <p:nvSpPr>
-          <p:cNvPr id="3" name="Espace réservé du texte 2"/>
-          <p:cNvSpPr>
-            <a:spLocks noGrp="1"/>
-          </p:cNvSpPr>
-          <p:nvPr>
-            <p:ph type="body" sz="quarter" idx="10"/>
-          </p:nvPr>
-        </p:nvSpPr>
-        <p:spPr/>
-        <p:txBody>
-          <a:bodyPr/>
-          <a:lstStyle/>
-          <a:p>
-            <a:r>
-              <a:rPr lang="en-US" b="1" i="1" dirty="0" smtClean="0"/>
-              <a:t>Eclipse</a:t>
-            </a:r>
-            <a:r>
-              <a:rPr lang="en-US" dirty="0" smtClean="0"/>
-              <a:t> plug-in software : </a:t>
-            </a:r>
-            <a:r>
-              <a:rPr lang="en-US" b="1" i="1" dirty="0" err="1" smtClean="0"/>
-              <a:t>AcmeStudio</a:t>
-            </a:r>
-            <a:endParaRPr lang="en-US" b="1" i="1" dirty="0" smtClean="0"/>
-          </a:p>
-          <a:p>
-            <a:endParaRPr lang="en-US" sz="1600" dirty="0" smtClean="0"/>
-          </a:p>
-          <a:p>
-            <a:r>
-              <a:rPr lang="en-US" b="1" i="1" dirty="0" err="1" smtClean="0"/>
-              <a:t>AcmeStudio</a:t>
-            </a:r>
-            <a:endParaRPr lang="en-US" b="1" i="1" dirty="0" smtClean="0"/>
-          </a:p>
-          <a:p>
-            <a:pPr lvl="1"/>
-            <a:r>
-              <a:rPr smtClean="0"/>
-              <a:t>Graphical interface</a:t>
-            </a:r>
-          </a:p>
-          <a:p>
-            <a:pPr lvl="1"/>
-            <a:r>
-              <a:rPr smtClean="0"/>
-              <a:t>Architecture drawing</a:t>
-            </a:r>
-          </a:p>
-          <a:p>
-            <a:pPr lvl="1"/>
-            <a:r>
-              <a:rPr smtClean="0"/>
-              <a:t>Design analyze</a:t>
-            </a:r>
-          </a:p>
-          <a:p>
-            <a:pPr lvl="1"/>
-            <a:r>
-              <a:rPr smtClean="0"/>
-              <a:t>Language description (development)</a:t>
-            </a:r>
-          </a:p>
-          <a:p>
-            <a:pPr lvl="1"/>
-            <a:endParaRPr lang="en-US" sz="1400" dirty="0" smtClean="0"/>
-          </a:p>
-          <a:p>
-            <a:r>
-              <a:rPr lang="en-US" dirty="0" smtClean="0"/>
-              <a:t>Features</a:t>
-            </a:r>
-          </a:p>
-          <a:p>
-            <a:pPr lvl="1"/>
-            <a:r>
-              <a:rPr lang="en-US" dirty="0" smtClean="0"/>
-              <a:t>Create or edit families</a:t>
-            </a:r>
-          </a:p>
-          <a:p>
-            <a:pPr lvl="1"/>
-            <a:r>
-              <a:rPr lang="en-US" dirty="0" smtClean="0"/>
-              <a:t>Edit visualization</a:t>
-            </a:r>
-          </a:p>
-          <a:p>
-            <a:pPr lvl="1"/>
-            <a:r>
-              <a:rPr lang="en-US" dirty="0" smtClean="0"/>
-              <a:t>Edit and check rules</a:t>
-            </a:r>
-          </a:p>
-          <a:p>
-            <a:pPr lvl="1"/>
-            <a:r>
-              <a:rPr lang="en-US" dirty="0" smtClean="0"/>
-              <a:t>Edit properties</a:t>
-            </a:r>
-          </a:p>
-          <a:p>
-            <a:pPr lvl="1"/>
-            <a:r>
-              <a:rPr lang="en-US" dirty="0" smtClean="0"/>
-              <a:t>Etc…</a:t>
-            </a:r>
-          </a:p>
-          <a:p>
-            <a:endParaRPr lang="en-US" dirty="0" smtClean="0"/>
-          </a:p>
-          <a:p>
-            <a:endParaRPr lang="en-US" dirty="0" smtClean="0"/>
-          </a:p>
-        </p:txBody>
-      </p:sp>
-      <p:sp>
-        <p:nvSpPr>
-          <p:cNvPr id="4" name="ZoneTexte 3"/>
-          <p:cNvSpPr txBox="1"/>
-          <p:nvPr/>
-        </p:nvSpPr>
-        <p:spPr>
-          <a:xfrm>
-            <a:off x="500034" y="0"/>
-            <a:ext cx="1558440" cy="276999"/>
-          </a:xfrm>
-          <a:prstGeom prst="rect">
-            <a:avLst/>
-          </a:prstGeom>
-          <a:noFill/>
-          <a:ln>
-            <a:noFill/>
-          </a:ln>
-        </p:spPr>
-        <p:txBody>
-          <a:bodyPr wrap="none" rtlCol="0">
-            <a:spAutoFit/>
-          </a:bodyPr>
-          <a:lstStyle/>
-          <a:p>
-            <a:pPr marL="0" marR="0" indent="0" algn="l" defTabSz="914400" rtl="0" eaLnBrk="1" fontAlgn="auto" latinLnBrk="0" hangingPunct="1">
-              <a:lnSpc>
-                <a:spcPct val="100000"/>
-              </a:lnSpc>
-              <a:spcBef>
-                <a:spcPct val="20000"/>
-              </a:spcBef>
-              <a:spcAft>
-                <a:spcPts val="0"/>
-              </a:spcAft>
-              <a:buClrTx/>
-              <a:buSzTx/>
-              <a:buFontTx/>
-              <a:buNone/>
-              <a:tabLst/>
-            </a:pPr>
-            <a:r>
-              <a:rPr lang="fr-FR" sz="1200" kern="0" dirty="0" err="1" smtClean="0">
-                <a:solidFill>
-                  <a:schemeClr val="tx1">
-                    <a:lumMod val="50000"/>
-                    <a:lumOff val="50000"/>
-                  </a:schemeClr>
-                </a:solidFill>
-                <a:latin typeface="+mn-lt"/>
-                <a:cs typeface="+mn-cs"/>
-              </a:rPr>
-              <a:t>Why</a:t>
-            </a:r>
-            <a:r>
-              <a:rPr lang="fr-FR" sz="1200" kern="0" dirty="0" smtClean="0">
-                <a:solidFill>
-                  <a:schemeClr val="tx1">
-                    <a:lumMod val="50000"/>
-                    <a:lumOff val="50000"/>
-                  </a:schemeClr>
-                </a:solidFill>
-                <a:latin typeface="+mn-lt"/>
-                <a:cs typeface="+mn-cs"/>
-              </a:rPr>
-              <a:t> do </a:t>
-            </a:r>
-            <a:r>
-              <a:rPr lang="fr-FR" sz="1200" kern="0" dirty="0" err="1" smtClean="0">
-                <a:solidFill>
-                  <a:schemeClr val="tx1">
-                    <a:lumMod val="50000"/>
-                    <a:lumOff val="50000"/>
-                  </a:schemeClr>
-                </a:solidFill>
-                <a:latin typeface="+mn-lt"/>
-                <a:cs typeface="+mn-cs"/>
-              </a:rPr>
-              <a:t>we</a:t>
-            </a:r>
-            <a:r>
-              <a:rPr lang="fr-FR" sz="1200" kern="0" dirty="0" smtClean="0">
-                <a:solidFill>
-                  <a:schemeClr val="tx1">
-                    <a:lumMod val="50000"/>
-                    <a:lumOff val="50000"/>
-                  </a:schemeClr>
-                </a:solidFill>
-                <a:latin typeface="+mn-lt"/>
-                <a:cs typeface="+mn-cs"/>
-              </a:rPr>
-              <a:t> use </a:t>
-            </a:r>
-            <a:r>
-              <a:rPr lang="fr-FR" sz="1200" kern="0" dirty="0" err="1" smtClean="0">
-                <a:solidFill>
-                  <a:schemeClr val="tx1">
-                    <a:lumMod val="50000"/>
-                    <a:lumOff val="50000"/>
-                  </a:schemeClr>
-                </a:solidFill>
-                <a:latin typeface="+mn-lt"/>
-                <a:cs typeface="+mn-cs"/>
-              </a:rPr>
-              <a:t>ADLs</a:t>
-            </a:r>
-            <a:r>
-              <a:rPr lang="fr-FR" sz="1200" kern="0" dirty="0" smtClean="0">
-                <a:solidFill>
-                  <a:schemeClr val="tx1">
-                    <a:lumMod val="50000"/>
-                    <a:lumOff val="50000"/>
-                  </a:schemeClr>
-                </a:solidFill>
-                <a:latin typeface="+mn-lt"/>
-                <a:cs typeface="+mn-cs"/>
-              </a:rPr>
-              <a:t>?</a:t>
-            </a:r>
-            <a:endParaRPr kumimoji="0" lang="fr-FR" sz="1200" b="1" i="0" u="sng" strike="noStrike" kern="0" cap="none" spc="0" normalizeH="0" baseline="0" noProof="0" dirty="0" smtClean="0">
-              <a:ln>
-                <a:noFill/>
-              </a:ln>
-              <a:effectLst/>
-              <a:uLnTx/>
-              <a:uFillTx/>
-              <a:latin typeface="+mn-lt"/>
-              <a:ea typeface="+mn-ea"/>
-              <a:cs typeface="+mn-cs"/>
-            </a:endParaRPr>
-          </a:p>
-        </p:txBody>
-      </p:sp>
-      <p:sp>
-        <p:nvSpPr>
-          <p:cNvPr id="5" name="ZoneTexte 4"/>
-          <p:cNvSpPr txBox="1"/>
-          <p:nvPr/>
-        </p:nvSpPr>
-        <p:spPr>
-          <a:xfrm>
-            <a:off x="2786050" y="0"/>
-            <a:ext cx="889987" cy="276999"/>
-          </a:xfrm>
-          <a:prstGeom prst="rect">
-            <a:avLst/>
-          </a:prstGeom>
-          <a:noFill/>
-          <a:ln>
-            <a:noFill/>
-          </a:ln>
-        </p:spPr>
-        <p:txBody>
-          <a:bodyPr wrap="none" rtlCol="0">
-            <a:spAutoFit/>
-          </a:bodyPr>
-          <a:lstStyle/>
-          <a:p>
-            <a:pPr fontAlgn="auto">
-              <a:spcBef>
-                <a:spcPct val="20000"/>
-              </a:spcBef>
-              <a:spcAft>
-                <a:spcPts val="0"/>
-              </a:spcAft>
-            </a:pPr>
-            <a:r>
-              <a:rPr lang="fr-FR" sz="1200" kern="0" dirty="0" smtClean="0">
-                <a:solidFill>
-                  <a:schemeClr val="tx1">
-                    <a:lumMod val="50000"/>
-                    <a:lumOff val="50000"/>
-                  </a:schemeClr>
-                </a:solidFill>
-                <a:latin typeface="+mn-lt"/>
-                <a:cs typeface="+mn-cs"/>
-              </a:rPr>
-              <a:t>ADL </a:t>
-            </a:r>
-            <a:r>
-              <a:rPr lang="fr-FR" sz="1200" kern="0" dirty="0" err="1" smtClean="0">
-                <a:solidFill>
-                  <a:schemeClr val="tx1">
-                    <a:lumMod val="50000"/>
-                    <a:lumOff val="50000"/>
-                  </a:schemeClr>
-                </a:solidFill>
-                <a:latin typeface="+mn-lt"/>
-                <a:cs typeface="+mn-cs"/>
-              </a:rPr>
-              <a:t>Choice</a:t>
-            </a:r>
-            <a:endParaRPr lang="fr-FR" sz="1200" kern="0" dirty="0" smtClean="0">
-              <a:solidFill>
-                <a:schemeClr val="tx1">
-                  <a:lumMod val="50000"/>
-                  <a:lumOff val="50000"/>
-                </a:schemeClr>
-              </a:solidFill>
-              <a:latin typeface="+mn-lt"/>
-              <a:cs typeface="+mn-cs"/>
-            </a:endParaRPr>
-          </a:p>
-        </p:txBody>
-      </p:sp>
-      <p:sp>
-        <p:nvSpPr>
-          <p:cNvPr id="6" name="ZoneTexte 5"/>
-          <p:cNvSpPr txBox="1"/>
-          <p:nvPr/>
-        </p:nvSpPr>
-        <p:spPr>
-          <a:xfrm>
-            <a:off x="4572000" y="0"/>
-            <a:ext cx="1418978" cy="276999"/>
-          </a:xfrm>
-          <a:prstGeom prst="rect">
-            <a:avLst/>
-          </a:prstGeom>
-          <a:noFill/>
-          <a:ln>
-            <a:noFill/>
-          </a:ln>
-        </p:spPr>
-        <p:txBody>
-          <a:bodyPr wrap="none" rtlCol="0">
-            <a:spAutoFit/>
-          </a:bodyPr>
-          <a:lstStyle/>
-          <a:p>
-            <a:pPr marL="0" marR="0" indent="0" algn="l" defTabSz="914400" rtl="0" eaLnBrk="1" fontAlgn="auto" latinLnBrk="0" hangingPunct="1">
-              <a:lnSpc>
-                <a:spcPct val="100000"/>
-              </a:lnSpc>
-              <a:spcBef>
-                <a:spcPct val="20000"/>
-              </a:spcBef>
-              <a:spcAft>
-                <a:spcPts val="0"/>
-              </a:spcAft>
-              <a:buClrTx/>
-              <a:buSzTx/>
-              <a:buFontTx/>
-              <a:buNone/>
-              <a:tabLst/>
-            </a:pPr>
-            <a:r>
-              <a:rPr lang="fr-FR" sz="1200" b="1" u="sng" kern="0" dirty="0" smtClean="0">
-                <a:latin typeface="+mn-lt"/>
-                <a:cs typeface="+mn-cs"/>
-              </a:rPr>
-              <a:t>ACME</a:t>
-            </a:r>
-            <a:r>
-              <a:rPr kumimoji="0" lang="fr-FR" sz="1200" i="0" u="none" strike="noStrike" kern="0" cap="none" spc="0" normalizeH="0" baseline="0" noProof="0" dirty="0" smtClean="0">
-                <a:ln>
-                  <a:noFill/>
-                </a:ln>
-                <a:solidFill>
-                  <a:schemeClr val="tx1">
-                    <a:lumMod val="50000"/>
-                    <a:lumOff val="50000"/>
-                  </a:schemeClr>
-                </a:solidFill>
-                <a:effectLst/>
-                <a:uLnTx/>
-                <a:uFillTx/>
-                <a:latin typeface="+mn-lt"/>
-                <a:ea typeface="+mn-ea"/>
-                <a:cs typeface="+mn-cs"/>
-              </a:rPr>
-              <a:t> </a:t>
-            </a:r>
-            <a:r>
-              <a:rPr lang="fr-FR" sz="1200" b="1" u="sng" kern="0" dirty="0" err="1" smtClean="0">
-                <a:latin typeface="+mn-lt"/>
-                <a:cs typeface="+mn-cs"/>
-              </a:rPr>
-              <a:t>Presentation</a:t>
-            </a:r>
-            <a:endParaRPr lang="fr-FR" sz="1200" b="1" u="sng" kern="0" dirty="0" smtClean="0">
-              <a:latin typeface="+mn-lt"/>
-              <a:cs typeface="+mn-cs"/>
-            </a:endParaRPr>
-          </a:p>
-        </p:txBody>
-      </p:sp>
-      <p:sp>
-        <p:nvSpPr>
-          <p:cNvPr id="7" name="ZoneTexte 6"/>
-          <p:cNvSpPr txBox="1"/>
-          <p:nvPr/>
-        </p:nvSpPr>
-        <p:spPr>
-          <a:xfrm>
-            <a:off x="6786578" y="0"/>
-            <a:ext cx="1382110" cy="276999"/>
-          </a:xfrm>
-          <a:prstGeom prst="rect">
-            <a:avLst/>
-          </a:prstGeom>
-          <a:noFill/>
-          <a:ln>
-            <a:noFill/>
-          </a:ln>
-        </p:spPr>
-        <p:txBody>
-          <a:bodyPr wrap="none" rtlCol="0">
-            <a:spAutoFit/>
-          </a:bodyPr>
-          <a:lstStyle/>
-          <a:p>
-            <a:pPr marL="0" marR="0" indent="0" algn="l" defTabSz="914400" rtl="0" eaLnBrk="1" fontAlgn="auto" latinLnBrk="0" hangingPunct="1">
-              <a:lnSpc>
-                <a:spcPct val="100000"/>
-              </a:lnSpc>
-              <a:spcBef>
-                <a:spcPct val="20000"/>
-              </a:spcBef>
-              <a:spcAft>
-                <a:spcPts val="0"/>
-              </a:spcAft>
-              <a:buClrTx/>
-              <a:buSzTx/>
-              <a:buFontTx/>
-              <a:buNone/>
-              <a:tabLst/>
-            </a:pPr>
-            <a:r>
-              <a:rPr kumimoji="0" lang="fr-FR" sz="1200" i="0" u="none" strike="noStrike" kern="0" cap="none" spc="0" normalizeH="0" baseline="0" noProof="0" dirty="0" smtClean="0">
-                <a:ln>
-                  <a:noFill/>
-                </a:ln>
-                <a:solidFill>
-                  <a:schemeClr val="tx1">
-                    <a:lumMod val="50000"/>
-                    <a:lumOff val="50000"/>
-                  </a:schemeClr>
-                </a:solidFill>
-                <a:effectLst/>
-                <a:uLnTx/>
-                <a:uFillTx/>
-                <a:latin typeface="+mn-lt"/>
-                <a:ea typeface="+mn-ea"/>
-                <a:cs typeface="+mn-cs"/>
-              </a:rPr>
-              <a:t>ATAM introduction</a:t>
-            </a:r>
-          </a:p>
-        </p:txBody>
-      </p:sp>
-    </p:spTree>
-  </p:cSld>
-  <p:clrMapOvr>
-    <a:masterClrMapping/>
-  </p:clrMapOvr>
-  <p:timing>
-    <p:tnLst>
-      <p:par>
-        <p:cTn id="1" dur="indefinite" restart="never" nodeType="tmRoot"/>
-      </p:par>
-    </p:tnLst>
-  </p:timing>
-</p:sld>
-</file>
-
 <file path=ppt/slides/slide17.xml><?xml version="1.0" encoding="utf-8"?>
 <p:sld xmlns:a="http://schemas.openxmlformats.org/drawingml/2006/main" xmlns:r="http://schemas.openxmlformats.org/officeDocument/2006/relationships" xmlns:p="http://schemas.openxmlformats.org/presentationml/2006/main">
   <p:cSld>
@@ -12204,8 +12251,12 @@
           <a:lstStyle/>
           <a:p>
             <a:r>
+              <a:rPr lang="fr-FR" dirty="0" smtClean="0"/>
+              <a:t>3. A</a:t>
+            </a:r>
+            <a:r>
               <a:rPr smtClean="0"/>
-              <a:t>3. ACMESTUDIO</a:t>
+              <a:t>cme language</a:t>
             </a:r>
             <a:endParaRPr lang="fr-FR" dirty="0"/>
           </a:p>
@@ -12226,52 +12277,78 @@
           <a:bodyPr/>
           <a:lstStyle/>
           <a:p>
-            <a:endParaRPr lang="fr-FR"/>
+            <a:r>
+              <a:rPr smtClean="0"/>
+              <a:t>Language is based on </a:t>
+            </a:r>
+          </a:p>
+          <a:p>
+            <a:pPr lvl="1"/>
+            <a:r>
+              <a:rPr smtClean="0"/>
+              <a:t>First order predicate logic </a:t>
+            </a:r>
+          </a:p>
+          <a:p>
+            <a:pPr lvl="1"/>
+            <a:r>
+              <a:rPr smtClean="0"/>
+              <a:t>Rules checking if architectural model is well formed</a:t>
+            </a:r>
+          </a:p>
+          <a:p>
+            <a:endParaRPr smtClean="0"/>
+          </a:p>
+          <a:p>
+            <a:r>
+              <a:rPr smtClean="0"/>
+              <a:t>Rules can be defined</a:t>
+            </a:r>
+          </a:p>
+          <a:p>
+            <a:pPr lvl="1"/>
+            <a:r>
+              <a:rPr smtClean="0"/>
+              <a:t>By the style designer</a:t>
+            </a:r>
+          </a:p>
+          <a:p>
+            <a:pPr lvl="1"/>
+            <a:r>
+              <a:rPr smtClean="0"/>
+              <a:t>By ourself</a:t>
+            </a:r>
+          </a:p>
+          <a:p>
+            <a:pPr lvl="1"/>
+            <a:endParaRPr smtClean="0"/>
+          </a:p>
+          <a:p>
+            <a:r>
+              <a:rPr smtClean="0"/>
+              <a:t>2 types of rules</a:t>
+            </a:r>
+          </a:p>
+          <a:p>
+            <a:pPr lvl="1"/>
+            <a:r>
+              <a:rPr smtClean="0"/>
+              <a:t>Invariant : violations of which are errors</a:t>
+            </a:r>
+          </a:p>
+          <a:p>
+            <a:pPr lvl="1"/>
+            <a:r>
+              <a:rPr smtClean="0"/>
+              <a:t>Heuristics : violations of which leads to warnings</a:t>
+            </a:r>
+            <a:endParaRPr lang="fr-FR" dirty="0"/>
           </a:p>
         </p:txBody>
       </p:sp>
-      <p:pic>
-        <p:nvPicPr>
-          <p:cNvPr id="1026" name="Picture 2"/>
-          <p:cNvPicPr>
-            <a:picLocks noChangeAspect="1" noChangeArrowheads="1"/>
-          </p:cNvPicPr>
-          <p:nvPr/>
-        </p:nvPicPr>
-        <p:blipFill>
-          <a:blip r:embed="rId2"/>
-          <a:srcRect b="3437"/>
-          <a:stretch>
-            <a:fillRect/>
-          </a:stretch>
-        </p:blipFill>
-        <p:spPr bwMode="auto">
-          <a:xfrm>
-            <a:off x="71406" y="1000108"/>
-            <a:ext cx="9001156" cy="5432359"/>
-          </a:xfrm>
-          <a:prstGeom prst="rect">
-            <a:avLst/>
-          </a:prstGeom>
-          <a:noFill/>
-          <a:ln w="9525">
-            <a:noFill/>
-            <a:miter lim="800000"/>
-            <a:headEnd/>
-            <a:tailEnd/>
-          </a:ln>
-          <a:effectLst>
-            <a:outerShdw blurRad="50800" dist="38100" dir="2700000" algn="tl" rotWithShape="0">
-              <a:prstClr val="black">
-                <a:alpha val="40000"/>
-              </a:prstClr>
-            </a:outerShdw>
-          </a:effectLst>
-        </p:spPr>
-      </p:pic>
       <p:sp>
         <p:nvSpPr>
-          <p:cNvPr id="5" name="ZoneTexte 4"/>
+          <p:cNvPr id="4" name="ZoneTexte 3"/>
           <p:cNvSpPr txBox="1"/>
           <p:nvPr/>
         </p:nvSpPr>
@@ -12404,7 +12481,7 @@
       </p:sp>
       <p:sp>
         <p:nvSpPr>
-          <p:cNvPr id="6" name="ZoneTexte 5"/>
+          <p:cNvPr id="5" name="ZoneTexte 4"/>
           <p:cNvSpPr txBox="1"/>
           <p:nvPr/>
         </p:nvSpPr>
@@ -12476,7 +12553,7 @@
       </p:sp>
       <p:sp>
         <p:nvSpPr>
-          <p:cNvPr id="7" name="ZoneTexte 6"/>
+          <p:cNvPr id="6" name="ZoneTexte 5"/>
           <p:cNvSpPr txBox="1"/>
           <p:nvPr/>
         </p:nvSpPr>
@@ -12558,7 +12635,7 @@
       </p:sp>
       <p:sp>
         <p:nvSpPr>
-          <p:cNvPr id="8" name="ZoneTexte 7"/>
+          <p:cNvPr id="7" name="ZoneTexte 6"/>
           <p:cNvSpPr txBox="1"/>
           <p:nvPr/>
         </p:nvSpPr>
@@ -12625,13 +12702,7 @@
   <p:clrMapOvr>
     <a:masterClrMapping/>
   </p:clrMapOvr>
-  <p:timing>
-    <p:tnLst>
-      <p:par>
-        <p:cTn id="1" dur="indefinite" restart="never" nodeType="tmRoot"/>
-      </p:par>
-    </p:tnLst>
-  </p:timing>
+  <p:transition/>
 </p:sld>
 </file>
 
@@ -12669,15 +12740,7 @@
           <a:p>
             <a:r>
               <a:rPr smtClean="0"/>
-              <a:t>3</a:t>
-            </a:r>
-            <a:r>
-              <a:rPr smtClean="0"/>
-              <a:t>. </a:t>
-            </a:r>
-            <a:r>
-              <a:rPr smtClean="0"/>
-              <a:t>ACMESTUDIO (cont.)</a:t>
+              <a:t>3. Acme tool</a:t>
             </a:r>
             <a:endParaRPr lang="fr-FR" dirty="0"/>
           </a:p>
@@ -12698,52 +12761,114 @@
           <a:bodyPr/>
           <a:lstStyle/>
           <a:p>
-            <a:endParaRPr lang="fr-FR"/>
+            <a:r>
+              <a:rPr lang="en-US" b="1" i="1" dirty="0" smtClean="0"/>
+              <a:t>Eclipse</a:t>
+            </a:r>
+            <a:r>
+              <a:rPr lang="en-US" dirty="0" smtClean="0"/>
+              <a:t> plug-in software : </a:t>
+            </a:r>
+            <a:r>
+              <a:rPr lang="en-US" b="1" i="1" dirty="0" err="1" smtClean="0"/>
+              <a:t>AcmeStudio</a:t>
+            </a:r>
+            <a:endParaRPr lang="en-US" b="1" i="1" dirty="0" smtClean="0"/>
+          </a:p>
+          <a:p>
+            <a:endParaRPr lang="en-US" sz="1600" dirty="0" smtClean="0"/>
+          </a:p>
+          <a:p>
+            <a:r>
+              <a:rPr lang="en-US" b="1" i="1" dirty="0" err="1" smtClean="0"/>
+              <a:t>AcmeStudio</a:t>
+            </a:r>
+            <a:endParaRPr lang="en-US" b="1" i="1" dirty="0" smtClean="0"/>
+          </a:p>
+          <a:p>
+            <a:pPr lvl="1"/>
+            <a:r>
+              <a:rPr smtClean="0"/>
+              <a:t>Graphical interface</a:t>
+            </a:r>
+          </a:p>
+          <a:p>
+            <a:pPr lvl="1"/>
+            <a:r>
+              <a:rPr smtClean="0"/>
+              <a:t>Architecture drawing</a:t>
+            </a:r>
+          </a:p>
+          <a:p>
+            <a:pPr lvl="1"/>
+            <a:r>
+              <a:rPr smtClean="0"/>
+              <a:t>Design analyze</a:t>
+            </a:r>
+          </a:p>
+          <a:p>
+            <a:pPr lvl="1"/>
+            <a:r>
+              <a:rPr smtClean="0"/>
+              <a:t>Language description (development)</a:t>
+            </a:r>
+          </a:p>
+          <a:p>
+            <a:pPr lvl="1"/>
+            <a:endParaRPr lang="en-US" sz="1400" dirty="0" smtClean="0"/>
+          </a:p>
+          <a:p>
+            <a:r>
+              <a:rPr lang="en-US" dirty="0" smtClean="0"/>
+              <a:t>Features</a:t>
+            </a:r>
+          </a:p>
+          <a:p>
+            <a:pPr lvl="1"/>
+            <a:r>
+              <a:rPr lang="en-US" dirty="0" smtClean="0"/>
+              <a:t>Create or edit families</a:t>
+            </a:r>
+          </a:p>
+          <a:p>
+            <a:pPr lvl="1"/>
+            <a:r>
+              <a:rPr lang="en-US" dirty="0" smtClean="0"/>
+              <a:t>Edit visualization</a:t>
+            </a:r>
+          </a:p>
+          <a:p>
+            <a:pPr lvl="1"/>
+            <a:r>
+              <a:rPr lang="en-US" dirty="0" smtClean="0"/>
+              <a:t>Edit and check rules</a:t>
+            </a:r>
+          </a:p>
+          <a:p>
+            <a:pPr lvl="1"/>
+            <a:r>
+              <a:rPr lang="en-US" dirty="0" smtClean="0"/>
+              <a:t>Edit properties</a:t>
+            </a:r>
+          </a:p>
+          <a:p>
+            <a:pPr lvl="1"/>
+            <a:r>
+              <a:rPr lang="en-US" dirty="0" smtClean="0"/>
+              <a:t>Etc…</a:t>
+            </a:r>
+          </a:p>
+          <a:p>
+            <a:endParaRPr lang="en-US" dirty="0" smtClean="0"/>
+          </a:p>
+          <a:p>
+            <a:endParaRPr lang="en-US" dirty="0" smtClean="0"/>
           </a:p>
         </p:txBody>
       </p:sp>
-      <p:pic>
-        <p:nvPicPr>
-          <p:cNvPr id="2050" name="Picture 2"/>
-          <p:cNvPicPr>
-            <a:picLocks noChangeAspect="1" noChangeArrowheads="1"/>
-          </p:cNvPicPr>
-          <p:nvPr/>
-        </p:nvPicPr>
-        <p:blipFill>
-          <a:blip r:embed="rId2"/>
-          <a:srcRect b="3749"/>
-          <a:stretch>
-            <a:fillRect/>
-          </a:stretch>
-        </p:blipFill>
-        <p:spPr bwMode="auto">
-          <a:xfrm>
-            <a:off x="142876" y="1071546"/>
-            <a:ext cx="8929718" cy="5371821"/>
-          </a:xfrm>
-          <a:prstGeom prst="rect">
-            <a:avLst/>
-          </a:prstGeom>
-          <a:noFill/>
-          <a:ln w="9525">
-            <a:noFill/>
-            <a:miter lim="800000"/>
-            <a:headEnd/>
-            <a:tailEnd/>
-          </a:ln>
-          <a:effectLst>
-            <a:outerShdw blurRad="50800" dist="38100" dir="2700000" algn="tl" rotWithShape="0">
-              <a:prstClr val="black">
-                <a:alpha val="40000"/>
-              </a:prstClr>
-            </a:outerShdw>
-          </a:effectLst>
-        </p:spPr>
-      </p:pic>
       <p:sp>
         <p:nvSpPr>
-          <p:cNvPr id="5" name="ZoneTexte 4"/>
+          <p:cNvPr id="4" name="ZoneTexte 3"/>
           <p:cNvSpPr txBox="1"/>
           <p:nvPr/>
         </p:nvSpPr>
@@ -12876,7 +13001,7 @@
       </p:sp>
       <p:sp>
         <p:nvSpPr>
-          <p:cNvPr id="6" name="ZoneTexte 5"/>
+          <p:cNvPr id="5" name="ZoneTexte 4"/>
           <p:cNvSpPr txBox="1"/>
           <p:nvPr/>
         </p:nvSpPr>
@@ -12948,7 +13073,7 @@
       </p:sp>
       <p:sp>
         <p:nvSpPr>
-          <p:cNvPr id="7" name="ZoneTexte 6"/>
+          <p:cNvPr id="6" name="ZoneTexte 5"/>
           <p:cNvSpPr txBox="1"/>
           <p:nvPr/>
         </p:nvSpPr>
@@ -13030,7 +13155,7 @@
       </p:sp>
       <p:sp>
         <p:nvSpPr>
-          <p:cNvPr id="8" name="ZoneTexte 7"/>
+          <p:cNvPr id="7" name="ZoneTexte 6"/>
           <p:cNvSpPr txBox="1"/>
           <p:nvPr/>
         </p:nvSpPr>
@@ -13141,7 +13266,7 @@
           <a:p>
             <a:r>
               <a:rPr smtClean="0"/>
-              <a:t>3. ACMESTUDIO (cont.)</a:t>
+              <a:t>3. ACMESTUDIO</a:t>
             </a:r>
             <a:endParaRPr lang="fr-FR" dirty="0"/>
           </a:p>
@@ -13168,7 +13293,7 @@
       </p:sp>
       <p:pic>
         <p:nvPicPr>
-          <p:cNvPr id="3074" name="Picture 2"/>
+          <p:cNvPr id="1026" name="Picture 2"/>
           <p:cNvPicPr>
             <a:picLocks noChangeAspect="1" noChangeArrowheads="1"/>
           </p:cNvPicPr>
@@ -13176,15 +13301,15 @@
         </p:nvPicPr>
         <p:blipFill>
           <a:blip r:embed="rId2"/>
-          <a:srcRect b="4516"/>
+          <a:srcRect b="3437"/>
           <a:stretch>
             <a:fillRect/>
           </a:stretch>
         </p:blipFill>
         <p:spPr bwMode="auto">
           <a:xfrm>
-            <a:off x="142844" y="1142983"/>
-            <a:ext cx="8858312" cy="5286413"/>
+            <a:off x="71406" y="1000108"/>
+            <a:ext cx="9001156" cy="5432359"/>
           </a:xfrm>
           <a:prstGeom prst="rect">
             <a:avLst/>
@@ -13890,6 +14015,934 @@
       </p:sp>
       <p:pic>
         <p:nvPicPr>
+          <p:cNvPr id="2050" name="Picture 2"/>
+          <p:cNvPicPr>
+            <a:picLocks noChangeAspect="1" noChangeArrowheads="1"/>
+          </p:cNvPicPr>
+          <p:nvPr/>
+        </p:nvPicPr>
+        <p:blipFill>
+          <a:blip r:embed="rId2"/>
+          <a:srcRect b="3749"/>
+          <a:stretch>
+            <a:fillRect/>
+          </a:stretch>
+        </p:blipFill>
+        <p:spPr bwMode="auto">
+          <a:xfrm>
+            <a:off x="142876" y="1071546"/>
+            <a:ext cx="8929718" cy="5371821"/>
+          </a:xfrm>
+          <a:prstGeom prst="rect">
+            <a:avLst/>
+          </a:prstGeom>
+          <a:noFill/>
+          <a:ln w="9525">
+            <a:noFill/>
+            <a:miter lim="800000"/>
+            <a:headEnd/>
+            <a:tailEnd/>
+          </a:ln>
+          <a:effectLst>
+            <a:outerShdw blurRad="50800" dist="38100" dir="2700000" algn="tl" rotWithShape="0">
+              <a:prstClr val="black">
+                <a:alpha val="40000"/>
+              </a:prstClr>
+            </a:outerShdw>
+          </a:effectLst>
+        </p:spPr>
+      </p:pic>
+      <p:sp>
+        <p:nvSpPr>
+          <p:cNvPr id="5" name="ZoneTexte 4"/>
+          <p:cNvSpPr txBox="1"/>
+          <p:nvPr/>
+        </p:nvSpPr>
+        <p:spPr>
+          <a:xfrm>
+            <a:off x="500034" y="0"/>
+            <a:ext cx="1558440" cy="276999"/>
+          </a:xfrm>
+          <a:prstGeom prst="rect">
+            <a:avLst/>
+          </a:prstGeom>
+          <a:noFill/>
+          <a:ln>
+            <a:noFill/>
+          </a:ln>
+        </p:spPr>
+        <p:txBody>
+          <a:bodyPr wrap="none" rtlCol="0">
+            <a:spAutoFit/>
+          </a:bodyPr>
+          <a:lstStyle/>
+          <a:p>
+            <a:pPr marL="0" marR="0" indent="0" algn="l" defTabSz="914400" rtl="0" eaLnBrk="1" fontAlgn="auto" latinLnBrk="0" hangingPunct="1">
+              <a:lnSpc>
+                <a:spcPct val="100000"/>
+              </a:lnSpc>
+              <a:spcBef>
+                <a:spcPct val="20000"/>
+              </a:spcBef>
+              <a:spcAft>
+                <a:spcPts val="0"/>
+              </a:spcAft>
+              <a:buClrTx/>
+              <a:buSzTx/>
+              <a:buFontTx/>
+              <a:buNone/>
+              <a:tabLst/>
+            </a:pPr>
+            <a:r>
+              <a:rPr lang="fr-FR" sz="1200" kern="0" dirty="0" err="1" smtClean="0">
+                <a:solidFill>
+                  <a:schemeClr val="tx1">
+                    <a:lumMod val="50000"/>
+                    <a:lumOff val="50000"/>
+                  </a:schemeClr>
+                </a:solidFill>
+                <a:latin typeface="+mn-lt"/>
+                <a:cs typeface="+mn-cs"/>
+              </a:rPr>
+              <a:t>Why</a:t>
+            </a:r>
+            <a:r>
+              <a:rPr lang="fr-FR" sz="1200" kern="0" dirty="0" smtClean="0">
+                <a:solidFill>
+                  <a:schemeClr val="tx1">
+                    <a:lumMod val="50000"/>
+                    <a:lumOff val="50000"/>
+                  </a:schemeClr>
+                </a:solidFill>
+                <a:latin typeface="+mn-lt"/>
+                <a:cs typeface="+mn-cs"/>
+              </a:rPr>
+              <a:t> do </a:t>
+            </a:r>
+            <a:r>
+              <a:rPr lang="fr-FR" sz="1200" kern="0" dirty="0" err="1" smtClean="0">
+                <a:solidFill>
+                  <a:schemeClr val="tx1">
+                    <a:lumMod val="50000"/>
+                    <a:lumOff val="50000"/>
+                  </a:schemeClr>
+                </a:solidFill>
+                <a:latin typeface="+mn-lt"/>
+                <a:cs typeface="+mn-cs"/>
+              </a:rPr>
+              <a:t>we</a:t>
+            </a:r>
+            <a:r>
+              <a:rPr lang="fr-FR" sz="1200" kern="0" dirty="0" smtClean="0">
+                <a:solidFill>
+                  <a:schemeClr val="tx1">
+                    <a:lumMod val="50000"/>
+                    <a:lumOff val="50000"/>
+                  </a:schemeClr>
+                </a:solidFill>
+                <a:latin typeface="+mn-lt"/>
+                <a:cs typeface="+mn-cs"/>
+              </a:rPr>
+              <a:t> use </a:t>
+            </a:r>
+            <a:r>
+              <a:rPr lang="fr-FR" sz="1200" kern="0" dirty="0" err="1" smtClean="0">
+                <a:solidFill>
+                  <a:schemeClr val="tx1">
+                    <a:lumMod val="50000"/>
+                    <a:lumOff val="50000"/>
+                  </a:schemeClr>
+                </a:solidFill>
+                <a:latin typeface="+mn-lt"/>
+                <a:cs typeface="+mn-cs"/>
+              </a:rPr>
+              <a:t>ADLs</a:t>
+            </a:r>
+            <a:r>
+              <a:rPr lang="fr-FR" sz="1200" kern="0" dirty="0" smtClean="0">
+                <a:solidFill>
+                  <a:schemeClr val="tx1">
+                    <a:lumMod val="50000"/>
+                    <a:lumOff val="50000"/>
+                  </a:schemeClr>
+                </a:solidFill>
+                <a:latin typeface="+mn-lt"/>
+                <a:cs typeface="+mn-cs"/>
+              </a:rPr>
+              <a:t>?</a:t>
+            </a:r>
+            <a:endParaRPr kumimoji="0" lang="fr-FR" sz="1200" b="1" i="0" u="sng" strike="noStrike" kern="0" cap="none" spc="0" normalizeH="0" baseline="0" noProof="0" dirty="0" smtClean="0">
+              <a:ln>
+                <a:noFill/>
+              </a:ln>
+              <a:effectLst/>
+              <a:uLnTx/>
+              <a:uFillTx/>
+              <a:latin typeface="+mn-lt"/>
+              <a:ea typeface="+mn-ea"/>
+              <a:cs typeface="+mn-cs"/>
+            </a:endParaRPr>
+          </a:p>
+        </p:txBody>
+      </p:sp>
+      <p:sp>
+        <p:nvSpPr>
+          <p:cNvPr id="6" name="ZoneTexte 5"/>
+          <p:cNvSpPr txBox="1"/>
+          <p:nvPr/>
+        </p:nvSpPr>
+        <p:spPr>
+          <a:xfrm>
+            <a:off x="2786050" y="0"/>
+            <a:ext cx="889987" cy="276999"/>
+          </a:xfrm>
+          <a:prstGeom prst="rect">
+            <a:avLst/>
+          </a:prstGeom>
+          <a:noFill/>
+          <a:ln>
+            <a:noFill/>
+          </a:ln>
+        </p:spPr>
+        <p:txBody>
+          <a:bodyPr wrap="none" rtlCol="0">
+            <a:spAutoFit/>
+          </a:bodyPr>
+          <a:lstStyle/>
+          <a:p>
+            <a:pPr fontAlgn="auto">
+              <a:spcBef>
+                <a:spcPct val="20000"/>
+              </a:spcBef>
+              <a:spcAft>
+                <a:spcPts val="0"/>
+              </a:spcAft>
+            </a:pPr>
+            <a:r>
+              <a:rPr lang="fr-FR" sz="1200" kern="0" dirty="0" smtClean="0">
+                <a:solidFill>
+                  <a:schemeClr val="tx1">
+                    <a:lumMod val="50000"/>
+                    <a:lumOff val="50000"/>
+                  </a:schemeClr>
+                </a:solidFill>
+                <a:latin typeface="+mn-lt"/>
+                <a:cs typeface="+mn-cs"/>
+              </a:rPr>
+              <a:t>ADL </a:t>
+            </a:r>
+            <a:r>
+              <a:rPr lang="fr-FR" sz="1200" kern="0" dirty="0" err="1" smtClean="0">
+                <a:solidFill>
+                  <a:schemeClr val="tx1">
+                    <a:lumMod val="50000"/>
+                    <a:lumOff val="50000"/>
+                  </a:schemeClr>
+                </a:solidFill>
+                <a:latin typeface="+mn-lt"/>
+                <a:cs typeface="+mn-cs"/>
+              </a:rPr>
+              <a:t>Choice</a:t>
+            </a:r>
+            <a:endParaRPr lang="fr-FR" sz="1200" kern="0" dirty="0" smtClean="0">
+              <a:solidFill>
+                <a:schemeClr val="tx1">
+                  <a:lumMod val="50000"/>
+                  <a:lumOff val="50000"/>
+                </a:schemeClr>
+              </a:solidFill>
+              <a:latin typeface="+mn-lt"/>
+              <a:cs typeface="+mn-cs"/>
+            </a:endParaRPr>
+          </a:p>
+        </p:txBody>
+      </p:sp>
+      <p:sp>
+        <p:nvSpPr>
+          <p:cNvPr id="7" name="ZoneTexte 6"/>
+          <p:cNvSpPr txBox="1"/>
+          <p:nvPr/>
+        </p:nvSpPr>
+        <p:spPr>
+          <a:xfrm>
+            <a:off x="4572000" y="0"/>
+            <a:ext cx="1418978" cy="276999"/>
+          </a:xfrm>
+          <a:prstGeom prst="rect">
+            <a:avLst/>
+          </a:prstGeom>
+          <a:noFill/>
+          <a:ln>
+            <a:noFill/>
+          </a:ln>
+        </p:spPr>
+        <p:txBody>
+          <a:bodyPr wrap="none" rtlCol="0">
+            <a:spAutoFit/>
+          </a:bodyPr>
+          <a:lstStyle/>
+          <a:p>
+            <a:pPr marL="0" marR="0" indent="0" algn="l" defTabSz="914400" rtl="0" eaLnBrk="1" fontAlgn="auto" latinLnBrk="0" hangingPunct="1">
+              <a:lnSpc>
+                <a:spcPct val="100000"/>
+              </a:lnSpc>
+              <a:spcBef>
+                <a:spcPct val="20000"/>
+              </a:spcBef>
+              <a:spcAft>
+                <a:spcPts val="0"/>
+              </a:spcAft>
+              <a:buClrTx/>
+              <a:buSzTx/>
+              <a:buFontTx/>
+              <a:buNone/>
+              <a:tabLst/>
+            </a:pPr>
+            <a:r>
+              <a:rPr lang="fr-FR" sz="1200" b="1" u="sng" kern="0" dirty="0" smtClean="0">
+                <a:latin typeface="+mn-lt"/>
+                <a:cs typeface="+mn-cs"/>
+              </a:rPr>
+              <a:t>ACME</a:t>
+            </a:r>
+            <a:r>
+              <a:rPr kumimoji="0" lang="fr-FR" sz="1200" i="0" u="none" strike="noStrike" kern="0" cap="none" spc="0" normalizeH="0" baseline="0" noProof="0" dirty="0" smtClean="0">
+                <a:ln>
+                  <a:noFill/>
+                </a:ln>
+                <a:solidFill>
+                  <a:schemeClr val="tx1">
+                    <a:lumMod val="50000"/>
+                    <a:lumOff val="50000"/>
+                  </a:schemeClr>
+                </a:solidFill>
+                <a:effectLst/>
+                <a:uLnTx/>
+                <a:uFillTx/>
+                <a:latin typeface="+mn-lt"/>
+                <a:ea typeface="+mn-ea"/>
+                <a:cs typeface="+mn-cs"/>
+              </a:rPr>
+              <a:t> </a:t>
+            </a:r>
+            <a:r>
+              <a:rPr lang="fr-FR" sz="1200" b="1" u="sng" kern="0" dirty="0" err="1" smtClean="0">
+                <a:latin typeface="+mn-lt"/>
+                <a:cs typeface="+mn-cs"/>
+              </a:rPr>
+              <a:t>Presentation</a:t>
+            </a:r>
+            <a:endParaRPr lang="fr-FR" sz="1200" b="1" u="sng" kern="0" dirty="0" smtClean="0">
+              <a:latin typeface="+mn-lt"/>
+              <a:cs typeface="+mn-cs"/>
+            </a:endParaRPr>
+          </a:p>
+        </p:txBody>
+      </p:sp>
+      <p:sp>
+        <p:nvSpPr>
+          <p:cNvPr id="8" name="ZoneTexte 7"/>
+          <p:cNvSpPr txBox="1"/>
+          <p:nvPr/>
+        </p:nvSpPr>
+        <p:spPr>
+          <a:xfrm>
+            <a:off x="6786578" y="0"/>
+            <a:ext cx="1382110" cy="276999"/>
+          </a:xfrm>
+          <a:prstGeom prst="rect">
+            <a:avLst/>
+          </a:prstGeom>
+          <a:noFill/>
+          <a:ln>
+            <a:noFill/>
+          </a:ln>
+        </p:spPr>
+        <p:txBody>
+          <a:bodyPr wrap="none" rtlCol="0">
+            <a:spAutoFit/>
+          </a:bodyPr>
+          <a:lstStyle/>
+          <a:p>
+            <a:pPr marL="0" marR="0" indent="0" algn="l" defTabSz="914400" rtl="0" eaLnBrk="1" fontAlgn="auto" latinLnBrk="0" hangingPunct="1">
+              <a:lnSpc>
+                <a:spcPct val="100000"/>
+              </a:lnSpc>
+              <a:spcBef>
+                <a:spcPct val="20000"/>
+              </a:spcBef>
+              <a:spcAft>
+                <a:spcPts val="0"/>
+              </a:spcAft>
+              <a:buClrTx/>
+              <a:buSzTx/>
+              <a:buFontTx/>
+              <a:buNone/>
+              <a:tabLst/>
+            </a:pPr>
+            <a:r>
+              <a:rPr kumimoji="0" lang="fr-FR" sz="1200" i="0" u="none" strike="noStrike" kern="0" cap="none" spc="0" normalizeH="0" baseline="0" noProof="0" dirty="0" smtClean="0">
+                <a:ln>
+                  <a:noFill/>
+                </a:ln>
+                <a:solidFill>
+                  <a:schemeClr val="tx1">
+                    <a:lumMod val="50000"/>
+                    <a:lumOff val="50000"/>
+                  </a:schemeClr>
+                </a:solidFill>
+                <a:effectLst/>
+                <a:uLnTx/>
+                <a:uFillTx/>
+                <a:latin typeface="+mn-lt"/>
+                <a:ea typeface="+mn-ea"/>
+                <a:cs typeface="+mn-cs"/>
+              </a:rPr>
+              <a:t>ATAM introduction</a:t>
+            </a:r>
+          </a:p>
+        </p:txBody>
+      </p:sp>
+    </p:spTree>
+  </p:cSld>
+  <p:clrMapOvr>
+    <a:masterClrMapping/>
+  </p:clrMapOvr>
+  <p:timing>
+    <p:tnLst>
+      <p:par>
+        <p:cTn id="1" dur="indefinite" restart="never" nodeType="tmRoot"/>
+      </p:par>
+    </p:tnLst>
+  </p:timing>
+</p:sld>
+</file>
+
+<file path=ppt/slides/slide21.xml><?xml version="1.0" encoding="utf-8"?>
+<p:sld xmlns:a="http://schemas.openxmlformats.org/drawingml/2006/main" xmlns:r="http://schemas.openxmlformats.org/officeDocument/2006/relationships" xmlns:p="http://schemas.openxmlformats.org/presentationml/2006/main">
+  <p:cSld>
+    <p:spTree>
+      <p:nvGrpSpPr>
+        <p:cNvPr id="1" name=""/>
+        <p:cNvGrpSpPr/>
+        <p:nvPr/>
+      </p:nvGrpSpPr>
+      <p:grpSpPr>
+        <a:xfrm>
+          <a:off x="0" y="0"/>
+          <a:ext cx="0" cy="0"/>
+          <a:chOff x="0" y="0"/>
+          <a:chExt cx="0" cy="0"/>
+        </a:xfrm>
+      </p:grpSpPr>
+      <p:sp>
+        <p:nvSpPr>
+          <p:cNvPr id="2" name="Titre 1"/>
+          <p:cNvSpPr>
+            <a:spLocks noGrp="1"/>
+          </p:cNvSpPr>
+          <p:nvPr>
+            <p:ph type="ctrTitle"/>
+          </p:nvPr>
+        </p:nvSpPr>
+        <p:spPr/>
+        <p:txBody>
+          <a:bodyPr/>
+          <a:lstStyle/>
+          <a:p>
+            <a:r>
+              <a:rPr smtClean="0"/>
+              <a:t>3. ACMESTUDIO (cont.)</a:t>
+            </a:r>
+            <a:endParaRPr lang="fr-FR" dirty="0"/>
+          </a:p>
+        </p:txBody>
+      </p:sp>
+      <p:sp>
+        <p:nvSpPr>
+          <p:cNvPr id="3" name="Espace réservé du texte 2"/>
+          <p:cNvSpPr>
+            <a:spLocks noGrp="1"/>
+          </p:cNvSpPr>
+          <p:nvPr>
+            <p:ph type="body" sz="quarter" idx="10"/>
+          </p:nvPr>
+        </p:nvSpPr>
+        <p:spPr/>
+        <p:txBody>
+          <a:bodyPr/>
+          <a:lstStyle/>
+          <a:p>
+            <a:endParaRPr lang="fr-FR"/>
+          </a:p>
+        </p:txBody>
+      </p:sp>
+      <p:pic>
+        <p:nvPicPr>
+          <p:cNvPr id="3074" name="Picture 2"/>
+          <p:cNvPicPr>
+            <a:picLocks noChangeAspect="1" noChangeArrowheads="1"/>
+          </p:cNvPicPr>
+          <p:nvPr/>
+        </p:nvPicPr>
+        <p:blipFill>
+          <a:blip r:embed="rId2"/>
+          <a:srcRect b="4516"/>
+          <a:stretch>
+            <a:fillRect/>
+          </a:stretch>
+        </p:blipFill>
+        <p:spPr bwMode="auto">
+          <a:xfrm>
+            <a:off x="142844" y="1142983"/>
+            <a:ext cx="8858312" cy="5286413"/>
+          </a:xfrm>
+          <a:prstGeom prst="rect">
+            <a:avLst/>
+          </a:prstGeom>
+          <a:noFill/>
+          <a:ln w="9525">
+            <a:noFill/>
+            <a:miter lim="800000"/>
+            <a:headEnd/>
+            <a:tailEnd/>
+          </a:ln>
+          <a:effectLst>
+            <a:outerShdw blurRad="50800" dist="38100" dir="2700000" algn="tl" rotWithShape="0">
+              <a:prstClr val="black">
+                <a:alpha val="40000"/>
+              </a:prstClr>
+            </a:outerShdw>
+          </a:effectLst>
+        </p:spPr>
+      </p:pic>
+      <p:sp>
+        <p:nvSpPr>
+          <p:cNvPr id="5" name="ZoneTexte 4"/>
+          <p:cNvSpPr txBox="1"/>
+          <p:nvPr/>
+        </p:nvSpPr>
+        <p:spPr>
+          <a:xfrm>
+            <a:off x="500034" y="0"/>
+            <a:ext cx="1558440" cy="276999"/>
+          </a:xfrm>
+          <a:prstGeom prst="rect">
+            <a:avLst/>
+          </a:prstGeom>
+          <a:noFill/>
+          <a:ln>
+            <a:noFill/>
+          </a:ln>
+        </p:spPr>
+        <p:txBody>
+          <a:bodyPr wrap="none" rtlCol="0">
+            <a:spAutoFit/>
+          </a:bodyPr>
+          <a:lstStyle/>
+          <a:p>
+            <a:pPr marL="0" marR="0" indent="0" algn="l" defTabSz="914400" rtl="0" eaLnBrk="1" fontAlgn="auto" latinLnBrk="0" hangingPunct="1">
+              <a:lnSpc>
+                <a:spcPct val="100000"/>
+              </a:lnSpc>
+              <a:spcBef>
+                <a:spcPct val="20000"/>
+              </a:spcBef>
+              <a:spcAft>
+                <a:spcPts val="0"/>
+              </a:spcAft>
+              <a:buClrTx/>
+              <a:buSzTx/>
+              <a:buFontTx/>
+              <a:buNone/>
+              <a:tabLst/>
+            </a:pPr>
+            <a:r>
+              <a:rPr lang="fr-FR" sz="1200" kern="0" dirty="0" err="1" smtClean="0">
+                <a:solidFill>
+                  <a:schemeClr val="tx1">
+                    <a:lumMod val="50000"/>
+                    <a:lumOff val="50000"/>
+                  </a:schemeClr>
+                </a:solidFill>
+                <a:latin typeface="+mn-lt"/>
+                <a:cs typeface="+mn-cs"/>
+              </a:rPr>
+              <a:t>Why</a:t>
+            </a:r>
+            <a:r>
+              <a:rPr lang="fr-FR" sz="1200" kern="0" dirty="0" smtClean="0">
+                <a:solidFill>
+                  <a:schemeClr val="tx1">
+                    <a:lumMod val="50000"/>
+                    <a:lumOff val="50000"/>
+                  </a:schemeClr>
+                </a:solidFill>
+                <a:latin typeface="+mn-lt"/>
+                <a:cs typeface="+mn-cs"/>
+              </a:rPr>
+              <a:t> do </a:t>
+            </a:r>
+            <a:r>
+              <a:rPr lang="fr-FR" sz="1200" kern="0" dirty="0" err="1" smtClean="0">
+                <a:solidFill>
+                  <a:schemeClr val="tx1">
+                    <a:lumMod val="50000"/>
+                    <a:lumOff val="50000"/>
+                  </a:schemeClr>
+                </a:solidFill>
+                <a:latin typeface="+mn-lt"/>
+                <a:cs typeface="+mn-cs"/>
+              </a:rPr>
+              <a:t>we</a:t>
+            </a:r>
+            <a:r>
+              <a:rPr lang="fr-FR" sz="1200" kern="0" dirty="0" smtClean="0">
+                <a:solidFill>
+                  <a:schemeClr val="tx1">
+                    <a:lumMod val="50000"/>
+                    <a:lumOff val="50000"/>
+                  </a:schemeClr>
+                </a:solidFill>
+                <a:latin typeface="+mn-lt"/>
+                <a:cs typeface="+mn-cs"/>
+              </a:rPr>
+              <a:t> use </a:t>
+            </a:r>
+            <a:r>
+              <a:rPr lang="fr-FR" sz="1200" kern="0" dirty="0" err="1" smtClean="0">
+                <a:solidFill>
+                  <a:schemeClr val="tx1">
+                    <a:lumMod val="50000"/>
+                    <a:lumOff val="50000"/>
+                  </a:schemeClr>
+                </a:solidFill>
+                <a:latin typeface="+mn-lt"/>
+                <a:cs typeface="+mn-cs"/>
+              </a:rPr>
+              <a:t>ADLs</a:t>
+            </a:r>
+            <a:r>
+              <a:rPr lang="fr-FR" sz="1200" kern="0" dirty="0" smtClean="0">
+                <a:solidFill>
+                  <a:schemeClr val="tx1">
+                    <a:lumMod val="50000"/>
+                    <a:lumOff val="50000"/>
+                  </a:schemeClr>
+                </a:solidFill>
+                <a:latin typeface="+mn-lt"/>
+                <a:cs typeface="+mn-cs"/>
+              </a:rPr>
+              <a:t>?</a:t>
+            </a:r>
+            <a:endParaRPr kumimoji="0" lang="fr-FR" sz="1200" b="1" i="0" u="sng" strike="noStrike" kern="0" cap="none" spc="0" normalizeH="0" baseline="0" noProof="0" dirty="0" smtClean="0">
+              <a:ln>
+                <a:noFill/>
+              </a:ln>
+              <a:effectLst/>
+              <a:uLnTx/>
+              <a:uFillTx/>
+              <a:latin typeface="+mn-lt"/>
+              <a:ea typeface="+mn-ea"/>
+              <a:cs typeface="+mn-cs"/>
+            </a:endParaRPr>
+          </a:p>
+        </p:txBody>
+      </p:sp>
+      <p:sp>
+        <p:nvSpPr>
+          <p:cNvPr id="6" name="ZoneTexte 5"/>
+          <p:cNvSpPr txBox="1"/>
+          <p:nvPr/>
+        </p:nvSpPr>
+        <p:spPr>
+          <a:xfrm>
+            <a:off x="2786050" y="0"/>
+            <a:ext cx="889987" cy="276999"/>
+          </a:xfrm>
+          <a:prstGeom prst="rect">
+            <a:avLst/>
+          </a:prstGeom>
+          <a:noFill/>
+          <a:ln>
+            <a:noFill/>
+          </a:ln>
+        </p:spPr>
+        <p:txBody>
+          <a:bodyPr wrap="none" rtlCol="0">
+            <a:spAutoFit/>
+          </a:bodyPr>
+          <a:lstStyle/>
+          <a:p>
+            <a:pPr fontAlgn="auto">
+              <a:spcBef>
+                <a:spcPct val="20000"/>
+              </a:spcBef>
+              <a:spcAft>
+                <a:spcPts val="0"/>
+              </a:spcAft>
+            </a:pPr>
+            <a:r>
+              <a:rPr lang="fr-FR" sz="1200" kern="0" dirty="0" smtClean="0">
+                <a:solidFill>
+                  <a:schemeClr val="tx1">
+                    <a:lumMod val="50000"/>
+                    <a:lumOff val="50000"/>
+                  </a:schemeClr>
+                </a:solidFill>
+                <a:latin typeface="+mn-lt"/>
+                <a:cs typeface="+mn-cs"/>
+              </a:rPr>
+              <a:t>ADL </a:t>
+            </a:r>
+            <a:r>
+              <a:rPr lang="fr-FR" sz="1200" kern="0" dirty="0" err="1" smtClean="0">
+                <a:solidFill>
+                  <a:schemeClr val="tx1">
+                    <a:lumMod val="50000"/>
+                    <a:lumOff val="50000"/>
+                  </a:schemeClr>
+                </a:solidFill>
+                <a:latin typeface="+mn-lt"/>
+                <a:cs typeface="+mn-cs"/>
+              </a:rPr>
+              <a:t>Choice</a:t>
+            </a:r>
+            <a:endParaRPr lang="fr-FR" sz="1200" kern="0" dirty="0" smtClean="0">
+              <a:solidFill>
+                <a:schemeClr val="tx1">
+                  <a:lumMod val="50000"/>
+                  <a:lumOff val="50000"/>
+                </a:schemeClr>
+              </a:solidFill>
+              <a:latin typeface="+mn-lt"/>
+              <a:cs typeface="+mn-cs"/>
+            </a:endParaRPr>
+          </a:p>
+        </p:txBody>
+      </p:sp>
+      <p:sp>
+        <p:nvSpPr>
+          <p:cNvPr id="7" name="ZoneTexte 6"/>
+          <p:cNvSpPr txBox="1"/>
+          <p:nvPr/>
+        </p:nvSpPr>
+        <p:spPr>
+          <a:xfrm>
+            <a:off x="4572000" y="0"/>
+            <a:ext cx="1418978" cy="276999"/>
+          </a:xfrm>
+          <a:prstGeom prst="rect">
+            <a:avLst/>
+          </a:prstGeom>
+          <a:noFill/>
+          <a:ln>
+            <a:noFill/>
+          </a:ln>
+        </p:spPr>
+        <p:txBody>
+          <a:bodyPr wrap="none" rtlCol="0">
+            <a:spAutoFit/>
+          </a:bodyPr>
+          <a:lstStyle/>
+          <a:p>
+            <a:pPr marL="0" marR="0" indent="0" algn="l" defTabSz="914400" rtl="0" eaLnBrk="1" fontAlgn="auto" latinLnBrk="0" hangingPunct="1">
+              <a:lnSpc>
+                <a:spcPct val="100000"/>
+              </a:lnSpc>
+              <a:spcBef>
+                <a:spcPct val="20000"/>
+              </a:spcBef>
+              <a:spcAft>
+                <a:spcPts val="0"/>
+              </a:spcAft>
+              <a:buClrTx/>
+              <a:buSzTx/>
+              <a:buFontTx/>
+              <a:buNone/>
+              <a:tabLst/>
+            </a:pPr>
+            <a:r>
+              <a:rPr lang="fr-FR" sz="1200" b="1" u="sng" kern="0" dirty="0" smtClean="0">
+                <a:latin typeface="+mn-lt"/>
+                <a:cs typeface="+mn-cs"/>
+              </a:rPr>
+              <a:t>ACME</a:t>
+            </a:r>
+            <a:r>
+              <a:rPr kumimoji="0" lang="fr-FR" sz="1200" i="0" u="none" strike="noStrike" kern="0" cap="none" spc="0" normalizeH="0" baseline="0" noProof="0" dirty="0" smtClean="0">
+                <a:ln>
+                  <a:noFill/>
+                </a:ln>
+                <a:solidFill>
+                  <a:schemeClr val="tx1">
+                    <a:lumMod val="50000"/>
+                    <a:lumOff val="50000"/>
+                  </a:schemeClr>
+                </a:solidFill>
+                <a:effectLst/>
+                <a:uLnTx/>
+                <a:uFillTx/>
+                <a:latin typeface="+mn-lt"/>
+                <a:ea typeface="+mn-ea"/>
+                <a:cs typeface="+mn-cs"/>
+              </a:rPr>
+              <a:t> </a:t>
+            </a:r>
+            <a:r>
+              <a:rPr lang="fr-FR" sz="1200" b="1" u="sng" kern="0" dirty="0" err="1" smtClean="0">
+                <a:latin typeface="+mn-lt"/>
+                <a:cs typeface="+mn-cs"/>
+              </a:rPr>
+              <a:t>Presentation</a:t>
+            </a:r>
+            <a:endParaRPr lang="fr-FR" sz="1200" b="1" u="sng" kern="0" dirty="0" smtClean="0">
+              <a:latin typeface="+mn-lt"/>
+              <a:cs typeface="+mn-cs"/>
+            </a:endParaRPr>
+          </a:p>
+        </p:txBody>
+      </p:sp>
+      <p:sp>
+        <p:nvSpPr>
+          <p:cNvPr id="8" name="ZoneTexte 7"/>
+          <p:cNvSpPr txBox="1"/>
+          <p:nvPr/>
+        </p:nvSpPr>
+        <p:spPr>
+          <a:xfrm>
+            <a:off x="6786578" y="0"/>
+            <a:ext cx="1382110" cy="276999"/>
+          </a:xfrm>
+          <a:prstGeom prst="rect">
+            <a:avLst/>
+          </a:prstGeom>
+          <a:noFill/>
+          <a:ln>
+            <a:noFill/>
+          </a:ln>
+        </p:spPr>
+        <p:txBody>
+          <a:bodyPr wrap="none" rtlCol="0">
+            <a:spAutoFit/>
+          </a:bodyPr>
+          <a:lstStyle/>
+          <a:p>
+            <a:pPr marL="0" marR="0" indent="0" algn="l" defTabSz="914400" rtl="0" eaLnBrk="1" fontAlgn="auto" latinLnBrk="0" hangingPunct="1">
+              <a:lnSpc>
+                <a:spcPct val="100000"/>
+              </a:lnSpc>
+              <a:spcBef>
+                <a:spcPct val="20000"/>
+              </a:spcBef>
+              <a:spcAft>
+                <a:spcPts val="0"/>
+              </a:spcAft>
+              <a:buClrTx/>
+              <a:buSzTx/>
+              <a:buFontTx/>
+              <a:buNone/>
+              <a:tabLst/>
+            </a:pPr>
+            <a:r>
+              <a:rPr kumimoji="0" lang="fr-FR" sz="1200" i="0" u="none" strike="noStrike" kern="0" cap="none" spc="0" normalizeH="0" baseline="0" noProof="0" dirty="0" smtClean="0">
+                <a:ln>
+                  <a:noFill/>
+                </a:ln>
+                <a:solidFill>
+                  <a:schemeClr val="tx1">
+                    <a:lumMod val="50000"/>
+                    <a:lumOff val="50000"/>
+                  </a:schemeClr>
+                </a:solidFill>
+                <a:effectLst/>
+                <a:uLnTx/>
+                <a:uFillTx/>
+                <a:latin typeface="+mn-lt"/>
+                <a:ea typeface="+mn-ea"/>
+                <a:cs typeface="+mn-cs"/>
+              </a:rPr>
+              <a:t>ATAM introduction</a:t>
+            </a:r>
+          </a:p>
+        </p:txBody>
+      </p:sp>
+    </p:spTree>
+  </p:cSld>
+  <p:clrMapOvr>
+    <a:masterClrMapping/>
+  </p:clrMapOvr>
+  <p:timing>
+    <p:tnLst>
+      <p:par>
+        <p:cTn id="1" dur="indefinite" restart="never" nodeType="tmRoot"/>
+      </p:par>
+    </p:tnLst>
+  </p:timing>
+</p:sld>
+</file>
+
+<file path=ppt/slides/slide22.xml><?xml version="1.0" encoding="utf-8"?>
+<p:sld xmlns:a="http://schemas.openxmlformats.org/drawingml/2006/main" xmlns:r="http://schemas.openxmlformats.org/officeDocument/2006/relationships" xmlns:p="http://schemas.openxmlformats.org/presentationml/2006/main">
+  <p:cSld>
+    <p:spTree>
+      <p:nvGrpSpPr>
+        <p:cNvPr id="1" name=""/>
+        <p:cNvGrpSpPr/>
+        <p:nvPr/>
+      </p:nvGrpSpPr>
+      <p:grpSpPr>
+        <a:xfrm>
+          <a:off x="0" y="0"/>
+          <a:ext cx="0" cy="0"/>
+          <a:chOff x="0" y="0"/>
+          <a:chExt cx="0" cy="0"/>
+        </a:xfrm>
+      </p:grpSpPr>
+      <p:sp>
+        <p:nvSpPr>
+          <p:cNvPr id="2" name="Titre 1"/>
+          <p:cNvSpPr>
+            <a:spLocks noGrp="1"/>
+          </p:cNvSpPr>
+          <p:nvPr>
+            <p:ph type="ctrTitle"/>
+          </p:nvPr>
+        </p:nvSpPr>
+        <p:spPr/>
+        <p:txBody>
+          <a:bodyPr/>
+          <a:lstStyle/>
+          <a:p>
+            <a:r>
+              <a:rPr smtClean="0"/>
+              <a:t>3. ACMESTUDIO (cont.)</a:t>
+            </a:r>
+            <a:endParaRPr lang="fr-FR" dirty="0"/>
+          </a:p>
+        </p:txBody>
+      </p:sp>
+      <p:sp>
+        <p:nvSpPr>
+          <p:cNvPr id="3" name="Espace réservé du texte 2"/>
+          <p:cNvSpPr>
+            <a:spLocks noGrp="1"/>
+          </p:cNvSpPr>
+          <p:nvPr>
+            <p:ph type="body" sz="quarter" idx="10"/>
+          </p:nvPr>
+        </p:nvSpPr>
+        <p:spPr/>
+        <p:txBody>
+          <a:bodyPr/>
+          <a:lstStyle/>
+          <a:p>
+            <a:endParaRPr lang="fr-FR"/>
+          </a:p>
+        </p:txBody>
+      </p:sp>
+      <p:pic>
+        <p:nvPicPr>
           <p:cNvPr id="4098" name="Picture 2"/>
           <p:cNvPicPr>
             <a:picLocks noChangeAspect="1" noChangeArrowheads="1"/>
@@ -14293,953 +15346,6 @@
 </p:sld>
 </file>
 
-<file path=ppt/slides/slide21.xml><?xml version="1.0" encoding="utf-8"?>
-<p:sld xmlns:a="http://schemas.openxmlformats.org/drawingml/2006/main" xmlns:r="http://schemas.openxmlformats.org/officeDocument/2006/relationships" xmlns:p="http://schemas.openxmlformats.org/presentationml/2006/main">
-  <p:cSld>
-    <p:spTree>
-      <p:nvGrpSpPr>
-        <p:cNvPr id="1" name=""/>
-        <p:cNvGrpSpPr/>
-        <p:nvPr/>
-      </p:nvGrpSpPr>
-      <p:grpSpPr>
-        <a:xfrm>
-          <a:off x="0" y="0"/>
-          <a:ext cx="0" cy="0"/>
-          <a:chOff x="0" y="0"/>
-          <a:chExt cx="0" cy="0"/>
-        </a:xfrm>
-      </p:grpSpPr>
-      <p:sp>
-        <p:nvSpPr>
-          <p:cNvPr id="2" name="Titre 1"/>
-          <p:cNvSpPr>
-            <a:spLocks noGrp="1"/>
-          </p:cNvSpPr>
-          <p:nvPr>
-            <p:ph type="ctrTitle"/>
-          </p:nvPr>
-        </p:nvSpPr>
-        <p:spPr/>
-        <p:txBody>
-          <a:bodyPr/>
-          <a:lstStyle/>
-          <a:p>
-            <a:r>
-              <a:rPr lang="en-US" dirty="0" smtClean="0"/>
-              <a:t>4. ATAM</a:t>
-            </a:r>
-            <a:endParaRPr lang="en-US" dirty="0"/>
-          </a:p>
-        </p:txBody>
-      </p:sp>
-      <p:sp>
-        <p:nvSpPr>
-          <p:cNvPr id="3" name="Espace réservé du texte 2"/>
-          <p:cNvSpPr>
-            <a:spLocks noGrp="1"/>
-          </p:cNvSpPr>
-          <p:nvPr>
-            <p:ph type="body" sz="quarter" idx="10"/>
-          </p:nvPr>
-        </p:nvSpPr>
-        <p:spPr/>
-        <p:txBody>
-          <a:bodyPr/>
-          <a:lstStyle/>
-          <a:p>
-            <a:r>
-              <a:rPr b="1" i="1" smtClean="0"/>
-              <a:t>Architecture </a:t>
-            </a:r>
-            <a:r>
-              <a:rPr b="1" i="1" smtClean="0"/>
-              <a:t>Tradeoff Analysis </a:t>
-            </a:r>
-            <a:r>
-              <a:rPr b="1" i="1" smtClean="0"/>
-              <a:t>Method</a:t>
-            </a:r>
-            <a:endParaRPr b="1" i="1" smtClean="0"/>
-          </a:p>
-          <a:p>
-            <a:pPr>
-              <a:buNone/>
-            </a:pPr>
-            <a:endParaRPr b="1" smtClean="0"/>
-          </a:p>
-          <a:p>
-            <a:r>
-              <a:rPr lang="en-US" dirty="0" smtClean="0"/>
-              <a:t>Risk identification method to assess the consequences of architectural decisions in light of quality attribute requirements.</a:t>
-            </a:r>
-            <a:endParaRPr lang="en-US" b="1" dirty="0" smtClean="0"/>
-          </a:p>
-          <a:p>
-            <a:r>
-              <a:rPr lang="en-US" dirty="0" smtClean="0"/>
-              <a:t>The ATAM can be done early in the software development life cycle.</a:t>
-            </a:r>
-            <a:endParaRPr smtClean="0"/>
-          </a:p>
-          <a:p>
-            <a:r>
-              <a:rPr lang="en-US" dirty="0" smtClean="0"/>
-              <a:t>It can be done relatively inexpensively and quickly (because it is assessing architectural design artifacts).</a:t>
-            </a:r>
-            <a:endParaRPr smtClean="0"/>
-          </a:p>
-          <a:p>
-            <a:r>
-              <a:rPr lang="en-US" dirty="0" smtClean="0"/>
-              <a:t>The ATAM will produce analyses commensurate with the level of detail of the architectural specification.</a:t>
-            </a:r>
-            <a:endParaRPr smtClean="0"/>
-          </a:p>
-          <a:p>
-            <a:endParaRPr smtClean="0"/>
-          </a:p>
-          <a:p>
-            <a:endParaRPr lang="en-US" dirty="0"/>
-          </a:p>
-        </p:txBody>
-      </p:sp>
-      <p:sp>
-        <p:nvSpPr>
-          <p:cNvPr id="4" name="ZoneTexte 3"/>
-          <p:cNvSpPr txBox="1"/>
-          <p:nvPr/>
-        </p:nvSpPr>
-        <p:spPr>
-          <a:xfrm>
-            <a:off x="500034" y="0"/>
-            <a:ext cx="1558440" cy="276999"/>
-          </a:xfrm>
-          <a:prstGeom prst="rect">
-            <a:avLst/>
-          </a:prstGeom>
-          <a:noFill/>
-          <a:ln>
-            <a:noFill/>
-          </a:ln>
-        </p:spPr>
-        <p:txBody>
-          <a:bodyPr wrap="none" rtlCol="0">
-            <a:spAutoFit/>
-          </a:bodyPr>
-          <a:lstStyle/>
-          <a:p>
-            <a:pPr marL="0" marR="0" indent="0" algn="l" defTabSz="914400" rtl="0" eaLnBrk="1" fontAlgn="auto" latinLnBrk="0" hangingPunct="1">
-              <a:lnSpc>
-                <a:spcPct val="100000"/>
-              </a:lnSpc>
-              <a:spcBef>
-                <a:spcPct val="20000"/>
-              </a:spcBef>
-              <a:spcAft>
-                <a:spcPts val="0"/>
-              </a:spcAft>
-              <a:buClrTx/>
-              <a:buSzTx/>
-              <a:buFontTx/>
-              <a:buNone/>
-              <a:tabLst/>
-            </a:pPr>
-            <a:r>
-              <a:rPr lang="fr-FR" sz="1200" kern="0" dirty="0" err="1" smtClean="0">
-                <a:solidFill>
-                  <a:schemeClr val="tx1">
-                    <a:lumMod val="50000"/>
-                    <a:lumOff val="50000"/>
-                  </a:schemeClr>
-                </a:solidFill>
-                <a:latin typeface="+mn-lt"/>
-                <a:cs typeface="+mn-cs"/>
-              </a:rPr>
-              <a:t>Why</a:t>
-            </a:r>
-            <a:r>
-              <a:rPr lang="fr-FR" sz="1200" kern="0" dirty="0" smtClean="0">
-                <a:solidFill>
-                  <a:schemeClr val="tx1">
-                    <a:lumMod val="50000"/>
-                    <a:lumOff val="50000"/>
-                  </a:schemeClr>
-                </a:solidFill>
-                <a:latin typeface="+mn-lt"/>
-                <a:cs typeface="+mn-cs"/>
-              </a:rPr>
-              <a:t> do </a:t>
-            </a:r>
-            <a:r>
-              <a:rPr lang="fr-FR" sz="1200" kern="0" dirty="0" err="1" smtClean="0">
-                <a:solidFill>
-                  <a:schemeClr val="tx1">
-                    <a:lumMod val="50000"/>
-                    <a:lumOff val="50000"/>
-                  </a:schemeClr>
-                </a:solidFill>
-                <a:latin typeface="+mn-lt"/>
-                <a:cs typeface="+mn-cs"/>
-              </a:rPr>
-              <a:t>we</a:t>
-            </a:r>
-            <a:r>
-              <a:rPr lang="fr-FR" sz="1200" kern="0" dirty="0" smtClean="0">
-                <a:solidFill>
-                  <a:schemeClr val="tx1">
-                    <a:lumMod val="50000"/>
-                    <a:lumOff val="50000"/>
-                  </a:schemeClr>
-                </a:solidFill>
-                <a:latin typeface="+mn-lt"/>
-                <a:cs typeface="+mn-cs"/>
-              </a:rPr>
-              <a:t> use </a:t>
-            </a:r>
-            <a:r>
-              <a:rPr lang="fr-FR" sz="1200" kern="0" dirty="0" err="1" smtClean="0">
-                <a:solidFill>
-                  <a:schemeClr val="tx1">
-                    <a:lumMod val="50000"/>
-                    <a:lumOff val="50000"/>
-                  </a:schemeClr>
-                </a:solidFill>
-                <a:latin typeface="+mn-lt"/>
-                <a:cs typeface="+mn-cs"/>
-              </a:rPr>
-              <a:t>ADLs</a:t>
-            </a:r>
-            <a:r>
-              <a:rPr lang="fr-FR" sz="1200" kern="0" dirty="0" smtClean="0">
-                <a:solidFill>
-                  <a:schemeClr val="tx1">
-                    <a:lumMod val="50000"/>
-                    <a:lumOff val="50000"/>
-                  </a:schemeClr>
-                </a:solidFill>
-                <a:latin typeface="+mn-lt"/>
-                <a:cs typeface="+mn-cs"/>
-              </a:rPr>
-              <a:t>?</a:t>
-            </a:r>
-            <a:endParaRPr kumimoji="0" lang="fr-FR" sz="1200" b="1" i="0" u="sng" strike="noStrike" kern="0" cap="none" spc="0" normalizeH="0" baseline="0" noProof="0" dirty="0" smtClean="0">
-              <a:ln>
-                <a:noFill/>
-              </a:ln>
-              <a:effectLst/>
-              <a:uLnTx/>
-              <a:uFillTx/>
-              <a:latin typeface="+mn-lt"/>
-              <a:ea typeface="+mn-ea"/>
-              <a:cs typeface="+mn-cs"/>
-            </a:endParaRPr>
-          </a:p>
-        </p:txBody>
-      </p:sp>
-      <p:sp>
-        <p:nvSpPr>
-          <p:cNvPr id="5" name="ZoneTexte 4"/>
-          <p:cNvSpPr txBox="1"/>
-          <p:nvPr/>
-        </p:nvSpPr>
-        <p:spPr>
-          <a:xfrm>
-            <a:off x="2786050" y="0"/>
-            <a:ext cx="861133" cy="276999"/>
-          </a:xfrm>
-          <a:prstGeom prst="rect">
-            <a:avLst/>
-          </a:prstGeom>
-          <a:noFill/>
-          <a:ln>
-            <a:noFill/>
-          </a:ln>
-        </p:spPr>
-        <p:txBody>
-          <a:bodyPr wrap="none" rtlCol="0">
-            <a:spAutoFit/>
-          </a:bodyPr>
-          <a:lstStyle/>
-          <a:p>
-            <a:pPr fontAlgn="auto">
-              <a:spcBef>
-                <a:spcPct val="20000"/>
-              </a:spcBef>
-              <a:spcAft>
-                <a:spcPts val="0"/>
-              </a:spcAft>
-            </a:pPr>
-            <a:r>
-              <a:rPr lang="fr-FR" sz="1200" kern="0" dirty="0" err="1" smtClean="0">
-                <a:solidFill>
-                  <a:schemeClr val="tx1">
-                    <a:lumMod val="50000"/>
-                    <a:lumOff val="50000"/>
-                  </a:schemeClr>
-                </a:solidFill>
-                <a:latin typeface="+mn-lt"/>
-                <a:cs typeface="+mn-cs"/>
-              </a:rPr>
-              <a:t>ADLChoice</a:t>
-            </a:r>
-            <a:endParaRPr lang="fr-FR" sz="1200" kern="0" dirty="0" smtClean="0">
-              <a:solidFill>
-                <a:schemeClr val="tx1">
-                  <a:lumMod val="50000"/>
-                  <a:lumOff val="50000"/>
-                </a:schemeClr>
-              </a:solidFill>
-              <a:latin typeface="+mn-lt"/>
-              <a:cs typeface="+mn-cs"/>
-            </a:endParaRPr>
-          </a:p>
-        </p:txBody>
-      </p:sp>
-      <p:sp>
-        <p:nvSpPr>
-          <p:cNvPr id="6" name="ZoneTexte 5"/>
-          <p:cNvSpPr txBox="1"/>
-          <p:nvPr/>
-        </p:nvSpPr>
-        <p:spPr>
-          <a:xfrm>
-            <a:off x="4572000" y="0"/>
-            <a:ext cx="1418978" cy="276999"/>
-          </a:xfrm>
-          <a:prstGeom prst="rect">
-            <a:avLst/>
-          </a:prstGeom>
-          <a:noFill/>
-          <a:ln>
-            <a:noFill/>
-          </a:ln>
-        </p:spPr>
-        <p:txBody>
-          <a:bodyPr wrap="none" rtlCol="0">
-            <a:spAutoFit/>
-          </a:bodyPr>
-          <a:lstStyle/>
-          <a:p>
-            <a:pPr marL="0" marR="0" indent="0" algn="l" defTabSz="914400" rtl="0" eaLnBrk="1" fontAlgn="auto" latinLnBrk="0" hangingPunct="1">
-              <a:lnSpc>
-                <a:spcPct val="100000"/>
-              </a:lnSpc>
-              <a:spcBef>
-                <a:spcPct val="20000"/>
-              </a:spcBef>
-              <a:spcAft>
-                <a:spcPts val="0"/>
-              </a:spcAft>
-              <a:buClrTx/>
-              <a:buSzTx/>
-              <a:buFontTx/>
-              <a:buNone/>
-              <a:tabLst/>
-            </a:pPr>
-            <a:r>
-              <a:rPr lang="fr-FR" sz="1200" kern="0" dirty="0" err="1" smtClean="0">
-                <a:solidFill>
-                  <a:schemeClr val="tx1">
-                    <a:lumMod val="50000"/>
-                    <a:lumOff val="50000"/>
-                  </a:schemeClr>
-                </a:solidFill>
-                <a:latin typeface="+mn-lt"/>
-                <a:cs typeface="+mn-cs"/>
-              </a:rPr>
-              <a:t>ACME</a:t>
-            </a:r>
-            <a:r>
-              <a:rPr kumimoji="0" lang="fr-FR" sz="1200" i="0" u="none" strike="noStrike" kern="0" cap="none" spc="0" normalizeH="0" baseline="0" noProof="0" dirty="0" smtClean="0">
-                <a:ln>
-                  <a:noFill/>
-                </a:ln>
-                <a:solidFill>
-                  <a:schemeClr val="tx1">
-                    <a:lumMod val="50000"/>
-                    <a:lumOff val="50000"/>
-                  </a:schemeClr>
-                </a:solidFill>
-                <a:effectLst/>
-                <a:uLnTx/>
-                <a:uFillTx/>
-                <a:latin typeface="+mn-lt"/>
-                <a:ea typeface="+mn-ea"/>
-                <a:cs typeface="+mn-cs"/>
-              </a:rPr>
-              <a:t> </a:t>
-            </a:r>
-            <a:r>
-              <a:rPr lang="fr-FR" sz="1200" kern="0" dirty="0" err="1" smtClean="0">
-                <a:solidFill>
-                  <a:schemeClr val="tx1">
-                    <a:lumMod val="50000"/>
-                    <a:lumOff val="50000"/>
-                  </a:schemeClr>
-                </a:solidFill>
-                <a:latin typeface="+mn-lt"/>
-                <a:cs typeface="+mn-cs"/>
-              </a:rPr>
-              <a:t>Presentation</a:t>
-            </a:r>
-          </a:p>
-        </p:txBody>
-      </p:sp>
-      <p:sp>
-        <p:nvSpPr>
-          <p:cNvPr id="7" name="ZoneTexte 6"/>
-          <p:cNvSpPr txBox="1"/>
-          <p:nvPr/>
-        </p:nvSpPr>
-        <p:spPr>
-          <a:xfrm>
-            <a:off x="6786578" y="0"/>
-            <a:ext cx="1407758" cy="276999"/>
-          </a:xfrm>
-          <a:prstGeom prst="rect">
-            <a:avLst/>
-          </a:prstGeom>
-          <a:noFill/>
-          <a:ln>
-            <a:noFill/>
-          </a:ln>
-        </p:spPr>
-        <p:txBody>
-          <a:bodyPr wrap="none" rtlCol="0">
-            <a:spAutoFit/>
-          </a:bodyPr>
-          <a:lstStyle/>
-          <a:p>
-            <a:pPr marL="0" marR="0" indent="0" algn="l" defTabSz="914400" rtl="0" eaLnBrk="1" fontAlgn="auto" latinLnBrk="0" hangingPunct="1">
-              <a:lnSpc>
-                <a:spcPct val="100000"/>
-              </a:lnSpc>
-              <a:spcBef>
-                <a:spcPct val="20000"/>
-              </a:spcBef>
-              <a:spcAft>
-                <a:spcPts val="0"/>
-              </a:spcAft>
-              <a:buClrTx/>
-              <a:buSzTx/>
-              <a:buFontTx/>
-              <a:buNone/>
-              <a:tabLst/>
-            </a:pPr>
-            <a:r>
-              <a:rPr lang="fr-FR" sz="1200" b="1" u="sng" kern="0" dirty="0" smtClean="0">
-                <a:latin typeface="+mn-lt"/>
-                <a:cs typeface="+mn-cs"/>
-              </a:rPr>
-              <a:t>ATAM</a:t>
-            </a:r>
-            <a:r>
-              <a:rPr kumimoji="0" lang="fr-FR" sz="1200" i="0" u="none" strike="noStrike" kern="0" cap="none" spc="0" normalizeH="0" baseline="0" noProof="0" dirty="0" smtClean="0">
-                <a:ln>
-                  <a:noFill/>
-                </a:ln>
-                <a:solidFill>
-                  <a:schemeClr val="tx1">
-                    <a:lumMod val="50000"/>
-                    <a:lumOff val="50000"/>
-                  </a:schemeClr>
-                </a:solidFill>
-                <a:effectLst/>
-                <a:uLnTx/>
-                <a:uFillTx/>
-                <a:latin typeface="+mn-lt"/>
-                <a:ea typeface="+mn-ea"/>
-                <a:cs typeface="+mn-cs"/>
-              </a:rPr>
-              <a:t> </a:t>
-            </a:r>
-            <a:r>
-              <a:rPr lang="fr-FR" sz="1200" b="1" u="sng" kern="0" dirty="0" smtClean="0">
-                <a:latin typeface="+mn-lt"/>
-                <a:cs typeface="+mn-cs"/>
-              </a:rPr>
-              <a:t>introduction</a:t>
-            </a:r>
-          </a:p>
-        </p:txBody>
-      </p:sp>
-    </p:spTree>
-  </p:cSld>
-  <p:clrMapOvr>
-    <a:masterClrMapping/>
-  </p:clrMapOvr>
-  <p:timing>
-    <p:tnLst>
-      <p:par>
-        <p:cTn id="1" dur="indefinite" restart="never" nodeType="tmRoot"/>
-      </p:par>
-    </p:tnLst>
-  </p:timing>
-</p:sld>
-</file>
-
-<file path=ppt/slides/slide22.xml><?xml version="1.0" encoding="utf-8"?>
-<p:sld xmlns:a="http://schemas.openxmlformats.org/drawingml/2006/main" xmlns:r="http://schemas.openxmlformats.org/officeDocument/2006/relationships" xmlns:p="http://schemas.openxmlformats.org/presentationml/2006/main">
-  <p:cSld>
-    <p:spTree>
-      <p:nvGrpSpPr>
-        <p:cNvPr id="1" name=""/>
-        <p:cNvGrpSpPr/>
-        <p:nvPr/>
-      </p:nvGrpSpPr>
-      <p:grpSpPr>
-        <a:xfrm>
-          <a:off x="0" y="0"/>
-          <a:ext cx="0" cy="0"/>
-          <a:chOff x="0" y="0"/>
-          <a:chExt cx="0" cy="0"/>
-        </a:xfrm>
-      </p:grpSpPr>
-      <p:sp>
-        <p:nvSpPr>
-          <p:cNvPr id="2" name="Titre 1"/>
-          <p:cNvSpPr>
-            <a:spLocks noGrp="1"/>
-          </p:cNvSpPr>
-          <p:nvPr>
-            <p:ph type="ctrTitle"/>
-          </p:nvPr>
-        </p:nvSpPr>
-        <p:spPr/>
-        <p:txBody>
-          <a:bodyPr/>
-          <a:lstStyle/>
-          <a:p>
-            <a:r>
-              <a:rPr lang="en-US" dirty="0" smtClean="0"/>
-              <a:t>4. ATAM(cont.)</a:t>
-            </a:r>
-            <a:endParaRPr lang="en-US" dirty="0"/>
-          </a:p>
-        </p:txBody>
-      </p:sp>
-      <p:sp>
-        <p:nvSpPr>
-          <p:cNvPr id="3" name="Espace réservé du texte 2"/>
-          <p:cNvSpPr>
-            <a:spLocks noGrp="1"/>
-          </p:cNvSpPr>
-          <p:nvPr>
-            <p:ph type="body" sz="quarter" idx="10"/>
-          </p:nvPr>
-        </p:nvSpPr>
-        <p:spPr/>
-        <p:txBody>
-          <a:bodyPr/>
-          <a:lstStyle/>
-          <a:p>
-            <a:r>
-              <a:rPr lang="en-US" sz="2800" dirty="0" smtClean="0"/>
-              <a:t>Three of the major goals of ATAM are to:</a:t>
-            </a:r>
-            <a:endParaRPr sz="2800" smtClean="0"/>
-          </a:p>
-          <a:p>
-            <a:pPr lvl="1"/>
-            <a:r>
-              <a:rPr lang="en-US" sz="2400" dirty="0" smtClean="0"/>
-              <a:t>elicit and refine a precise statement of the architecture’s driving quality attribute requirements</a:t>
-            </a:r>
-            <a:endParaRPr sz="2400" smtClean="0"/>
-          </a:p>
-          <a:p>
-            <a:pPr lvl="1"/>
-            <a:r>
-              <a:rPr lang="en-US" sz="2400" dirty="0" smtClean="0"/>
-              <a:t>elicit and refine a precise statement of the architectural design decisions</a:t>
-            </a:r>
-            <a:endParaRPr sz="2400" smtClean="0"/>
-          </a:p>
-          <a:p>
-            <a:pPr lvl="1"/>
-            <a:r>
-              <a:rPr lang="en-US" sz="2400" dirty="0" smtClean="0"/>
-              <a:t>evaluate the architectural design decisions to determine if they satisfactorily address the quality requirements</a:t>
-            </a:r>
-            <a:endParaRPr sz="2400" smtClean="0"/>
-          </a:p>
-          <a:p>
-            <a:endParaRPr lang="en-US" sz="2800" dirty="0" smtClean="0"/>
-          </a:p>
-          <a:p>
-            <a:endParaRPr lang="en-US" sz="2800" dirty="0"/>
-          </a:p>
-        </p:txBody>
-      </p:sp>
-      <p:sp>
-        <p:nvSpPr>
-          <p:cNvPr id="4" name="ZoneTexte 3"/>
-          <p:cNvSpPr txBox="1"/>
-          <p:nvPr/>
-        </p:nvSpPr>
-        <p:spPr>
-          <a:xfrm>
-            <a:off x="500034" y="0"/>
-            <a:ext cx="1558440" cy="276999"/>
-          </a:xfrm>
-          <a:prstGeom prst="rect">
-            <a:avLst/>
-          </a:prstGeom>
-          <a:noFill/>
-          <a:ln>
-            <a:noFill/>
-          </a:ln>
-        </p:spPr>
-        <p:txBody>
-          <a:bodyPr wrap="none" rtlCol="0">
-            <a:spAutoFit/>
-          </a:bodyPr>
-          <a:lstStyle/>
-          <a:p>
-            <a:pPr marL="0" marR="0" indent="0" algn="l" defTabSz="914400" rtl="0" eaLnBrk="1" fontAlgn="auto" latinLnBrk="0" hangingPunct="1">
-              <a:lnSpc>
-                <a:spcPct val="100000"/>
-              </a:lnSpc>
-              <a:spcBef>
-                <a:spcPct val="20000"/>
-              </a:spcBef>
-              <a:spcAft>
-                <a:spcPts val="0"/>
-              </a:spcAft>
-              <a:buClrTx/>
-              <a:buSzTx/>
-              <a:buFontTx/>
-              <a:buNone/>
-              <a:tabLst/>
-            </a:pPr>
-            <a:r>
-              <a:rPr lang="fr-FR" sz="1200" kern="0" dirty="0" err="1" smtClean="0">
-                <a:solidFill>
-                  <a:schemeClr val="tx1">
-                    <a:lumMod val="50000"/>
-                    <a:lumOff val="50000"/>
-                  </a:schemeClr>
-                </a:solidFill>
-                <a:latin typeface="+mn-lt"/>
-                <a:cs typeface="+mn-cs"/>
-              </a:rPr>
-              <a:t>Why</a:t>
-            </a:r>
-            <a:r>
-              <a:rPr lang="fr-FR" sz="1200" kern="0" dirty="0" smtClean="0">
-                <a:solidFill>
-                  <a:schemeClr val="tx1">
-                    <a:lumMod val="50000"/>
-                    <a:lumOff val="50000"/>
-                  </a:schemeClr>
-                </a:solidFill>
-                <a:latin typeface="+mn-lt"/>
-                <a:cs typeface="+mn-cs"/>
-              </a:rPr>
-              <a:t> do </a:t>
-            </a:r>
-            <a:r>
-              <a:rPr lang="fr-FR" sz="1200" kern="0" dirty="0" err="1" smtClean="0">
-                <a:solidFill>
-                  <a:schemeClr val="tx1">
-                    <a:lumMod val="50000"/>
-                    <a:lumOff val="50000"/>
-                  </a:schemeClr>
-                </a:solidFill>
-                <a:latin typeface="+mn-lt"/>
-                <a:cs typeface="+mn-cs"/>
-              </a:rPr>
-              <a:t>we</a:t>
-            </a:r>
-            <a:r>
-              <a:rPr lang="fr-FR" sz="1200" kern="0" dirty="0" smtClean="0">
-                <a:solidFill>
-                  <a:schemeClr val="tx1">
-                    <a:lumMod val="50000"/>
-                    <a:lumOff val="50000"/>
-                  </a:schemeClr>
-                </a:solidFill>
-                <a:latin typeface="+mn-lt"/>
-                <a:cs typeface="+mn-cs"/>
-              </a:rPr>
-              <a:t> use </a:t>
-            </a:r>
-            <a:r>
-              <a:rPr lang="fr-FR" sz="1200" kern="0" dirty="0" err="1" smtClean="0">
-                <a:solidFill>
-                  <a:schemeClr val="tx1">
-                    <a:lumMod val="50000"/>
-                    <a:lumOff val="50000"/>
-                  </a:schemeClr>
-                </a:solidFill>
-                <a:latin typeface="+mn-lt"/>
-                <a:cs typeface="+mn-cs"/>
-              </a:rPr>
-              <a:t>ADLs</a:t>
-            </a:r>
-            <a:r>
-              <a:rPr lang="fr-FR" sz="1200" kern="0" dirty="0" smtClean="0">
-                <a:solidFill>
-                  <a:schemeClr val="tx1">
-                    <a:lumMod val="50000"/>
-                    <a:lumOff val="50000"/>
-                  </a:schemeClr>
-                </a:solidFill>
-                <a:latin typeface="+mn-lt"/>
-                <a:cs typeface="+mn-cs"/>
-              </a:rPr>
-              <a:t>?</a:t>
-            </a:r>
-            <a:endParaRPr kumimoji="0" lang="fr-FR" sz="1200" b="1" i="0" u="sng" strike="noStrike" kern="0" cap="none" spc="0" normalizeH="0" baseline="0" noProof="0" dirty="0" smtClean="0">
-              <a:ln>
-                <a:noFill/>
-              </a:ln>
-              <a:effectLst/>
-              <a:uLnTx/>
-              <a:uFillTx/>
-              <a:latin typeface="+mn-lt"/>
-              <a:ea typeface="+mn-ea"/>
-              <a:cs typeface="+mn-cs"/>
-            </a:endParaRPr>
-          </a:p>
-        </p:txBody>
-      </p:sp>
-      <p:sp>
-        <p:nvSpPr>
-          <p:cNvPr id="5" name="ZoneTexte 4"/>
-          <p:cNvSpPr txBox="1"/>
-          <p:nvPr/>
-        </p:nvSpPr>
-        <p:spPr>
-          <a:xfrm>
-            <a:off x="2786050" y="0"/>
-            <a:ext cx="861133" cy="276999"/>
-          </a:xfrm>
-          <a:prstGeom prst="rect">
-            <a:avLst/>
-          </a:prstGeom>
-          <a:noFill/>
-          <a:ln>
-            <a:noFill/>
-          </a:ln>
-        </p:spPr>
-        <p:txBody>
-          <a:bodyPr wrap="none" rtlCol="0">
-            <a:spAutoFit/>
-          </a:bodyPr>
-          <a:lstStyle/>
-          <a:p>
-            <a:pPr fontAlgn="auto">
-              <a:spcBef>
-                <a:spcPct val="20000"/>
-              </a:spcBef>
-              <a:spcAft>
-                <a:spcPts val="0"/>
-              </a:spcAft>
-            </a:pPr>
-            <a:r>
-              <a:rPr lang="fr-FR" sz="1200" kern="0" dirty="0" err="1" smtClean="0">
-                <a:solidFill>
-                  <a:schemeClr val="tx1">
-                    <a:lumMod val="50000"/>
-                    <a:lumOff val="50000"/>
-                  </a:schemeClr>
-                </a:solidFill>
-                <a:latin typeface="+mn-lt"/>
-                <a:cs typeface="+mn-cs"/>
-              </a:rPr>
-              <a:t>ADLChoice</a:t>
-            </a:r>
-            <a:endParaRPr lang="fr-FR" sz="1200" kern="0" dirty="0" smtClean="0">
-              <a:solidFill>
-                <a:schemeClr val="tx1">
-                  <a:lumMod val="50000"/>
-                  <a:lumOff val="50000"/>
-                </a:schemeClr>
-              </a:solidFill>
-              <a:latin typeface="+mn-lt"/>
-              <a:cs typeface="+mn-cs"/>
-            </a:endParaRPr>
-          </a:p>
-        </p:txBody>
-      </p:sp>
-      <p:sp>
-        <p:nvSpPr>
-          <p:cNvPr id="6" name="ZoneTexte 5"/>
-          <p:cNvSpPr txBox="1"/>
-          <p:nvPr/>
-        </p:nvSpPr>
-        <p:spPr>
-          <a:xfrm>
-            <a:off x="4572000" y="0"/>
-            <a:ext cx="1418978" cy="276999"/>
-          </a:xfrm>
-          <a:prstGeom prst="rect">
-            <a:avLst/>
-          </a:prstGeom>
-          <a:noFill/>
-          <a:ln>
-            <a:noFill/>
-          </a:ln>
-        </p:spPr>
-        <p:txBody>
-          <a:bodyPr wrap="none" rtlCol="0">
-            <a:spAutoFit/>
-          </a:bodyPr>
-          <a:lstStyle/>
-          <a:p>
-            <a:pPr marL="0" marR="0" indent="0" algn="l" defTabSz="914400" rtl="0" eaLnBrk="1" fontAlgn="auto" latinLnBrk="0" hangingPunct="1">
-              <a:lnSpc>
-                <a:spcPct val="100000"/>
-              </a:lnSpc>
-              <a:spcBef>
-                <a:spcPct val="20000"/>
-              </a:spcBef>
-              <a:spcAft>
-                <a:spcPts val="0"/>
-              </a:spcAft>
-              <a:buClrTx/>
-              <a:buSzTx/>
-              <a:buFontTx/>
-              <a:buNone/>
-              <a:tabLst/>
-            </a:pPr>
-            <a:r>
-              <a:rPr lang="fr-FR" sz="1200" kern="0" dirty="0" err="1" smtClean="0">
-                <a:solidFill>
-                  <a:schemeClr val="tx1">
-                    <a:lumMod val="50000"/>
-                    <a:lumOff val="50000"/>
-                  </a:schemeClr>
-                </a:solidFill>
-                <a:latin typeface="+mn-lt"/>
-                <a:cs typeface="+mn-cs"/>
-              </a:rPr>
-              <a:t>ACME</a:t>
-            </a:r>
-            <a:r>
-              <a:rPr kumimoji="0" lang="fr-FR" sz="1200" i="0" u="none" strike="noStrike" kern="0" cap="none" spc="0" normalizeH="0" baseline="0" noProof="0" dirty="0" smtClean="0">
-                <a:ln>
-                  <a:noFill/>
-                </a:ln>
-                <a:solidFill>
-                  <a:schemeClr val="tx1">
-                    <a:lumMod val="50000"/>
-                    <a:lumOff val="50000"/>
-                  </a:schemeClr>
-                </a:solidFill>
-                <a:effectLst/>
-                <a:uLnTx/>
-                <a:uFillTx/>
-                <a:latin typeface="+mn-lt"/>
-                <a:ea typeface="+mn-ea"/>
-                <a:cs typeface="+mn-cs"/>
-              </a:rPr>
-              <a:t> </a:t>
-            </a:r>
-            <a:r>
-              <a:rPr lang="fr-FR" sz="1200" kern="0" dirty="0" err="1" smtClean="0">
-                <a:solidFill>
-                  <a:schemeClr val="tx1">
-                    <a:lumMod val="50000"/>
-                    <a:lumOff val="50000"/>
-                  </a:schemeClr>
-                </a:solidFill>
-                <a:latin typeface="+mn-lt"/>
-                <a:cs typeface="+mn-cs"/>
-              </a:rPr>
-              <a:t>Presentation</a:t>
-            </a:r>
-          </a:p>
-        </p:txBody>
-      </p:sp>
-      <p:sp>
-        <p:nvSpPr>
-          <p:cNvPr id="7" name="ZoneTexte 6"/>
-          <p:cNvSpPr txBox="1"/>
-          <p:nvPr/>
-        </p:nvSpPr>
-        <p:spPr>
-          <a:xfrm>
-            <a:off x="6786578" y="0"/>
-            <a:ext cx="1407758" cy="276999"/>
-          </a:xfrm>
-          <a:prstGeom prst="rect">
-            <a:avLst/>
-          </a:prstGeom>
-          <a:noFill/>
-          <a:ln>
-            <a:noFill/>
-          </a:ln>
-        </p:spPr>
-        <p:txBody>
-          <a:bodyPr wrap="none" rtlCol="0">
-            <a:spAutoFit/>
-          </a:bodyPr>
-          <a:lstStyle/>
-          <a:p>
-            <a:pPr marL="0" marR="0" indent="0" algn="l" defTabSz="914400" rtl="0" eaLnBrk="1" fontAlgn="auto" latinLnBrk="0" hangingPunct="1">
-              <a:lnSpc>
-                <a:spcPct val="100000"/>
-              </a:lnSpc>
-              <a:spcBef>
-                <a:spcPct val="20000"/>
-              </a:spcBef>
-              <a:spcAft>
-                <a:spcPts val="0"/>
-              </a:spcAft>
-              <a:buClrTx/>
-              <a:buSzTx/>
-              <a:buFontTx/>
-              <a:buNone/>
-              <a:tabLst/>
-            </a:pPr>
-            <a:r>
-              <a:rPr lang="fr-FR" sz="1200" b="1" u="sng" kern="0" dirty="0" smtClean="0">
-                <a:latin typeface="+mn-lt"/>
-                <a:cs typeface="+mn-cs"/>
-              </a:rPr>
-              <a:t>ATAM</a:t>
-            </a:r>
-            <a:r>
-              <a:rPr kumimoji="0" lang="fr-FR" sz="1200" i="0" u="none" strike="noStrike" kern="0" cap="none" spc="0" normalizeH="0" baseline="0" noProof="0" dirty="0" smtClean="0">
-                <a:ln>
-                  <a:noFill/>
-                </a:ln>
-                <a:solidFill>
-                  <a:schemeClr val="tx1">
-                    <a:lumMod val="50000"/>
-                    <a:lumOff val="50000"/>
-                  </a:schemeClr>
-                </a:solidFill>
-                <a:effectLst/>
-                <a:uLnTx/>
-                <a:uFillTx/>
-                <a:latin typeface="+mn-lt"/>
-                <a:ea typeface="+mn-ea"/>
-                <a:cs typeface="+mn-cs"/>
-              </a:rPr>
-              <a:t> </a:t>
-            </a:r>
-            <a:r>
-              <a:rPr lang="fr-FR" sz="1200" b="1" u="sng" kern="0" dirty="0" smtClean="0">
-                <a:latin typeface="+mn-lt"/>
-                <a:cs typeface="+mn-cs"/>
-              </a:rPr>
-              <a:t>introduction</a:t>
-            </a:r>
-          </a:p>
-        </p:txBody>
-      </p:sp>
-    </p:spTree>
-  </p:cSld>
-  <p:clrMapOvr>
-    <a:masterClrMapping/>
-  </p:clrMapOvr>
-</p:sld>
-</file>
-
 <file path=ppt/slides/slide23.xml><?xml version="1.0" encoding="utf-8"?>
 <p:sld xmlns:a="http://schemas.openxmlformats.org/drawingml/2006/main" xmlns:r="http://schemas.openxmlformats.org/officeDocument/2006/relationships" xmlns:p="http://schemas.openxmlformats.org/presentationml/2006/main">
   <p:cSld>
@@ -15274,7 +15380,7 @@
           <a:p>
             <a:r>
               <a:rPr lang="en-US" dirty="0" smtClean="0"/>
-              <a:t>4. ATAM(cont.)</a:t>
+              <a:t>4. ATAM</a:t>
             </a:r>
             <a:endParaRPr lang="en-US" dirty="0"/>
           </a:p>
@@ -15296,70 +15402,46 @@
           <a:lstStyle/>
           <a:p>
             <a:r>
+              <a:rPr b="1" i="1" smtClean="0"/>
+              <a:t>Architecture Tradeoff Analysis Method</a:t>
+            </a:r>
+          </a:p>
+          <a:p>
+            <a:pPr>
+              <a:buNone/>
+            </a:pPr>
+            <a:endParaRPr b="1" smtClean="0"/>
+          </a:p>
+          <a:p>
+            <a:r>
               <a:rPr lang="en-US" dirty="0" smtClean="0"/>
-              <a:t>The output of an ATAM is an out-brief presentation and/or a written report that includes the major findings of the evaluation. </a:t>
-            </a:r>
-            <a:endParaRPr lang="en-US" dirty="0" smtClean="0"/>
-          </a:p>
-          <a:p>
-            <a:endParaRPr lang="en-US" dirty="0" smtClean="0"/>
+              <a:t>Risk identification method to assess the consequences of architectural decisions in light of quality attribute requirements.</a:t>
+            </a:r>
+            <a:endParaRPr lang="en-US" b="1" dirty="0" smtClean="0"/>
           </a:p>
           <a:p>
             <a:r>
               <a:rPr lang="en-US" dirty="0" smtClean="0"/>
-              <a:t>These </a:t>
-            </a:r>
+              <a:t>The ATAM can be done early in the software development life cycle.</a:t>
+            </a:r>
+            <a:endParaRPr smtClean="0"/>
+          </a:p>
+          <a:p>
             <a:r>
               <a:rPr lang="en-US" dirty="0" smtClean="0"/>
-              <a:t>are </a:t>
-            </a:r>
+              <a:t>It can be done relatively inexpensively and quickly (because it is assessing architectural design artifacts).</a:t>
+            </a:r>
+            <a:endParaRPr smtClean="0"/>
+          </a:p>
+          <a:p>
             <a:r>
               <a:rPr lang="en-US" dirty="0" smtClean="0"/>
-              <a:t>typically</a:t>
-            </a:r>
-            <a:endParaRPr lang="en-US" dirty="0" smtClean="0"/>
-          </a:p>
-          <a:p>
-            <a:pPr lvl="1"/>
-            <a:r>
-              <a:rPr lang="en-US" sz="2400" dirty="0" smtClean="0"/>
-              <a:t>the architectural styles identified</a:t>
-            </a:r>
-          </a:p>
-          <a:p>
-            <a:pPr lvl="1"/>
-            <a:r>
-              <a:rPr lang="en-US" sz="2400" dirty="0" smtClean="0"/>
-              <a:t>a "utility tree" — a hierarchic model of the driving architectural requirements</a:t>
-            </a:r>
-          </a:p>
-          <a:p>
-            <a:pPr lvl="1"/>
-            <a:r>
-              <a:rPr lang="en-US" sz="2400" dirty="0" smtClean="0"/>
-              <a:t>the tradeoff points</a:t>
-            </a:r>
-          </a:p>
-          <a:p>
-            <a:pPr lvl="1"/>
-            <a:r>
-              <a:rPr lang="en-US" sz="2400" dirty="0" smtClean="0"/>
-              <a:t>the sensitivity points</a:t>
-            </a:r>
-          </a:p>
-          <a:p>
-            <a:pPr lvl="1"/>
-            <a:r>
-              <a:rPr lang="en-US" sz="2400" dirty="0" smtClean="0"/>
-              <a:t>a set of identified risks</a:t>
-            </a:r>
-          </a:p>
-          <a:p>
-            <a:pPr lvl="1"/>
-            <a:r>
-              <a:rPr lang="en-US" sz="2400" dirty="0" smtClean="0"/>
-              <a:t>a set of identified non-risks</a:t>
-            </a:r>
+              <a:t>The ATAM will produce analyses commensurate with the level of detail of the architectural specification.</a:t>
+            </a:r>
+            <a:endParaRPr smtClean="0"/>
+          </a:p>
+          <a:p>
+            <a:endParaRPr smtClean="0"/>
           </a:p>
           <a:p>
             <a:endParaRPr lang="en-US" dirty="0"/>
@@ -15731,10 +15813,962 @@
   <p:clrMapOvr>
     <a:masterClrMapping/>
   </p:clrMapOvr>
+  <p:timing>
+    <p:tnLst>
+      <p:par>
+        <p:cTn id="1" dur="indefinite" restart="never" nodeType="tmRoot"/>
+      </p:par>
+    </p:tnLst>
+  </p:timing>
 </p:sld>
 </file>
 
 <file path=ppt/slides/slide24.xml><?xml version="1.0" encoding="utf-8"?>
+<p:sld xmlns:a="http://schemas.openxmlformats.org/drawingml/2006/main" xmlns:r="http://schemas.openxmlformats.org/officeDocument/2006/relationships" xmlns:p="http://schemas.openxmlformats.org/presentationml/2006/main">
+  <p:cSld>
+    <p:spTree>
+      <p:nvGrpSpPr>
+        <p:cNvPr id="1" name=""/>
+        <p:cNvGrpSpPr/>
+        <p:nvPr/>
+      </p:nvGrpSpPr>
+      <p:grpSpPr>
+        <a:xfrm>
+          <a:off x="0" y="0"/>
+          <a:ext cx="0" cy="0"/>
+          <a:chOff x="0" y="0"/>
+          <a:chExt cx="0" cy="0"/>
+        </a:xfrm>
+      </p:grpSpPr>
+      <p:sp>
+        <p:nvSpPr>
+          <p:cNvPr id="2" name="Titre 1"/>
+          <p:cNvSpPr>
+            <a:spLocks noGrp="1"/>
+          </p:cNvSpPr>
+          <p:nvPr>
+            <p:ph type="ctrTitle"/>
+          </p:nvPr>
+        </p:nvSpPr>
+        <p:spPr/>
+        <p:txBody>
+          <a:bodyPr/>
+          <a:lstStyle/>
+          <a:p>
+            <a:r>
+              <a:rPr lang="en-US" dirty="0" smtClean="0"/>
+              <a:t>4. ATAM(cont.)</a:t>
+            </a:r>
+            <a:endParaRPr lang="en-US" dirty="0"/>
+          </a:p>
+        </p:txBody>
+      </p:sp>
+      <p:sp>
+        <p:nvSpPr>
+          <p:cNvPr id="3" name="Espace réservé du texte 2"/>
+          <p:cNvSpPr>
+            <a:spLocks noGrp="1"/>
+          </p:cNvSpPr>
+          <p:nvPr>
+            <p:ph type="body" sz="quarter" idx="10"/>
+          </p:nvPr>
+        </p:nvSpPr>
+        <p:spPr/>
+        <p:txBody>
+          <a:bodyPr/>
+          <a:lstStyle/>
+          <a:p>
+            <a:r>
+              <a:rPr lang="en-US" sz="2800" dirty="0" smtClean="0"/>
+              <a:t>Three of the major goals of ATAM are to:</a:t>
+            </a:r>
+            <a:endParaRPr sz="2800" smtClean="0"/>
+          </a:p>
+          <a:p>
+            <a:pPr lvl="1"/>
+            <a:r>
+              <a:rPr lang="en-US" sz="2400" dirty="0" smtClean="0"/>
+              <a:t>elicit and refine a precise statement of the architecture’s driving quality attribute requirements</a:t>
+            </a:r>
+            <a:endParaRPr sz="2400" smtClean="0"/>
+          </a:p>
+          <a:p>
+            <a:pPr lvl="1"/>
+            <a:r>
+              <a:rPr lang="en-US" sz="2400" dirty="0" smtClean="0"/>
+              <a:t>elicit and refine a precise statement of the architectural design decisions</a:t>
+            </a:r>
+            <a:endParaRPr sz="2400" smtClean="0"/>
+          </a:p>
+          <a:p>
+            <a:pPr lvl="1"/>
+            <a:r>
+              <a:rPr lang="en-US" sz="2400" dirty="0" smtClean="0"/>
+              <a:t>evaluate the architectural design decisions to determine if they satisfactorily address the quality requirements</a:t>
+            </a:r>
+            <a:endParaRPr sz="2400" smtClean="0"/>
+          </a:p>
+          <a:p>
+            <a:endParaRPr lang="en-US" sz="2800" dirty="0" smtClean="0"/>
+          </a:p>
+          <a:p>
+            <a:endParaRPr lang="en-US" sz="2800" dirty="0"/>
+          </a:p>
+        </p:txBody>
+      </p:sp>
+      <p:sp>
+        <p:nvSpPr>
+          <p:cNvPr id="4" name="ZoneTexte 3"/>
+          <p:cNvSpPr txBox="1"/>
+          <p:nvPr/>
+        </p:nvSpPr>
+        <p:spPr>
+          <a:xfrm>
+            <a:off x="500034" y="0"/>
+            <a:ext cx="1558440" cy="276999"/>
+          </a:xfrm>
+          <a:prstGeom prst="rect">
+            <a:avLst/>
+          </a:prstGeom>
+          <a:noFill/>
+          <a:ln>
+            <a:noFill/>
+          </a:ln>
+        </p:spPr>
+        <p:txBody>
+          <a:bodyPr wrap="none" rtlCol="0">
+            <a:spAutoFit/>
+          </a:bodyPr>
+          <a:lstStyle/>
+          <a:p>
+            <a:pPr marL="0" marR="0" indent="0" algn="l" defTabSz="914400" rtl="0" eaLnBrk="1" fontAlgn="auto" latinLnBrk="0" hangingPunct="1">
+              <a:lnSpc>
+                <a:spcPct val="100000"/>
+              </a:lnSpc>
+              <a:spcBef>
+                <a:spcPct val="20000"/>
+              </a:spcBef>
+              <a:spcAft>
+                <a:spcPts val="0"/>
+              </a:spcAft>
+              <a:buClrTx/>
+              <a:buSzTx/>
+              <a:buFontTx/>
+              <a:buNone/>
+              <a:tabLst/>
+            </a:pPr>
+            <a:r>
+              <a:rPr lang="fr-FR" sz="1200" kern="0" dirty="0" err="1" smtClean="0">
+                <a:solidFill>
+                  <a:schemeClr val="tx1">
+                    <a:lumMod val="50000"/>
+                    <a:lumOff val="50000"/>
+                  </a:schemeClr>
+                </a:solidFill>
+                <a:latin typeface="+mn-lt"/>
+                <a:cs typeface="+mn-cs"/>
+              </a:rPr>
+              <a:t>Why</a:t>
+            </a:r>
+            <a:r>
+              <a:rPr lang="fr-FR" sz="1200" kern="0" dirty="0" smtClean="0">
+                <a:solidFill>
+                  <a:schemeClr val="tx1">
+                    <a:lumMod val="50000"/>
+                    <a:lumOff val="50000"/>
+                  </a:schemeClr>
+                </a:solidFill>
+                <a:latin typeface="+mn-lt"/>
+                <a:cs typeface="+mn-cs"/>
+              </a:rPr>
+              <a:t> do </a:t>
+            </a:r>
+            <a:r>
+              <a:rPr lang="fr-FR" sz="1200" kern="0" dirty="0" err="1" smtClean="0">
+                <a:solidFill>
+                  <a:schemeClr val="tx1">
+                    <a:lumMod val="50000"/>
+                    <a:lumOff val="50000"/>
+                  </a:schemeClr>
+                </a:solidFill>
+                <a:latin typeface="+mn-lt"/>
+                <a:cs typeface="+mn-cs"/>
+              </a:rPr>
+              <a:t>we</a:t>
+            </a:r>
+            <a:r>
+              <a:rPr lang="fr-FR" sz="1200" kern="0" dirty="0" smtClean="0">
+                <a:solidFill>
+                  <a:schemeClr val="tx1">
+                    <a:lumMod val="50000"/>
+                    <a:lumOff val="50000"/>
+                  </a:schemeClr>
+                </a:solidFill>
+                <a:latin typeface="+mn-lt"/>
+                <a:cs typeface="+mn-cs"/>
+              </a:rPr>
+              <a:t> use </a:t>
+            </a:r>
+            <a:r>
+              <a:rPr lang="fr-FR" sz="1200" kern="0" dirty="0" err="1" smtClean="0">
+                <a:solidFill>
+                  <a:schemeClr val="tx1">
+                    <a:lumMod val="50000"/>
+                    <a:lumOff val="50000"/>
+                  </a:schemeClr>
+                </a:solidFill>
+                <a:latin typeface="+mn-lt"/>
+                <a:cs typeface="+mn-cs"/>
+              </a:rPr>
+              <a:t>ADLs</a:t>
+            </a:r>
+            <a:r>
+              <a:rPr lang="fr-FR" sz="1200" kern="0" dirty="0" smtClean="0">
+                <a:solidFill>
+                  <a:schemeClr val="tx1">
+                    <a:lumMod val="50000"/>
+                    <a:lumOff val="50000"/>
+                  </a:schemeClr>
+                </a:solidFill>
+                <a:latin typeface="+mn-lt"/>
+                <a:cs typeface="+mn-cs"/>
+              </a:rPr>
+              <a:t>?</a:t>
+            </a:r>
+            <a:endParaRPr kumimoji="0" lang="fr-FR" sz="1200" b="1" i="0" u="sng" strike="noStrike" kern="0" cap="none" spc="0" normalizeH="0" baseline="0" noProof="0" dirty="0" smtClean="0">
+              <a:ln>
+                <a:noFill/>
+              </a:ln>
+              <a:effectLst/>
+              <a:uLnTx/>
+              <a:uFillTx/>
+              <a:latin typeface="+mn-lt"/>
+              <a:ea typeface="+mn-ea"/>
+              <a:cs typeface="+mn-cs"/>
+            </a:endParaRPr>
+          </a:p>
+        </p:txBody>
+      </p:sp>
+      <p:sp>
+        <p:nvSpPr>
+          <p:cNvPr id="5" name="ZoneTexte 4"/>
+          <p:cNvSpPr txBox="1"/>
+          <p:nvPr/>
+        </p:nvSpPr>
+        <p:spPr>
+          <a:xfrm>
+            <a:off x="2786050" y="0"/>
+            <a:ext cx="861133" cy="276999"/>
+          </a:xfrm>
+          <a:prstGeom prst="rect">
+            <a:avLst/>
+          </a:prstGeom>
+          <a:noFill/>
+          <a:ln>
+            <a:noFill/>
+          </a:ln>
+        </p:spPr>
+        <p:txBody>
+          <a:bodyPr wrap="none" rtlCol="0">
+            <a:spAutoFit/>
+          </a:bodyPr>
+          <a:lstStyle/>
+          <a:p>
+            <a:pPr fontAlgn="auto">
+              <a:spcBef>
+                <a:spcPct val="20000"/>
+              </a:spcBef>
+              <a:spcAft>
+                <a:spcPts val="0"/>
+              </a:spcAft>
+            </a:pPr>
+            <a:r>
+              <a:rPr lang="fr-FR" sz="1200" kern="0" dirty="0" err="1" smtClean="0">
+                <a:solidFill>
+                  <a:schemeClr val="tx1">
+                    <a:lumMod val="50000"/>
+                    <a:lumOff val="50000"/>
+                  </a:schemeClr>
+                </a:solidFill>
+                <a:latin typeface="+mn-lt"/>
+                <a:cs typeface="+mn-cs"/>
+              </a:rPr>
+              <a:t>ADLChoice</a:t>
+            </a:r>
+            <a:endParaRPr lang="fr-FR" sz="1200" kern="0" dirty="0" smtClean="0">
+              <a:solidFill>
+                <a:schemeClr val="tx1">
+                  <a:lumMod val="50000"/>
+                  <a:lumOff val="50000"/>
+                </a:schemeClr>
+              </a:solidFill>
+              <a:latin typeface="+mn-lt"/>
+              <a:cs typeface="+mn-cs"/>
+            </a:endParaRPr>
+          </a:p>
+        </p:txBody>
+      </p:sp>
+      <p:sp>
+        <p:nvSpPr>
+          <p:cNvPr id="6" name="ZoneTexte 5"/>
+          <p:cNvSpPr txBox="1"/>
+          <p:nvPr/>
+        </p:nvSpPr>
+        <p:spPr>
+          <a:xfrm>
+            <a:off x="4572000" y="0"/>
+            <a:ext cx="1418978" cy="276999"/>
+          </a:xfrm>
+          <a:prstGeom prst="rect">
+            <a:avLst/>
+          </a:prstGeom>
+          <a:noFill/>
+          <a:ln>
+            <a:noFill/>
+          </a:ln>
+        </p:spPr>
+        <p:txBody>
+          <a:bodyPr wrap="none" rtlCol="0">
+            <a:spAutoFit/>
+          </a:bodyPr>
+          <a:lstStyle/>
+          <a:p>
+            <a:pPr marL="0" marR="0" indent="0" algn="l" defTabSz="914400" rtl="0" eaLnBrk="1" fontAlgn="auto" latinLnBrk="0" hangingPunct="1">
+              <a:lnSpc>
+                <a:spcPct val="100000"/>
+              </a:lnSpc>
+              <a:spcBef>
+                <a:spcPct val="20000"/>
+              </a:spcBef>
+              <a:spcAft>
+                <a:spcPts val="0"/>
+              </a:spcAft>
+              <a:buClrTx/>
+              <a:buSzTx/>
+              <a:buFontTx/>
+              <a:buNone/>
+              <a:tabLst/>
+            </a:pPr>
+            <a:r>
+              <a:rPr lang="fr-FR" sz="1200" kern="0" dirty="0" err="1" smtClean="0">
+                <a:solidFill>
+                  <a:schemeClr val="tx1">
+                    <a:lumMod val="50000"/>
+                    <a:lumOff val="50000"/>
+                  </a:schemeClr>
+                </a:solidFill>
+                <a:latin typeface="+mn-lt"/>
+                <a:cs typeface="+mn-cs"/>
+              </a:rPr>
+              <a:t>ACME</a:t>
+            </a:r>
+            <a:r>
+              <a:rPr kumimoji="0" lang="fr-FR" sz="1200" i="0" u="none" strike="noStrike" kern="0" cap="none" spc="0" normalizeH="0" baseline="0" noProof="0" dirty="0" smtClean="0">
+                <a:ln>
+                  <a:noFill/>
+                </a:ln>
+                <a:solidFill>
+                  <a:schemeClr val="tx1">
+                    <a:lumMod val="50000"/>
+                    <a:lumOff val="50000"/>
+                  </a:schemeClr>
+                </a:solidFill>
+                <a:effectLst/>
+                <a:uLnTx/>
+                <a:uFillTx/>
+                <a:latin typeface="+mn-lt"/>
+                <a:ea typeface="+mn-ea"/>
+                <a:cs typeface="+mn-cs"/>
+              </a:rPr>
+              <a:t> </a:t>
+            </a:r>
+            <a:r>
+              <a:rPr lang="fr-FR" sz="1200" kern="0" dirty="0" err="1" smtClean="0">
+                <a:solidFill>
+                  <a:schemeClr val="tx1">
+                    <a:lumMod val="50000"/>
+                    <a:lumOff val="50000"/>
+                  </a:schemeClr>
+                </a:solidFill>
+                <a:latin typeface="+mn-lt"/>
+                <a:cs typeface="+mn-cs"/>
+              </a:rPr>
+              <a:t>Presentation</a:t>
+            </a:r>
+          </a:p>
+        </p:txBody>
+      </p:sp>
+      <p:sp>
+        <p:nvSpPr>
+          <p:cNvPr id="7" name="ZoneTexte 6"/>
+          <p:cNvSpPr txBox="1"/>
+          <p:nvPr/>
+        </p:nvSpPr>
+        <p:spPr>
+          <a:xfrm>
+            <a:off x="6786578" y="0"/>
+            <a:ext cx="1407758" cy="276999"/>
+          </a:xfrm>
+          <a:prstGeom prst="rect">
+            <a:avLst/>
+          </a:prstGeom>
+          <a:noFill/>
+          <a:ln>
+            <a:noFill/>
+          </a:ln>
+        </p:spPr>
+        <p:txBody>
+          <a:bodyPr wrap="none" rtlCol="0">
+            <a:spAutoFit/>
+          </a:bodyPr>
+          <a:lstStyle/>
+          <a:p>
+            <a:pPr marL="0" marR="0" indent="0" algn="l" defTabSz="914400" rtl="0" eaLnBrk="1" fontAlgn="auto" latinLnBrk="0" hangingPunct="1">
+              <a:lnSpc>
+                <a:spcPct val="100000"/>
+              </a:lnSpc>
+              <a:spcBef>
+                <a:spcPct val="20000"/>
+              </a:spcBef>
+              <a:spcAft>
+                <a:spcPts val="0"/>
+              </a:spcAft>
+              <a:buClrTx/>
+              <a:buSzTx/>
+              <a:buFontTx/>
+              <a:buNone/>
+              <a:tabLst/>
+            </a:pPr>
+            <a:r>
+              <a:rPr lang="fr-FR" sz="1200" b="1" u="sng" kern="0" dirty="0" smtClean="0">
+                <a:latin typeface="+mn-lt"/>
+                <a:cs typeface="+mn-cs"/>
+              </a:rPr>
+              <a:t>ATAM</a:t>
+            </a:r>
+            <a:r>
+              <a:rPr kumimoji="0" lang="fr-FR" sz="1200" i="0" u="none" strike="noStrike" kern="0" cap="none" spc="0" normalizeH="0" baseline="0" noProof="0" dirty="0" smtClean="0">
+                <a:ln>
+                  <a:noFill/>
+                </a:ln>
+                <a:solidFill>
+                  <a:schemeClr val="tx1">
+                    <a:lumMod val="50000"/>
+                    <a:lumOff val="50000"/>
+                  </a:schemeClr>
+                </a:solidFill>
+                <a:effectLst/>
+                <a:uLnTx/>
+                <a:uFillTx/>
+                <a:latin typeface="+mn-lt"/>
+                <a:ea typeface="+mn-ea"/>
+                <a:cs typeface="+mn-cs"/>
+              </a:rPr>
+              <a:t> </a:t>
+            </a:r>
+            <a:r>
+              <a:rPr lang="fr-FR" sz="1200" b="1" u="sng" kern="0" dirty="0" smtClean="0">
+                <a:latin typeface="+mn-lt"/>
+                <a:cs typeface="+mn-cs"/>
+              </a:rPr>
+              <a:t>introduction</a:t>
+            </a:r>
+          </a:p>
+        </p:txBody>
+      </p:sp>
+    </p:spTree>
+  </p:cSld>
+  <p:clrMapOvr>
+    <a:masterClrMapping/>
+  </p:clrMapOvr>
+</p:sld>
+</file>
+
+<file path=ppt/slides/slide25.xml><?xml version="1.0" encoding="utf-8"?>
+<p:sld xmlns:a="http://schemas.openxmlformats.org/drawingml/2006/main" xmlns:r="http://schemas.openxmlformats.org/officeDocument/2006/relationships" xmlns:p="http://schemas.openxmlformats.org/presentationml/2006/main">
+  <p:cSld>
+    <p:spTree>
+      <p:nvGrpSpPr>
+        <p:cNvPr id="1" name=""/>
+        <p:cNvGrpSpPr/>
+        <p:nvPr/>
+      </p:nvGrpSpPr>
+      <p:grpSpPr>
+        <a:xfrm>
+          <a:off x="0" y="0"/>
+          <a:ext cx="0" cy="0"/>
+          <a:chOff x="0" y="0"/>
+          <a:chExt cx="0" cy="0"/>
+        </a:xfrm>
+      </p:grpSpPr>
+      <p:sp>
+        <p:nvSpPr>
+          <p:cNvPr id="2" name="Titre 1"/>
+          <p:cNvSpPr>
+            <a:spLocks noGrp="1"/>
+          </p:cNvSpPr>
+          <p:nvPr>
+            <p:ph type="ctrTitle"/>
+          </p:nvPr>
+        </p:nvSpPr>
+        <p:spPr/>
+        <p:txBody>
+          <a:bodyPr/>
+          <a:lstStyle/>
+          <a:p>
+            <a:r>
+              <a:rPr lang="en-US" dirty="0" smtClean="0"/>
+              <a:t>4. ATAM(cont.)</a:t>
+            </a:r>
+            <a:endParaRPr lang="en-US" dirty="0"/>
+          </a:p>
+        </p:txBody>
+      </p:sp>
+      <p:sp>
+        <p:nvSpPr>
+          <p:cNvPr id="3" name="Espace réservé du texte 2"/>
+          <p:cNvSpPr>
+            <a:spLocks noGrp="1"/>
+          </p:cNvSpPr>
+          <p:nvPr>
+            <p:ph type="body" sz="quarter" idx="10"/>
+          </p:nvPr>
+        </p:nvSpPr>
+        <p:spPr/>
+        <p:txBody>
+          <a:bodyPr/>
+          <a:lstStyle/>
+          <a:p>
+            <a:r>
+              <a:rPr lang="en-US" dirty="0" smtClean="0"/>
+              <a:t>The output of an ATAM is an out-brief presentation and/or a written report that includes the major findings of the evaluation. </a:t>
+            </a:r>
+          </a:p>
+          <a:p>
+            <a:endParaRPr lang="en-US" dirty="0" smtClean="0"/>
+          </a:p>
+          <a:p>
+            <a:r>
+              <a:rPr lang="en-US" dirty="0" smtClean="0"/>
+              <a:t>These are typically</a:t>
+            </a:r>
+          </a:p>
+          <a:p>
+            <a:pPr lvl="1"/>
+            <a:r>
+              <a:rPr lang="en-US" sz="2400" dirty="0" smtClean="0"/>
+              <a:t>the architectural styles identified</a:t>
+            </a:r>
+          </a:p>
+          <a:p>
+            <a:pPr lvl="1"/>
+            <a:r>
+              <a:rPr lang="en-US" sz="2400" dirty="0" smtClean="0"/>
+              <a:t>a "utility tree" — a hierarchic model of the driving architectural requirements</a:t>
+            </a:r>
+          </a:p>
+          <a:p>
+            <a:pPr lvl="1"/>
+            <a:r>
+              <a:rPr lang="en-US" sz="2400" dirty="0" smtClean="0"/>
+              <a:t>the tradeoff points</a:t>
+            </a:r>
+          </a:p>
+          <a:p>
+            <a:pPr lvl="1"/>
+            <a:r>
+              <a:rPr lang="en-US" sz="2400" dirty="0" smtClean="0"/>
+              <a:t>the sensitivity points</a:t>
+            </a:r>
+          </a:p>
+          <a:p>
+            <a:pPr lvl="1"/>
+            <a:r>
+              <a:rPr lang="en-US" sz="2400" dirty="0" smtClean="0"/>
+              <a:t>a set of identified risks</a:t>
+            </a:r>
+          </a:p>
+          <a:p>
+            <a:pPr lvl="1"/>
+            <a:r>
+              <a:rPr lang="en-US" sz="2400" dirty="0" smtClean="0"/>
+              <a:t>a set of identified non-risks</a:t>
+            </a:r>
+          </a:p>
+          <a:p>
+            <a:endParaRPr lang="en-US" dirty="0"/>
+          </a:p>
+        </p:txBody>
+      </p:sp>
+      <p:sp>
+        <p:nvSpPr>
+          <p:cNvPr id="4" name="ZoneTexte 3"/>
+          <p:cNvSpPr txBox="1"/>
+          <p:nvPr/>
+        </p:nvSpPr>
+        <p:spPr>
+          <a:xfrm>
+            <a:off x="500034" y="0"/>
+            <a:ext cx="1558440" cy="276999"/>
+          </a:xfrm>
+          <a:prstGeom prst="rect">
+            <a:avLst/>
+          </a:prstGeom>
+          <a:noFill/>
+          <a:ln>
+            <a:noFill/>
+          </a:ln>
+        </p:spPr>
+        <p:txBody>
+          <a:bodyPr wrap="none" rtlCol="0">
+            <a:spAutoFit/>
+          </a:bodyPr>
+          <a:lstStyle/>
+          <a:p>
+            <a:pPr marL="0" marR="0" indent="0" algn="l" defTabSz="914400" rtl="0" eaLnBrk="1" fontAlgn="auto" latinLnBrk="0" hangingPunct="1">
+              <a:lnSpc>
+                <a:spcPct val="100000"/>
+              </a:lnSpc>
+              <a:spcBef>
+                <a:spcPct val="20000"/>
+              </a:spcBef>
+              <a:spcAft>
+                <a:spcPts val="0"/>
+              </a:spcAft>
+              <a:buClrTx/>
+              <a:buSzTx/>
+              <a:buFontTx/>
+              <a:buNone/>
+              <a:tabLst/>
+            </a:pPr>
+            <a:r>
+              <a:rPr lang="fr-FR" sz="1200" kern="0" dirty="0" err="1" smtClean="0">
+                <a:solidFill>
+                  <a:schemeClr val="tx1">
+                    <a:lumMod val="50000"/>
+                    <a:lumOff val="50000"/>
+                  </a:schemeClr>
+                </a:solidFill>
+                <a:latin typeface="+mn-lt"/>
+                <a:cs typeface="+mn-cs"/>
+              </a:rPr>
+              <a:t>Why</a:t>
+            </a:r>
+            <a:r>
+              <a:rPr lang="fr-FR" sz="1200" kern="0" dirty="0" smtClean="0">
+                <a:solidFill>
+                  <a:schemeClr val="tx1">
+                    <a:lumMod val="50000"/>
+                    <a:lumOff val="50000"/>
+                  </a:schemeClr>
+                </a:solidFill>
+                <a:latin typeface="+mn-lt"/>
+                <a:cs typeface="+mn-cs"/>
+              </a:rPr>
+              <a:t> do </a:t>
+            </a:r>
+            <a:r>
+              <a:rPr lang="fr-FR" sz="1200" kern="0" dirty="0" err="1" smtClean="0">
+                <a:solidFill>
+                  <a:schemeClr val="tx1">
+                    <a:lumMod val="50000"/>
+                    <a:lumOff val="50000"/>
+                  </a:schemeClr>
+                </a:solidFill>
+                <a:latin typeface="+mn-lt"/>
+                <a:cs typeface="+mn-cs"/>
+              </a:rPr>
+              <a:t>we</a:t>
+            </a:r>
+            <a:r>
+              <a:rPr lang="fr-FR" sz="1200" kern="0" dirty="0" smtClean="0">
+                <a:solidFill>
+                  <a:schemeClr val="tx1">
+                    <a:lumMod val="50000"/>
+                    <a:lumOff val="50000"/>
+                  </a:schemeClr>
+                </a:solidFill>
+                <a:latin typeface="+mn-lt"/>
+                <a:cs typeface="+mn-cs"/>
+              </a:rPr>
+              <a:t> use </a:t>
+            </a:r>
+            <a:r>
+              <a:rPr lang="fr-FR" sz="1200" kern="0" dirty="0" err="1" smtClean="0">
+                <a:solidFill>
+                  <a:schemeClr val="tx1">
+                    <a:lumMod val="50000"/>
+                    <a:lumOff val="50000"/>
+                  </a:schemeClr>
+                </a:solidFill>
+                <a:latin typeface="+mn-lt"/>
+                <a:cs typeface="+mn-cs"/>
+              </a:rPr>
+              <a:t>ADLs</a:t>
+            </a:r>
+            <a:r>
+              <a:rPr lang="fr-FR" sz="1200" kern="0" dirty="0" smtClean="0">
+                <a:solidFill>
+                  <a:schemeClr val="tx1">
+                    <a:lumMod val="50000"/>
+                    <a:lumOff val="50000"/>
+                  </a:schemeClr>
+                </a:solidFill>
+                <a:latin typeface="+mn-lt"/>
+                <a:cs typeface="+mn-cs"/>
+              </a:rPr>
+              <a:t>?</a:t>
+            </a:r>
+            <a:endParaRPr kumimoji="0" lang="fr-FR" sz="1200" b="1" i="0" u="sng" strike="noStrike" kern="0" cap="none" spc="0" normalizeH="0" baseline="0" noProof="0" dirty="0" smtClean="0">
+              <a:ln>
+                <a:noFill/>
+              </a:ln>
+              <a:effectLst/>
+              <a:uLnTx/>
+              <a:uFillTx/>
+              <a:latin typeface="+mn-lt"/>
+              <a:ea typeface="+mn-ea"/>
+              <a:cs typeface="+mn-cs"/>
+            </a:endParaRPr>
+          </a:p>
+        </p:txBody>
+      </p:sp>
+      <p:sp>
+        <p:nvSpPr>
+          <p:cNvPr id="5" name="ZoneTexte 4"/>
+          <p:cNvSpPr txBox="1"/>
+          <p:nvPr/>
+        </p:nvSpPr>
+        <p:spPr>
+          <a:xfrm>
+            <a:off x="2786050" y="0"/>
+            <a:ext cx="861133" cy="276999"/>
+          </a:xfrm>
+          <a:prstGeom prst="rect">
+            <a:avLst/>
+          </a:prstGeom>
+          <a:noFill/>
+          <a:ln>
+            <a:noFill/>
+          </a:ln>
+        </p:spPr>
+        <p:txBody>
+          <a:bodyPr wrap="none" rtlCol="0">
+            <a:spAutoFit/>
+          </a:bodyPr>
+          <a:lstStyle/>
+          <a:p>
+            <a:pPr fontAlgn="auto">
+              <a:spcBef>
+                <a:spcPct val="20000"/>
+              </a:spcBef>
+              <a:spcAft>
+                <a:spcPts val="0"/>
+              </a:spcAft>
+            </a:pPr>
+            <a:r>
+              <a:rPr lang="fr-FR" sz="1200" kern="0" dirty="0" err="1" smtClean="0">
+                <a:solidFill>
+                  <a:schemeClr val="tx1">
+                    <a:lumMod val="50000"/>
+                    <a:lumOff val="50000"/>
+                  </a:schemeClr>
+                </a:solidFill>
+                <a:latin typeface="+mn-lt"/>
+                <a:cs typeface="+mn-cs"/>
+              </a:rPr>
+              <a:t>ADLChoice</a:t>
+            </a:r>
+            <a:endParaRPr lang="fr-FR" sz="1200" kern="0" dirty="0" smtClean="0">
+              <a:solidFill>
+                <a:schemeClr val="tx1">
+                  <a:lumMod val="50000"/>
+                  <a:lumOff val="50000"/>
+                </a:schemeClr>
+              </a:solidFill>
+              <a:latin typeface="+mn-lt"/>
+              <a:cs typeface="+mn-cs"/>
+            </a:endParaRPr>
+          </a:p>
+        </p:txBody>
+      </p:sp>
+      <p:sp>
+        <p:nvSpPr>
+          <p:cNvPr id="6" name="ZoneTexte 5"/>
+          <p:cNvSpPr txBox="1"/>
+          <p:nvPr/>
+        </p:nvSpPr>
+        <p:spPr>
+          <a:xfrm>
+            <a:off x="4572000" y="0"/>
+            <a:ext cx="1418978" cy="276999"/>
+          </a:xfrm>
+          <a:prstGeom prst="rect">
+            <a:avLst/>
+          </a:prstGeom>
+          <a:noFill/>
+          <a:ln>
+            <a:noFill/>
+          </a:ln>
+        </p:spPr>
+        <p:txBody>
+          <a:bodyPr wrap="none" rtlCol="0">
+            <a:spAutoFit/>
+          </a:bodyPr>
+          <a:lstStyle/>
+          <a:p>
+            <a:pPr marL="0" marR="0" indent="0" algn="l" defTabSz="914400" rtl="0" eaLnBrk="1" fontAlgn="auto" latinLnBrk="0" hangingPunct="1">
+              <a:lnSpc>
+                <a:spcPct val="100000"/>
+              </a:lnSpc>
+              <a:spcBef>
+                <a:spcPct val="20000"/>
+              </a:spcBef>
+              <a:spcAft>
+                <a:spcPts val="0"/>
+              </a:spcAft>
+              <a:buClrTx/>
+              <a:buSzTx/>
+              <a:buFontTx/>
+              <a:buNone/>
+              <a:tabLst/>
+            </a:pPr>
+            <a:r>
+              <a:rPr lang="fr-FR" sz="1200" kern="0" dirty="0" err="1" smtClean="0">
+                <a:solidFill>
+                  <a:schemeClr val="tx1">
+                    <a:lumMod val="50000"/>
+                    <a:lumOff val="50000"/>
+                  </a:schemeClr>
+                </a:solidFill>
+                <a:latin typeface="+mn-lt"/>
+                <a:cs typeface="+mn-cs"/>
+              </a:rPr>
+              <a:t>ACME</a:t>
+            </a:r>
+            <a:r>
+              <a:rPr kumimoji="0" lang="fr-FR" sz="1200" i="0" u="none" strike="noStrike" kern="0" cap="none" spc="0" normalizeH="0" baseline="0" noProof="0" dirty="0" smtClean="0">
+                <a:ln>
+                  <a:noFill/>
+                </a:ln>
+                <a:solidFill>
+                  <a:schemeClr val="tx1">
+                    <a:lumMod val="50000"/>
+                    <a:lumOff val="50000"/>
+                  </a:schemeClr>
+                </a:solidFill>
+                <a:effectLst/>
+                <a:uLnTx/>
+                <a:uFillTx/>
+                <a:latin typeface="+mn-lt"/>
+                <a:ea typeface="+mn-ea"/>
+                <a:cs typeface="+mn-cs"/>
+              </a:rPr>
+              <a:t> </a:t>
+            </a:r>
+            <a:r>
+              <a:rPr lang="fr-FR" sz="1200" kern="0" dirty="0" err="1" smtClean="0">
+                <a:solidFill>
+                  <a:schemeClr val="tx1">
+                    <a:lumMod val="50000"/>
+                    <a:lumOff val="50000"/>
+                  </a:schemeClr>
+                </a:solidFill>
+                <a:latin typeface="+mn-lt"/>
+                <a:cs typeface="+mn-cs"/>
+              </a:rPr>
+              <a:t>Presentation</a:t>
+            </a:r>
+          </a:p>
+        </p:txBody>
+      </p:sp>
+      <p:sp>
+        <p:nvSpPr>
+          <p:cNvPr id="7" name="ZoneTexte 6"/>
+          <p:cNvSpPr txBox="1"/>
+          <p:nvPr/>
+        </p:nvSpPr>
+        <p:spPr>
+          <a:xfrm>
+            <a:off x="6786578" y="0"/>
+            <a:ext cx="1407758" cy="276999"/>
+          </a:xfrm>
+          <a:prstGeom prst="rect">
+            <a:avLst/>
+          </a:prstGeom>
+          <a:noFill/>
+          <a:ln>
+            <a:noFill/>
+          </a:ln>
+        </p:spPr>
+        <p:txBody>
+          <a:bodyPr wrap="none" rtlCol="0">
+            <a:spAutoFit/>
+          </a:bodyPr>
+          <a:lstStyle/>
+          <a:p>
+            <a:pPr marL="0" marR="0" indent="0" algn="l" defTabSz="914400" rtl="0" eaLnBrk="1" fontAlgn="auto" latinLnBrk="0" hangingPunct="1">
+              <a:lnSpc>
+                <a:spcPct val="100000"/>
+              </a:lnSpc>
+              <a:spcBef>
+                <a:spcPct val="20000"/>
+              </a:spcBef>
+              <a:spcAft>
+                <a:spcPts val="0"/>
+              </a:spcAft>
+              <a:buClrTx/>
+              <a:buSzTx/>
+              <a:buFontTx/>
+              <a:buNone/>
+              <a:tabLst/>
+            </a:pPr>
+            <a:r>
+              <a:rPr lang="fr-FR" sz="1200" b="1" u="sng" kern="0" dirty="0" smtClean="0">
+                <a:latin typeface="+mn-lt"/>
+                <a:cs typeface="+mn-cs"/>
+              </a:rPr>
+              <a:t>ATAM</a:t>
+            </a:r>
+            <a:r>
+              <a:rPr kumimoji="0" lang="fr-FR" sz="1200" i="0" u="none" strike="noStrike" kern="0" cap="none" spc="0" normalizeH="0" baseline="0" noProof="0" dirty="0" smtClean="0">
+                <a:ln>
+                  <a:noFill/>
+                </a:ln>
+                <a:solidFill>
+                  <a:schemeClr val="tx1">
+                    <a:lumMod val="50000"/>
+                    <a:lumOff val="50000"/>
+                  </a:schemeClr>
+                </a:solidFill>
+                <a:effectLst/>
+                <a:uLnTx/>
+                <a:uFillTx/>
+                <a:latin typeface="+mn-lt"/>
+                <a:ea typeface="+mn-ea"/>
+                <a:cs typeface="+mn-cs"/>
+              </a:rPr>
+              <a:t> </a:t>
+            </a:r>
+            <a:r>
+              <a:rPr lang="fr-FR" sz="1200" b="1" u="sng" kern="0" dirty="0" smtClean="0">
+                <a:latin typeface="+mn-lt"/>
+                <a:cs typeface="+mn-cs"/>
+              </a:rPr>
+              <a:t>introduction</a:t>
+            </a:r>
+          </a:p>
+        </p:txBody>
+      </p:sp>
+    </p:spTree>
+  </p:cSld>
+  <p:clrMapOvr>
+    <a:masterClrMapping/>
+  </p:clrMapOvr>
+</p:sld>
+</file>
+
+<file path=ppt/slides/slide26.xml><?xml version="1.0" encoding="utf-8"?>
 <p:sld xmlns:a="http://schemas.openxmlformats.org/drawingml/2006/main" xmlns:r="http://schemas.openxmlformats.org/officeDocument/2006/relationships" xmlns:p="http://schemas.openxmlformats.org/presentationml/2006/main">
   <p:cSld>
     <p:spTree>
@@ -16192,7 +17226,7 @@
 </p:sld>
 </file>
 
-<file path=ppt/slides/slide25.xml><?xml version="1.0" encoding="utf-8"?>
+<file path=ppt/slides/slide27.xml><?xml version="1.0" encoding="utf-8"?>
 <p:sld xmlns:a="http://schemas.openxmlformats.org/drawingml/2006/main" xmlns:r="http://schemas.openxmlformats.org/officeDocument/2006/relationships" xmlns:p="http://schemas.openxmlformats.org/presentationml/2006/main">
   <p:cSld>
     <p:spTree>
@@ -16802,7 +17836,7 @@
 </p:sld>
 </file>
 
-<file path=ppt/slides/slide26.xml><?xml version="1.0" encoding="utf-8"?>
+<file path=ppt/slides/slide28.xml><?xml version="1.0" encoding="utf-8"?>
 <p:sld xmlns:a="http://schemas.openxmlformats.org/drawingml/2006/main" xmlns:r="http://schemas.openxmlformats.org/officeDocument/2006/relationships" xmlns:p="http://schemas.openxmlformats.org/presentationml/2006/main">
   <p:cSld>
     <p:spTree>
@@ -17546,7 +18580,7 @@
     </p:spTree>
     <p:extLst>
       <p:ext uri="{BB962C8B-B14F-4D97-AF65-F5344CB8AC3E}">
-        <p14:creationId xmlns="" xmlns:p14="http://schemas.microsoft.com/office/powerpoint/2007/7/12/main" xmlns:mv="urn:schemas-microsoft-com:mac:vml" xmlns:mc="http://schemas.openxmlformats.org/markup-compatibility/2006" val="3707259682"/>
+        <p14:creationId xmlns:mc="http://schemas.openxmlformats.org/markup-compatibility/2006" xmlns:mv="urn:schemas-microsoft-com:mac:vml" xmlns:p14="http://schemas.microsoft.com/office/powerpoint/2007/7/12/main" xmlns="" val="3707259682"/>
       </p:ext>
     </p:extLst>
   </p:cSld>
@@ -17649,28 +18683,16 @@
           <a:p>
             <a:r>
               <a:rPr lang="en-US" dirty="0" smtClean="0"/>
-              <a:t>ADLs bring the tools for architecture evolution and </a:t>
-            </a:r>
+              <a:t>ADLs bring the tools for architecture evolution and reusability</a:t>
+            </a:r>
+          </a:p>
+          <a:p>
+            <a:endParaRPr lang="en-US" dirty="0" smtClean="0"/>
+          </a:p>
+          <a:p>
             <a:r>
               <a:rPr lang="en-US" dirty="0" smtClean="0"/>
-              <a:t>reusability</a:t>
-            </a:r>
-          </a:p>
-          <a:p>
-            <a:endParaRPr lang="en-US" dirty="0" smtClean="0"/>
-          </a:p>
-          <a:p>
-            <a:r>
-              <a:rPr lang="en-US" dirty="0" smtClean="0"/>
-              <a:t>Makes the architecture </a:t>
-            </a:r>
-            <a:r>
-              <a:rPr lang="en-US" dirty="0" smtClean="0"/>
-              <a:t>assessable </a:t>
-            </a:r>
-            <a:r>
-              <a:rPr lang="en-US" dirty="0" smtClean="0"/>
-              <a:t>using external tools or methods</a:t>
+              <a:t>Makes the architecture assessable using external tools or methods</a:t>
             </a:r>
           </a:p>
           <a:p>
@@ -18589,7 +19611,7 @@
           <a:p>
             <a:r>
               <a:rPr lang="en-GB" dirty="0" smtClean="0"/>
-              <a:t>2. ADL investigation and choice (cont.)</a:t>
+              <a:t>2. ADL investigation and choice</a:t>
             </a:r>
             <a:endParaRPr lang="en-GB" dirty="0"/>
           </a:p>
@@ -18610,6 +19632,580 @@
           <a:bodyPr/>
           <a:lstStyle/>
           <a:p>
+            <a:r>
+              <a:rPr lang="en-GB" dirty="0" smtClean="0"/>
+              <a:t>Comparison between several available </a:t>
+            </a:r>
+            <a:r>
+              <a:rPr lang="en-GB" dirty="0" err="1" smtClean="0"/>
+              <a:t>ADLs</a:t>
+            </a:r>
+            <a:endParaRPr lang="en-GB" dirty="0" smtClean="0"/>
+          </a:p>
+          <a:p>
+            <a:pPr lvl="1"/>
+            <a:r>
+              <a:rPr lang="en-GB" dirty="0" smtClean="0"/>
+              <a:t>Abacus</a:t>
+            </a:r>
+          </a:p>
+          <a:p>
+            <a:pPr lvl="1"/>
+            <a:r>
+              <a:rPr lang="en-GB" dirty="0" err="1" smtClean="0"/>
+              <a:t>Rapide</a:t>
+            </a:r>
+            <a:endParaRPr lang="en-GB" dirty="0" smtClean="0"/>
+          </a:p>
+          <a:p>
+            <a:pPr lvl="1"/>
+            <a:r>
+              <a:rPr lang="en-GB" sz="2800" b="1" dirty="0" smtClean="0"/>
+              <a:t>Wright</a:t>
+            </a:r>
+            <a:endParaRPr lang="en-GB" sz="2800" b="1" dirty="0" smtClean="0"/>
+          </a:p>
+          <a:p>
+            <a:pPr lvl="1"/>
+            <a:r>
+              <a:rPr lang="en-GB" dirty="0" smtClean="0"/>
+              <a:t>ACME</a:t>
+            </a:r>
+          </a:p>
+          <a:p>
+            <a:pPr lvl="1"/>
+            <a:r>
+              <a:rPr lang="en-GB" dirty="0" err="1" smtClean="0"/>
+              <a:t>Unicon</a:t>
+            </a:r>
+            <a:endParaRPr lang="en-GB" dirty="0" smtClean="0"/>
+          </a:p>
+          <a:p>
+            <a:pPr lvl="1"/>
+            <a:r>
+              <a:rPr lang="en-GB" dirty="0" smtClean="0"/>
+              <a:t>AADL</a:t>
+            </a:r>
+          </a:p>
+          <a:p>
+            <a:pPr lvl="1"/>
+            <a:endParaRPr lang="en-GB" dirty="0" smtClean="0"/>
+          </a:p>
+          <a:p>
+            <a:pPr lvl="2">
+              <a:buNone/>
+            </a:pPr>
+            <a:r>
+              <a:rPr lang="en-GB" sz="2400" dirty="0" smtClean="0">
+                <a:solidFill>
+                  <a:schemeClr val="tx1"/>
+                </a:solidFill>
+                <a:sym typeface="Wingdings" pitchFamily="2" charset="2"/>
+              </a:rPr>
+              <a:t> Comparison with Wright</a:t>
+            </a:r>
+            <a:endParaRPr lang="en-GB" sz="2400" dirty="0">
+              <a:solidFill>
+                <a:schemeClr val="tx1"/>
+              </a:solidFill>
+            </a:endParaRPr>
+          </a:p>
+        </p:txBody>
+      </p:sp>
+      <p:sp>
+        <p:nvSpPr>
+          <p:cNvPr id="4" name="ZoneTexte 3"/>
+          <p:cNvSpPr txBox="1"/>
+          <p:nvPr/>
+        </p:nvSpPr>
+        <p:spPr>
+          <a:xfrm>
+            <a:off x="500034" y="0"/>
+            <a:ext cx="1558440" cy="276999"/>
+          </a:xfrm>
+          <a:prstGeom prst="rect">
+            <a:avLst/>
+          </a:prstGeom>
+          <a:noFill/>
+          <a:ln>
+            <a:noFill/>
+          </a:ln>
+        </p:spPr>
+        <p:txBody>
+          <a:bodyPr wrap="none" rtlCol="0">
+            <a:spAutoFit/>
+          </a:bodyPr>
+          <a:lstStyle/>
+          <a:p>
+            <a:pPr marL="0" marR="0" indent="0" algn="l" defTabSz="914400" rtl="0" eaLnBrk="1" fontAlgn="auto" latinLnBrk="0" hangingPunct="1">
+              <a:lnSpc>
+                <a:spcPct val="100000"/>
+              </a:lnSpc>
+              <a:spcBef>
+                <a:spcPct val="20000"/>
+              </a:spcBef>
+              <a:spcAft>
+                <a:spcPts val="0"/>
+              </a:spcAft>
+              <a:buClrTx/>
+              <a:buSzTx/>
+              <a:buFontTx/>
+              <a:buNone/>
+              <a:tabLst/>
+            </a:pPr>
+            <a:r>
+              <a:rPr lang="fr-FR" sz="1200" kern="0" dirty="0" err="1" smtClean="0">
+                <a:solidFill>
+                  <a:schemeClr val="tx1">
+                    <a:lumMod val="50000"/>
+                    <a:lumOff val="50000"/>
+                  </a:schemeClr>
+                </a:solidFill>
+                <a:latin typeface="+mn-lt"/>
+                <a:cs typeface="+mn-cs"/>
+              </a:rPr>
+              <a:t>Why</a:t>
+            </a:r>
+            <a:r>
+              <a:rPr lang="fr-FR" sz="1200" kern="0" dirty="0" smtClean="0">
+                <a:solidFill>
+                  <a:schemeClr val="tx1">
+                    <a:lumMod val="50000"/>
+                    <a:lumOff val="50000"/>
+                  </a:schemeClr>
+                </a:solidFill>
+                <a:latin typeface="+mn-lt"/>
+                <a:cs typeface="+mn-cs"/>
+              </a:rPr>
+              <a:t> do </a:t>
+            </a:r>
+            <a:r>
+              <a:rPr lang="fr-FR" sz="1200" kern="0" dirty="0" err="1" smtClean="0">
+                <a:solidFill>
+                  <a:schemeClr val="tx1">
+                    <a:lumMod val="50000"/>
+                    <a:lumOff val="50000"/>
+                  </a:schemeClr>
+                </a:solidFill>
+                <a:latin typeface="+mn-lt"/>
+                <a:cs typeface="+mn-cs"/>
+              </a:rPr>
+              <a:t>we</a:t>
+            </a:r>
+            <a:r>
+              <a:rPr lang="fr-FR" sz="1200" kern="0" dirty="0" smtClean="0">
+                <a:solidFill>
+                  <a:schemeClr val="tx1">
+                    <a:lumMod val="50000"/>
+                    <a:lumOff val="50000"/>
+                  </a:schemeClr>
+                </a:solidFill>
+                <a:latin typeface="+mn-lt"/>
+                <a:cs typeface="+mn-cs"/>
+              </a:rPr>
+              <a:t> use </a:t>
+            </a:r>
+            <a:r>
+              <a:rPr lang="fr-FR" sz="1200" kern="0" dirty="0" err="1" smtClean="0">
+                <a:solidFill>
+                  <a:schemeClr val="tx1">
+                    <a:lumMod val="50000"/>
+                    <a:lumOff val="50000"/>
+                  </a:schemeClr>
+                </a:solidFill>
+                <a:latin typeface="+mn-lt"/>
+                <a:cs typeface="+mn-cs"/>
+              </a:rPr>
+              <a:t>ADLs</a:t>
+            </a:r>
+            <a:r>
+              <a:rPr lang="fr-FR" sz="1200" kern="0" dirty="0" smtClean="0">
+                <a:solidFill>
+                  <a:schemeClr val="tx1">
+                    <a:lumMod val="50000"/>
+                    <a:lumOff val="50000"/>
+                  </a:schemeClr>
+                </a:solidFill>
+                <a:latin typeface="+mn-lt"/>
+                <a:cs typeface="+mn-cs"/>
+              </a:rPr>
+              <a:t>?</a:t>
+            </a:r>
+            <a:endParaRPr kumimoji="0" lang="fr-FR" sz="1200" b="1" i="0" u="sng" strike="noStrike" kern="0" cap="none" spc="0" normalizeH="0" baseline="0" noProof="0" dirty="0" smtClean="0">
+              <a:ln>
+                <a:noFill/>
+              </a:ln>
+              <a:effectLst/>
+              <a:uLnTx/>
+              <a:uFillTx/>
+              <a:latin typeface="+mn-lt"/>
+              <a:ea typeface="+mn-ea"/>
+              <a:cs typeface="+mn-cs"/>
+            </a:endParaRPr>
+          </a:p>
+        </p:txBody>
+      </p:sp>
+      <p:sp>
+        <p:nvSpPr>
+          <p:cNvPr id="5" name="ZoneTexte 4"/>
+          <p:cNvSpPr txBox="1"/>
+          <p:nvPr/>
+        </p:nvSpPr>
+        <p:spPr>
+          <a:xfrm>
+            <a:off x="2714612" y="0"/>
+            <a:ext cx="904415" cy="276999"/>
+          </a:xfrm>
+          <a:prstGeom prst="rect">
+            <a:avLst/>
+          </a:prstGeom>
+          <a:noFill/>
+          <a:ln>
+            <a:noFill/>
+          </a:ln>
+        </p:spPr>
+        <p:txBody>
+          <a:bodyPr wrap="none" rtlCol="0">
+            <a:spAutoFit/>
+          </a:bodyPr>
+          <a:lstStyle/>
+          <a:p>
+            <a:pPr fontAlgn="auto">
+              <a:spcBef>
+                <a:spcPct val="20000"/>
+              </a:spcBef>
+              <a:spcAft>
+                <a:spcPts val="0"/>
+              </a:spcAft>
+            </a:pPr>
+            <a:r>
+              <a:rPr lang="fr-FR" sz="1200" b="1" u="sng" kern="0" dirty="0" smtClean="0">
+                <a:latin typeface="+mn-lt"/>
+                <a:cs typeface="+mn-cs"/>
+              </a:rPr>
+              <a:t>ADL </a:t>
+            </a:r>
+            <a:r>
+              <a:rPr lang="fr-FR" sz="1200" b="1" u="sng" kern="0" dirty="0" err="1" smtClean="0">
+                <a:latin typeface="+mn-lt"/>
+                <a:cs typeface="+mn-cs"/>
+              </a:rPr>
+              <a:t>Choice</a:t>
+            </a:r>
+            <a:endParaRPr lang="fr-FR" sz="1200" b="1" u="sng" kern="0" dirty="0" smtClean="0">
+              <a:latin typeface="+mn-lt"/>
+              <a:cs typeface="+mn-cs"/>
+            </a:endParaRPr>
+          </a:p>
+        </p:txBody>
+      </p:sp>
+      <p:sp>
+        <p:nvSpPr>
+          <p:cNvPr id="6" name="ZoneTexte 5"/>
+          <p:cNvSpPr txBox="1"/>
+          <p:nvPr/>
+        </p:nvSpPr>
+        <p:spPr>
+          <a:xfrm>
+            <a:off x="4572000" y="0"/>
+            <a:ext cx="1399742" cy="276999"/>
+          </a:xfrm>
+          <a:prstGeom prst="rect">
+            <a:avLst/>
+          </a:prstGeom>
+          <a:noFill/>
+          <a:ln>
+            <a:noFill/>
+          </a:ln>
+        </p:spPr>
+        <p:txBody>
+          <a:bodyPr wrap="none" rtlCol="0">
+            <a:spAutoFit/>
+          </a:bodyPr>
+          <a:lstStyle/>
+          <a:p>
+            <a:pPr marL="0" marR="0" indent="0" algn="l" defTabSz="914400" rtl="0" eaLnBrk="1" fontAlgn="auto" latinLnBrk="0" hangingPunct="1">
+              <a:lnSpc>
+                <a:spcPct val="100000"/>
+              </a:lnSpc>
+              <a:spcBef>
+                <a:spcPct val="20000"/>
+              </a:spcBef>
+              <a:spcAft>
+                <a:spcPts val="0"/>
+              </a:spcAft>
+              <a:buClrTx/>
+              <a:buSzTx/>
+              <a:buFontTx/>
+              <a:buNone/>
+              <a:tabLst/>
+            </a:pPr>
+            <a:r>
+              <a:rPr kumimoji="0" lang="fr-FR" sz="1200" i="0" u="none" strike="noStrike" kern="0" cap="none" spc="0" normalizeH="0" baseline="0" noProof="0" dirty="0" smtClean="0">
+                <a:ln>
+                  <a:noFill/>
+                </a:ln>
+                <a:solidFill>
+                  <a:schemeClr val="tx1">
+                    <a:lumMod val="50000"/>
+                    <a:lumOff val="50000"/>
+                  </a:schemeClr>
+                </a:solidFill>
+                <a:effectLst/>
+                <a:uLnTx/>
+                <a:uFillTx/>
+                <a:latin typeface="+mn-lt"/>
+                <a:ea typeface="+mn-ea"/>
+                <a:cs typeface="+mn-cs"/>
+              </a:rPr>
+              <a:t>ACME </a:t>
+            </a:r>
+            <a:r>
+              <a:rPr kumimoji="0" lang="fr-FR" sz="1200" i="0" u="none" strike="noStrike" kern="0" cap="none" spc="0" normalizeH="0" baseline="0" noProof="0" dirty="0" err="1" smtClean="0">
+                <a:ln>
+                  <a:noFill/>
+                </a:ln>
+                <a:solidFill>
+                  <a:schemeClr val="tx1">
+                    <a:lumMod val="50000"/>
+                    <a:lumOff val="50000"/>
+                  </a:schemeClr>
+                </a:solidFill>
+                <a:effectLst/>
+                <a:uLnTx/>
+                <a:uFillTx/>
+                <a:latin typeface="+mn-lt"/>
+                <a:ea typeface="+mn-ea"/>
+                <a:cs typeface="+mn-cs"/>
+              </a:rPr>
+              <a:t>Presentation</a:t>
+            </a:r>
+            <a:endParaRPr kumimoji="0" lang="fr-FR" sz="1200" i="0" u="none" strike="noStrike" kern="0" cap="none" spc="0" normalizeH="0" baseline="0" noProof="0" dirty="0" smtClean="0">
+              <a:ln>
+                <a:noFill/>
+              </a:ln>
+              <a:solidFill>
+                <a:schemeClr val="tx1">
+                  <a:lumMod val="50000"/>
+                  <a:lumOff val="50000"/>
+                </a:schemeClr>
+              </a:solidFill>
+              <a:effectLst/>
+              <a:uLnTx/>
+              <a:uFillTx/>
+              <a:latin typeface="+mn-lt"/>
+              <a:ea typeface="+mn-ea"/>
+              <a:cs typeface="+mn-cs"/>
+            </a:endParaRPr>
+          </a:p>
+        </p:txBody>
+      </p:sp>
+      <p:sp>
+        <p:nvSpPr>
+          <p:cNvPr id="7" name="ZoneTexte 6"/>
+          <p:cNvSpPr txBox="1"/>
+          <p:nvPr/>
+        </p:nvSpPr>
+        <p:spPr>
+          <a:xfrm>
+            <a:off x="6786578" y="0"/>
+            <a:ext cx="1382110" cy="276999"/>
+          </a:xfrm>
+          <a:prstGeom prst="rect">
+            <a:avLst/>
+          </a:prstGeom>
+          <a:noFill/>
+          <a:ln>
+            <a:noFill/>
+          </a:ln>
+        </p:spPr>
+        <p:txBody>
+          <a:bodyPr wrap="none" rtlCol="0">
+            <a:spAutoFit/>
+          </a:bodyPr>
+          <a:lstStyle/>
+          <a:p>
+            <a:pPr marL="0" marR="0" indent="0" algn="l" defTabSz="914400" rtl="0" eaLnBrk="1" fontAlgn="auto" latinLnBrk="0" hangingPunct="1">
+              <a:lnSpc>
+                <a:spcPct val="100000"/>
+              </a:lnSpc>
+              <a:spcBef>
+                <a:spcPct val="20000"/>
+              </a:spcBef>
+              <a:spcAft>
+                <a:spcPts val="0"/>
+              </a:spcAft>
+              <a:buClrTx/>
+              <a:buSzTx/>
+              <a:buFontTx/>
+              <a:buNone/>
+              <a:tabLst/>
+            </a:pPr>
+            <a:r>
+              <a:rPr kumimoji="0" lang="fr-FR" sz="1200" i="0" u="none" strike="noStrike" kern="0" cap="none" spc="0" normalizeH="0" baseline="0" noProof="0" dirty="0" smtClean="0">
+                <a:ln>
+                  <a:noFill/>
+                </a:ln>
+                <a:solidFill>
+                  <a:schemeClr val="tx1">
+                    <a:lumMod val="50000"/>
+                    <a:lumOff val="50000"/>
+                  </a:schemeClr>
+                </a:solidFill>
+                <a:effectLst/>
+                <a:uLnTx/>
+                <a:uFillTx/>
+                <a:latin typeface="+mn-lt"/>
+                <a:ea typeface="+mn-ea"/>
+                <a:cs typeface="+mn-cs"/>
+              </a:rPr>
+              <a:t>ATAM introduction</a:t>
+            </a:r>
+          </a:p>
+        </p:txBody>
+      </p:sp>
+    </p:spTree>
+  </p:cSld>
+  <p:clrMapOvr>
+    <a:masterClrMapping/>
+  </p:clrMapOvr>
+</p:sld>
+</file>
+
+<file path=ppt/slides/slide7.xml><?xml version="1.0" encoding="utf-8"?>
+<p:sld xmlns:a="http://schemas.openxmlformats.org/drawingml/2006/main" xmlns:r="http://schemas.openxmlformats.org/officeDocument/2006/relationships" xmlns:p="http://schemas.openxmlformats.org/presentationml/2006/main">
+  <p:cSld>
+    <p:spTree>
+      <p:nvGrpSpPr>
+        <p:cNvPr id="1" name=""/>
+        <p:cNvGrpSpPr/>
+        <p:nvPr/>
+      </p:nvGrpSpPr>
+      <p:grpSpPr>
+        <a:xfrm>
+          <a:off x="0" y="0"/>
+          <a:ext cx="0" cy="0"/>
+          <a:chOff x="0" y="0"/>
+          <a:chExt cx="0" cy="0"/>
+        </a:xfrm>
+      </p:grpSpPr>
+      <p:sp>
+        <p:nvSpPr>
+          <p:cNvPr id="2" name="Titre 1"/>
+          <p:cNvSpPr>
+            <a:spLocks noGrp="1"/>
+          </p:cNvSpPr>
+          <p:nvPr>
+            <p:ph type="ctrTitle"/>
+          </p:nvPr>
+        </p:nvSpPr>
+        <p:spPr/>
+        <p:txBody>
+          <a:bodyPr/>
+          <a:lstStyle/>
+          <a:p>
+            <a:r>
+              <a:rPr lang="en-GB" dirty="0" smtClean="0"/>
+              <a:t>2. ADL </a:t>
+            </a:r>
+            <a:r>
+              <a:rPr lang="en-GB" dirty="0" smtClean="0"/>
+              <a:t>investigation and </a:t>
+            </a:r>
+            <a:r>
+              <a:rPr lang="en-GB" dirty="0" smtClean="0"/>
+              <a:t>choice (CONT.)</a:t>
+            </a:r>
+            <a:endParaRPr lang="en-US" dirty="0"/>
+          </a:p>
+        </p:txBody>
+      </p:sp>
+      <p:sp>
+        <p:nvSpPr>
+          <p:cNvPr id="3" name="Espace réservé du texte 2"/>
+          <p:cNvSpPr>
+            <a:spLocks noGrp="1"/>
+          </p:cNvSpPr>
+          <p:nvPr>
+            <p:ph type="body" sz="quarter" idx="10"/>
+          </p:nvPr>
+        </p:nvSpPr>
+        <p:spPr/>
+        <p:txBody>
+          <a:bodyPr/>
+          <a:lstStyle/>
+          <a:p>
+            <a:r>
+              <a:rPr lang="en-US" dirty="0" smtClean="0"/>
+              <a:t>WRIGHT :</a:t>
+            </a:r>
+            <a:endParaRPr lang="en-US" dirty="0"/>
+          </a:p>
+        </p:txBody>
+      </p:sp>
+    </p:spTree>
+  </p:cSld>
+  <p:clrMapOvr>
+    <a:masterClrMapping/>
+  </p:clrMapOvr>
+</p:sld>
+</file>
+
+<file path=ppt/slides/slide8.xml><?xml version="1.0" encoding="utf-8"?>
+<p:sld xmlns:a="http://schemas.openxmlformats.org/drawingml/2006/main" xmlns:r="http://schemas.openxmlformats.org/officeDocument/2006/relationships" xmlns:p="http://schemas.openxmlformats.org/presentationml/2006/main">
+  <p:cSld>
+    <p:spTree>
+      <p:nvGrpSpPr>
+        <p:cNvPr id="1" name=""/>
+        <p:cNvGrpSpPr/>
+        <p:nvPr/>
+      </p:nvGrpSpPr>
+      <p:grpSpPr>
+        <a:xfrm>
+          <a:off x="0" y="0"/>
+          <a:ext cx="0" cy="0"/>
+          <a:chOff x="0" y="0"/>
+          <a:chExt cx="0" cy="0"/>
+        </a:xfrm>
+      </p:grpSpPr>
+      <p:sp>
+        <p:nvSpPr>
+          <p:cNvPr id="2" name="Title 1"/>
+          <p:cNvSpPr>
+            <a:spLocks noGrp="1"/>
+          </p:cNvSpPr>
+          <p:nvPr>
+            <p:ph type="ctrTitle"/>
+          </p:nvPr>
+        </p:nvSpPr>
+        <p:spPr/>
+        <p:txBody>
+          <a:bodyPr/>
+          <a:lstStyle/>
+          <a:p>
+            <a:r>
+              <a:rPr lang="en-GB" dirty="0" smtClean="0"/>
+              <a:t>2. ADL investigation and choice (cont.)</a:t>
+            </a:r>
+            <a:endParaRPr lang="en-GB" dirty="0"/>
+          </a:p>
+        </p:txBody>
+      </p:sp>
+      <p:sp>
+        <p:nvSpPr>
+          <p:cNvPr id="3" name="Text Placeholder 2"/>
+          <p:cNvSpPr>
+            <a:spLocks noGrp="1"/>
+          </p:cNvSpPr>
+          <p:nvPr>
+            <p:ph type="body" sz="quarter" idx="10"/>
+          </p:nvPr>
+        </p:nvSpPr>
+        <p:spPr/>
+        <p:txBody>
+          <a:bodyPr/>
+          <a:lstStyle/>
+          <a:p>
             <a:pPr>
               <a:buNone/>
             </a:pPr>
@@ -18621,11 +20217,7 @@
           <a:p>
             <a:r>
               <a:rPr lang="en-GB" dirty="0" smtClean="0"/>
-              <a:t>Well </a:t>
-            </a:r>
-            <a:r>
-              <a:rPr lang="en-GB" dirty="0" smtClean="0"/>
-              <a:t>known</a:t>
+              <a:t>Well known</a:t>
             </a:r>
           </a:p>
           <a:p>
@@ -18766,43 +20358,8 @@
                 <a:ea typeface="+mn-ea"/>
                 <a:cs typeface="+mn-cs"/>
               </a:rPr>
-              <a:t> </a:t>
-            </a:r>
-            <a:r>
-              <a:rPr kumimoji="0" lang="en-GB" sz="2800" b="1" i="1" u="none" strike="noStrike" kern="0" cap="none" spc="0" normalizeH="0" baseline="0" noProof="0" dirty="0" smtClean="0">
-                <a:ln>
-                  <a:noFill/>
-                </a:ln>
-                <a:solidFill>
-                  <a:schemeClr val="accent4">
-                    <a:shade val="50000"/>
-                  </a:schemeClr>
-                </a:solidFill>
-                <a:effectLst/>
-                <a:uLnTx/>
-                <a:uFillTx/>
-                <a:latin typeface="+mn-lt"/>
-                <a:ea typeface="+mn-ea"/>
-                <a:cs typeface="+mn-cs"/>
-              </a:rPr>
-              <a:t>ACME !</a:t>
-            </a:r>
-            <a:endParaRPr kumimoji="0" lang="en-GB" sz="2800" b="1" i="1" u="none" strike="noStrike" kern="0" cap="none" spc="0" normalizeH="0" baseline="0" noProof="0" dirty="0" smtClean="0">
-              <a:ln>
-                <a:noFill/>
-              </a:ln>
-              <a:solidFill>
-                <a:schemeClr val="accent4">
-                  <a:shade val="50000"/>
-                </a:schemeClr>
-              </a:solidFill>
-              <a:effectLst/>
-              <a:uLnTx/>
-              <a:uFillTx/>
-              <a:latin typeface="+mn-lt"/>
-              <a:ea typeface="+mn-ea"/>
-              <a:cs typeface="+mn-cs"/>
-            </a:endParaRPr>
+              <a:t> ACME !</a:t>
+            </a:r>
           </a:p>
         </p:txBody>
       </p:sp>
@@ -19216,7 +20773,7 @@
 </p:sld>
 </file>
 
-<file path=ppt/slides/slide7.xml><?xml version="1.0" encoding="utf-8"?>
+<file path=ppt/slides/slide9.xml><?xml version="1.0" encoding="utf-8"?>
 <p:sld xmlns:a="http://schemas.openxmlformats.org/drawingml/2006/main" xmlns:r="http://schemas.openxmlformats.org/officeDocument/2006/relationships" xmlns:p="http://schemas.openxmlformats.org/presentationml/2006/main">
   <p:cSld>
     <p:spTree>
@@ -19273,64 +20830,26 @@
           <a:p>
             <a:r>
               <a:rPr lang="en-US" sz="2800" dirty="0" smtClean="0"/>
-              <a:t>Acme </a:t>
-            </a:r>
+              <a:t>Acme created in 1995 by Carnegie Mellon University</a:t>
+            </a:r>
+          </a:p>
+          <a:p>
             <a:r>
               <a:rPr lang="en-US" sz="2800" dirty="0" smtClean="0"/>
-              <a:t>created in 1995 </a:t>
-            </a:r>
+              <a:t>The original goal was to provide a common language that could be used to support the interchange of architectural descriptions between a variety of architectural design tools.</a:t>
+            </a:r>
+          </a:p>
+          <a:p>
             <a:r>
               <a:rPr lang="en-US" sz="2800" dirty="0" smtClean="0"/>
-              <a:t>by Carnegie Mellon </a:t>
-            </a:r>
+              <a:t>Provide a generic, extensible infrastructure for describing, representing, generating, and analyzing software architecture language description.</a:t>
+            </a:r>
+          </a:p>
+          <a:p>
             <a:r>
               <a:rPr lang="en-US" sz="2800" dirty="0" smtClean="0"/>
-              <a:t>University</a:t>
-            </a:r>
-            <a:endParaRPr lang="en-US" sz="2800" dirty="0" smtClean="0"/>
-          </a:p>
-          <a:p>
-            <a:r>
-              <a:rPr lang="en-US" sz="2800" dirty="0" smtClean="0"/>
-              <a:t>The original goal was to </a:t>
-            </a:r>
-            <a:r>
-              <a:rPr lang="en-US" sz="2800" dirty="0" smtClean="0"/>
-              <a:t>provide a common language that could be used to support the interchange of architectural descriptions between a variety of architectural design tools.</a:t>
-            </a:r>
-          </a:p>
-          <a:p>
-            <a:r>
-              <a:rPr lang="en-US" sz="2800" dirty="0" smtClean="0"/>
-              <a:t>Provide a generic, extensible infrastructure for describing, representing, generating, and analyzing software </a:t>
-            </a:r>
-            <a:r>
-              <a:rPr lang="en-US" sz="2800" dirty="0" smtClean="0"/>
-              <a:t>architecture language description.</a:t>
-            </a:r>
-          </a:p>
-          <a:p>
-            <a:r>
-              <a:rPr lang="en-US" sz="2800" dirty="0" smtClean="0"/>
-              <a:t>Provide descriptions </a:t>
-            </a:r>
-            <a:r>
-              <a:rPr lang="en-US" sz="2800" dirty="0" smtClean="0"/>
-              <a:t>that are </a:t>
-            </a:r>
-            <a:r>
-              <a:rPr lang="en-US" sz="2800" dirty="0" smtClean="0"/>
-              <a:t>easy to understand </a:t>
-            </a:r>
-            <a:r>
-              <a:rPr lang="en-US" sz="2800" dirty="0" smtClean="0"/>
-              <a:t>for </a:t>
-            </a:r>
-            <a:r>
-              <a:rPr lang="en-US" sz="2800" dirty="0" smtClean="0"/>
-              <a:t>everyone</a:t>
-            </a:r>
-            <a:endParaRPr lang="en-US" sz="2800" dirty="0" smtClean="0"/>
+              <a:t>Provide descriptions that are easy to understand for everyone</a:t>
+            </a:r>
           </a:p>
           <a:p>
             <a:endParaRPr lang="en-US" sz="2800" dirty="0" smtClean="0"/>
@@ -19688,1064 +21207,6 @@
           </a:p>
         </p:txBody>
       </p:sp>
-    </p:spTree>
-  </p:cSld>
-  <p:clrMapOvr>
-    <a:masterClrMapping/>
-  </p:clrMapOvr>
-  <p:timing>
-    <p:tnLst>
-      <p:par>
-        <p:cTn id="1" dur="indefinite" restart="never" nodeType="tmRoot"/>
-      </p:par>
-    </p:tnLst>
-  </p:timing>
-</p:sld>
-</file>
-
-<file path=ppt/slides/slide8.xml><?xml version="1.0" encoding="utf-8"?>
-<p:sld xmlns:a="http://schemas.openxmlformats.org/drawingml/2006/main" xmlns:r="http://schemas.openxmlformats.org/officeDocument/2006/relationships" xmlns:p="http://schemas.openxmlformats.org/presentationml/2006/main">
-  <p:cSld>
-    <p:spTree>
-      <p:nvGrpSpPr>
-        <p:cNvPr id="1" name=""/>
-        <p:cNvGrpSpPr/>
-        <p:nvPr/>
-      </p:nvGrpSpPr>
-      <p:grpSpPr>
-        <a:xfrm>
-          <a:off x="0" y="0"/>
-          <a:ext cx="0" cy="0"/>
-          <a:chOff x="0" y="0"/>
-          <a:chExt cx="0" cy="0"/>
-        </a:xfrm>
-      </p:grpSpPr>
-      <p:sp>
-        <p:nvSpPr>
-          <p:cNvPr id="2" name="Titre 1"/>
-          <p:cNvSpPr>
-            <a:spLocks noGrp="1"/>
-          </p:cNvSpPr>
-          <p:nvPr>
-            <p:ph type="ctrTitle"/>
-          </p:nvPr>
-        </p:nvSpPr>
-        <p:spPr/>
-        <p:txBody>
-          <a:bodyPr/>
-          <a:lstStyle/>
-          <a:p>
-            <a:r>
-              <a:rPr lang="fr-FR" dirty="0" smtClean="0"/>
-              <a:t>3. A</a:t>
-            </a:r>
-            <a:r>
-              <a:rPr smtClean="0"/>
-              <a:t>cme kernel &amp; elements</a:t>
-            </a:r>
-            <a:endParaRPr lang="fr-FR" dirty="0"/>
-          </a:p>
-        </p:txBody>
-      </p:sp>
-      <p:sp>
-        <p:nvSpPr>
-          <p:cNvPr id="3" name="Espace réservé du texte 2"/>
-          <p:cNvSpPr>
-            <a:spLocks noGrp="1"/>
-          </p:cNvSpPr>
-          <p:nvPr>
-            <p:ph type="body" sz="quarter" idx="10"/>
-          </p:nvPr>
-        </p:nvSpPr>
-        <p:spPr>
-          <a:xfrm>
-            <a:off x="285750" y="1214422"/>
-            <a:ext cx="8643968" cy="5357828"/>
-          </a:xfrm>
-        </p:spPr>
-        <p:txBody>
-          <a:bodyPr/>
-          <a:lstStyle/>
-          <a:p>
-            <a:r>
-              <a:rPr lang="en-US" dirty="0" smtClean="0"/>
-              <a:t>Components, with ports</a:t>
-            </a:r>
-          </a:p>
-          <a:p>
-            <a:r>
-              <a:rPr lang="en-US" dirty="0" smtClean="0"/>
-              <a:t>Connectors, with roles</a:t>
-            </a:r>
-          </a:p>
-          <a:p>
-            <a:r>
-              <a:rPr lang="en-US" dirty="0" smtClean="0"/>
-              <a:t>Attachments of particular ports to particular roles</a:t>
-            </a:r>
-          </a:p>
-          <a:p>
-            <a:r>
-              <a:rPr lang="en-US" dirty="0" smtClean="0"/>
-              <a:t>Properties of any of above</a:t>
-            </a:r>
-            <a:endParaRPr lang="fr-FR" dirty="0"/>
-          </a:p>
-        </p:txBody>
-      </p:sp>
-      <p:sp>
-        <p:nvSpPr>
-          <p:cNvPr id="5" name="ZoneTexte 4"/>
-          <p:cNvSpPr txBox="1"/>
-          <p:nvPr/>
-        </p:nvSpPr>
-        <p:spPr>
-          <a:xfrm>
-            <a:off x="500034" y="0"/>
-            <a:ext cx="1558440" cy="276999"/>
-          </a:xfrm>
-          <a:prstGeom prst="rect">
-            <a:avLst/>
-          </a:prstGeom>
-          <a:noFill/>
-          <a:ln>
-            <a:noFill/>
-          </a:ln>
-        </p:spPr>
-        <p:txBody>
-          <a:bodyPr wrap="none" rtlCol="0">
-            <a:spAutoFit/>
-          </a:bodyPr>
-          <a:lstStyle/>
-          <a:p>
-            <a:pPr marL="0" marR="0" indent="0" algn="l" defTabSz="914400" rtl="0" eaLnBrk="1" fontAlgn="auto" latinLnBrk="0" hangingPunct="1">
-              <a:lnSpc>
-                <a:spcPct val="100000"/>
-              </a:lnSpc>
-              <a:spcBef>
-                <a:spcPct val="20000"/>
-              </a:spcBef>
-              <a:spcAft>
-                <a:spcPts val="0"/>
-              </a:spcAft>
-              <a:buClrTx/>
-              <a:buSzTx/>
-              <a:buFontTx/>
-              <a:buNone/>
-              <a:tabLst/>
-            </a:pPr>
-            <a:r>
-              <a:rPr lang="fr-FR" sz="1200" kern="0" dirty="0" err="1" smtClean="0">
-                <a:solidFill>
-                  <a:schemeClr val="tx1">
-                    <a:lumMod val="50000"/>
-                    <a:lumOff val="50000"/>
-                  </a:schemeClr>
-                </a:solidFill>
-                <a:latin typeface="+mn-lt"/>
-                <a:cs typeface="+mn-cs"/>
-              </a:rPr>
-              <a:t>Why</a:t>
-            </a:r>
-            <a:r>
-              <a:rPr lang="fr-FR" sz="1200" kern="0" dirty="0" smtClean="0">
-                <a:solidFill>
-                  <a:schemeClr val="tx1">
-                    <a:lumMod val="50000"/>
-                    <a:lumOff val="50000"/>
-                  </a:schemeClr>
-                </a:solidFill>
-                <a:latin typeface="+mn-lt"/>
-                <a:cs typeface="+mn-cs"/>
-              </a:rPr>
-              <a:t> do </a:t>
-            </a:r>
-            <a:r>
-              <a:rPr lang="fr-FR" sz="1200" kern="0" dirty="0" err="1" smtClean="0">
-                <a:solidFill>
-                  <a:schemeClr val="tx1">
-                    <a:lumMod val="50000"/>
-                    <a:lumOff val="50000"/>
-                  </a:schemeClr>
-                </a:solidFill>
-                <a:latin typeface="+mn-lt"/>
-                <a:cs typeface="+mn-cs"/>
-              </a:rPr>
-              <a:t>we</a:t>
-            </a:r>
-            <a:r>
-              <a:rPr lang="fr-FR" sz="1200" kern="0" dirty="0" smtClean="0">
-                <a:solidFill>
-                  <a:schemeClr val="tx1">
-                    <a:lumMod val="50000"/>
-                    <a:lumOff val="50000"/>
-                  </a:schemeClr>
-                </a:solidFill>
-                <a:latin typeface="+mn-lt"/>
-                <a:cs typeface="+mn-cs"/>
-              </a:rPr>
-              <a:t> use </a:t>
-            </a:r>
-            <a:r>
-              <a:rPr lang="fr-FR" sz="1200" kern="0" dirty="0" err="1" smtClean="0">
-                <a:solidFill>
-                  <a:schemeClr val="tx1">
-                    <a:lumMod val="50000"/>
-                    <a:lumOff val="50000"/>
-                  </a:schemeClr>
-                </a:solidFill>
-                <a:latin typeface="+mn-lt"/>
-                <a:cs typeface="+mn-cs"/>
-              </a:rPr>
-              <a:t>ADLs</a:t>
-            </a:r>
-            <a:r>
-              <a:rPr lang="fr-FR" sz="1200" kern="0" dirty="0" smtClean="0">
-                <a:solidFill>
-                  <a:schemeClr val="tx1">
-                    <a:lumMod val="50000"/>
-                    <a:lumOff val="50000"/>
-                  </a:schemeClr>
-                </a:solidFill>
-                <a:latin typeface="+mn-lt"/>
-                <a:cs typeface="+mn-cs"/>
-              </a:rPr>
-              <a:t>?</a:t>
-            </a:r>
-            <a:endParaRPr kumimoji="0" lang="fr-FR" sz="1200" b="1" i="0" u="sng" strike="noStrike" kern="0" cap="none" spc="0" normalizeH="0" baseline="0" noProof="0" dirty="0" smtClean="0">
-              <a:ln>
-                <a:noFill/>
-              </a:ln>
-              <a:effectLst/>
-              <a:uLnTx/>
-              <a:uFillTx/>
-              <a:latin typeface="+mn-lt"/>
-              <a:ea typeface="+mn-ea"/>
-              <a:cs typeface="+mn-cs"/>
-            </a:endParaRPr>
-          </a:p>
-        </p:txBody>
-      </p:sp>
-      <p:sp>
-        <p:nvSpPr>
-          <p:cNvPr id="6" name="ZoneTexte 5"/>
-          <p:cNvSpPr txBox="1"/>
-          <p:nvPr/>
-        </p:nvSpPr>
-        <p:spPr>
-          <a:xfrm>
-            <a:off x="2786050" y="0"/>
-            <a:ext cx="889987" cy="276999"/>
-          </a:xfrm>
-          <a:prstGeom prst="rect">
-            <a:avLst/>
-          </a:prstGeom>
-          <a:noFill/>
-          <a:ln>
-            <a:noFill/>
-          </a:ln>
-        </p:spPr>
-        <p:txBody>
-          <a:bodyPr wrap="none" rtlCol="0">
-            <a:spAutoFit/>
-          </a:bodyPr>
-          <a:lstStyle/>
-          <a:p>
-            <a:pPr fontAlgn="auto">
-              <a:spcBef>
-                <a:spcPct val="20000"/>
-              </a:spcBef>
-              <a:spcAft>
-                <a:spcPts val="0"/>
-              </a:spcAft>
-            </a:pPr>
-            <a:r>
-              <a:rPr lang="fr-FR" sz="1200" kern="0" dirty="0" smtClean="0">
-                <a:solidFill>
-                  <a:schemeClr val="tx1">
-                    <a:lumMod val="50000"/>
-                    <a:lumOff val="50000"/>
-                  </a:schemeClr>
-                </a:solidFill>
-                <a:latin typeface="+mn-lt"/>
-                <a:cs typeface="+mn-cs"/>
-              </a:rPr>
-              <a:t>ADL </a:t>
-            </a:r>
-            <a:r>
-              <a:rPr lang="fr-FR" sz="1200" kern="0" dirty="0" err="1" smtClean="0">
-                <a:solidFill>
-                  <a:schemeClr val="tx1">
-                    <a:lumMod val="50000"/>
-                    <a:lumOff val="50000"/>
-                  </a:schemeClr>
-                </a:solidFill>
-                <a:latin typeface="+mn-lt"/>
-                <a:cs typeface="+mn-cs"/>
-              </a:rPr>
-              <a:t>Choice</a:t>
-            </a:r>
-            <a:endParaRPr lang="fr-FR" sz="1200" kern="0" dirty="0" smtClean="0">
-              <a:solidFill>
-                <a:schemeClr val="tx1">
-                  <a:lumMod val="50000"/>
-                  <a:lumOff val="50000"/>
-                </a:schemeClr>
-              </a:solidFill>
-              <a:latin typeface="+mn-lt"/>
-              <a:cs typeface="+mn-cs"/>
-            </a:endParaRPr>
-          </a:p>
-        </p:txBody>
-      </p:sp>
-      <p:sp>
-        <p:nvSpPr>
-          <p:cNvPr id="7" name="ZoneTexte 6"/>
-          <p:cNvSpPr txBox="1"/>
-          <p:nvPr/>
-        </p:nvSpPr>
-        <p:spPr>
-          <a:xfrm>
-            <a:off x="4572000" y="0"/>
-            <a:ext cx="1418978" cy="276999"/>
-          </a:xfrm>
-          <a:prstGeom prst="rect">
-            <a:avLst/>
-          </a:prstGeom>
-          <a:noFill/>
-          <a:ln>
-            <a:noFill/>
-          </a:ln>
-        </p:spPr>
-        <p:txBody>
-          <a:bodyPr wrap="none" rtlCol="0">
-            <a:spAutoFit/>
-          </a:bodyPr>
-          <a:lstStyle/>
-          <a:p>
-            <a:pPr marL="0" marR="0" indent="0" algn="l" defTabSz="914400" rtl="0" eaLnBrk="1" fontAlgn="auto" latinLnBrk="0" hangingPunct="1">
-              <a:lnSpc>
-                <a:spcPct val="100000"/>
-              </a:lnSpc>
-              <a:spcBef>
-                <a:spcPct val="20000"/>
-              </a:spcBef>
-              <a:spcAft>
-                <a:spcPts val="0"/>
-              </a:spcAft>
-              <a:buClrTx/>
-              <a:buSzTx/>
-              <a:buFontTx/>
-              <a:buNone/>
-              <a:tabLst/>
-            </a:pPr>
-            <a:r>
-              <a:rPr lang="fr-FR" sz="1200" b="1" u="sng" kern="0" dirty="0" smtClean="0">
-                <a:latin typeface="+mn-lt"/>
-                <a:cs typeface="+mn-cs"/>
-              </a:rPr>
-              <a:t>ACME</a:t>
-            </a:r>
-            <a:r>
-              <a:rPr kumimoji="0" lang="fr-FR" sz="1200" i="0" u="none" strike="noStrike" kern="0" cap="none" spc="0" normalizeH="0" baseline="0" noProof="0" dirty="0" smtClean="0">
-                <a:ln>
-                  <a:noFill/>
-                </a:ln>
-                <a:solidFill>
-                  <a:schemeClr val="tx1">
-                    <a:lumMod val="50000"/>
-                    <a:lumOff val="50000"/>
-                  </a:schemeClr>
-                </a:solidFill>
-                <a:effectLst/>
-                <a:uLnTx/>
-                <a:uFillTx/>
-                <a:latin typeface="+mn-lt"/>
-                <a:ea typeface="+mn-ea"/>
-                <a:cs typeface="+mn-cs"/>
-              </a:rPr>
-              <a:t> </a:t>
-            </a:r>
-            <a:r>
-              <a:rPr lang="fr-FR" sz="1200" b="1" u="sng" kern="0" dirty="0" err="1" smtClean="0">
-                <a:latin typeface="+mn-lt"/>
-                <a:cs typeface="+mn-cs"/>
-              </a:rPr>
-              <a:t>Presentation</a:t>
-            </a:r>
-            <a:endParaRPr lang="fr-FR" sz="1200" b="1" u="sng" kern="0" dirty="0" smtClean="0">
-              <a:latin typeface="+mn-lt"/>
-              <a:cs typeface="+mn-cs"/>
-            </a:endParaRPr>
-          </a:p>
-        </p:txBody>
-      </p:sp>
-      <p:sp>
-        <p:nvSpPr>
-          <p:cNvPr id="8" name="ZoneTexte 7"/>
-          <p:cNvSpPr txBox="1"/>
-          <p:nvPr/>
-        </p:nvSpPr>
-        <p:spPr>
-          <a:xfrm>
-            <a:off x="6786578" y="0"/>
-            <a:ext cx="1382110" cy="276999"/>
-          </a:xfrm>
-          <a:prstGeom prst="rect">
-            <a:avLst/>
-          </a:prstGeom>
-          <a:noFill/>
-          <a:ln>
-            <a:noFill/>
-          </a:ln>
-        </p:spPr>
-        <p:txBody>
-          <a:bodyPr wrap="none" rtlCol="0">
-            <a:spAutoFit/>
-          </a:bodyPr>
-          <a:lstStyle/>
-          <a:p>
-            <a:pPr marL="0" marR="0" indent="0" algn="l" defTabSz="914400" rtl="0" eaLnBrk="1" fontAlgn="auto" latinLnBrk="0" hangingPunct="1">
-              <a:lnSpc>
-                <a:spcPct val="100000"/>
-              </a:lnSpc>
-              <a:spcBef>
-                <a:spcPct val="20000"/>
-              </a:spcBef>
-              <a:spcAft>
-                <a:spcPts val="0"/>
-              </a:spcAft>
-              <a:buClrTx/>
-              <a:buSzTx/>
-              <a:buFontTx/>
-              <a:buNone/>
-              <a:tabLst/>
-            </a:pPr>
-            <a:r>
-              <a:rPr kumimoji="0" lang="fr-FR" sz="1200" i="0" u="none" strike="noStrike" kern="0" cap="none" spc="0" normalizeH="0" baseline="0" noProof="0" dirty="0" smtClean="0">
-                <a:ln>
-                  <a:noFill/>
-                </a:ln>
-                <a:solidFill>
-                  <a:schemeClr val="tx1">
-                    <a:lumMod val="50000"/>
-                    <a:lumOff val="50000"/>
-                  </a:schemeClr>
-                </a:solidFill>
-                <a:effectLst/>
-                <a:uLnTx/>
-                <a:uFillTx/>
-                <a:latin typeface="+mn-lt"/>
-                <a:ea typeface="+mn-ea"/>
-                <a:cs typeface="+mn-cs"/>
-              </a:rPr>
-              <a:t>ATAM introduction</a:t>
-            </a:r>
-          </a:p>
-        </p:txBody>
-      </p:sp>
-    </p:spTree>
-  </p:cSld>
-  <p:clrMapOvr>
-    <a:masterClrMapping/>
-  </p:clrMapOvr>
-  <p:timing>
-    <p:tnLst>
-      <p:par>
-        <p:cTn id="1" dur="indefinite" restart="never" nodeType="tmRoot"/>
-      </p:par>
-    </p:tnLst>
-  </p:timing>
-</p:sld>
-</file>
-
-<file path=ppt/slides/slide9.xml><?xml version="1.0" encoding="utf-8"?>
-<p:sld xmlns:a="http://schemas.openxmlformats.org/drawingml/2006/main" xmlns:r="http://schemas.openxmlformats.org/officeDocument/2006/relationships" xmlns:p="http://schemas.openxmlformats.org/presentationml/2006/main">
-  <p:cSld>
-    <p:spTree>
-      <p:nvGrpSpPr>
-        <p:cNvPr id="1" name=""/>
-        <p:cNvGrpSpPr/>
-        <p:nvPr/>
-      </p:nvGrpSpPr>
-      <p:grpSpPr>
-        <a:xfrm>
-          <a:off x="0" y="0"/>
-          <a:ext cx="0" cy="0"/>
-          <a:chOff x="0" y="0"/>
-          <a:chExt cx="0" cy="0"/>
-        </a:xfrm>
-      </p:grpSpPr>
-      <p:sp>
-        <p:nvSpPr>
-          <p:cNvPr id="2" name="Titre 1"/>
-          <p:cNvSpPr>
-            <a:spLocks noGrp="1"/>
-          </p:cNvSpPr>
-          <p:nvPr>
-            <p:ph type="ctrTitle"/>
-          </p:nvPr>
-        </p:nvSpPr>
-        <p:spPr/>
-        <p:txBody>
-          <a:bodyPr/>
-          <a:lstStyle/>
-          <a:p>
-            <a:r>
-              <a:rPr smtClean="0"/>
-              <a:t>3. Acme description</a:t>
-            </a:r>
-            <a:endParaRPr lang="fr-FR" dirty="0"/>
-          </a:p>
-        </p:txBody>
-      </p:sp>
-      <p:sp>
-        <p:nvSpPr>
-          <p:cNvPr id="3" name="Espace réservé du texte 2"/>
-          <p:cNvSpPr>
-            <a:spLocks noGrp="1"/>
-          </p:cNvSpPr>
-          <p:nvPr>
-            <p:ph type="body" sz="quarter" idx="10"/>
-          </p:nvPr>
-        </p:nvSpPr>
-        <p:spPr/>
-        <p:txBody>
-          <a:bodyPr/>
-          <a:lstStyle/>
-          <a:p>
-            <a:r>
-              <a:rPr lang="en-US" dirty="0" smtClean="0"/>
-              <a:t>ACME </a:t>
-            </a:r>
-            <a:r>
-              <a:rPr lang="en-US" dirty="0" smtClean="0"/>
-              <a:t>describes a whole system thanks to</a:t>
-            </a:r>
-          </a:p>
-          <a:p>
-            <a:pPr lvl="1"/>
-            <a:r>
-              <a:rPr lang="en-US" dirty="0" smtClean="0"/>
-              <a:t>Library of 7 architectural </a:t>
-            </a:r>
-            <a:r>
-              <a:rPr lang="en-US" dirty="0" smtClean="0"/>
-              <a:t>elements</a:t>
-            </a:r>
-          </a:p>
-          <a:p>
-            <a:pPr lvl="2"/>
-            <a:r>
-              <a:rPr lang="en-US" dirty="0" smtClean="0"/>
-              <a:t>Components</a:t>
-            </a:r>
-            <a:endParaRPr lang="en-US" dirty="0" smtClean="0"/>
-          </a:p>
-          <a:p>
-            <a:pPr lvl="2"/>
-            <a:r>
-              <a:rPr lang="en-US" dirty="0" smtClean="0"/>
-              <a:t> connectors</a:t>
-            </a:r>
-          </a:p>
-          <a:p>
-            <a:pPr lvl="2"/>
-            <a:r>
-              <a:rPr lang="en-US" dirty="0" smtClean="0"/>
-              <a:t>systems</a:t>
-            </a:r>
-          </a:p>
-          <a:p>
-            <a:pPr lvl="2"/>
-            <a:r>
-              <a:rPr lang="en-US" dirty="0" smtClean="0"/>
-              <a:t>ports</a:t>
-            </a:r>
-          </a:p>
-          <a:p>
-            <a:pPr lvl="2"/>
-            <a:r>
-              <a:rPr lang="en-US" dirty="0" smtClean="0"/>
-              <a:t>Roles</a:t>
-            </a:r>
-            <a:endParaRPr lang="en-US" dirty="0" smtClean="0"/>
-          </a:p>
-          <a:p>
-            <a:pPr lvl="2"/>
-            <a:r>
-              <a:rPr lang="en-US" dirty="0" smtClean="0"/>
-              <a:t> representations</a:t>
-            </a:r>
-          </a:p>
-          <a:p>
-            <a:pPr lvl="2"/>
-            <a:r>
-              <a:rPr lang="en-US" dirty="0" smtClean="0"/>
-              <a:t> </a:t>
-            </a:r>
-            <a:r>
-              <a:rPr lang="en-US" dirty="0" smtClean="0"/>
-              <a:t>representation maps</a:t>
-            </a:r>
-          </a:p>
-          <a:p>
-            <a:pPr lvl="1"/>
-            <a:r>
-              <a:rPr smtClean="0"/>
-              <a:t>Architectural </a:t>
-            </a:r>
-            <a:r>
-              <a:rPr smtClean="0"/>
-              <a:t>families</a:t>
-            </a:r>
-          </a:p>
-          <a:p>
-            <a:pPr lvl="2"/>
-            <a:r>
-              <a:rPr smtClean="0"/>
-              <a:t>Tiered</a:t>
-            </a:r>
-          </a:p>
-          <a:p>
-            <a:pPr lvl="2"/>
-            <a:r>
-              <a:rPr smtClean="0"/>
-              <a:t>Pipe &amp; filters</a:t>
-            </a:r>
-          </a:p>
-          <a:p>
-            <a:pPr lvl="2"/>
-            <a:r>
-              <a:rPr smtClean="0"/>
-              <a:t>Client &amp; servers</a:t>
-            </a:r>
-          </a:p>
-          <a:p>
-            <a:pPr lvl="2"/>
-            <a:r>
-              <a:rPr smtClean="0"/>
-              <a:t>Pub-Sub</a:t>
-            </a:r>
-          </a:p>
-          <a:p>
-            <a:pPr lvl="2"/>
-            <a:r>
-              <a:rPr smtClean="0"/>
-              <a:t>Shared data</a:t>
-            </a:r>
-          </a:p>
-          <a:p>
-            <a:pPr lvl="2"/>
-            <a:r>
-              <a:rPr lang="fr-FR" dirty="0" smtClean="0"/>
-              <a:t>T</a:t>
-            </a:r>
-            <a:r>
-              <a:rPr smtClean="0"/>
-              <a:t>hree-tiered</a:t>
-            </a:r>
-          </a:p>
-          <a:p>
-            <a:pPr lvl="1"/>
-            <a:endParaRPr smtClean="0"/>
-          </a:p>
-          <a:p>
-            <a:pPr lvl="1">
-              <a:buNone/>
-            </a:pPr>
-            <a:endParaRPr smtClean="0"/>
-          </a:p>
-        </p:txBody>
-      </p:sp>
-      <p:sp>
-        <p:nvSpPr>
-          <p:cNvPr id="4" name="ZoneTexte 3"/>
-          <p:cNvSpPr txBox="1"/>
-          <p:nvPr/>
-        </p:nvSpPr>
-        <p:spPr>
-          <a:xfrm>
-            <a:off x="500034" y="0"/>
-            <a:ext cx="1558440" cy="276999"/>
-          </a:xfrm>
-          <a:prstGeom prst="rect">
-            <a:avLst/>
-          </a:prstGeom>
-          <a:noFill/>
-          <a:ln>
-            <a:noFill/>
-          </a:ln>
-        </p:spPr>
-        <p:txBody>
-          <a:bodyPr wrap="none" rtlCol="0">
-            <a:spAutoFit/>
-          </a:bodyPr>
-          <a:lstStyle/>
-          <a:p>
-            <a:pPr marL="0" marR="0" indent="0" algn="l" defTabSz="914400" rtl="0" eaLnBrk="1" fontAlgn="auto" latinLnBrk="0" hangingPunct="1">
-              <a:lnSpc>
-                <a:spcPct val="100000"/>
-              </a:lnSpc>
-              <a:spcBef>
-                <a:spcPct val="20000"/>
-              </a:spcBef>
-              <a:spcAft>
-                <a:spcPts val="0"/>
-              </a:spcAft>
-              <a:buClrTx/>
-              <a:buSzTx/>
-              <a:buFontTx/>
-              <a:buNone/>
-              <a:tabLst/>
-            </a:pPr>
-            <a:r>
-              <a:rPr lang="fr-FR" sz="1200" kern="0" dirty="0" err="1" smtClean="0">
-                <a:solidFill>
-                  <a:schemeClr val="tx1">
-                    <a:lumMod val="50000"/>
-                    <a:lumOff val="50000"/>
-                  </a:schemeClr>
-                </a:solidFill>
-                <a:latin typeface="+mn-lt"/>
-                <a:cs typeface="+mn-cs"/>
-              </a:rPr>
-              <a:t>Why</a:t>
-            </a:r>
-            <a:r>
-              <a:rPr lang="fr-FR" sz="1200" kern="0" dirty="0" smtClean="0">
-                <a:solidFill>
-                  <a:schemeClr val="tx1">
-                    <a:lumMod val="50000"/>
-                    <a:lumOff val="50000"/>
-                  </a:schemeClr>
-                </a:solidFill>
-                <a:latin typeface="+mn-lt"/>
-                <a:cs typeface="+mn-cs"/>
-              </a:rPr>
-              <a:t> do </a:t>
-            </a:r>
-            <a:r>
-              <a:rPr lang="fr-FR" sz="1200" kern="0" dirty="0" err="1" smtClean="0">
-                <a:solidFill>
-                  <a:schemeClr val="tx1">
-                    <a:lumMod val="50000"/>
-                    <a:lumOff val="50000"/>
-                  </a:schemeClr>
-                </a:solidFill>
-                <a:latin typeface="+mn-lt"/>
-                <a:cs typeface="+mn-cs"/>
-              </a:rPr>
-              <a:t>we</a:t>
-            </a:r>
-            <a:r>
-              <a:rPr lang="fr-FR" sz="1200" kern="0" dirty="0" smtClean="0">
-                <a:solidFill>
-                  <a:schemeClr val="tx1">
-                    <a:lumMod val="50000"/>
-                    <a:lumOff val="50000"/>
-                  </a:schemeClr>
-                </a:solidFill>
-                <a:latin typeface="+mn-lt"/>
-                <a:cs typeface="+mn-cs"/>
-              </a:rPr>
-              <a:t> use </a:t>
-            </a:r>
-            <a:r>
-              <a:rPr lang="fr-FR" sz="1200" kern="0" dirty="0" err="1" smtClean="0">
-                <a:solidFill>
-                  <a:schemeClr val="tx1">
-                    <a:lumMod val="50000"/>
-                    <a:lumOff val="50000"/>
-                  </a:schemeClr>
-                </a:solidFill>
-                <a:latin typeface="+mn-lt"/>
-                <a:cs typeface="+mn-cs"/>
-              </a:rPr>
-              <a:t>ADLs</a:t>
-            </a:r>
-            <a:r>
-              <a:rPr lang="fr-FR" sz="1200" kern="0" dirty="0" smtClean="0">
-                <a:solidFill>
-                  <a:schemeClr val="tx1">
-                    <a:lumMod val="50000"/>
-                    <a:lumOff val="50000"/>
-                  </a:schemeClr>
-                </a:solidFill>
-                <a:latin typeface="+mn-lt"/>
-                <a:cs typeface="+mn-cs"/>
-              </a:rPr>
-              <a:t>?</a:t>
-            </a:r>
-            <a:endParaRPr kumimoji="0" lang="fr-FR" sz="1200" b="1" i="0" u="sng" strike="noStrike" kern="0" cap="none" spc="0" normalizeH="0" baseline="0" noProof="0" dirty="0" smtClean="0">
-              <a:ln>
-                <a:noFill/>
-              </a:ln>
-              <a:effectLst/>
-              <a:uLnTx/>
-              <a:uFillTx/>
-              <a:latin typeface="+mn-lt"/>
-              <a:ea typeface="+mn-ea"/>
-              <a:cs typeface="+mn-cs"/>
-            </a:endParaRPr>
-          </a:p>
-        </p:txBody>
-      </p:sp>
-      <p:sp>
-        <p:nvSpPr>
-          <p:cNvPr id="5" name="ZoneTexte 4"/>
-          <p:cNvSpPr txBox="1"/>
-          <p:nvPr/>
-        </p:nvSpPr>
-        <p:spPr>
-          <a:xfrm>
-            <a:off x="2786050" y="0"/>
-            <a:ext cx="889987" cy="276999"/>
-          </a:xfrm>
-          <a:prstGeom prst="rect">
-            <a:avLst/>
-          </a:prstGeom>
-          <a:noFill/>
-          <a:ln>
-            <a:noFill/>
-          </a:ln>
-        </p:spPr>
-        <p:txBody>
-          <a:bodyPr wrap="none" rtlCol="0">
-            <a:spAutoFit/>
-          </a:bodyPr>
-          <a:lstStyle/>
-          <a:p>
-            <a:pPr fontAlgn="auto">
-              <a:spcBef>
-                <a:spcPct val="20000"/>
-              </a:spcBef>
-              <a:spcAft>
-                <a:spcPts val="0"/>
-              </a:spcAft>
-            </a:pPr>
-            <a:r>
-              <a:rPr lang="fr-FR" sz="1200" kern="0" dirty="0" smtClean="0">
-                <a:solidFill>
-                  <a:schemeClr val="tx1">
-                    <a:lumMod val="50000"/>
-                    <a:lumOff val="50000"/>
-                  </a:schemeClr>
-                </a:solidFill>
-                <a:latin typeface="+mn-lt"/>
-                <a:cs typeface="+mn-cs"/>
-              </a:rPr>
-              <a:t>ADL </a:t>
-            </a:r>
-            <a:r>
-              <a:rPr lang="fr-FR" sz="1200" kern="0" dirty="0" err="1" smtClean="0">
-                <a:solidFill>
-                  <a:schemeClr val="tx1">
-                    <a:lumMod val="50000"/>
-                    <a:lumOff val="50000"/>
-                  </a:schemeClr>
-                </a:solidFill>
-                <a:latin typeface="+mn-lt"/>
-                <a:cs typeface="+mn-cs"/>
-              </a:rPr>
-              <a:t>Choice</a:t>
-            </a:r>
-            <a:endParaRPr lang="fr-FR" sz="1200" kern="0" dirty="0" smtClean="0">
-              <a:solidFill>
-                <a:schemeClr val="tx1">
-                  <a:lumMod val="50000"/>
-                  <a:lumOff val="50000"/>
-                </a:schemeClr>
-              </a:solidFill>
-              <a:latin typeface="+mn-lt"/>
-              <a:cs typeface="+mn-cs"/>
-            </a:endParaRPr>
-          </a:p>
-        </p:txBody>
-      </p:sp>
-      <p:sp>
-        <p:nvSpPr>
-          <p:cNvPr id="6" name="ZoneTexte 5"/>
-          <p:cNvSpPr txBox="1"/>
-          <p:nvPr/>
-        </p:nvSpPr>
-        <p:spPr>
-          <a:xfrm>
-            <a:off x="4572000" y="0"/>
-            <a:ext cx="1418978" cy="276999"/>
-          </a:xfrm>
-          <a:prstGeom prst="rect">
-            <a:avLst/>
-          </a:prstGeom>
-          <a:noFill/>
-          <a:ln>
-            <a:noFill/>
-          </a:ln>
-        </p:spPr>
-        <p:txBody>
-          <a:bodyPr wrap="none" rtlCol="0">
-            <a:spAutoFit/>
-          </a:bodyPr>
-          <a:lstStyle/>
-          <a:p>
-            <a:pPr marL="0" marR="0" indent="0" algn="l" defTabSz="914400" rtl="0" eaLnBrk="1" fontAlgn="auto" latinLnBrk="0" hangingPunct="1">
-              <a:lnSpc>
-                <a:spcPct val="100000"/>
-              </a:lnSpc>
-              <a:spcBef>
-                <a:spcPct val="20000"/>
-              </a:spcBef>
-              <a:spcAft>
-                <a:spcPts val="0"/>
-              </a:spcAft>
-              <a:buClrTx/>
-              <a:buSzTx/>
-              <a:buFontTx/>
-              <a:buNone/>
-              <a:tabLst/>
-            </a:pPr>
-            <a:r>
-              <a:rPr lang="fr-FR" sz="1200" b="1" u="sng" kern="0" dirty="0" smtClean="0">
-                <a:latin typeface="+mn-lt"/>
-                <a:cs typeface="+mn-cs"/>
-              </a:rPr>
-              <a:t>ACME</a:t>
-            </a:r>
-            <a:r>
-              <a:rPr kumimoji="0" lang="fr-FR" sz="1200" i="0" u="none" strike="noStrike" kern="0" cap="none" spc="0" normalizeH="0" baseline="0" noProof="0" dirty="0" smtClean="0">
-                <a:ln>
-                  <a:noFill/>
-                </a:ln>
-                <a:solidFill>
-                  <a:schemeClr val="tx1">
-                    <a:lumMod val="50000"/>
-                    <a:lumOff val="50000"/>
-                  </a:schemeClr>
-                </a:solidFill>
-                <a:effectLst/>
-                <a:uLnTx/>
-                <a:uFillTx/>
-                <a:latin typeface="+mn-lt"/>
-                <a:ea typeface="+mn-ea"/>
-                <a:cs typeface="+mn-cs"/>
-              </a:rPr>
-              <a:t> </a:t>
-            </a:r>
-            <a:r>
-              <a:rPr lang="fr-FR" sz="1200" b="1" u="sng" kern="0" dirty="0" err="1" smtClean="0">
-                <a:latin typeface="+mn-lt"/>
-                <a:cs typeface="+mn-cs"/>
-              </a:rPr>
-              <a:t>Presentation</a:t>
-            </a:r>
-            <a:endParaRPr lang="fr-FR" sz="1200" b="1" u="sng" kern="0" dirty="0" smtClean="0">
-              <a:latin typeface="+mn-lt"/>
-              <a:cs typeface="+mn-cs"/>
-            </a:endParaRPr>
-          </a:p>
-        </p:txBody>
-      </p:sp>
-      <p:sp>
-        <p:nvSpPr>
-          <p:cNvPr id="7" name="ZoneTexte 6"/>
-          <p:cNvSpPr txBox="1"/>
-          <p:nvPr/>
-        </p:nvSpPr>
-        <p:spPr>
-          <a:xfrm>
-            <a:off x="6786578" y="0"/>
-            <a:ext cx="1382110" cy="276999"/>
-          </a:xfrm>
-          <a:prstGeom prst="rect">
-            <a:avLst/>
-          </a:prstGeom>
-          <a:noFill/>
-          <a:ln>
-            <a:noFill/>
-          </a:ln>
-        </p:spPr>
-        <p:txBody>
-          <a:bodyPr wrap="none" rtlCol="0">
-            <a:spAutoFit/>
-          </a:bodyPr>
-          <a:lstStyle/>
-          <a:p>
-            <a:pPr marL="0" marR="0" indent="0" algn="l" defTabSz="914400" rtl="0" eaLnBrk="1" fontAlgn="auto" latinLnBrk="0" hangingPunct="1">
-              <a:lnSpc>
-                <a:spcPct val="100000"/>
-              </a:lnSpc>
-              <a:spcBef>
-                <a:spcPct val="20000"/>
-              </a:spcBef>
-              <a:spcAft>
-                <a:spcPts val="0"/>
-              </a:spcAft>
-              <a:buClrTx/>
-              <a:buSzTx/>
-              <a:buFontTx/>
-              <a:buNone/>
-              <a:tabLst/>
-            </a:pPr>
-            <a:r>
-              <a:rPr kumimoji="0" lang="fr-FR" sz="1200" i="0" u="none" strike="noStrike" kern="0" cap="none" spc="0" normalizeH="0" baseline="0" noProof="0" dirty="0" smtClean="0">
-                <a:ln>
-                  <a:noFill/>
-                </a:ln>
-                <a:solidFill>
-                  <a:schemeClr val="tx1">
-                    <a:lumMod val="50000"/>
-                    <a:lumOff val="50000"/>
-                  </a:schemeClr>
-                </a:solidFill>
-                <a:effectLst/>
-                <a:uLnTx/>
-                <a:uFillTx/>
-                <a:latin typeface="+mn-lt"/>
-                <a:ea typeface="+mn-ea"/>
-                <a:cs typeface="+mn-cs"/>
-              </a:rPr>
-              <a:t>ATAM introduction</a:t>
-            </a:r>
-          </a:p>
-        </p:txBody>
-      </p:sp>
-      <p:pic>
-        <p:nvPicPr>
-          <p:cNvPr id="8" name="Picture 2" descr="D:\Bureau\ElementsOfAnAcmeDescription.png"/>
-          <p:cNvPicPr>
-            <a:picLocks noChangeAspect="1" noChangeArrowheads="1"/>
-          </p:cNvPicPr>
-          <p:nvPr/>
-        </p:nvPicPr>
-        <p:blipFill>
-          <a:blip r:embed="rId2">
-            <a:clrChange>
-              <a:clrFrom>
-                <a:srgbClr val="FFFFFF"/>
-              </a:clrFrom>
-              <a:clrTo>
-                <a:srgbClr val="FFFFFF">
-                  <a:alpha val="0"/>
-                </a:srgbClr>
-              </a:clrTo>
-            </a:clrChange>
-          </a:blip>
-          <a:srcRect t="8887" b="8908"/>
-          <a:stretch>
-            <a:fillRect/>
-          </a:stretch>
-        </p:blipFill>
-        <p:spPr bwMode="auto">
-          <a:xfrm>
-            <a:off x="3857620" y="2357430"/>
-            <a:ext cx="4572032" cy="1990179"/>
-          </a:xfrm>
-          <a:prstGeom prst="rect">
-            <a:avLst/>
-          </a:prstGeom>
-          <a:noFill/>
-        </p:spPr>
-      </p:pic>
     </p:spTree>
   </p:cSld>
   <p:clrMapOvr>

--- a/trunk/Project 2/Part2/CS554_EuroTeam_Project2_OP5.pptx
+++ b/trunk/Project 2/Part2/CS554_EuroTeam_Project2_OP5.pptx
@@ -5,10 +5,10 @@
     <p:sldMasterId id="2147483660" r:id="rId2"/>
   </p:sldMasterIdLst>
   <p:notesMasterIdLst>
-    <p:notesMasterId r:id="rId31"/>
+    <p:notesMasterId r:id="rId30"/>
   </p:notesMasterIdLst>
   <p:handoutMasterIdLst>
-    <p:handoutMasterId r:id="rId32"/>
+    <p:handoutMasterId r:id="rId31"/>
   </p:handoutMasterIdLst>
   <p:sldIdLst>
     <p:sldId id="256" r:id="rId3"/>
@@ -16,29 +16,28 @@
     <p:sldId id="344" r:id="rId5"/>
     <p:sldId id="345" r:id="rId6"/>
     <p:sldId id="351" r:id="rId7"/>
-    <p:sldId id="357" r:id="rId8"/>
-    <p:sldId id="358" r:id="rId9"/>
-    <p:sldId id="352" r:id="rId10"/>
-    <p:sldId id="343" r:id="rId11"/>
-    <p:sldId id="342" r:id="rId12"/>
-    <p:sldId id="335" r:id="rId13"/>
-    <p:sldId id="347" r:id="rId14"/>
-    <p:sldId id="348" r:id="rId15"/>
-    <p:sldId id="349" r:id="rId16"/>
-    <p:sldId id="336" r:id="rId17"/>
-    <p:sldId id="346" r:id="rId18"/>
-    <p:sldId id="334" r:id="rId19"/>
-    <p:sldId id="337" r:id="rId20"/>
-    <p:sldId id="353" r:id="rId21"/>
-    <p:sldId id="354" r:id="rId22"/>
-    <p:sldId id="355" r:id="rId23"/>
-    <p:sldId id="356" r:id="rId24"/>
-    <p:sldId id="338" r:id="rId25"/>
-    <p:sldId id="339" r:id="rId26"/>
-    <p:sldId id="340" r:id="rId27"/>
-    <p:sldId id="341" r:id="rId28"/>
-    <p:sldId id="350" r:id="rId29"/>
-    <p:sldId id="286" r:id="rId30"/>
+    <p:sldId id="352" r:id="rId8"/>
+    <p:sldId id="343" r:id="rId9"/>
+    <p:sldId id="342" r:id="rId10"/>
+    <p:sldId id="335" r:id="rId11"/>
+    <p:sldId id="347" r:id="rId12"/>
+    <p:sldId id="348" r:id="rId13"/>
+    <p:sldId id="349" r:id="rId14"/>
+    <p:sldId id="336" r:id="rId15"/>
+    <p:sldId id="346" r:id="rId16"/>
+    <p:sldId id="334" r:id="rId17"/>
+    <p:sldId id="357" r:id="rId18"/>
+    <p:sldId id="337" r:id="rId19"/>
+    <p:sldId id="353" r:id="rId20"/>
+    <p:sldId id="354" r:id="rId21"/>
+    <p:sldId id="355" r:id="rId22"/>
+    <p:sldId id="356" r:id="rId23"/>
+    <p:sldId id="338" r:id="rId24"/>
+    <p:sldId id="339" r:id="rId25"/>
+    <p:sldId id="340" r:id="rId26"/>
+    <p:sldId id="341" r:id="rId27"/>
+    <p:sldId id="350" r:id="rId28"/>
+    <p:sldId id="286" r:id="rId29"/>
   </p:sldIdLst>
   <p:sldSz cx="9144000" cy="6858000" type="screen4x3"/>
   <p:notesSz cx="7099300" cy="10234613"/>
@@ -3727,7 +3726,7 @@
     </p:spTree>
     <p:extLst>
       <p:ext uri="{BB962C8B-B14F-4D97-AF65-F5344CB8AC3E}">
-        <p14:creationId xmlns="" xmlns:p14="http://schemas.microsoft.com/office/powerpoint/2007/7/12/main" val="3216856891"/>
+        <p14:creationId xmlns:p14="http://schemas.microsoft.com/office/powerpoint/2007/7/12/main" xmlns="" val="3216856891"/>
       </p:ext>
     </p:extLst>
   </p:cSld>
@@ -4032,7 +4031,7 @@
     </p:spTree>
     <p:extLst>
       <p:ext uri="{BB962C8B-B14F-4D97-AF65-F5344CB8AC3E}">
-        <p14:creationId xmlns="" xmlns:p14="http://schemas.microsoft.com/office/powerpoint/2007/7/12/main" val="3483236166"/>
+        <p14:creationId xmlns:p14="http://schemas.microsoft.com/office/powerpoint/2007/7/12/main" xmlns="" val="3483236166"/>
       </p:ext>
     </p:extLst>
   </p:cSld>
@@ -4440,31 +4439,7 @@
                 <a:latin typeface="+mn-lt"/>
                 <a:cs typeface="+mn-cs"/>
               </a:rPr>
-              <a:t>November </a:t>
-            </a:r>
-            <a:r>
-              <a:rPr sz="1800" b="0" smtClean="0">
-                <a:solidFill>
-                  <a:schemeClr val="bg1">
-                    <a:lumMod val="50000"/>
-                  </a:schemeClr>
-                </a:solidFill>
-                <a:latin typeface="+mn-lt"/>
-                <a:cs typeface="+mn-cs"/>
-              </a:rPr>
-              <a:t>19th</a:t>
-            </a:r>
-            <a:r>
-              <a:rPr sz="1800" b="0" smtClean="0">
-                <a:solidFill>
-                  <a:schemeClr val="bg1">
-                    <a:lumMod val="50000"/>
-                  </a:schemeClr>
-                </a:solidFill>
-                <a:latin typeface="+mn-lt"/>
-                <a:cs typeface="+mn-cs"/>
-              </a:rPr>
-              <a:t>, </a:t>
+              <a:t>November 19th, </a:t>
             </a:r>
             <a:r>
               <a:rPr sz="1800" b="0" dirty="0" smtClean="0">
@@ -5609,29 +5584,7 @@
                 </a:solidFill>
                 <a:latin typeface="+mn-lt"/>
               </a:rPr>
-              <a:t> </a:t>
-            </a:r>
-            <a:r>
-              <a:rPr lang="fr-FR" sz="1050" b="1" baseline="0" dirty="0" smtClean="0">
-                <a:solidFill>
-                  <a:schemeClr val="bg1">
-                    <a:lumMod val="50000"/>
-                  </a:schemeClr>
-                </a:solidFill>
-                <a:latin typeface="+mn-lt"/>
-              </a:rPr>
-              <a:t>19th</a:t>
-            </a:r>
-            <a:r>
-              <a:rPr lang="fr-FR" sz="1050" b="1" baseline="0" dirty="0" smtClean="0">
-                <a:solidFill>
-                  <a:schemeClr val="bg1">
-                    <a:lumMod val="50000"/>
-                  </a:schemeClr>
-                </a:solidFill>
-                <a:latin typeface="+mn-lt"/>
-              </a:rPr>
-              <a:t>, 2009</a:t>
+              <a:t> 19th, 2009</a:t>
             </a:r>
           </a:p>
           <a:p>
@@ -5956,7 +5909,7 @@
           <a:blip r:embed="rId4">
             <a:extLst>
               <a:ext uri="28A0092B-C50C-407e-A947-70E740481C1C">
-                <a14:useLocalDpi xmlns="" xmlns:a14="http://schemas.microsoft.com/office/drawing/2007/7/7/main" val="0"/>
+                <a14:useLocalDpi xmlns:a14="http://schemas.microsoft.com/office/drawing/2007/7/7/main" xmlns="" val="0"/>
               </a:ext>
             </a:extLst>
           </a:blip>
@@ -5976,14 +5929,14 @@
           <a:noFill/>
           <a:extLst>
             <a:ext uri="{909E8E84-426E-40dd-AFC4-6F175D3DCCD1}">
-              <a14:hiddenFill xmlns="" xmlns:a14="http://schemas.microsoft.com/office/drawing/2007/7/7/main">
+              <a14:hiddenFill xmlns:a14="http://schemas.microsoft.com/office/drawing/2007/7/7/main" xmlns="">
                 <a:solidFill>
                   <a:schemeClr val="accent1"/>
                 </a:solidFill>
               </a14:hiddenFill>
             </a:ext>
             <a:ext uri="{91240B29-F687-4f45-9708-019B960494DF}">
-              <a14:hiddenLine xmlns="" xmlns:a14="http://schemas.microsoft.com/office/drawing/2007/7/7/main" w="9525">
+              <a14:hiddenLine xmlns:a14="http://schemas.microsoft.com/office/drawing/2007/7/7/main" xmlns="" w="9525">
                 <a:solidFill>
                   <a:schemeClr val="tx1"/>
                 </a:solidFill>
@@ -5993,7 +5946,7 @@
               </a14:hiddenLine>
             </a:ext>
             <a:ext uri="{AF507438-7753-43e0-B8FC-AC1667EBCBE1}">
-              <a14:hiddenEffects xmlns="" xmlns:a14="http://schemas.microsoft.com/office/drawing/2007/7/7/main">
+              <a14:hiddenEffects xmlns:a14="http://schemas.microsoft.com/office/drawing/2007/7/7/main" xmlns="">
                 <a:effectLst>
                   <a:outerShdw dist="35921" dir="2700000" algn="ctr" rotWithShape="0">
                     <a:schemeClr val="bg2"/>
@@ -6007,7 +5960,7 @@
     </p:spTree>
     <p:extLst>
       <p:ext uri="{BB962C8B-B14F-4D97-AF65-F5344CB8AC3E}">
-        <p14:creationId xmlns="" xmlns:p14="http://schemas.microsoft.com/office/powerpoint/2007/7/12/main" val="1066328049"/>
+        <p14:creationId xmlns:p14="http://schemas.microsoft.com/office/powerpoint/2007/7/12/main" xmlns="" val="1066328049"/>
       </p:ext>
     </p:extLst>
   </p:cSld>
@@ -6563,17 +6516,7 @@
                 <a:latin typeface="Calibri" pitchFamily="34" charset="0"/>
                 <a:ea typeface="굴림" charset="-127"/>
               </a:rPr>
-              <a:t> </a:t>
-            </a:r>
-            <a:r>
-              <a:rPr lang="fr-FR" altLang="ko-KR" sz="1000" dirty="0" smtClean="0">
-                <a:solidFill>
-                  <a:srgbClr val="7F7F7F"/>
-                </a:solidFill>
-                <a:latin typeface="Calibri" pitchFamily="34" charset="0"/>
-                <a:ea typeface="굴림" charset="-127"/>
-              </a:rPr>
-              <a:t>19th </a:t>
+              <a:t> 19th </a:t>
             </a:r>
             <a:r>
               <a:rPr lang="fr-FR" altLang="ko-KR" sz="1000" dirty="0">
@@ -7397,15 +7340,6 @@
               </a:rPr>
               <a:t>OP5</a:t>
             </a:r>
-            <a:endParaRPr lang="fr-FR" b="1" dirty="0" smtClean="0">
-              <a:effectLst>
-                <a:outerShdw blurRad="38100" dist="38100" dir="2700000" algn="tl">
-                  <a:srgbClr val="000000">
-                    <a:alpha val="43137"/>
-                  </a:srgbClr>
-                </a:outerShdw>
-              </a:effectLst>
-            </a:endParaRPr>
           </a:p>
           <a:p>
             <a:pPr algn="ctr"/>
@@ -7548,1046 +7482,6 @@
           <a:lstStyle/>
           <a:p>
             <a:r>
-              <a:rPr lang="fr-FR" dirty="0" smtClean="0"/>
-              <a:t>3. A</a:t>
-            </a:r>
-            <a:r>
-              <a:rPr smtClean="0"/>
-              <a:t>cme kernel &amp; elements</a:t>
-            </a:r>
-            <a:endParaRPr lang="fr-FR" dirty="0"/>
-          </a:p>
-        </p:txBody>
-      </p:sp>
-      <p:sp>
-        <p:nvSpPr>
-          <p:cNvPr id="3" name="Espace réservé du texte 2"/>
-          <p:cNvSpPr>
-            <a:spLocks noGrp="1"/>
-          </p:cNvSpPr>
-          <p:nvPr>
-            <p:ph type="body" sz="quarter" idx="10"/>
-          </p:nvPr>
-        </p:nvSpPr>
-        <p:spPr>
-          <a:xfrm>
-            <a:off x="285750" y="1214422"/>
-            <a:ext cx="8643968" cy="5357828"/>
-          </a:xfrm>
-        </p:spPr>
-        <p:txBody>
-          <a:bodyPr/>
-          <a:lstStyle/>
-          <a:p>
-            <a:r>
-              <a:rPr lang="en-US" dirty="0" smtClean="0"/>
-              <a:t>Components, with ports</a:t>
-            </a:r>
-          </a:p>
-          <a:p>
-            <a:r>
-              <a:rPr lang="en-US" dirty="0" smtClean="0"/>
-              <a:t>Connectors, with roles</a:t>
-            </a:r>
-          </a:p>
-          <a:p>
-            <a:r>
-              <a:rPr lang="en-US" dirty="0" smtClean="0"/>
-              <a:t>Attachments of particular ports to particular roles</a:t>
-            </a:r>
-          </a:p>
-          <a:p>
-            <a:r>
-              <a:rPr lang="en-US" dirty="0" smtClean="0"/>
-              <a:t>Properties of any of above</a:t>
-            </a:r>
-            <a:endParaRPr lang="fr-FR" dirty="0"/>
-          </a:p>
-        </p:txBody>
-      </p:sp>
-      <p:sp>
-        <p:nvSpPr>
-          <p:cNvPr id="5" name="ZoneTexte 4"/>
-          <p:cNvSpPr txBox="1"/>
-          <p:nvPr/>
-        </p:nvSpPr>
-        <p:spPr>
-          <a:xfrm>
-            <a:off x="500034" y="0"/>
-            <a:ext cx="1558440" cy="276999"/>
-          </a:xfrm>
-          <a:prstGeom prst="rect">
-            <a:avLst/>
-          </a:prstGeom>
-          <a:noFill/>
-          <a:ln>
-            <a:noFill/>
-          </a:ln>
-        </p:spPr>
-        <p:txBody>
-          <a:bodyPr wrap="none" rtlCol="0">
-            <a:spAutoFit/>
-          </a:bodyPr>
-          <a:lstStyle/>
-          <a:p>
-            <a:pPr marL="0" marR="0" indent="0" algn="l" defTabSz="914400" rtl="0" eaLnBrk="1" fontAlgn="auto" latinLnBrk="0" hangingPunct="1">
-              <a:lnSpc>
-                <a:spcPct val="100000"/>
-              </a:lnSpc>
-              <a:spcBef>
-                <a:spcPct val="20000"/>
-              </a:spcBef>
-              <a:spcAft>
-                <a:spcPts val="0"/>
-              </a:spcAft>
-              <a:buClrTx/>
-              <a:buSzTx/>
-              <a:buFontTx/>
-              <a:buNone/>
-              <a:tabLst/>
-            </a:pPr>
-            <a:r>
-              <a:rPr lang="fr-FR" sz="1200" kern="0" dirty="0" err="1" smtClean="0">
-                <a:solidFill>
-                  <a:schemeClr val="tx1">
-                    <a:lumMod val="50000"/>
-                    <a:lumOff val="50000"/>
-                  </a:schemeClr>
-                </a:solidFill>
-                <a:latin typeface="+mn-lt"/>
-                <a:cs typeface="+mn-cs"/>
-              </a:rPr>
-              <a:t>Why</a:t>
-            </a:r>
-            <a:r>
-              <a:rPr lang="fr-FR" sz="1200" kern="0" dirty="0" smtClean="0">
-                <a:solidFill>
-                  <a:schemeClr val="tx1">
-                    <a:lumMod val="50000"/>
-                    <a:lumOff val="50000"/>
-                  </a:schemeClr>
-                </a:solidFill>
-                <a:latin typeface="+mn-lt"/>
-                <a:cs typeface="+mn-cs"/>
-              </a:rPr>
-              <a:t> do </a:t>
-            </a:r>
-            <a:r>
-              <a:rPr lang="fr-FR" sz="1200" kern="0" dirty="0" err="1" smtClean="0">
-                <a:solidFill>
-                  <a:schemeClr val="tx1">
-                    <a:lumMod val="50000"/>
-                    <a:lumOff val="50000"/>
-                  </a:schemeClr>
-                </a:solidFill>
-                <a:latin typeface="+mn-lt"/>
-                <a:cs typeface="+mn-cs"/>
-              </a:rPr>
-              <a:t>we</a:t>
-            </a:r>
-            <a:r>
-              <a:rPr lang="fr-FR" sz="1200" kern="0" dirty="0" smtClean="0">
-                <a:solidFill>
-                  <a:schemeClr val="tx1">
-                    <a:lumMod val="50000"/>
-                    <a:lumOff val="50000"/>
-                  </a:schemeClr>
-                </a:solidFill>
-                <a:latin typeface="+mn-lt"/>
-                <a:cs typeface="+mn-cs"/>
-              </a:rPr>
-              <a:t> use </a:t>
-            </a:r>
-            <a:r>
-              <a:rPr lang="fr-FR" sz="1200" kern="0" dirty="0" err="1" smtClean="0">
-                <a:solidFill>
-                  <a:schemeClr val="tx1">
-                    <a:lumMod val="50000"/>
-                    <a:lumOff val="50000"/>
-                  </a:schemeClr>
-                </a:solidFill>
-                <a:latin typeface="+mn-lt"/>
-                <a:cs typeface="+mn-cs"/>
-              </a:rPr>
-              <a:t>ADLs</a:t>
-            </a:r>
-            <a:r>
-              <a:rPr lang="fr-FR" sz="1200" kern="0" dirty="0" smtClean="0">
-                <a:solidFill>
-                  <a:schemeClr val="tx1">
-                    <a:lumMod val="50000"/>
-                    <a:lumOff val="50000"/>
-                  </a:schemeClr>
-                </a:solidFill>
-                <a:latin typeface="+mn-lt"/>
-                <a:cs typeface="+mn-cs"/>
-              </a:rPr>
-              <a:t>?</a:t>
-            </a:r>
-            <a:endParaRPr kumimoji="0" lang="fr-FR" sz="1200" b="1" i="0" u="sng" strike="noStrike" kern="0" cap="none" spc="0" normalizeH="0" baseline="0" noProof="0" dirty="0" smtClean="0">
-              <a:ln>
-                <a:noFill/>
-              </a:ln>
-              <a:effectLst/>
-              <a:uLnTx/>
-              <a:uFillTx/>
-              <a:latin typeface="+mn-lt"/>
-              <a:ea typeface="+mn-ea"/>
-              <a:cs typeface="+mn-cs"/>
-            </a:endParaRPr>
-          </a:p>
-        </p:txBody>
-      </p:sp>
-      <p:sp>
-        <p:nvSpPr>
-          <p:cNvPr id="6" name="ZoneTexte 5"/>
-          <p:cNvSpPr txBox="1"/>
-          <p:nvPr/>
-        </p:nvSpPr>
-        <p:spPr>
-          <a:xfrm>
-            <a:off x="2786050" y="0"/>
-            <a:ext cx="889987" cy="276999"/>
-          </a:xfrm>
-          <a:prstGeom prst="rect">
-            <a:avLst/>
-          </a:prstGeom>
-          <a:noFill/>
-          <a:ln>
-            <a:noFill/>
-          </a:ln>
-        </p:spPr>
-        <p:txBody>
-          <a:bodyPr wrap="none" rtlCol="0">
-            <a:spAutoFit/>
-          </a:bodyPr>
-          <a:lstStyle/>
-          <a:p>
-            <a:pPr fontAlgn="auto">
-              <a:spcBef>
-                <a:spcPct val="20000"/>
-              </a:spcBef>
-              <a:spcAft>
-                <a:spcPts val="0"/>
-              </a:spcAft>
-            </a:pPr>
-            <a:r>
-              <a:rPr lang="fr-FR" sz="1200" kern="0" dirty="0" smtClean="0">
-                <a:solidFill>
-                  <a:schemeClr val="tx1">
-                    <a:lumMod val="50000"/>
-                    <a:lumOff val="50000"/>
-                  </a:schemeClr>
-                </a:solidFill>
-                <a:latin typeface="+mn-lt"/>
-                <a:cs typeface="+mn-cs"/>
-              </a:rPr>
-              <a:t>ADL </a:t>
-            </a:r>
-            <a:r>
-              <a:rPr lang="fr-FR" sz="1200" kern="0" dirty="0" err="1" smtClean="0">
-                <a:solidFill>
-                  <a:schemeClr val="tx1">
-                    <a:lumMod val="50000"/>
-                    <a:lumOff val="50000"/>
-                  </a:schemeClr>
-                </a:solidFill>
-                <a:latin typeface="+mn-lt"/>
-                <a:cs typeface="+mn-cs"/>
-              </a:rPr>
-              <a:t>Choice</a:t>
-            </a:r>
-            <a:endParaRPr lang="fr-FR" sz="1200" kern="0" dirty="0" smtClean="0">
-              <a:solidFill>
-                <a:schemeClr val="tx1">
-                  <a:lumMod val="50000"/>
-                  <a:lumOff val="50000"/>
-                </a:schemeClr>
-              </a:solidFill>
-              <a:latin typeface="+mn-lt"/>
-              <a:cs typeface="+mn-cs"/>
-            </a:endParaRPr>
-          </a:p>
-        </p:txBody>
-      </p:sp>
-      <p:sp>
-        <p:nvSpPr>
-          <p:cNvPr id="7" name="ZoneTexte 6"/>
-          <p:cNvSpPr txBox="1"/>
-          <p:nvPr/>
-        </p:nvSpPr>
-        <p:spPr>
-          <a:xfrm>
-            <a:off x="4572000" y="0"/>
-            <a:ext cx="1418978" cy="276999"/>
-          </a:xfrm>
-          <a:prstGeom prst="rect">
-            <a:avLst/>
-          </a:prstGeom>
-          <a:noFill/>
-          <a:ln>
-            <a:noFill/>
-          </a:ln>
-        </p:spPr>
-        <p:txBody>
-          <a:bodyPr wrap="none" rtlCol="0">
-            <a:spAutoFit/>
-          </a:bodyPr>
-          <a:lstStyle/>
-          <a:p>
-            <a:pPr marL="0" marR="0" indent="0" algn="l" defTabSz="914400" rtl="0" eaLnBrk="1" fontAlgn="auto" latinLnBrk="0" hangingPunct="1">
-              <a:lnSpc>
-                <a:spcPct val="100000"/>
-              </a:lnSpc>
-              <a:spcBef>
-                <a:spcPct val="20000"/>
-              </a:spcBef>
-              <a:spcAft>
-                <a:spcPts val="0"/>
-              </a:spcAft>
-              <a:buClrTx/>
-              <a:buSzTx/>
-              <a:buFontTx/>
-              <a:buNone/>
-              <a:tabLst/>
-            </a:pPr>
-            <a:r>
-              <a:rPr lang="fr-FR" sz="1200" b="1" u="sng" kern="0" dirty="0" smtClean="0">
-                <a:latin typeface="+mn-lt"/>
-                <a:cs typeface="+mn-cs"/>
-              </a:rPr>
-              <a:t>ACME</a:t>
-            </a:r>
-            <a:r>
-              <a:rPr kumimoji="0" lang="fr-FR" sz="1200" i="0" u="none" strike="noStrike" kern="0" cap="none" spc="0" normalizeH="0" baseline="0" noProof="0" dirty="0" smtClean="0">
-                <a:ln>
-                  <a:noFill/>
-                </a:ln>
-                <a:solidFill>
-                  <a:schemeClr val="tx1">
-                    <a:lumMod val="50000"/>
-                    <a:lumOff val="50000"/>
-                  </a:schemeClr>
-                </a:solidFill>
-                <a:effectLst/>
-                <a:uLnTx/>
-                <a:uFillTx/>
-                <a:latin typeface="+mn-lt"/>
-                <a:ea typeface="+mn-ea"/>
-                <a:cs typeface="+mn-cs"/>
-              </a:rPr>
-              <a:t> </a:t>
-            </a:r>
-            <a:r>
-              <a:rPr lang="fr-FR" sz="1200" b="1" u="sng" kern="0" dirty="0" err="1" smtClean="0">
-                <a:latin typeface="+mn-lt"/>
-                <a:cs typeface="+mn-cs"/>
-              </a:rPr>
-              <a:t>Presentation</a:t>
-            </a:r>
-            <a:endParaRPr lang="fr-FR" sz="1200" b="1" u="sng" kern="0" dirty="0" smtClean="0">
-              <a:latin typeface="+mn-lt"/>
-              <a:cs typeface="+mn-cs"/>
-            </a:endParaRPr>
-          </a:p>
-        </p:txBody>
-      </p:sp>
-      <p:sp>
-        <p:nvSpPr>
-          <p:cNvPr id="8" name="ZoneTexte 7"/>
-          <p:cNvSpPr txBox="1"/>
-          <p:nvPr/>
-        </p:nvSpPr>
-        <p:spPr>
-          <a:xfrm>
-            <a:off x="6786578" y="0"/>
-            <a:ext cx="1382110" cy="276999"/>
-          </a:xfrm>
-          <a:prstGeom prst="rect">
-            <a:avLst/>
-          </a:prstGeom>
-          <a:noFill/>
-          <a:ln>
-            <a:noFill/>
-          </a:ln>
-        </p:spPr>
-        <p:txBody>
-          <a:bodyPr wrap="none" rtlCol="0">
-            <a:spAutoFit/>
-          </a:bodyPr>
-          <a:lstStyle/>
-          <a:p>
-            <a:pPr marL="0" marR="0" indent="0" algn="l" defTabSz="914400" rtl="0" eaLnBrk="1" fontAlgn="auto" latinLnBrk="0" hangingPunct="1">
-              <a:lnSpc>
-                <a:spcPct val="100000"/>
-              </a:lnSpc>
-              <a:spcBef>
-                <a:spcPct val="20000"/>
-              </a:spcBef>
-              <a:spcAft>
-                <a:spcPts val="0"/>
-              </a:spcAft>
-              <a:buClrTx/>
-              <a:buSzTx/>
-              <a:buFontTx/>
-              <a:buNone/>
-              <a:tabLst/>
-            </a:pPr>
-            <a:r>
-              <a:rPr kumimoji="0" lang="fr-FR" sz="1200" i="0" u="none" strike="noStrike" kern="0" cap="none" spc="0" normalizeH="0" baseline="0" noProof="0" dirty="0" smtClean="0">
-                <a:ln>
-                  <a:noFill/>
-                </a:ln>
-                <a:solidFill>
-                  <a:schemeClr val="tx1">
-                    <a:lumMod val="50000"/>
-                    <a:lumOff val="50000"/>
-                  </a:schemeClr>
-                </a:solidFill>
-                <a:effectLst/>
-                <a:uLnTx/>
-                <a:uFillTx/>
-                <a:latin typeface="+mn-lt"/>
-                <a:ea typeface="+mn-ea"/>
-                <a:cs typeface="+mn-cs"/>
-              </a:rPr>
-              <a:t>ATAM introduction</a:t>
-            </a:r>
-          </a:p>
-        </p:txBody>
-      </p:sp>
-    </p:spTree>
-  </p:cSld>
-  <p:clrMapOvr>
-    <a:masterClrMapping/>
-  </p:clrMapOvr>
-  <p:timing>
-    <p:tnLst>
-      <p:par>
-        <p:cTn id="1" dur="indefinite" restart="never" nodeType="tmRoot"/>
-      </p:par>
-    </p:tnLst>
-  </p:timing>
-</p:sld>
-</file>
-
-<file path=ppt/slides/slide11.xml><?xml version="1.0" encoding="utf-8"?>
-<p:sld xmlns:a="http://schemas.openxmlformats.org/drawingml/2006/main" xmlns:r="http://schemas.openxmlformats.org/officeDocument/2006/relationships" xmlns:p="http://schemas.openxmlformats.org/presentationml/2006/main">
-  <p:cSld>
-    <p:spTree>
-      <p:nvGrpSpPr>
-        <p:cNvPr id="1" name=""/>
-        <p:cNvGrpSpPr/>
-        <p:nvPr/>
-      </p:nvGrpSpPr>
-      <p:grpSpPr>
-        <a:xfrm>
-          <a:off x="0" y="0"/>
-          <a:ext cx="0" cy="0"/>
-          <a:chOff x="0" y="0"/>
-          <a:chExt cx="0" cy="0"/>
-        </a:xfrm>
-      </p:grpSpPr>
-      <p:sp>
-        <p:nvSpPr>
-          <p:cNvPr id="2" name="Titre 1"/>
-          <p:cNvSpPr>
-            <a:spLocks noGrp="1"/>
-          </p:cNvSpPr>
-          <p:nvPr>
-            <p:ph type="ctrTitle"/>
-          </p:nvPr>
-        </p:nvSpPr>
-        <p:spPr/>
-        <p:txBody>
-          <a:bodyPr/>
-          <a:lstStyle/>
-          <a:p>
-            <a:r>
-              <a:rPr smtClean="0"/>
-              <a:t>3. Acme description</a:t>
-            </a:r>
-            <a:endParaRPr lang="fr-FR" dirty="0"/>
-          </a:p>
-        </p:txBody>
-      </p:sp>
-      <p:sp>
-        <p:nvSpPr>
-          <p:cNvPr id="3" name="Espace réservé du texte 2"/>
-          <p:cNvSpPr>
-            <a:spLocks noGrp="1"/>
-          </p:cNvSpPr>
-          <p:nvPr>
-            <p:ph type="body" sz="quarter" idx="10"/>
-          </p:nvPr>
-        </p:nvSpPr>
-        <p:spPr/>
-        <p:txBody>
-          <a:bodyPr/>
-          <a:lstStyle/>
-          <a:p>
-            <a:r>
-              <a:rPr lang="en-US" dirty="0" smtClean="0"/>
-              <a:t>ACME describes a whole system thanks to</a:t>
-            </a:r>
-          </a:p>
-          <a:p>
-            <a:pPr lvl="1"/>
-            <a:r>
-              <a:rPr lang="en-US" dirty="0" smtClean="0"/>
-              <a:t>Library of 7 architectural elements</a:t>
-            </a:r>
-          </a:p>
-          <a:p>
-            <a:pPr lvl="2"/>
-            <a:r>
-              <a:rPr lang="en-US" dirty="0" smtClean="0"/>
-              <a:t>Components</a:t>
-            </a:r>
-          </a:p>
-          <a:p>
-            <a:pPr lvl="2"/>
-            <a:r>
-              <a:rPr lang="en-US" dirty="0" smtClean="0"/>
-              <a:t> connectors</a:t>
-            </a:r>
-          </a:p>
-          <a:p>
-            <a:pPr lvl="2"/>
-            <a:r>
-              <a:rPr lang="en-US" dirty="0" smtClean="0"/>
-              <a:t>systems</a:t>
-            </a:r>
-          </a:p>
-          <a:p>
-            <a:pPr lvl="2"/>
-            <a:r>
-              <a:rPr lang="en-US" dirty="0" smtClean="0"/>
-              <a:t>ports</a:t>
-            </a:r>
-          </a:p>
-          <a:p>
-            <a:pPr lvl="2"/>
-            <a:r>
-              <a:rPr lang="en-US" dirty="0" smtClean="0"/>
-              <a:t>Roles</a:t>
-            </a:r>
-          </a:p>
-          <a:p>
-            <a:pPr lvl="2"/>
-            <a:r>
-              <a:rPr lang="en-US" dirty="0" smtClean="0"/>
-              <a:t> representations</a:t>
-            </a:r>
-          </a:p>
-          <a:p>
-            <a:pPr lvl="2"/>
-            <a:r>
-              <a:rPr lang="en-US" dirty="0" smtClean="0"/>
-              <a:t> representation maps</a:t>
-            </a:r>
-          </a:p>
-          <a:p>
-            <a:pPr lvl="1"/>
-            <a:r>
-              <a:rPr smtClean="0"/>
-              <a:t>Architectural families</a:t>
-            </a:r>
-          </a:p>
-          <a:p>
-            <a:pPr lvl="2"/>
-            <a:r>
-              <a:rPr smtClean="0"/>
-              <a:t>Tiered</a:t>
-            </a:r>
-          </a:p>
-          <a:p>
-            <a:pPr lvl="2"/>
-            <a:r>
-              <a:rPr smtClean="0"/>
-              <a:t>Pipe &amp; filters</a:t>
-            </a:r>
-          </a:p>
-          <a:p>
-            <a:pPr lvl="2"/>
-            <a:r>
-              <a:rPr smtClean="0"/>
-              <a:t>Client &amp; servers</a:t>
-            </a:r>
-          </a:p>
-          <a:p>
-            <a:pPr lvl="2"/>
-            <a:r>
-              <a:rPr smtClean="0"/>
-              <a:t>Pub-Sub</a:t>
-            </a:r>
-          </a:p>
-          <a:p>
-            <a:pPr lvl="2"/>
-            <a:r>
-              <a:rPr smtClean="0"/>
-              <a:t>Shared data</a:t>
-            </a:r>
-          </a:p>
-          <a:p>
-            <a:pPr lvl="2"/>
-            <a:r>
-              <a:rPr lang="fr-FR" dirty="0" smtClean="0"/>
-              <a:t>T</a:t>
-            </a:r>
-            <a:r>
-              <a:rPr smtClean="0"/>
-              <a:t>hree-tiered</a:t>
-            </a:r>
-          </a:p>
-          <a:p>
-            <a:pPr lvl="1"/>
-            <a:endParaRPr smtClean="0"/>
-          </a:p>
-          <a:p>
-            <a:pPr lvl="1">
-              <a:buNone/>
-            </a:pPr>
-            <a:endParaRPr smtClean="0"/>
-          </a:p>
-        </p:txBody>
-      </p:sp>
-      <p:sp>
-        <p:nvSpPr>
-          <p:cNvPr id="4" name="ZoneTexte 3"/>
-          <p:cNvSpPr txBox="1"/>
-          <p:nvPr/>
-        </p:nvSpPr>
-        <p:spPr>
-          <a:xfrm>
-            <a:off x="500034" y="0"/>
-            <a:ext cx="1558440" cy="276999"/>
-          </a:xfrm>
-          <a:prstGeom prst="rect">
-            <a:avLst/>
-          </a:prstGeom>
-          <a:noFill/>
-          <a:ln>
-            <a:noFill/>
-          </a:ln>
-        </p:spPr>
-        <p:txBody>
-          <a:bodyPr wrap="none" rtlCol="0">
-            <a:spAutoFit/>
-          </a:bodyPr>
-          <a:lstStyle/>
-          <a:p>
-            <a:pPr marL="0" marR="0" indent="0" algn="l" defTabSz="914400" rtl="0" eaLnBrk="1" fontAlgn="auto" latinLnBrk="0" hangingPunct="1">
-              <a:lnSpc>
-                <a:spcPct val="100000"/>
-              </a:lnSpc>
-              <a:spcBef>
-                <a:spcPct val="20000"/>
-              </a:spcBef>
-              <a:spcAft>
-                <a:spcPts val="0"/>
-              </a:spcAft>
-              <a:buClrTx/>
-              <a:buSzTx/>
-              <a:buFontTx/>
-              <a:buNone/>
-              <a:tabLst/>
-            </a:pPr>
-            <a:r>
-              <a:rPr lang="fr-FR" sz="1200" kern="0" dirty="0" err="1" smtClean="0">
-                <a:solidFill>
-                  <a:schemeClr val="tx1">
-                    <a:lumMod val="50000"/>
-                    <a:lumOff val="50000"/>
-                  </a:schemeClr>
-                </a:solidFill>
-                <a:latin typeface="+mn-lt"/>
-                <a:cs typeface="+mn-cs"/>
-              </a:rPr>
-              <a:t>Why</a:t>
-            </a:r>
-            <a:r>
-              <a:rPr lang="fr-FR" sz="1200" kern="0" dirty="0" smtClean="0">
-                <a:solidFill>
-                  <a:schemeClr val="tx1">
-                    <a:lumMod val="50000"/>
-                    <a:lumOff val="50000"/>
-                  </a:schemeClr>
-                </a:solidFill>
-                <a:latin typeface="+mn-lt"/>
-                <a:cs typeface="+mn-cs"/>
-              </a:rPr>
-              <a:t> do </a:t>
-            </a:r>
-            <a:r>
-              <a:rPr lang="fr-FR" sz="1200" kern="0" dirty="0" err="1" smtClean="0">
-                <a:solidFill>
-                  <a:schemeClr val="tx1">
-                    <a:lumMod val="50000"/>
-                    <a:lumOff val="50000"/>
-                  </a:schemeClr>
-                </a:solidFill>
-                <a:latin typeface="+mn-lt"/>
-                <a:cs typeface="+mn-cs"/>
-              </a:rPr>
-              <a:t>we</a:t>
-            </a:r>
-            <a:r>
-              <a:rPr lang="fr-FR" sz="1200" kern="0" dirty="0" smtClean="0">
-                <a:solidFill>
-                  <a:schemeClr val="tx1">
-                    <a:lumMod val="50000"/>
-                    <a:lumOff val="50000"/>
-                  </a:schemeClr>
-                </a:solidFill>
-                <a:latin typeface="+mn-lt"/>
-                <a:cs typeface="+mn-cs"/>
-              </a:rPr>
-              <a:t> use </a:t>
-            </a:r>
-            <a:r>
-              <a:rPr lang="fr-FR" sz="1200" kern="0" dirty="0" err="1" smtClean="0">
-                <a:solidFill>
-                  <a:schemeClr val="tx1">
-                    <a:lumMod val="50000"/>
-                    <a:lumOff val="50000"/>
-                  </a:schemeClr>
-                </a:solidFill>
-                <a:latin typeface="+mn-lt"/>
-                <a:cs typeface="+mn-cs"/>
-              </a:rPr>
-              <a:t>ADLs</a:t>
-            </a:r>
-            <a:r>
-              <a:rPr lang="fr-FR" sz="1200" kern="0" dirty="0" smtClean="0">
-                <a:solidFill>
-                  <a:schemeClr val="tx1">
-                    <a:lumMod val="50000"/>
-                    <a:lumOff val="50000"/>
-                  </a:schemeClr>
-                </a:solidFill>
-                <a:latin typeface="+mn-lt"/>
-                <a:cs typeface="+mn-cs"/>
-              </a:rPr>
-              <a:t>?</a:t>
-            </a:r>
-            <a:endParaRPr kumimoji="0" lang="fr-FR" sz="1200" b="1" i="0" u="sng" strike="noStrike" kern="0" cap="none" spc="0" normalizeH="0" baseline="0" noProof="0" dirty="0" smtClean="0">
-              <a:ln>
-                <a:noFill/>
-              </a:ln>
-              <a:effectLst/>
-              <a:uLnTx/>
-              <a:uFillTx/>
-              <a:latin typeface="+mn-lt"/>
-              <a:ea typeface="+mn-ea"/>
-              <a:cs typeface="+mn-cs"/>
-            </a:endParaRPr>
-          </a:p>
-        </p:txBody>
-      </p:sp>
-      <p:sp>
-        <p:nvSpPr>
-          <p:cNvPr id="5" name="ZoneTexte 4"/>
-          <p:cNvSpPr txBox="1"/>
-          <p:nvPr/>
-        </p:nvSpPr>
-        <p:spPr>
-          <a:xfrm>
-            <a:off x="2786050" y="0"/>
-            <a:ext cx="889987" cy="276999"/>
-          </a:xfrm>
-          <a:prstGeom prst="rect">
-            <a:avLst/>
-          </a:prstGeom>
-          <a:noFill/>
-          <a:ln>
-            <a:noFill/>
-          </a:ln>
-        </p:spPr>
-        <p:txBody>
-          <a:bodyPr wrap="none" rtlCol="0">
-            <a:spAutoFit/>
-          </a:bodyPr>
-          <a:lstStyle/>
-          <a:p>
-            <a:pPr fontAlgn="auto">
-              <a:spcBef>
-                <a:spcPct val="20000"/>
-              </a:spcBef>
-              <a:spcAft>
-                <a:spcPts val="0"/>
-              </a:spcAft>
-            </a:pPr>
-            <a:r>
-              <a:rPr lang="fr-FR" sz="1200" kern="0" dirty="0" smtClean="0">
-                <a:solidFill>
-                  <a:schemeClr val="tx1">
-                    <a:lumMod val="50000"/>
-                    <a:lumOff val="50000"/>
-                  </a:schemeClr>
-                </a:solidFill>
-                <a:latin typeface="+mn-lt"/>
-                <a:cs typeface="+mn-cs"/>
-              </a:rPr>
-              <a:t>ADL </a:t>
-            </a:r>
-            <a:r>
-              <a:rPr lang="fr-FR" sz="1200" kern="0" dirty="0" err="1" smtClean="0">
-                <a:solidFill>
-                  <a:schemeClr val="tx1">
-                    <a:lumMod val="50000"/>
-                    <a:lumOff val="50000"/>
-                  </a:schemeClr>
-                </a:solidFill>
-                <a:latin typeface="+mn-lt"/>
-                <a:cs typeface="+mn-cs"/>
-              </a:rPr>
-              <a:t>Choice</a:t>
-            </a:r>
-            <a:endParaRPr lang="fr-FR" sz="1200" kern="0" dirty="0" smtClean="0">
-              <a:solidFill>
-                <a:schemeClr val="tx1">
-                  <a:lumMod val="50000"/>
-                  <a:lumOff val="50000"/>
-                </a:schemeClr>
-              </a:solidFill>
-              <a:latin typeface="+mn-lt"/>
-              <a:cs typeface="+mn-cs"/>
-            </a:endParaRPr>
-          </a:p>
-        </p:txBody>
-      </p:sp>
-      <p:sp>
-        <p:nvSpPr>
-          <p:cNvPr id="6" name="ZoneTexte 5"/>
-          <p:cNvSpPr txBox="1"/>
-          <p:nvPr/>
-        </p:nvSpPr>
-        <p:spPr>
-          <a:xfrm>
-            <a:off x="4572000" y="0"/>
-            <a:ext cx="1418978" cy="276999"/>
-          </a:xfrm>
-          <a:prstGeom prst="rect">
-            <a:avLst/>
-          </a:prstGeom>
-          <a:noFill/>
-          <a:ln>
-            <a:noFill/>
-          </a:ln>
-        </p:spPr>
-        <p:txBody>
-          <a:bodyPr wrap="none" rtlCol="0">
-            <a:spAutoFit/>
-          </a:bodyPr>
-          <a:lstStyle/>
-          <a:p>
-            <a:pPr marL="0" marR="0" indent="0" algn="l" defTabSz="914400" rtl="0" eaLnBrk="1" fontAlgn="auto" latinLnBrk="0" hangingPunct="1">
-              <a:lnSpc>
-                <a:spcPct val="100000"/>
-              </a:lnSpc>
-              <a:spcBef>
-                <a:spcPct val="20000"/>
-              </a:spcBef>
-              <a:spcAft>
-                <a:spcPts val="0"/>
-              </a:spcAft>
-              <a:buClrTx/>
-              <a:buSzTx/>
-              <a:buFontTx/>
-              <a:buNone/>
-              <a:tabLst/>
-            </a:pPr>
-            <a:r>
-              <a:rPr lang="fr-FR" sz="1200" b="1" u="sng" kern="0" dirty="0" smtClean="0">
-                <a:latin typeface="+mn-lt"/>
-                <a:cs typeface="+mn-cs"/>
-              </a:rPr>
-              <a:t>ACME</a:t>
-            </a:r>
-            <a:r>
-              <a:rPr kumimoji="0" lang="fr-FR" sz="1200" i="0" u="none" strike="noStrike" kern="0" cap="none" spc="0" normalizeH="0" baseline="0" noProof="0" dirty="0" smtClean="0">
-                <a:ln>
-                  <a:noFill/>
-                </a:ln>
-                <a:solidFill>
-                  <a:schemeClr val="tx1">
-                    <a:lumMod val="50000"/>
-                    <a:lumOff val="50000"/>
-                  </a:schemeClr>
-                </a:solidFill>
-                <a:effectLst/>
-                <a:uLnTx/>
-                <a:uFillTx/>
-                <a:latin typeface="+mn-lt"/>
-                <a:ea typeface="+mn-ea"/>
-                <a:cs typeface="+mn-cs"/>
-              </a:rPr>
-              <a:t> </a:t>
-            </a:r>
-            <a:r>
-              <a:rPr lang="fr-FR" sz="1200" b="1" u="sng" kern="0" dirty="0" err="1" smtClean="0">
-                <a:latin typeface="+mn-lt"/>
-                <a:cs typeface="+mn-cs"/>
-              </a:rPr>
-              <a:t>Presentation</a:t>
-            </a:r>
-            <a:endParaRPr lang="fr-FR" sz="1200" b="1" u="sng" kern="0" dirty="0" smtClean="0">
-              <a:latin typeface="+mn-lt"/>
-              <a:cs typeface="+mn-cs"/>
-            </a:endParaRPr>
-          </a:p>
-        </p:txBody>
-      </p:sp>
-      <p:sp>
-        <p:nvSpPr>
-          <p:cNvPr id="7" name="ZoneTexte 6"/>
-          <p:cNvSpPr txBox="1"/>
-          <p:nvPr/>
-        </p:nvSpPr>
-        <p:spPr>
-          <a:xfrm>
-            <a:off x="6786578" y="0"/>
-            <a:ext cx="1382110" cy="276999"/>
-          </a:xfrm>
-          <a:prstGeom prst="rect">
-            <a:avLst/>
-          </a:prstGeom>
-          <a:noFill/>
-          <a:ln>
-            <a:noFill/>
-          </a:ln>
-        </p:spPr>
-        <p:txBody>
-          <a:bodyPr wrap="none" rtlCol="0">
-            <a:spAutoFit/>
-          </a:bodyPr>
-          <a:lstStyle/>
-          <a:p>
-            <a:pPr marL="0" marR="0" indent="0" algn="l" defTabSz="914400" rtl="0" eaLnBrk="1" fontAlgn="auto" latinLnBrk="0" hangingPunct="1">
-              <a:lnSpc>
-                <a:spcPct val="100000"/>
-              </a:lnSpc>
-              <a:spcBef>
-                <a:spcPct val="20000"/>
-              </a:spcBef>
-              <a:spcAft>
-                <a:spcPts val="0"/>
-              </a:spcAft>
-              <a:buClrTx/>
-              <a:buSzTx/>
-              <a:buFontTx/>
-              <a:buNone/>
-              <a:tabLst/>
-            </a:pPr>
-            <a:r>
-              <a:rPr kumimoji="0" lang="fr-FR" sz="1200" i="0" u="none" strike="noStrike" kern="0" cap="none" spc="0" normalizeH="0" baseline="0" noProof="0" dirty="0" smtClean="0">
-                <a:ln>
-                  <a:noFill/>
-                </a:ln>
-                <a:solidFill>
-                  <a:schemeClr val="tx1">
-                    <a:lumMod val="50000"/>
-                    <a:lumOff val="50000"/>
-                  </a:schemeClr>
-                </a:solidFill>
-                <a:effectLst/>
-                <a:uLnTx/>
-                <a:uFillTx/>
-                <a:latin typeface="+mn-lt"/>
-                <a:ea typeface="+mn-ea"/>
-                <a:cs typeface="+mn-cs"/>
-              </a:rPr>
-              <a:t>ATAM introduction</a:t>
-            </a:r>
-          </a:p>
-        </p:txBody>
-      </p:sp>
-      <p:pic>
-        <p:nvPicPr>
-          <p:cNvPr id="8" name="Picture 2" descr="D:\Bureau\ElementsOfAnAcmeDescription.png"/>
-          <p:cNvPicPr>
-            <a:picLocks noChangeAspect="1" noChangeArrowheads="1"/>
-          </p:cNvPicPr>
-          <p:nvPr/>
-        </p:nvPicPr>
-        <p:blipFill>
-          <a:blip r:embed="rId2">
-            <a:clrChange>
-              <a:clrFrom>
-                <a:srgbClr val="FFFFFF"/>
-              </a:clrFrom>
-              <a:clrTo>
-                <a:srgbClr val="FFFFFF">
-                  <a:alpha val="0"/>
-                </a:srgbClr>
-              </a:clrTo>
-            </a:clrChange>
-          </a:blip>
-          <a:srcRect t="8887" b="8908"/>
-          <a:stretch>
-            <a:fillRect/>
-          </a:stretch>
-        </p:blipFill>
-        <p:spPr bwMode="auto">
-          <a:xfrm>
-            <a:off x="3857620" y="2357430"/>
-            <a:ext cx="4572032" cy="1990179"/>
-          </a:xfrm>
-          <a:prstGeom prst="rect">
-            <a:avLst/>
-          </a:prstGeom>
-          <a:noFill/>
-        </p:spPr>
-      </p:pic>
-    </p:spTree>
-  </p:cSld>
-  <p:clrMapOvr>
-    <a:masterClrMapping/>
-  </p:clrMapOvr>
-  <p:timing>
-    <p:tnLst>
-      <p:par>
-        <p:cTn id="1" dur="indefinite" restart="never" nodeType="tmRoot"/>
-      </p:par>
-    </p:tnLst>
-  </p:timing>
-</p:sld>
-</file>
-
-<file path=ppt/slides/slide12.xml><?xml version="1.0" encoding="utf-8"?>
-<p:sld xmlns:a="http://schemas.openxmlformats.org/drawingml/2006/main" xmlns:r="http://schemas.openxmlformats.org/officeDocument/2006/relationships" xmlns:p="http://schemas.openxmlformats.org/presentationml/2006/main">
-  <p:cSld>
-    <p:spTree>
-      <p:nvGrpSpPr>
-        <p:cNvPr id="1" name=""/>
-        <p:cNvGrpSpPr/>
-        <p:nvPr/>
-      </p:nvGrpSpPr>
-      <p:grpSpPr>
-        <a:xfrm>
-          <a:off x="0" y="0"/>
-          <a:ext cx="0" cy="0"/>
-          <a:chOff x="0" y="0"/>
-          <a:chExt cx="0" cy="0"/>
-        </a:xfrm>
-      </p:grpSpPr>
-      <p:sp>
-        <p:nvSpPr>
-          <p:cNvPr id="2" name="Titre 1"/>
-          <p:cNvSpPr>
-            <a:spLocks noGrp="1"/>
-          </p:cNvSpPr>
-          <p:nvPr>
-            <p:ph type="ctrTitle"/>
-          </p:nvPr>
-        </p:nvSpPr>
-        <p:spPr/>
-        <p:txBody>
-          <a:bodyPr/>
-          <a:lstStyle/>
-          <a:p>
-            <a:r>
               <a:rPr smtClean="0"/>
               <a:t>3. Acme description</a:t>
             </a:r>
@@ -9158,7 +8052,7 @@
 </p:sld>
 </file>
 
-<file path=ppt/slides/slide13.xml><?xml version="1.0" encoding="utf-8"?>
+<file path=ppt/slides/slide11.xml><?xml version="1.0" encoding="utf-8"?>
 <p:sld xmlns:a="http://schemas.openxmlformats.org/drawingml/2006/main" xmlns:r="http://schemas.openxmlformats.org/officeDocument/2006/relationships" xmlns:p="http://schemas.openxmlformats.org/presentationml/2006/main">
   <p:cSld>
     <p:spTree>
@@ -10121,7 +9015,7 @@
 </p:sld>
 </file>
 
-<file path=ppt/slides/slide14.xml><?xml version="1.0" encoding="utf-8"?>
+<file path=ppt/slides/slide12.xml><?xml version="1.0" encoding="utf-8"?>
 <p:sld xmlns:a="http://schemas.openxmlformats.org/drawingml/2006/main" xmlns:r="http://schemas.openxmlformats.org/officeDocument/2006/relationships" xmlns:p="http://schemas.openxmlformats.org/presentationml/2006/main">
   <p:cSld>
     <p:spTree>
@@ -11201,7 +10095,7 @@
 </p:sld>
 </file>
 
-<file path=ppt/slides/slide15.xml><?xml version="1.0" encoding="utf-8"?>
+<file path=ppt/slides/slide13.xml><?xml version="1.0" encoding="utf-8"?>
 <p:sld xmlns:a="http://schemas.openxmlformats.org/drawingml/2006/main" xmlns:r="http://schemas.openxmlformats.org/officeDocument/2006/relationships" xmlns:p="http://schemas.openxmlformats.org/presentationml/2006/main">
   <p:cSld>
     <p:spTree>
@@ -11718,7 +10612,7 @@
 </p:sld>
 </file>
 
-<file path=ppt/slides/slide16.xml><?xml version="1.0" encoding="utf-8"?>
+<file path=ppt/slides/slide14.xml><?xml version="1.0" encoding="utf-8"?>
 <p:sld xmlns:a="http://schemas.openxmlformats.org/drawingml/2006/main" xmlns:r="http://schemas.openxmlformats.org/officeDocument/2006/relationships" xmlns:p="http://schemas.openxmlformats.org/presentationml/2006/main">
   <p:cSld>
     <p:spTree>
@@ -12218,6 +11112,561 @@
 </p:sld>
 </file>
 
+<file path=ppt/slides/slide15.xml><?xml version="1.0" encoding="utf-8"?>
+<p:sld xmlns:a="http://schemas.openxmlformats.org/drawingml/2006/main" xmlns:r="http://schemas.openxmlformats.org/officeDocument/2006/relationships" xmlns:p="http://schemas.openxmlformats.org/presentationml/2006/main">
+  <p:cSld>
+    <p:spTree>
+      <p:nvGrpSpPr>
+        <p:cNvPr id="1" name=""/>
+        <p:cNvGrpSpPr/>
+        <p:nvPr/>
+      </p:nvGrpSpPr>
+      <p:grpSpPr>
+        <a:xfrm>
+          <a:off x="0" y="0"/>
+          <a:ext cx="0" cy="0"/>
+          <a:chOff x="0" y="0"/>
+          <a:chExt cx="0" cy="0"/>
+        </a:xfrm>
+      </p:grpSpPr>
+      <p:sp>
+        <p:nvSpPr>
+          <p:cNvPr id="2" name="Titre 1"/>
+          <p:cNvSpPr>
+            <a:spLocks noGrp="1"/>
+          </p:cNvSpPr>
+          <p:nvPr>
+            <p:ph type="ctrTitle"/>
+          </p:nvPr>
+        </p:nvSpPr>
+        <p:spPr/>
+        <p:txBody>
+          <a:bodyPr/>
+          <a:lstStyle/>
+          <a:p>
+            <a:r>
+              <a:rPr lang="fr-FR" dirty="0" smtClean="0"/>
+              <a:t>3. A</a:t>
+            </a:r>
+            <a:r>
+              <a:rPr smtClean="0"/>
+              <a:t>cme language</a:t>
+            </a:r>
+            <a:endParaRPr lang="fr-FR" dirty="0"/>
+          </a:p>
+        </p:txBody>
+      </p:sp>
+      <p:sp>
+        <p:nvSpPr>
+          <p:cNvPr id="3" name="Espace réservé du texte 2"/>
+          <p:cNvSpPr>
+            <a:spLocks noGrp="1"/>
+          </p:cNvSpPr>
+          <p:nvPr>
+            <p:ph type="body" sz="quarter" idx="10"/>
+          </p:nvPr>
+        </p:nvSpPr>
+        <p:spPr/>
+        <p:txBody>
+          <a:bodyPr/>
+          <a:lstStyle/>
+          <a:p>
+            <a:r>
+              <a:rPr smtClean="0"/>
+              <a:t>Language is based on </a:t>
+            </a:r>
+          </a:p>
+          <a:p>
+            <a:pPr lvl="1"/>
+            <a:r>
+              <a:rPr smtClean="0"/>
+              <a:t>First order predicate logic </a:t>
+            </a:r>
+          </a:p>
+          <a:p>
+            <a:pPr lvl="1"/>
+            <a:r>
+              <a:rPr smtClean="0"/>
+              <a:t>Rules checking if architectural model is well formed</a:t>
+            </a:r>
+          </a:p>
+          <a:p>
+            <a:endParaRPr smtClean="0"/>
+          </a:p>
+          <a:p>
+            <a:r>
+              <a:rPr smtClean="0"/>
+              <a:t>Rules can be defined</a:t>
+            </a:r>
+          </a:p>
+          <a:p>
+            <a:pPr lvl="1"/>
+            <a:r>
+              <a:rPr smtClean="0"/>
+              <a:t>By the style designer</a:t>
+            </a:r>
+          </a:p>
+          <a:p>
+            <a:pPr lvl="1"/>
+            <a:r>
+              <a:rPr smtClean="0"/>
+              <a:t>By ourself</a:t>
+            </a:r>
+          </a:p>
+          <a:p>
+            <a:pPr lvl="1"/>
+            <a:endParaRPr smtClean="0"/>
+          </a:p>
+          <a:p>
+            <a:r>
+              <a:rPr smtClean="0"/>
+              <a:t>2 types of rules</a:t>
+            </a:r>
+          </a:p>
+          <a:p>
+            <a:pPr lvl="1"/>
+            <a:r>
+              <a:rPr smtClean="0"/>
+              <a:t>Invariant : violations of which are errors</a:t>
+            </a:r>
+          </a:p>
+          <a:p>
+            <a:pPr lvl="1"/>
+            <a:r>
+              <a:rPr smtClean="0"/>
+              <a:t>Heuristics : violations of which leads to warnings</a:t>
+            </a:r>
+            <a:endParaRPr lang="fr-FR" dirty="0"/>
+          </a:p>
+        </p:txBody>
+      </p:sp>
+      <p:sp>
+        <p:nvSpPr>
+          <p:cNvPr id="4" name="ZoneTexte 3"/>
+          <p:cNvSpPr txBox="1"/>
+          <p:nvPr/>
+        </p:nvSpPr>
+        <p:spPr>
+          <a:xfrm>
+            <a:off x="500034" y="0"/>
+            <a:ext cx="1558440" cy="276999"/>
+          </a:xfrm>
+          <a:prstGeom prst="rect">
+            <a:avLst/>
+          </a:prstGeom>
+          <a:noFill/>
+          <a:ln>
+            <a:noFill/>
+          </a:ln>
+        </p:spPr>
+        <p:txBody>
+          <a:bodyPr wrap="none" rtlCol="0">
+            <a:spAutoFit/>
+          </a:bodyPr>
+          <a:lstStyle/>
+          <a:p>
+            <a:pPr marL="0" marR="0" indent="0" algn="l" defTabSz="914400" rtl="0" eaLnBrk="1" fontAlgn="auto" latinLnBrk="0" hangingPunct="1">
+              <a:lnSpc>
+                <a:spcPct val="100000"/>
+              </a:lnSpc>
+              <a:spcBef>
+                <a:spcPct val="20000"/>
+              </a:spcBef>
+              <a:spcAft>
+                <a:spcPts val="0"/>
+              </a:spcAft>
+              <a:buClrTx/>
+              <a:buSzTx/>
+              <a:buFontTx/>
+              <a:buNone/>
+              <a:tabLst/>
+            </a:pPr>
+            <a:r>
+              <a:rPr lang="fr-FR" sz="1200" kern="0" dirty="0" err="1" smtClean="0">
+                <a:solidFill>
+                  <a:schemeClr val="tx1">
+                    <a:lumMod val="50000"/>
+                    <a:lumOff val="50000"/>
+                  </a:schemeClr>
+                </a:solidFill>
+                <a:latin typeface="+mn-lt"/>
+                <a:cs typeface="+mn-cs"/>
+              </a:rPr>
+              <a:t>Why</a:t>
+            </a:r>
+            <a:r>
+              <a:rPr lang="fr-FR" sz="1200" kern="0" dirty="0" smtClean="0">
+                <a:solidFill>
+                  <a:schemeClr val="tx1">
+                    <a:lumMod val="50000"/>
+                    <a:lumOff val="50000"/>
+                  </a:schemeClr>
+                </a:solidFill>
+                <a:latin typeface="+mn-lt"/>
+                <a:cs typeface="+mn-cs"/>
+              </a:rPr>
+              <a:t> do </a:t>
+            </a:r>
+            <a:r>
+              <a:rPr lang="fr-FR" sz="1200" kern="0" dirty="0" err="1" smtClean="0">
+                <a:solidFill>
+                  <a:schemeClr val="tx1">
+                    <a:lumMod val="50000"/>
+                    <a:lumOff val="50000"/>
+                  </a:schemeClr>
+                </a:solidFill>
+                <a:latin typeface="+mn-lt"/>
+                <a:cs typeface="+mn-cs"/>
+              </a:rPr>
+              <a:t>we</a:t>
+            </a:r>
+            <a:r>
+              <a:rPr lang="fr-FR" sz="1200" kern="0" dirty="0" smtClean="0">
+                <a:solidFill>
+                  <a:schemeClr val="tx1">
+                    <a:lumMod val="50000"/>
+                    <a:lumOff val="50000"/>
+                  </a:schemeClr>
+                </a:solidFill>
+                <a:latin typeface="+mn-lt"/>
+                <a:cs typeface="+mn-cs"/>
+              </a:rPr>
+              <a:t> use </a:t>
+            </a:r>
+            <a:r>
+              <a:rPr lang="fr-FR" sz="1200" kern="0" dirty="0" err="1" smtClean="0">
+                <a:solidFill>
+                  <a:schemeClr val="tx1">
+                    <a:lumMod val="50000"/>
+                    <a:lumOff val="50000"/>
+                  </a:schemeClr>
+                </a:solidFill>
+                <a:latin typeface="+mn-lt"/>
+                <a:cs typeface="+mn-cs"/>
+              </a:rPr>
+              <a:t>ADLs</a:t>
+            </a:r>
+            <a:r>
+              <a:rPr lang="fr-FR" sz="1200" kern="0" dirty="0" smtClean="0">
+                <a:solidFill>
+                  <a:schemeClr val="tx1">
+                    <a:lumMod val="50000"/>
+                    <a:lumOff val="50000"/>
+                  </a:schemeClr>
+                </a:solidFill>
+                <a:latin typeface="+mn-lt"/>
+                <a:cs typeface="+mn-cs"/>
+              </a:rPr>
+              <a:t>?</a:t>
+            </a:r>
+            <a:endParaRPr kumimoji="0" lang="fr-FR" sz="1200" b="1" i="0" u="sng" strike="noStrike" kern="0" cap="none" spc="0" normalizeH="0" baseline="0" noProof="0" dirty="0" smtClean="0">
+              <a:ln>
+                <a:noFill/>
+              </a:ln>
+              <a:effectLst/>
+              <a:uLnTx/>
+              <a:uFillTx/>
+              <a:latin typeface="+mn-lt"/>
+              <a:ea typeface="+mn-ea"/>
+              <a:cs typeface="+mn-cs"/>
+            </a:endParaRPr>
+          </a:p>
+        </p:txBody>
+      </p:sp>
+      <p:sp>
+        <p:nvSpPr>
+          <p:cNvPr id="5" name="ZoneTexte 4"/>
+          <p:cNvSpPr txBox="1"/>
+          <p:nvPr/>
+        </p:nvSpPr>
+        <p:spPr>
+          <a:xfrm>
+            <a:off x="2786050" y="0"/>
+            <a:ext cx="889987" cy="276999"/>
+          </a:xfrm>
+          <a:prstGeom prst="rect">
+            <a:avLst/>
+          </a:prstGeom>
+          <a:noFill/>
+          <a:ln>
+            <a:noFill/>
+          </a:ln>
+        </p:spPr>
+        <p:txBody>
+          <a:bodyPr wrap="none" rtlCol="0">
+            <a:spAutoFit/>
+          </a:bodyPr>
+          <a:lstStyle/>
+          <a:p>
+            <a:pPr fontAlgn="auto">
+              <a:spcBef>
+                <a:spcPct val="20000"/>
+              </a:spcBef>
+              <a:spcAft>
+                <a:spcPts val="0"/>
+              </a:spcAft>
+            </a:pPr>
+            <a:r>
+              <a:rPr lang="fr-FR" sz="1200" kern="0" dirty="0" smtClean="0">
+                <a:solidFill>
+                  <a:schemeClr val="tx1">
+                    <a:lumMod val="50000"/>
+                    <a:lumOff val="50000"/>
+                  </a:schemeClr>
+                </a:solidFill>
+                <a:latin typeface="+mn-lt"/>
+                <a:cs typeface="+mn-cs"/>
+              </a:rPr>
+              <a:t>ADL </a:t>
+            </a:r>
+            <a:r>
+              <a:rPr lang="fr-FR" sz="1200" kern="0" dirty="0" err="1" smtClean="0">
+                <a:solidFill>
+                  <a:schemeClr val="tx1">
+                    <a:lumMod val="50000"/>
+                    <a:lumOff val="50000"/>
+                  </a:schemeClr>
+                </a:solidFill>
+                <a:latin typeface="+mn-lt"/>
+                <a:cs typeface="+mn-cs"/>
+              </a:rPr>
+              <a:t>Choice</a:t>
+            </a:r>
+            <a:endParaRPr lang="fr-FR" sz="1200" kern="0" dirty="0" smtClean="0">
+              <a:solidFill>
+                <a:schemeClr val="tx1">
+                  <a:lumMod val="50000"/>
+                  <a:lumOff val="50000"/>
+                </a:schemeClr>
+              </a:solidFill>
+              <a:latin typeface="+mn-lt"/>
+              <a:cs typeface="+mn-cs"/>
+            </a:endParaRPr>
+          </a:p>
+        </p:txBody>
+      </p:sp>
+      <p:sp>
+        <p:nvSpPr>
+          <p:cNvPr id="6" name="ZoneTexte 5"/>
+          <p:cNvSpPr txBox="1"/>
+          <p:nvPr/>
+        </p:nvSpPr>
+        <p:spPr>
+          <a:xfrm>
+            <a:off x="4572000" y="0"/>
+            <a:ext cx="1418978" cy="276999"/>
+          </a:xfrm>
+          <a:prstGeom prst="rect">
+            <a:avLst/>
+          </a:prstGeom>
+          <a:noFill/>
+          <a:ln>
+            <a:noFill/>
+          </a:ln>
+        </p:spPr>
+        <p:txBody>
+          <a:bodyPr wrap="none" rtlCol="0">
+            <a:spAutoFit/>
+          </a:bodyPr>
+          <a:lstStyle/>
+          <a:p>
+            <a:pPr marL="0" marR="0" indent="0" algn="l" defTabSz="914400" rtl="0" eaLnBrk="1" fontAlgn="auto" latinLnBrk="0" hangingPunct="1">
+              <a:lnSpc>
+                <a:spcPct val="100000"/>
+              </a:lnSpc>
+              <a:spcBef>
+                <a:spcPct val="20000"/>
+              </a:spcBef>
+              <a:spcAft>
+                <a:spcPts val="0"/>
+              </a:spcAft>
+              <a:buClrTx/>
+              <a:buSzTx/>
+              <a:buFontTx/>
+              <a:buNone/>
+              <a:tabLst/>
+            </a:pPr>
+            <a:r>
+              <a:rPr lang="fr-FR" sz="1200" b="1" u="sng" kern="0" dirty="0" smtClean="0">
+                <a:latin typeface="+mn-lt"/>
+                <a:cs typeface="+mn-cs"/>
+              </a:rPr>
+              <a:t>ACME</a:t>
+            </a:r>
+            <a:r>
+              <a:rPr kumimoji="0" lang="fr-FR" sz="1200" i="0" u="none" strike="noStrike" kern="0" cap="none" spc="0" normalizeH="0" baseline="0" noProof="0" dirty="0" smtClean="0">
+                <a:ln>
+                  <a:noFill/>
+                </a:ln>
+                <a:solidFill>
+                  <a:schemeClr val="tx1">
+                    <a:lumMod val="50000"/>
+                    <a:lumOff val="50000"/>
+                  </a:schemeClr>
+                </a:solidFill>
+                <a:effectLst/>
+                <a:uLnTx/>
+                <a:uFillTx/>
+                <a:latin typeface="+mn-lt"/>
+                <a:ea typeface="+mn-ea"/>
+                <a:cs typeface="+mn-cs"/>
+              </a:rPr>
+              <a:t> </a:t>
+            </a:r>
+            <a:r>
+              <a:rPr lang="fr-FR" sz="1200" b="1" u="sng" kern="0" dirty="0" err="1" smtClean="0">
+                <a:latin typeface="+mn-lt"/>
+                <a:cs typeface="+mn-cs"/>
+              </a:rPr>
+              <a:t>Presentation</a:t>
+            </a:r>
+            <a:endParaRPr lang="fr-FR" sz="1200" b="1" u="sng" kern="0" dirty="0" smtClean="0">
+              <a:latin typeface="+mn-lt"/>
+              <a:cs typeface="+mn-cs"/>
+            </a:endParaRPr>
+          </a:p>
+        </p:txBody>
+      </p:sp>
+      <p:sp>
+        <p:nvSpPr>
+          <p:cNvPr id="7" name="ZoneTexte 6"/>
+          <p:cNvSpPr txBox="1"/>
+          <p:nvPr/>
+        </p:nvSpPr>
+        <p:spPr>
+          <a:xfrm>
+            <a:off x="6786578" y="0"/>
+            <a:ext cx="1382110" cy="276999"/>
+          </a:xfrm>
+          <a:prstGeom prst="rect">
+            <a:avLst/>
+          </a:prstGeom>
+          <a:noFill/>
+          <a:ln>
+            <a:noFill/>
+          </a:ln>
+        </p:spPr>
+        <p:txBody>
+          <a:bodyPr wrap="none" rtlCol="0">
+            <a:spAutoFit/>
+          </a:bodyPr>
+          <a:lstStyle/>
+          <a:p>
+            <a:pPr marL="0" marR="0" indent="0" algn="l" defTabSz="914400" rtl="0" eaLnBrk="1" fontAlgn="auto" latinLnBrk="0" hangingPunct="1">
+              <a:lnSpc>
+                <a:spcPct val="100000"/>
+              </a:lnSpc>
+              <a:spcBef>
+                <a:spcPct val="20000"/>
+              </a:spcBef>
+              <a:spcAft>
+                <a:spcPts val="0"/>
+              </a:spcAft>
+              <a:buClrTx/>
+              <a:buSzTx/>
+              <a:buFontTx/>
+              <a:buNone/>
+              <a:tabLst/>
+            </a:pPr>
+            <a:r>
+              <a:rPr kumimoji="0" lang="fr-FR" sz="1200" i="0" u="none" strike="noStrike" kern="0" cap="none" spc="0" normalizeH="0" baseline="0" noProof="0" dirty="0" smtClean="0">
+                <a:ln>
+                  <a:noFill/>
+                </a:ln>
+                <a:solidFill>
+                  <a:schemeClr val="tx1">
+                    <a:lumMod val="50000"/>
+                    <a:lumOff val="50000"/>
+                  </a:schemeClr>
+                </a:solidFill>
+                <a:effectLst/>
+                <a:uLnTx/>
+                <a:uFillTx/>
+                <a:latin typeface="+mn-lt"/>
+                <a:ea typeface="+mn-ea"/>
+                <a:cs typeface="+mn-cs"/>
+              </a:rPr>
+              <a:t>ATAM introduction</a:t>
+            </a:r>
+          </a:p>
+        </p:txBody>
+      </p:sp>
+    </p:spTree>
+  </p:cSld>
+  <p:clrMapOvr>
+    <a:masterClrMapping/>
+  </p:clrMapOvr>
+  <p:transition/>
+</p:sld>
+</file>
+
+<file path=ppt/slides/slide16.xml><?xml version="1.0" encoding="utf-8"?>
+<p:sld xmlns:a="http://schemas.openxmlformats.org/drawingml/2006/main" xmlns:r="http://schemas.openxmlformats.org/officeDocument/2006/relationships" xmlns:p="http://schemas.openxmlformats.org/presentationml/2006/main">
+  <p:cSld>
+    <p:spTree>
+      <p:nvGrpSpPr>
+        <p:cNvPr id="1" name=""/>
+        <p:cNvGrpSpPr/>
+        <p:nvPr/>
+      </p:nvGrpSpPr>
+      <p:grpSpPr>
+        <a:xfrm>
+          <a:off x="0" y="0"/>
+          <a:ext cx="0" cy="0"/>
+          <a:chOff x="0" y="0"/>
+          <a:chExt cx="0" cy="0"/>
+        </a:xfrm>
+      </p:grpSpPr>
+      <p:sp>
+        <p:nvSpPr>
+          <p:cNvPr id="2" name="Titre 1"/>
+          <p:cNvSpPr>
+            <a:spLocks noGrp="1"/>
+          </p:cNvSpPr>
+          <p:nvPr>
+            <p:ph type="ctrTitle"/>
+          </p:nvPr>
+        </p:nvSpPr>
+        <p:spPr/>
+        <p:txBody>
+          <a:bodyPr/>
+          <a:lstStyle/>
+          <a:p>
+            <a:r>
+              <a:rPr lang="en-US" dirty="0" smtClean="0"/>
+              <a:t>3. ADLS COMPARISON</a:t>
+            </a:r>
+            <a:endParaRPr lang="en-US" dirty="0"/>
+          </a:p>
+        </p:txBody>
+      </p:sp>
+      <p:sp>
+        <p:nvSpPr>
+          <p:cNvPr id="3" name="Espace réservé du texte 2"/>
+          <p:cNvSpPr>
+            <a:spLocks noGrp="1"/>
+          </p:cNvSpPr>
+          <p:nvPr>
+            <p:ph type="body" sz="quarter" idx="10"/>
+          </p:nvPr>
+        </p:nvSpPr>
+        <p:spPr/>
+        <p:txBody>
+          <a:bodyPr/>
+          <a:lstStyle/>
+          <a:p>
+            <a:endParaRPr lang="en-US"/>
+          </a:p>
+        </p:txBody>
+      </p:sp>
+    </p:spTree>
+  </p:cSld>
+  <p:clrMapOvr>
+    <a:masterClrMapping/>
+  </p:clrMapOvr>
+</p:sld>
+</file>
+
 <file path=ppt/slides/slide17.xml><?xml version="1.0" encoding="utf-8"?>
 <p:sld xmlns:a="http://schemas.openxmlformats.org/drawingml/2006/main" xmlns:r="http://schemas.openxmlformats.org/officeDocument/2006/relationships" xmlns:p="http://schemas.openxmlformats.org/presentationml/2006/main">
   <p:cSld>
@@ -12251,12 +11700,8 @@
           <a:lstStyle/>
           <a:p>
             <a:r>
-              <a:rPr lang="fr-FR" dirty="0" smtClean="0"/>
-              <a:t>3. A</a:t>
-            </a:r>
-            <a:r>
               <a:rPr smtClean="0"/>
-              <a:t>cme language</a:t>
+              <a:t>3. Acme tool</a:t>
             </a:r>
             <a:endParaRPr lang="fr-FR" dirty="0"/>
           </a:p>
@@ -12278,71 +11723,107 @@
           <a:lstStyle/>
           <a:p>
             <a:r>
+              <a:rPr lang="en-US" b="1" i="1" dirty="0" smtClean="0"/>
+              <a:t>Eclipse</a:t>
+            </a:r>
+            <a:r>
+              <a:rPr lang="en-US" dirty="0" smtClean="0"/>
+              <a:t> plug-in software : </a:t>
+            </a:r>
+            <a:r>
+              <a:rPr lang="en-US" b="1" i="1" dirty="0" err="1" smtClean="0"/>
+              <a:t>AcmeStudio</a:t>
+            </a:r>
+            <a:endParaRPr lang="en-US" b="1" i="1" dirty="0" smtClean="0"/>
+          </a:p>
+          <a:p>
+            <a:endParaRPr lang="en-US" sz="1600" dirty="0" smtClean="0"/>
+          </a:p>
+          <a:p>
+            <a:r>
+              <a:rPr lang="en-US" b="1" i="1" dirty="0" err="1" smtClean="0"/>
+              <a:t>AcmeStudio</a:t>
+            </a:r>
+            <a:endParaRPr lang="en-US" b="1" i="1" dirty="0" smtClean="0"/>
+          </a:p>
+          <a:p>
+            <a:pPr lvl="1"/>
+            <a:r>
               <a:rPr smtClean="0"/>
-              <a:t>Language is based on </a:t>
+              <a:t>Graphical interface</a:t>
             </a:r>
           </a:p>
           <a:p>
             <a:pPr lvl="1"/>
             <a:r>
               <a:rPr smtClean="0"/>
-              <a:t>First order predicate logic </a:t>
+              <a:t>Architecture drawing</a:t>
             </a:r>
           </a:p>
           <a:p>
             <a:pPr lvl="1"/>
             <a:r>
               <a:rPr smtClean="0"/>
-              <a:t>Rules checking if architectural model is well formed</a:t>
-            </a:r>
-          </a:p>
-          <a:p>
-            <a:endParaRPr smtClean="0"/>
-          </a:p>
-          <a:p>
+              <a:t>Design analyze</a:t>
+            </a:r>
+          </a:p>
+          <a:p>
+            <a:pPr lvl="1"/>
             <a:r>
               <a:rPr smtClean="0"/>
-              <a:t>Rules can be defined</a:t>
+              <a:t>Language description (development)</a:t>
             </a:r>
           </a:p>
           <a:p>
             <a:pPr lvl="1"/>
-            <a:r>
-              <a:rPr smtClean="0"/>
-              <a:t>By the style designer</a:t>
+            <a:endParaRPr lang="en-US" sz="1400" dirty="0" smtClean="0"/>
+          </a:p>
+          <a:p>
+            <a:r>
+              <a:rPr lang="en-US" dirty="0" smtClean="0"/>
+              <a:t>Features</a:t>
             </a:r>
           </a:p>
           <a:p>
             <a:pPr lvl="1"/>
             <a:r>
-              <a:rPr smtClean="0"/>
-              <a:t>By ourself</a:t>
+              <a:rPr lang="en-US" dirty="0" smtClean="0"/>
+              <a:t>Create or edit families</a:t>
             </a:r>
           </a:p>
           <a:p>
             <a:pPr lvl="1"/>
-            <a:endParaRPr smtClean="0"/>
-          </a:p>
-          <a:p>
-            <a:r>
-              <a:rPr smtClean="0"/>
-              <a:t>2 types of rules</a:t>
+            <a:r>
+              <a:rPr lang="en-US" dirty="0" smtClean="0"/>
+              <a:t>Edit visualization</a:t>
             </a:r>
           </a:p>
           <a:p>
             <a:pPr lvl="1"/>
             <a:r>
-              <a:rPr smtClean="0"/>
-              <a:t>Invariant : violations of which are errors</a:t>
+              <a:rPr lang="en-US" dirty="0" smtClean="0"/>
+              <a:t>Edit and check rules</a:t>
             </a:r>
           </a:p>
           <a:p>
             <a:pPr lvl="1"/>
             <a:r>
-              <a:rPr smtClean="0"/>
-              <a:t>Heuristics : violations of which leads to warnings</a:t>
-            </a:r>
-            <a:endParaRPr lang="fr-FR" dirty="0"/>
+              <a:rPr lang="en-US" dirty="0" smtClean="0"/>
+              <a:t>Edit properties</a:t>
+            </a:r>
+          </a:p>
+          <a:p>
+            <a:pPr lvl="1"/>
+            <a:r>
+              <a:rPr lang="en-US" dirty="0" smtClean="0"/>
+              <a:t>Etc…</a:t>
+            </a:r>
+          </a:p>
+          <a:p>
+            <a:endParaRPr lang="en-US" dirty="0" smtClean="0"/>
+          </a:p>
+          <a:p>
+            <a:endParaRPr lang="en-US" dirty="0" smtClean="0"/>
           </a:p>
         </p:txBody>
       </p:sp>
@@ -12702,7 +12183,13 @@
   <p:clrMapOvr>
     <a:masterClrMapping/>
   </p:clrMapOvr>
-  <p:transition/>
+  <p:timing>
+    <p:tnLst>
+      <p:par>
+        <p:cTn id="1" dur="indefinite" restart="never" nodeType="tmRoot"/>
+      </p:par>
+    </p:tnLst>
+  </p:timing>
 </p:sld>
 </file>
 
@@ -12740,7 +12227,7 @@
           <a:p>
             <a:r>
               <a:rPr smtClean="0"/>
-              <a:t>3. Acme tool</a:t>
+              <a:t>3. ACMESTUDIO</a:t>
             </a:r>
             <a:endParaRPr lang="fr-FR" dirty="0"/>
           </a:p>
@@ -12761,114 +12248,52 @@
           <a:bodyPr/>
           <a:lstStyle/>
           <a:p>
-            <a:r>
-              <a:rPr lang="en-US" b="1" i="1" dirty="0" smtClean="0"/>
-              <a:t>Eclipse</a:t>
-            </a:r>
-            <a:r>
-              <a:rPr lang="en-US" dirty="0" smtClean="0"/>
-              <a:t> plug-in software : </a:t>
-            </a:r>
-            <a:r>
-              <a:rPr lang="en-US" b="1" i="1" dirty="0" err="1" smtClean="0"/>
-              <a:t>AcmeStudio</a:t>
-            </a:r>
-            <a:endParaRPr lang="en-US" b="1" i="1" dirty="0" smtClean="0"/>
-          </a:p>
-          <a:p>
-            <a:endParaRPr lang="en-US" sz="1600" dirty="0" smtClean="0"/>
-          </a:p>
-          <a:p>
-            <a:r>
-              <a:rPr lang="en-US" b="1" i="1" dirty="0" err="1" smtClean="0"/>
-              <a:t>AcmeStudio</a:t>
-            </a:r>
-            <a:endParaRPr lang="en-US" b="1" i="1" dirty="0" smtClean="0"/>
-          </a:p>
-          <a:p>
-            <a:pPr lvl="1"/>
-            <a:r>
-              <a:rPr smtClean="0"/>
-              <a:t>Graphical interface</a:t>
-            </a:r>
-          </a:p>
-          <a:p>
-            <a:pPr lvl="1"/>
-            <a:r>
-              <a:rPr smtClean="0"/>
-              <a:t>Architecture drawing</a:t>
-            </a:r>
-          </a:p>
-          <a:p>
-            <a:pPr lvl="1"/>
-            <a:r>
-              <a:rPr smtClean="0"/>
-              <a:t>Design analyze</a:t>
-            </a:r>
-          </a:p>
-          <a:p>
-            <a:pPr lvl="1"/>
-            <a:r>
-              <a:rPr smtClean="0"/>
-              <a:t>Language description (development)</a:t>
-            </a:r>
-          </a:p>
-          <a:p>
-            <a:pPr lvl="1"/>
-            <a:endParaRPr lang="en-US" sz="1400" dirty="0" smtClean="0"/>
-          </a:p>
-          <a:p>
-            <a:r>
-              <a:rPr lang="en-US" dirty="0" smtClean="0"/>
-              <a:t>Features</a:t>
-            </a:r>
-          </a:p>
-          <a:p>
-            <a:pPr lvl="1"/>
-            <a:r>
-              <a:rPr lang="en-US" dirty="0" smtClean="0"/>
-              <a:t>Create or edit families</a:t>
-            </a:r>
-          </a:p>
-          <a:p>
-            <a:pPr lvl="1"/>
-            <a:r>
-              <a:rPr lang="en-US" dirty="0" smtClean="0"/>
-              <a:t>Edit visualization</a:t>
-            </a:r>
-          </a:p>
-          <a:p>
-            <a:pPr lvl="1"/>
-            <a:r>
-              <a:rPr lang="en-US" dirty="0" smtClean="0"/>
-              <a:t>Edit and check rules</a:t>
-            </a:r>
-          </a:p>
-          <a:p>
-            <a:pPr lvl="1"/>
-            <a:r>
-              <a:rPr lang="en-US" dirty="0" smtClean="0"/>
-              <a:t>Edit properties</a:t>
-            </a:r>
-          </a:p>
-          <a:p>
-            <a:pPr lvl="1"/>
-            <a:r>
-              <a:rPr lang="en-US" dirty="0" smtClean="0"/>
-              <a:t>Etc…</a:t>
-            </a:r>
-          </a:p>
-          <a:p>
-            <a:endParaRPr lang="en-US" dirty="0" smtClean="0"/>
-          </a:p>
-          <a:p>
-            <a:endParaRPr lang="en-US" dirty="0" smtClean="0"/>
+            <a:endParaRPr lang="fr-FR"/>
           </a:p>
         </p:txBody>
       </p:sp>
+      <p:pic>
+        <p:nvPicPr>
+          <p:cNvPr id="1026" name="Picture 2"/>
+          <p:cNvPicPr>
+            <a:picLocks noChangeAspect="1" noChangeArrowheads="1"/>
+          </p:cNvPicPr>
+          <p:nvPr/>
+        </p:nvPicPr>
+        <p:blipFill>
+          <a:blip r:embed="rId2"/>
+          <a:srcRect b="3437"/>
+          <a:stretch>
+            <a:fillRect/>
+          </a:stretch>
+        </p:blipFill>
+        <p:spPr bwMode="auto">
+          <a:xfrm>
+            <a:off x="71406" y="1000108"/>
+            <a:ext cx="9001156" cy="5432359"/>
+          </a:xfrm>
+          <a:prstGeom prst="rect">
+            <a:avLst/>
+          </a:prstGeom>
+          <a:noFill/>
+          <a:ln w="9525">
+            <a:noFill/>
+            <a:miter lim="800000"/>
+            <a:headEnd/>
+            <a:tailEnd/>
+          </a:ln>
+          <a:effectLst>
+            <a:outerShdw blurRad="50800" dist="38100" dir="2700000" algn="tl" rotWithShape="0">
+              <a:prstClr val="black">
+                <a:alpha val="40000"/>
+              </a:prstClr>
+            </a:outerShdw>
+          </a:effectLst>
+        </p:spPr>
+      </p:pic>
       <p:sp>
         <p:nvSpPr>
-          <p:cNvPr id="4" name="ZoneTexte 3"/>
+          <p:cNvPr id="5" name="ZoneTexte 4"/>
           <p:cNvSpPr txBox="1"/>
           <p:nvPr/>
         </p:nvSpPr>
@@ -13001,7 +12426,7 @@
       </p:sp>
       <p:sp>
         <p:nvSpPr>
-          <p:cNvPr id="5" name="ZoneTexte 4"/>
+          <p:cNvPr id="6" name="ZoneTexte 5"/>
           <p:cNvSpPr txBox="1"/>
           <p:nvPr/>
         </p:nvSpPr>
@@ -13073,7 +12498,7 @@
       </p:sp>
       <p:sp>
         <p:nvSpPr>
-          <p:cNvPr id="6" name="ZoneTexte 5"/>
+          <p:cNvPr id="7" name="ZoneTexte 6"/>
           <p:cNvSpPr txBox="1"/>
           <p:nvPr/>
         </p:nvSpPr>
@@ -13155,7 +12580,7 @@
       </p:sp>
       <p:sp>
         <p:nvSpPr>
-          <p:cNvPr id="7" name="ZoneTexte 6"/>
+          <p:cNvPr id="8" name="ZoneTexte 7"/>
           <p:cNvSpPr txBox="1"/>
           <p:nvPr/>
         </p:nvSpPr>
@@ -13266,7 +12691,7 @@
           <a:p>
             <a:r>
               <a:rPr smtClean="0"/>
-              <a:t>3. ACMESTUDIO</a:t>
+              <a:t>3. ACMESTUDIO (cont.)</a:t>
             </a:r>
             <a:endParaRPr lang="fr-FR" dirty="0"/>
           </a:p>
@@ -13293,7 +12718,7 @@
       </p:sp>
       <p:pic>
         <p:nvPicPr>
-          <p:cNvPr id="1026" name="Picture 2"/>
+          <p:cNvPr id="2050" name="Picture 2"/>
           <p:cNvPicPr>
             <a:picLocks noChangeAspect="1" noChangeArrowheads="1"/>
           </p:cNvPicPr>
@@ -13301,15 +12726,15 @@
         </p:nvPicPr>
         <p:blipFill>
           <a:blip r:embed="rId2"/>
-          <a:srcRect b="3437"/>
+          <a:srcRect b="3749"/>
           <a:stretch>
             <a:fillRect/>
           </a:stretch>
         </p:blipFill>
         <p:spPr bwMode="auto">
           <a:xfrm>
-            <a:off x="71406" y="1000108"/>
-            <a:ext cx="9001156" cy="5432359"/>
+            <a:off x="142876" y="1071546"/>
+            <a:ext cx="8929718" cy="5371821"/>
           </a:xfrm>
           <a:prstGeom prst="rect">
             <a:avLst/>
@@ -14015,470 +13440,6 @@
       </p:sp>
       <p:pic>
         <p:nvPicPr>
-          <p:cNvPr id="2050" name="Picture 2"/>
-          <p:cNvPicPr>
-            <a:picLocks noChangeAspect="1" noChangeArrowheads="1"/>
-          </p:cNvPicPr>
-          <p:nvPr/>
-        </p:nvPicPr>
-        <p:blipFill>
-          <a:blip r:embed="rId2"/>
-          <a:srcRect b="3749"/>
-          <a:stretch>
-            <a:fillRect/>
-          </a:stretch>
-        </p:blipFill>
-        <p:spPr bwMode="auto">
-          <a:xfrm>
-            <a:off x="142876" y="1071546"/>
-            <a:ext cx="8929718" cy="5371821"/>
-          </a:xfrm>
-          <a:prstGeom prst="rect">
-            <a:avLst/>
-          </a:prstGeom>
-          <a:noFill/>
-          <a:ln w="9525">
-            <a:noFill/>
-            <a:miter lim="800000"/>
-            <a:headEnd/>
-            <a:tailEnd/>
-          </a:ln>
-          <a:effectLst>
-            <a:outerShdw blurRad="50800" dist="38100" dir="2700000" algn="tl" rotWithShape="0">
-              <a:prstClr val="black">
-                <a:alpha val="40000"/>
-              </a:prstClr>
-            </a:outerShdw>
-          </a:effectLst>
-        </p:spPr>
-      </p:pic>
-      <p:sp>
-        <p:nvSpPr>
-          <p:cNvPr id="5" name="ZoneTexte 4"/>
-          <p:cNvSpPr txBox="1"/>
-          <p:nvPr/>
-        </p:nvSpPr>
-        <p:spPr>
-          <a:xfrm>
-            <a:off x="500034" y="0"/>
-            <a:ext cx="1558440" cy="276999"/>
-          </a:xfrm>
-          <a:prstGeom prst="rect">
-            <a:avLst/>
-          </a:prstGeom>
-          <a:noFill/>
-          <a:ln>
-            <a:noFill/>
-          </a:ln>
-        </p:spPr>
-        <p:txBody>
-          <a:bodyPr wrap="none" rtlCol="0">
-            <a:spAutoFit/>
-          </a:bodyPr>
-          <a:lstStyle/>
-          <a:p>
-            <a:pPr marL="0" marR="0" indent="0" algn="l" defTabSz="914400" rtl="0" eaLnBrk="1" fontAlgn="auto" latinLnBrk="0" hangingPunct="1">
-              <a:lnSpc>
-                <a:spcPct val="100000"/>
-              </a:lnSpc>
-              <a:spcBef>
-                <a:spcPct val="20000"/>
-              </a:spcBef>
-              <a:spcAft>
-                <a:spcPts val="0"/>
-              </a:spcAft>
-              <a:buClrTx/>
-              <a:buSzTx/>
-              <a:buFontTx/>
-              <a:buNone/>
-              <a:tabLst/>
-            </a:pPr>
-            <a:r>
-              <a:rPr lang="fr-FR" sz="1200" kern="0" dirty="0" err="1" smtClean="0">
-                <a:solidFill>
-                  <a:schemeClr val="tx1">
-                    <a:lumMod val="50000"/>
-                    <a:lumOff val="50000"/>
-                  </a:schemeClr>
-                </a:solidFill>
-                <a:latin typeface="+mn-lt"/>
-                <a:cs typeface="+mn-cs"/>
-              </a:rPr>
-              <a:t>Why</a:t>
-            </a:r>
-            <a:r>
-              <a:rPr lang="fr-FR" sz="1200" kern="0" dirty="0" smtClean="0">
-                <a:solidFill>
-                  <a:schemeClr val="tx1">
-                    <a:lumMod val="50000"/>
-                    <a:lumOff val="50000"/>
-                  </a:schemeClr>
-                </a:solidFill>
-                <a:latin typeface="+mn-lt"/>
-                <a:cs typeface="+mn-cs"/>
-              </a:rPr>
-              <a:t> do </a:t>
-            </a:r>
-            <a:r>
-              <a:rPr lang="fr-FR" sz="1200" kern="0" dirty="0" err="1" smtClean="0">
-                <a:solidFill>
-                  <a:schemeClr val="tx1">
-                    <a:lumMod val="50000"/>
-                    <a:lumOff val="50000"/>
-                  </a:schemeClr>
-                </a:solidFill>
-                <a:latin typeface="+mn-lt"/>
-                <a:cs typeface="+mn-cs"/>
-              </a:rPr>
-              <a:t>we</a:t>
-            </a:r>
-            <a:r>
-              <a:rPr lang="fr-FR" sz="1200" kern="0" dirty="0" smtClean="0">
-                <a:solidFill>
-                  <a:schemeClr val="tx1">
-                    <a:lumMod val="50000"/>
-                    <a:lumOff val="50000"/>
-                  </a:schemeClr>
-                </a:solidFill>
-                <a:latin typeface="+mn-lt"/>
-                <a:cs typeface="+mn-cs"/>
-              </a:rPr>
-              <a:t> use </a:t>
-            </a:r>
-            <a:r>
-              <a:rPr lang="fr-FR" sz="1200" kern="0" dirty="0" err="1" smtClean="0">
-                <a:solidFill>
-                  <a:schemeClr val="tx1">
-                    <a:lumMod val="50000"/>
-                    <a:lumOff val="50000"/>
-                  </a:schemeClr>
-                </a:solidFill>
-                <a:latin typeface="+mn-lt"/>
-                <a:cs typeface="+mn-cs"/>
-              </a:rPr>
-              <a:t>ADLs</a:t>
-            </a:r>
-            <a:r>
-              <a:rPr lang="fr-FR" sz="1200" kern="0" dirty="0" smtClean="0">
-                <a:solidFill>
-                  <a:schemeClr val="tx1">
-                    <a:lumMod val="50000"/>
-                    <a:lumOff val="50000"/>
-                  </a:schemeClr>
-                </a:solidFill>
-                <a:latin typeface="+mn-lt"/>
-                <a:cs typeface="+mn-cs"/>
-              </a:rPr>
-              <a:t>?</a:t>
-            </a:r>
-            <a:endParaRPr kumimoji="0" lang="fr-FR" sz="1200" b="1" i="0" u="sng" strike="noStrike" kern="0" cap="none" spc="0" normalizeH="0" baseline="0" noProof="0" dirty="0" smtClean="0">
-              <a:ln>
-                <a:noFill/>
-              </a:ln>
-              <a:effectLst/>
-              <a:uLnTx/>
-              <a:uFillTx/>
-              <a:latin typeface="+mn-lt"/>
-              <a:ea typeface="+mn-ea"/>
-              <a:cs typeface="+mn-cs"/>
-            </a:endParaRPr>
-          </a:p>
-        </p:txBody>
-      </p:sp>
-      <p:sp>
-        <p:nvSpPr>
-          <p:cNvPr id="6" name="ZoneTexte 5"/>
-          <p:cNvSpPr txBox="1"/>
-          <p:nvPr/>
-        </p:nvSpPr>
-        <p:spPr>
-          <a:xfrm>
-            <a:off x="2786050" y="0"/>
-            <a:ext cx="889987" cy="276999"/>
-          </a:xfrm>
-          <a:prstGeom prst="rect">
-            <a:avLst/>
-          </a:prstGeom>
-          <a:noFill/>
-          <a:ln>
-            <a:noFill/>
-          </a:ln>
-        </p:spPr>
-        <p:txBody>
-          <a:bodyPr wrap="none" rtlCol="0">
-            <a:spAutoFit/>
-          </a:bodyPr>
-          <a:lstStyle/>
-          <a:p>
-            <a:pPr fontAlgn="auto">
-              <a:spcBef>
-                <a:spcPct val="20000"/>
-              </a:spcBef>
-              <a:spcAft>
-                <a:spcPts val="0"/>
-              </a:spcAft>
-            </a:pPr>
-            <a:r>
-              <a:rPr lang="fr-FR" sz="1200" kern="0" dirty="0" smtClean="0">
-                <a:solidFill>
-                  <a:schemeClr val="tx1">
-                    <a:lumMod val="50000"/>
-                    <a:lumOff val="50000"/>
-                  </a:schemeClr>
-                </a:solidFill>
-                <a:latin typeface="+mn-lt"/>
-                <a:cs typeface="+mn-cs"/>
-              </a:rPr>
-              <a:t>ADL </a:t>
-            </a:r>
-            <a:r>
-              <a:rPr lang="fr-FR" sz="1200" kern="0" dirty="0" err="1" smtClean="0">
-                <a:solidFill>
-                  <a:schemeClr val="tx1">
-                    <a:lumMod val="50000"/>
-                    <a:lumOff val="50000"/>
-                  </a:schemeClr>
-                </a:solidFill>
-                <a:latin typeface="+mn-lt"/>
-                <a:cs typeface="+mn-cs"/>
-              </a:rPr>
-              <a:t>Choice</a:t>
-            </a:r>
-            <a:endParaRPr lang="fr-FR" sz="1200" kern="0" dirty="0" smtClean="0">
-              <a:solidFill>
-                <a:schemeClr val="tx1">
-                  <a:lumMod val="50000"/>
-                  <a:lumOff val="50000"/>
-                </a:schemeClr>
-              </a:solidFill>
-              <a:latin typeface="+mn-lt"/>
-              <a:cs typeface="+mn-cs"/>
-            </a:endParaRPr>
-          </a:p>
-        </p:txBody>
-      </p:sp>
-      <p:sp>
-        <p:nvSpPr>
-          <p:cNvPr id="7" name="ZoneTexte 6"/>
-          <p:cNvSpPr txBox="1"/>
-          <p:nvPr/>
-        </p:nvSpPr>
-        <p:spPr>
-          <a:xfrm>
-            <a:off x="4572000" y="0"/>
-            <a:ext cx="1418978" cy="276999"/>
-          </a:xfrm>
-          <a:prstGeom prst="rect">
-            <a:avLst/>
-          </a:prstGeom>
-          <a:noFill/>
-          <a:ln>
-            <a:noFill/>
-          </a:ln>
-        </p:spPr>
-        <p:txBody>
-          <a:bodyPr wrap="none" rtlCol="0">
-            <a:spAutoFit/>
-          </a:bodyPr>
-          <a:lstStyle/>
-          <a:p>
-            <a:pPr marL="0" marR="0" indent="0" algn="l" defTabSz="914400" rtl="0" eaLnBrk="1" fontAlgn="auto" latinLnBrk="0" hangingPunct="1">
-              <a:lnSpc>
-                <a:spcPct val="100000"/>
-              </a:lnSpc>
-              <a:spcBef>
-                <a:spcPct val="20000"/>
-              </a:spcBef>
-              <a:spcAft>
-                <a:spcPts val="0"/>
-              </a:spcAft>
-              <a:buClrTx/>
-              <a:buSzTx/>
-              <a:buFontTx/>
-              <a:buNone/>
-              <a:tabLst/>
-            </a:pPr>
-            <a:r>
-              <a:rPr lang="fr-FR" sz="1200" b="1" u="sng" kern="0" dirty="0" smtClean="0">
-                <a:latin typeface="+mn-lt"/>
-                <a:cs typeface="+mn-cs"/>
-              </a:rPr>
-              <a:t>ACME</a:t>
-            </a:r>
-            <a:r>
-              <a:rPr kumimoji="0" lang="fr-FR" sz="1200" i="0" u="none" strike="noStrike" kern="0" cap="none" spc="0" normalizeH="0" baseline="0" noProof="0" dirty="0" smtClean="0">
-                <a:ln>
-                  <a:noFill/>
-                </a:ln>
-                <a:solidFill>
-                  <a:schemeClr val="tx1">
-                    <a:lumMod val="50000"/>
-                    <a:lumOff val="50000"/>
-                  </a:schemeClr>
-                </a:solidFill>
-                <a:effectLst/>
-                <a:uLnTx/>
-                <a:uFillTx/>
-                <a:latin typeface="+mn-lt"/>
-                <a:ea typeface="+mn-ea"/>
-                <a:cs typeface="+mn-cs"/>
-              </a:rPr>
-              <a:t> </a:t>
-            </a:r>
-            <a:r>
-              <a:rPr lang="fr-FR" sz="1200" b="1" u="sng" kern="0" dirty="0" err="1" smtClean="0">
-                <a:latin typeface="+mn-lt"/>
-                <a:cs typeface="+mn-cs"/>
-              </a:rPr>
-              <a:t>Presentation</a:t>
-            </a:r>
-            <a:endParaRPr lang="fr-FR" sz="1200" b="1" u="sng" kern="0" dirty="0" smtClean="0">
-              <a:latin typeface="+mn-lt"/>
-              <a:cs typeface="+mn-cs"/>
-            </a:endParaRPr>
-          </a:p>
-        </p:txBody>
-      </p:sp>
-      <p:sp>
-        <p:nvSpPr>
-          <p:cNvPr id="8" name="ZoneTexte 7"/>
-          <p:cNvSpPr txBox="1"/>
-          <p:nvPr/>
-        </p:nvSpPr>
-        <p:spPr>
-          <a:xfrm>
-            <a:off x="6786578" y="0"/>
-            <a:ext cx="1382110" cy="276999"/>
-          </a:xfrm>
-          <a:prstGeom prst="rect">
-            <a:avLst/>
-          </a:prstGeom>
-          <a:noFill/>
-          <a:ln>
-            <a:noFill/>
-          </a:ln>
-        </p:spPr>
-        <p:txBody>
-          <a:bodyPr wrap="none" rtlCol="0">
-            <a:spAutoFit/>
-          </a:bodyPr>
-          <a:lstStyle/>
-          <a:p>
-            <a:pPr marL="0" marR="0" indent="0" algn="l" defTabSz="914400" rtl="0" eaLnBrk="1" fontAlgn="auto" latinLnBrk="0" hangingPunct="1">
-              <a:lnSpc>
-                <a:spcPct val="100000"/>
-              </a:lnSpc>
-              <a:spcBef>
-                <a:spcPct val="20000"/>
-              </a:spcBef>
-              <a:spcAft>
-                <a:spcPts val="0"/>
-              </a:spcAft>
-              <a:buClrTx/>
-              <a:buSzTx/>
-              <a:buFontTx/>
-              <a:buNone/>
-              <a:tabLst/>
-            </a:pPr>
-            <a:r>
-              <a:rPr kumimoji="0" lang="fr-FR" sz="1200" i="0" u="none" strike="noStrike" kern="0" cap="none" spc="0" normalizeH="0" baseline="0" noProof="0" dirty="0" smtClean="0">
-                <a:ln>
-                  <a:noFill/>
-                </a:ln>
-                <a:solidFill>
-                  <a:schemeClr val="tx1">
-                    <a:lumMod val="50000"/>
-                    <a:lumOff val="50000"/>
-                  </a:schemeClr>
-                </a:solidFill>
-                <a:effectLst/>
-                <a:uLnTx/>
-                <a:uFillTx/>
-                <a:latin typeface="+mn-lt"/>
-                <a:ea typeface="+mn-ea"/>
-                <a:cs typeface="+mn-cs"/>
-              </a:rPr>
-              <a:t>ATAM introduction</a:t>
-            </a:r>
-          </a:p>
-        </p:txBody>
-      </p:sp>
-    </p:spTree>
-  </p:cSld>
-  <p:clrMapOvr>
-    <a:masterClrMapping/>
-  </p:clrMapOvr>
-  <p:timing>
-    <p:tnLst>
-      <p:par>
-        <p:cTn id="1" dur="indefinite" restart="never" nodeType="tmRoot"/>
-      </p:par>
-    </p:tnLst>
-  </p:timing>
-</p:sld>
-</file>
-
-<file path=ppt/slides/slide21.xml><?xml version="1.0" encoding="utf-8"?>
-<p:sld xmlns:a="http://schemas.openxmlformats.org/drawingml/2006/main" xmlns:r="http://schemas.openxmlformats.org/officeDocument/2006/relationships" xmlns:p="http://schemas.openxmlformats.org/presentationml/2006/main">
-  <p:cSld>
-    <p:spTree>
-      <p:nvGrpSpPr>
-        <p:cNvPr id="1" name=""/>
-        <p:cNvGrpSpPr/>
-        <p:nvPr/>
-      </p:nvGrpSpPr>
-      <p:grpSpPr>
-        <a:xfrm>
-          <a:off x="0" y="0"/>
-          <a:ext cx="0" cy="0"/>
-          <a:chOff x="0" y="0"/>
-          <a:chExt cx="0" cy="0"/>
-        </a:xfrm>
-      </p:grpSpPr>
-      <p:sp>
-        <p:nvSpPr>
-          <p:cNvPr id="2" name="Titre 1"/>
-          <p:cNvSpPr>
-            <a:spLocks noGrp="1"/>
-          </p:cNvSpPr>
-          <p:nvPr>
-            <p:ph type="ctrTitle"/>
-          </p:nvPr>
-        </p:nvSpPr>
-        <p:spPr/>
-        <p:txBody>
-          <a:bodyPr/>
-          <a:lstStyle/>
-          <a:p>
-            <a:r>
-              <a:rPr smtClean="0"/>
-              <a:t>3. ACMESTUDIO (cont.)</a:t>
-            </a:r>
-            <a:endParaRPr lang="fr-FR" dirty="0"/>
-          </a:p>
-        </p:txBody>
-      </p:sp>
-      <p:sp>
-        <p:nvSpPr>
-          <p:cNvPr id="3" name="Espace réservé du texte 2"/>
-          <p:cNvSpPr>
-            <a:spLocks noGrp="1"/>
-          </p:cNvSpPr>
-          <p:nvPr>
-            <p:ph type="body" sz="quarter" idx="10"/>
-          </p:nvPr>
-        </p:nvSpPr>
-        <p:spPr/>
-        <p:txBody>
-          <a:bodyPr/>
-          <a:lstStyle/>
-          <a:p>
-            <a:endParaRPr lang="fr-FR"/>
-          </a:p>
-        </p:txBody>
-      </p:sp>
-      <p:pic>
-        <p:nvPicPr>
           <p:cNvPr id="3074" name="Picture 2"/>
           <p:cNvPicPr>
             <a:picLocks noChangeAspect="1" noChangeArrowheads="1"/>
@@ -14882,7 +13843,7 @@
 </p:sld>
 </file>
 
-<file path=ppt/slides/slide22.xml><?xml version="1.0" encoding="utf-8"?>
+<file path=ppt/slides/slide21.xml><?xml version="1.0" encoding="utf-8"?>
 <p:sld xmlns:a="http://schemas.openxmlformats.org/drawingml/2006/main" xmlns:r="http://schemas.openxmlformats.org/officeDocument/2006/relationships" xmlns:p="http://schemas.openxmlformats.org/presentationml/2006/main">
   <p:cSld>
     <p:spTree>
@@ -15346,6 +14307,483 @@
 </p:sld>
 </file>
 
+<file path=ppt/slides/slide22.xml><?xml version="1.0" encoding="utf-8"?>
+<p:sld xmlns:a="http://schemas.openxmlformats.org/drawingml/2006/main" xmlns:r="http://schemas.openxmlformats.org/officeDocument/2006/relationships" xmlns:p="http://schemas.openxmlformats.org/presentationml/2006/main">
+  <p:cSld>
+    <p:spTree>
+      <p:nvGrpSpPr>
+        <p:cNvPr id="1" name=""/>
+        <p:cNvGrpSpPr/>
+        <p:nvPr/>
+      </p:nvGrpSpPr>
+      <p:grpSpPr>
+        <a:xfrm>
+          <a:off x="0" y="0"/>
+          <a:ext cx="0" cy="0"/>
+          <a:chOff x="0" y="0"/>
+          <a:chExt cx="0" cy="0"/>
+        </a:xfrm>
+      </p:grpSpPr>
+      <p:sp>
+        <p:nvSpPr>
+          <p:cNvPr id="2" name="Titre 1"/>
+          <p:cNvSpPr>
+            <a:spLocks noGrp="1"/>
+          </p:cNvSpPr>
+          <p:nvPr>
+            <p:ph type="ctrTitle"/>
+          </p:nvPr>
+        </p:nvSpPr>
+        <p:spPr/>
+        <p:txBody>
+          <a:bodyPr/>
+          <a:lstStyle/>
+          <a:p>
+            <a:r>
+              <a:rPr lang="en-US" dirty="0" smtClean="0"/>
+              <a:t>4. ATAM</a:t>
+            </a:r>
+            <a:endParaRPr lang="en-US" dirty="0"/>
+          </a:p>
+        </p:txBody>
+      </p:sp>
+      <p:sp>
+        <p:nvSpPr>
+          <p:cNvPr id="3" name="Espace réservé du texte 2"/>
+          <p:cNvSpPr>
+            <a:spLocks noGrp="1"/>
+          </p:cNvSpPr>
+          <p:nvPr>
+            <p:ph type="body" sz="quarter" idx="10"/>
+          </p:nvPr>
+        </p:nvSpPr>
+        <p:spPr/>
+        <p:txBody>
+          <a:bodyPr/>
+          <a:lstStyle/>
+          <a:p>
+            <a:r>
+              <a:rPr b="1" i="1" smtClean="0"/>
+              <a:t>Architecture Tradeoff Analysis Method</a:t>
+            </a:r>
+          </a:p>
+          <a:p>
+            <a:pPr>
+              <a:buNone/>
+            </a:pPr>
+            <a:endParaRPr b="1" smtClean="0"/>
+          </a:p>
+          <a:p>
+            <a:r>
+              <a:rPr lang="en-US" dirty="0" smtClean="0"/>
+              <a:t>Risk identification method to assess the consequences of architectural decisions in light of quality attribute requirements.</a:t>
+            </a:r>
+            <a:endParaRPr lang="en-US" b="1" dirty="0" smtClean="0"/>
+          </a:p>
+          <a:p>
+            <a:r>
+              <a:rPr lang="en-US" dirty="0" smtClean="0"/>
+              <a:t>The ATAM can be done early in the software development life cycle.</a:t>
+            </a:r>
+            <a:endParaRPr smtClean="0"/>
+          </a:p>
+          <a:p>
+            <a:r>
+              <a:rPr lang="en-US" dirty="0" smtClean="0"/>
+              <a:t>It can be done relatively inexpensively and quickly (because it is assessing architectural design artifacts).</a:t>
+            </a:r>
+            <a:endParaRPr smtClean="0"/>
+          </a:p>
+          <a:p>
+            <a:r>
+              <a:rPr lang="en-US" dirty="0" smtClean="0"/>
+              <a:t>The ATAM will produce analyses commensurate with the level of detail of the architectural specification.</a:t>
+            </a:r>
+            <a:endParaRPr smtClean="0"/>
+          </a:p>
+          <a:p>
+            <a:endParaRPr smtClean="0"/>
+          </a:p>
+          <a:p>
+            <a:endParaRPr lang="en-US" dirty="0"/>
+          </a:p>
+        </p:txBody>
+      </p:sp>
+      <p:sp>
+        <p:nvSpPr>
+          <p:cNvPr id="4" name="ZoneTexte 3"/>
+          <p:cNvSpPr txBox="1"/>
+          <p:nvPr/>
+        </p:nvSpPr>
+        <p:spPr>
+          <a:xfrm>
+            <a:off x="500034" y="0"/>
+            <a:ext cx="1558440" cy="276999"/>
+          </a:xfrm>
+          <a:prstGeom prst="rect">
+            <a:avLst/>
+          </a:prstGeom>
+          <a:noFill/>
+          <a:ln>
+            <a:noFill/>
+          </a:ln>
+        </p:spPr>
+        <p:txBody>
+          <a:bodyPr wrap="none" rtlCol="0">
+            <a:spAutoFit/>
+          </a:bodyPr>
+          <a:lstStyle/>
+          <a:p>
+            <a:pPr marL="0" marR="0" indent="0" algn="l" defTabSz="914400" rtl="0" eaLnBrk="1" fontAlgn="auto" latinLnBrk="0" hangingPunct="1">
+              <a:lnSpc>
+                <a:spcPct val="100000"/>
+              </a:lnSpc>
+              <a:spcBef>
+                <a:spcPct val="20000"/>
+              </a:spcBef>
+              <a:spcAft>
+                <a:spcPts val="0"/>
+              </a:spcAft>
+              <a:buClrTx/>
+              <a:buSzTx/>
+              <a:buFontTx/>
+              <a:buNone/>
+              <a:tabLst/>
+            </a:pPr>
+            <a:r>
+              <a:rPr lang="fr-FR" sz="1200" kern="0" dirty="0" err="1" smtClean="0">
+                <a:solidFill>
+                  <a:schemeClr val="tx1">
+                    <a:lumMod val="50000"/>
+                    <a:lumOff val="50000"/>
+                  </a:schemeClr>
+                </a:solidFill>
+                <a:latin typeface="+mn-lt"/>
+                <a:cs typeface="+mn-cs"/>
+              </a:rPr>
+              <a:t>Why</a:t>
+            </a:r>
+            <a:r>
+              <a:rPr lang="fr-FR" sz="1200" kern="0" dirty="0" smtClean="0">
+                <a:solidFill>
+                  <a:schemeClr val="tx1">
+                    <a:lumMod val="50000"/>
+                    <a:lumOff val="50000"/>
+                  </a:schemeClr>
+                </a:solidFill>
+                <a:latin typeface="+mn-lt"/>
+                <a:cs typeface="+mn-cs"/>
+              </a:rPr>
+              <a:t> do </a:t>
+            </a:r>
+            <a:r>
+              <a:rPr lang="fr-FR" sz="1200" kern="0" dirty="0" err="1" smtClean="0">
+                <a:solidFill>
+                  <a:schemeClr val="tx1">
+                    <a:lumMod val="50000"/>
+                    <a:lumOff val="50000"/>
+                  </a:schemeClr>
+                </a:solidFill>
+                <a:latin typeface="+mn-lt"/>
+                <a:cs typeface="+mn-cs"/>
+              </a:rPr>
+              <a:t>we</a:t>
+            </a:r>
+            <a:r>
+              <a:rPr lang="fr-FR" sz="1200" kern="0" dirty="0" smtClean="0">
+                <a:solidFill>
+                  <a:schemeClr val="tx1">
+                    <a:lumMod val="50000"/>
+                    <a:lumOff val="50000"/>
+                  </a:schemeClr>
+                </a:solidFill>
+                <a:latin typeface="+mn-lt"/>
+                <a:cs typeface="+mn-cs"/>
+              </a:rPr>
+              <a:t> use </a:t>
+            </a:r>
+            <a:r>
+              <a:rPr lang="fr-FR" sz="1200" kern="0" dirty="0" err="1" smtClean="0">
+                <a:solidFill>
+                  <a:schemeClr val="tx1">
+                    <a:lumMod val="50000"/>
+                    <a:lumOff val="50000"/>
+                  </a:schemeClr>
+                </a:solidFill>
+                <a:latin typeface="+mn-lt"/>
+                <a:cs typeface="+mn-cs"/>
+              </a:rPr>
+              <a:t>ADLs</a:t>
+            </a:r>
+            <a:r>
+              <a:rPr lang="fr-FR" sz="1200" kern="0" dirty="0" smtClean="0">
+                <a:solidFill>
+                  <a:schemeClr val="tx1">
+                    <a:lumMod val="50000"/>
+                    <a:lumOff val="50000"/>
+                  </a:schemeClr>
+                </a:solidFill>
+                <a:latin typeface="+mn-lt"/>
+                <a:cs typeface="+mn-cs"/>
+              </a:rPr>
+              <a:t>?</a:t>
+            </a:r>
+            <a:endParaRPr kumimoji="0" lang="fr-FR" sz="1200" b="1" i="0" u="sng" strike="noStrike" kern="0" cap="none" spc="0" normalizeH="0" baseline="0" noProof="0" dirty="0" smtClean="0">
+              <a:ln>
+                <a:noFill/>
+              </a:ln>
+              <a:effectLst/>
+              <a:uLnTx/>
+              <a:uFillTx/>
+              <a:latin typeface="+mn-lt"/>
+              <a:ea typeface="+mn-ea"/>
+              <a:cs typeface="+mn-cs"/>
+            </a:endParaRPr>
+          </a:p>
+        </p:txBody>
+      </p:sp>
+      <p:sp>
+        <p:nvSpPr>
+          <p:cNvPr id="5" name="ZoneTexte 4"/>
+          <p:cNvSpPr txBox="1"/>
+          <p:nvPr/>
+        </p:nvSpPr>
+        <p:spPr>
+          <a:xfrm>
+            <a:off x="2786050" y="0"/>
+            <a:ext cx="861133" cy="276999"/>
+          </a:xfrm>
+          <a:prstGeom prst="rect">
+            <a:avLst/>
+          </a:prstGeom>
+          <a:noFill/>
+          <a:ln>
+            <a:noFill/>
+          </a:ln>
+        </p:spPr>
+        <p:txBody>
+          <a:bodyPr wrap="none" rtlCol="0">
+            <a:spAutoFit/>
+          </a:bodyPr>
+          <a:lstStyle/>
+          <a:p>
+            <a:pPr fontAlgn="auto">
+              <a:spcBef>
+                <a:spcPct val="20000"/>
+              </a:spcBef>
+              <a:spcAft>
+                <a:spcPts val="0"/>
+              </a:spcAft>
+            </a:pPr>
+            <a:r>
+              <a:rPr lang="fr-FR" sz="1200" kern="0" dirty="0" err="1" smtClean="0">
+                <a:solidFill>
+                  <a:schemeClr val="tx1">
+                    <a:lumMod val="50000"/>
+                    <a:lumOff val="50000"/>
+                  </a:schemeClr>
+                </a:solidFill>
+                <a:latin typeface="+mn-lt"/>
+                <a:cs typeface="+mn-cs"/>
+              </a:rPr>
+              <a:t>ADLChoice</a:t>
+            </a:r>
+            <a:endParaRPr lang="fr-FR" sz="1200" kern="0" dirty="0" smtClean="0">
+              <a:solidFill>
+                <a:schemeClr val="tx1">
+                  <a:lumMod val="50000"/>
+                  <a:lumOff val="50000"/>
+                </a:schemeClr>
+              </a:solidFill>
+              <a:latin typeface="+mn-lt"/>
+              <a:cs typeface="+mn-cs"/>
+            </a:endParaRPr>
+          </a:p>
+        </p:txBody>
+      </p:sp>
+      <p:sp>
+        <p:nvSpPr>
+          <p:cNvPr id="6" name="ZoneTexte 5"/>
+          <p:cNvSpPr txBox="1"/>
+          <p:nvPr/>
+        </p:nvSpPr>
+        <p:spPr>
+          <a:xfrm>
+            <a:off x="4572000" y="0"/>
+            <a:ext cx="1418978" cy="276999"/>
+          </a:xfrm>
+          <a:prstGeom prst="rect">
+            <a:avLst/>
+          </a:prstGeom>
+          <a:noFill/>
+          <a:ln>
+            <a:noFill/>
+          </a:ln>
+        </p:spPr>
+        <p:txBody>
+          <a:bodyPr wrap="none" rtlCol="0">
+            <a:spAutoFit/>
+          </a:bodyPr>
+          <a:lstStyle/>
+          <a:p>
+            <a:pPr marL="0" marR="0" indent="0" algn="l" defTabSz="914400" rtl="0" eaLnBrk="1" fontAlgn="auto" latinLnBrk="0" hangingPunct="1">
+              <a:lnSpc>
+                <a:spcPct val="100000"/>
+              </a:lnSpc>
+              <a:spcBef>
+                <a:spcPct val="20000"/>
+              </a:spcBef>
+              <a:spcAft>
+                <a:spcPts val="0"/>
+              </a:spcAft>
+              <a:buClrTx/>
+              <a:buSzTx/>
+              <a:buFontTx/>
+              <a:buNone/>
+              <a:tabLst/>
+            </a:pPr>
+            <a:r>
+              <a:rPr lang="fr-FR" sz="1200" kern="0" dirty="0" err="1" smtClean="0">
+                <a:solidFill>
+                  <a:schemeClr val="tx1">
+                    <a:lumMod val="50000"/>
+                    <a:lumOff val="50000"/>
+                  </a:schemeClr>
+                </a:solidFill>
+                <a:latin typeface="+mn-lt"/>
+                <a:cs typeface="+mn-cs"/>
+              </a:rPr>
+              <a:t>ACME</a:t>
+            </a:r>
+            <a:r>
+              <a:rPr kumimoji="0" lang="fr-FR" sz="1200" i="0" u="none" strike="noStrike" kern="0" cap="none" spc="0" normalizeH="0" baseline="0" noProof="0" dirty="0" smtClean="0">
+                <a:ln>
+                  <a:noFill/>
+                </a:ln>
+                <a:solidFill>
+                  <a:schemeClr val="tx1">
+                    <a:lumMod val="50000"/>
+                    <a:lumOff val="50000"/>
+                  </a:schemeClr>
+                </a:solidFill>
+                <a:effectLst/>
+                <a:uLnTx/>
+                <a:uFillTx/>
+                <a:latin typeface="+mn-lt"/>
+                <a:ea typeface="+mn-ea"/>
+                <a:cs typeface="+mn-cs"/>
+              </a:rPr>
+              <a:t> </a:t>
+            </a:r>
+            <a:r>
+              <a:rPr lang="fr-FR" sz="1200" kern="0" dirty="0" err="1" smtClean="0">
+                <a:solidFill>
+                  <a:schemeClr val="tx1">
+                    <a:lumMod val="50000"/>
+                    <a:lumOff val="50000"/>
+                  </a:schemeClr>
+                </a:solidFill>
+                <a:latin typeface="+mn-lt"/>
+                <a:cs typeface="+mn-cs"/>
+              </a:rPr>
+              <a:t>Presentation</a:t>
+            </a:r>
+          </a:p>
+        </p:txBody>
+      </p:sp>
+      <p:sp>
+        <p:nvSpPr>
+          <p:cNvPr id="7" name="ZoneTexte 6"/>
+          <p:cNvSpPr txBox="1"/>
+          <p:nvPr/>
+        </p:nvSpPr>
+        <p:spPr>
+          <a:xfrm>
+            <a:off x="6786578" y="0"/>
+            <a:ext cx="1407758" cy="276999"/>
+          </a:xfrm>
+          <a:prstGeom prst="rect">
+            <a:avLst/>
+          </a:prstGeom>
+          <a:noFill/>
+          <a:ln>
+            <a:noFill/>
+          </a:ln>
+        </p:spPr>
+        <p:txBody>
+          <a:bodyPr wrap="none" rtlCol="0">
+            <a:spAutoFit/>
+          </a:bodyPr>
+          <a:lstStyle/>
+          <a:p>
+            <a:pPr marL="0" marR="0" indent="0" algn="l" defTabSz="914400" rtl="0" eaLnBrk="1" fontAlgn="auto" latinLnBrk="0" hangingPunct="1">
+              <a:lnSpc>
+                <a:spcPct val="100000"/>
+              </a:lnSpc>
+              <a:spcBef>
+                <a:spcPct val="20000"/>
+              </a:spcBef>
+              <a:spcAft>
+                <a:spcPts val="0"/>
+              </a:spcAft>
+              <a:buClrTx/>
+              <a:buSzTx/>
+              <a:buFontTx/>
+              <a:buNone/>
+              <a:tabLst/>
+            </a:pPr>
+            <a:r>
+              <a:rPr lang="fr-FR" sz="1200" b="1" u="sng" kern="0" dirty="0" smtClean="0">
+                <a:latin typeface="+mn-lt"/>
+                <a:cs typeface="+mn-cs"/>
+              </a:rPr>
+              <a:t>ATAM</a:t>
+            </a:r>
+            <a:r>
+              <a:rPr kumimoji="0" lang="fr-FR" sz="1200" i="0" u="none" strike="noStrike" kern="0" cap="none" spc="0" normalizeH="0" baseline="0" noProof="0" dirty="0" smtClean="0">
+                <a:ln>
+                  <a:noFill/>
+                </a:ln>
+                <a:solidFill>
+                  <a:schemeClr val="tx1">
+                    <a:lumMod val="50000"/>
+                    <a:lumOff val="50000"/>
+                  </a:schemeClr>
+                </a:solidFill>
+                <a:effectLst/>
+                <a:uLnTx/>
+                <a:uFillTx/>
+                <a:latin typeface="+mn-lt"/>
+                <a:ea typeface="+mn-ea"/>
+                <a:cs typeface="+mn-cs"/>
+              </a:rPr>
+              <a:t> </a:t>
+            </a:r>
+            <a:r>
+              <a:rPr lang="fr-FR" sz="1200" b="1" u="sng" kern="0" dirty="0" smtClean="0">
+                <a:latin typeface="+mn-lt"/>
+                <a:cs typeface="+mn-cs"/>
+              </a:rPr>
+              <a:t>introduction</a:t>
+            </a:r>
+          </a:p>
+        </p:txBody>
+      </p:sp>
+    </p:spTree>
+  </p:cSld>
+  <p:clrMapOvr>
+    <a:masterClrMapping/>
+  </p:clrMapOvr>
+  <p:timing>
+    <p:tnLst>
+      <p:par>
+        <p:cTn id="1" dur="indefinite" restart="never" nodeType="tmRoot"/>
+      </p:par>
+    </p:tnLst>
+  </p:timing>
+</p:sld>
+</file>
+
 <file path=ppt/slides/slide23.xml><?xml version="1.0" encoding="utf-8"?>
 <p:sld xmlns:a="http://schemas.openxmlformats.org/drawingml/2006/main" xmlns:r="http://schemas.openxmlformats.org/officeDocument/2006/relationships" xmlns:p="http://schemas.openxmlformats.org/presentationml/2006/main">
   <p:cSld>
@@ -15380,7 +14818,7 @@
           <a:p>
             <a:r>
               <a:rPr lang="en-US" dirty="0" smtClean="0"/>
-              <a:t>4. ATAM</a:t>
+              <a:t>4. ATAM(cont.)</a:t>
             </a:r>
             <a:endParaRPr lang="en-US" dirty="0"/>
           </a:p>
@@ -15402,49 +14840,40 @@
           <a:lstStyle/>
           <a:p>
             <a:r>
-              <a:rPr b="1" i="1" smtClean="0"/>
-              <a:t>Architecture Tradeoff Analysis Method</a:t>
-            </a:r>
-          </a:p>
-          <a:p>
-            <a:pPr>
-              <a:buNone/>
-            </a:pPr>
-            <a:endParaRPr b="1" smtClean="0"/>
-          </a:p>
-          <a:p>
-            <a:r>
-              <a:rPr lang="en-US" dirty="0" smtClean="0"/>
-              <a:t>Risk identification method to assess the consequences of architectural decisions in light of quality attribute requirements.</a:t>
-            </a:r>
-            <a:endParaRPr lang="en-US" b="1" dirty="0" smtClean="0"/>
-          </a:p>
-          <a:p>
-            <a:r>
-              <a:rPr lang="en-US" dirty="0" smtClean="0"/>
-              <a:t>The ATAM can be done early in the software development life cycle.</a:t>
-            </a:r>
-            <a:endParaRPr smtClean="0"/>
-          </a:p>
-          <a:p>
-            <a:r>
-              <a:rPr lang="en-US" dirty="0" smtClean="0"/>
-              <a:t>It can be done relatively inexpensively and quickly (because it is assessing architectural design artifacts).</a:t>
-            </a:r>
-            <a:endParaRPr smtClean="0"/>
-          </a:p>
-          <a:p>
-            <a:r>
-              <a:rPr lang="en-US" dirty="0" smtClean="0"/>
-              <a:t>The ATAM will produce analyses commensurate with the level of detail of the architectural specification.</a:t>
-            </a:r>
-            <a:endParaRPr smtClean="0"/>
-          </a:p>
-          <a:p>
-            <a:endParaRPr smtClean="0"/>
-          </a:p>
-          <a:p>
-            <a:endParaRPr lang="en-US" dirty="0"/>
+              <a:rPr lang="en-US" sz="2800" dirty="0" smtClean="0"/>
+              <a:t>Three of the major goals of ATAM are to:</a:t>
+            </a:r>
+            <a:endParaRPr sz="2800" smtClean="0"/>
+          </a:p>
+          <a:p>
+            <a:pPr lvl="1"/>
+            <a:r>
+              <a:rPr lang="en-US" sz="2400" dirty="0" smtClean="0"/>
+              <a:t>elicit and refine a precise statement of the architecture’s driving quality attribute requirements</a:t>
+            </a:r>
+            <a:endParaRPr sz="2400" smtClean="0"/>
+          </a:p>
+          <a:p>
+            <a:pPr lvl="1"/>
+            <a:r>
+              <a:rPr lang="en-US" sz="2400" dirty="0" smtClean="0"/>
+              <a:t>elicit and refine a precise statement of the architectural design decisions</a:t>
+            </a:r>
+            <a:endParaRPr sz="2400" smtClean="0"/>
+          </a:p>
+          <a:p>
+            <a:pPr lvl="1"/>
+            <a:r>
+              <a:rPr lang="en-US" sz="2400" dirty="0" smtClean="0"/>
+              <a:t>evaluate the architectural design decisions to determine if they satisfactorily address the quality requirements</a:t>
+            </a:r>
+            <a:endParaRPr sz="2400" smtClean="0"/>
+          </a:p>
+          <a:p>
+            <a:endParaRPr lang="en-US" sz="2800" dirty="0" smtClean="0"/>
+          </a:p>
+          <a:p>
+            <a:endParaRPr lang="en-US" sz="2800" dirty="0"/>
           </a:p>
         </p:txBody>
       </p:sp>
@@ -15813,13 +15242,6 @@
   <p:clrMapOvr>
     <a:masterClrMapping/>
   </p:clrMapOvr>
-  <p:timing>
-    <p:tnLst>
-      <p:par>
-        <p:cTn id="1" dur="indefinite" restart="never" nodeType="tmRoot"/>
-      </p:par>
-    </p:tnLst>
-  </p:timing>
 </p:sld>
 </file>
 
@@ -15879,40 +15301,63 @@
           <a:lstStyle/>
           <a:p>
             <a:r>
-              <a:rPr lang="en-US" sz="2800" dirty="0" smtClean="0"/>
-              <a:t>Three of the major goals of ATAM are to:</a:t>
-            </a:r>
-            <a:endParaRPr sz="2800" smtClean="0"/>
+              <a:rPr lang="en-US" dirty="0" smtClean="0"/>
+              <a:t>The output of an ATAM is an out-brief presentation and/or a written report that includes the major findings of the evaluation. </a:t>
+            </a:r>
+          </a:p>
+          <a:p>
+            <a:endParaRPr lang="en-US" dirty="0" smtClean="0"/>
+          </a:p>
+          <a:p>
+            <a:r>
+              <a:rPr lang="en-US" dirty="0" smtClean="0"/>
+              <a:t>These are typically</a:t>
+            </a:r>
           </a:p>
           <a:p>
             <a:pPr lvl="1"/>
             <a:r>
               <a:rPr lang="en-US" sz="2400" dirty="0" smtClean="0"/>
-              <a:t>elicit and refine a precise statement of the architecture’s driving quality attribute requirements</a:t>
-            </a:r>
-            <a:endParaRPr sz="2400" smtClean="0"/>
+              <a:t>the architectural styles identified</a:t>
+            </a:r>
           </a:p>
           <a:p>
             <a:pPr lvl="1"/>
             <a:r>
               <a:rPr lang="en-US" sz="2400" dirty="0" smtClean="0"/>
-              <a:t>elicit and refine a precise statement of the architectural design decisions</a:t>
-            </a:r>
-            <a:endParaRPr sz="2400" smtClean="0"/>
+              <a:t>a "utility tree" — a hierarchic model of the driving architectural requirements</a:t>
+            </a:r>
           </a:p>
           <a:p>
             <a:pPr lvl="1"/>
             <a:r>
               <a:rPr lang="en-US" sz="2400" dirty="0" smtClean="0"/>
-              <a:t>evaluate the architectural design decisions to determine if they satisfactorily address the quality requirements</a:t>
-            </a:r>
-            <a:endParaRPr sz="2400" smtClean="0"/>
-          </a:p>
-          <a:p>
-            <a:endParaRPr lang="en-US" sz="2800" dirty="0" smtClean="0"/>
-          </a:p>
-          <a:p>
-            <a:endParaRPr lang="en-US" sz="2800" dirty="0"/>
+              <a:t>the tradeoff points</a:t>
+            </a:r>
+          </a:p>
+          <a:p>
+            <a:pPr lvl="1"/>
+            <a:r>
+              <a:rPr lang="en-US" sz="2400" dirty="0" smtClean="0"/>
+              <a:t>the sensitivity points</a:t>
+            </a:r>
+          </a:p>
+          <a:p>
+            <a:pPr lvl="1"/>
+            <a:r>
+              <a:rPr lang="en-US" sz="2400" dirty="0" smtClean="0"/>
+              <a:t>a set of identified risks</a:t>
+            </a:r>
+          </a:p>
+          <a:p>
+            <a:pPr lvl="1"/>
+            <a:r>
+              <a:rPr lang="en-US" sz="2400" dirty="0" smtClean="0"/>
+              <a:t>a set of identified non-risks</a:t>
+            </a:r>
+          </a:p>
+          <a:p>
+            <a:endParaRPr lang="en-US" dirty="0"/>
           </a:p>
         </p:txBody>
       </p:sp>
@@ -16285,490 +15730,6 @@
 </file>
 
 <file path=ppt/slides/slide25.xml><?xml version="1.0" encoding="utf-8"?>
-<p:sld xmlns:a="http://schemas.openxmlformats.org/drawingml/2006/main" xmlns:r="http://schemas.openxmlformats.org/officeDocument/2006/relationships" xmlns:p="http://schemas.openxmlformats.org/presentationml/2006/main">
-  <p:cSld>
-    <p:spTree>
-      <p:nvGrpSpPr>
-        <p:cNvPr id="1" name=""/>
-        <p:cNvGrpSpPr/>
-        <p:nvPr/>
-      </p:nvGrpSpPr>
-      <p:grpSpPr>
-        <a:xfrm>
-          <a:off x="0" y="0"/>
-          <a:ext cx="0" cy="0"/>
-          <a:chOff x="0" y="0"/>
-          <a:chExt cx="0" cy="0"/>
-        </a:xfrm>
-      </p:grpSpPr>
-      <p:sp>
-        <p:nvSpPr>
-          <p:cNvPr id="2" name="Titre 1"/>
-          <p:cNvSpPr>
-            <a:spLocks noGrp="1"/>
-          </p:cNvSpPr>
-          <p:nvPr>
-            <p:ph type="ctrTitle"/>
-          </p:nvPr>
-        </p:nvSpPr>
-        <p:spPr/>
-        <p:txBody>
-          <a:bodyPr/>
-          <a:lstStyle/>
-          <a:p>
-            <a:r>
-              <a:rPr lang="en-US" dirty="0" smtClean="0"/>
-              <a:t>4. ATAM(cont.)</a:t>
-            </a:r>
-            <a:endParaRPr lang="en-US" dirty="0"/>
-          </a:p>
-        </p:txBody>
-      </p:sp>
-      <p:sp>
-        <p:nvSpPr>
-          <p:cNvPr id="3" name="Espace réservé du texte 2"/>
-          <p:cNvSpPr>
-            <a:spLocks noGrp="1"/>
-          </p:cNvSpPr>
-          <p:nvPr>
-            <p:ph type="body" sz="quarter" idx="10"/>
-          </p:nvPr>
-        </p:nvSpPr>
-        <p:spPr/>
-        <p:txBody>
-          <a:bodyPr/>
-          <a:lstStyle/>
-          <a:p>
-            <a:r>
-              <a:rPr lang="en-US" dirty="0" smtClean="0"/>
-              <a:t>The output of an ATAM is an out-brief presentation and/or a written report that includes the major findings of the evaluation. </a:t>
-            </a:r>
-          </a:p>
-          <a:p>
-            <a:endParaRPr lang="en-US" dirty="0" smtClean="0"/>
-          </a:p>
-          <a:p>
-            <a:r>
-              <a:rPr lang="en-US" dirty="0" smtClean="0"/>
-              <a:t>These are typically</a:t>
-            </a:r>
-          </a:p>
-          <a:p>
-            <a:pPr lvl="1"/>
-            <a:r>
-              <a:rPr lang="en-US" sz="2400" dirty="0" smtClean="0"/>
-              <a:t>the architectural styles identified</a:t>
-            </a:r>
-          </a:p>
-          <a:p>
-            <a:pPr lvl="1"/>
-            <a:r>
-              <a:rPr lang="en-US" sz="2400" dirty="0" smtClean="0"/>
-              <a:t>a "utility tree" — a hierarchic model of the driving architectural requirements</a:t>
-            </a:r>
-          </a:p>
-          <a:p>
-            <a:pPr lvl="1"/>
-            <a:r>
-              <a:rPr lang="en-US" sz="2400" dirty="0" smtClean="0"/>
-              <a:t>the tradeoff points</a:t>
-            </a:r>
-          </a:p>
-          <a:p>
-            <a:pPr lvl="1"/>
-            <a:r>
-              <a:rPr lang="en-US" sz="2400" dirty="0" smtClean="0"/>
-              <a:t>the sensitivity points</a:t>
-            </a:r>
-          </a:p>
-          <a:p>
-            <a:pPr lvl="1"/>
-            <a:r>
-              <a:rPr lang="en-US" sz="2400" dirty="0" smtClean="0"/>
-              <a:t>a set of identified risks</a:t>
-            </a:r>
-          </a:p>
-          <a:p>
-            <a:pPr lvl="1"/>
-            <a:r>
-              <a:rPr lang="en-US" sz="2400" dirty="0" smtClean="0"/>
-              <a:t>a set of identified non-risks</a:t>
-            </a:r>
-          </a:p>
-          <a:p>
-            <a:endParaRPr lang="en-US" dirty="0"/>
-          </a:p>
-        </p:txBody>
-      </p:sp>
-      <p:sp>
-        <p:nvSpPr>
-          <p:cNvPr id="4" name="ZoneTexte 3"/>
-          <p:cNvSpPr txBox="1"/>
-          <p:nvPr/>
-        </p:nvSpPr>
-        <p:spPr>
-          <a:xfrm>
-            <a:off x="500034" y="0"/>
-            <a:ext cx="1558440" cy="276999"/>
-          </a:xfrm>
-          <a:prstGeom prst="rect">
-            <a:avLst/>
-          </a:prstGeom>
-          <a:noFill/>
-          <a:ln>
-            <a:noFill/>
-          </a:ln>
-        </p:spPr>
-        <p:txBody>
-          <a:bodyPr wrap="none" rtlCol="0">
-            <a:spAutoFit/>
-          </a:bodyPr>
-          <a:lstStyle/>
-          <a:p>
-            <a:pPr marL="0" marR="0" indent="0" algn="l" defTabSz="914400" rtl="0" eaLnBrk="1" fontAlgn="auto" latinLnBrk="0" hangingPunct="1">
-              <a:lnSpc>
-                <a:spcPct val="100000"/>
-              </a:lnSpc>
-              <a:spcBef>
-                <a:spcPct val="20000"/>
-              </a:spcBef>
-              <a:spcAft>
-                <a:spcPts val="0"/>
-              </a:spcAft>
-              <a:buClrTx/>
-              <a:buSzTx/>
-              <a:buFontTx/>
-              <a:buNone/>
-              <a:tabLst/>
-            </a:pPr>
-            <a:r>
-              <a:rPr lang="fr-FR" sz="1200" kern="0" dirty="0" err="1" smtClean="0">
-                <a:solidFill>
-                  <a:schemeClr val="tx1">
-                    <a:lumMod val="50000"/>
-                    <a:lumOff val="50000"/>
-                  </a:schemeClr>
-                </a:solidFill>
-                <a:latin typeface="+mn-lt"/>
-                <a:cs typeface="+mn-cs"/>
-              </a:rPr>
-              <a:t>Why</a:t>
-            </a:r>
-            <a:r>
-              <a:rPr lang="fr-FR" sz="1200" kern="0" dirty="0" smtClean="0">
-                <a:solidFill>
-                  <a:schemeClr val="tx1">
-                    <a:lumMod val="50000"/>
-                    <a:lumOff val="50000"/>
-                  </a:schemeClr>
-                </a:solidFill>
-                <a:latin typeface="+mn-lt"/>
-                <a:cs typeface="+mn-cs"/>
-              </a:rPr>
-              <a:t> do </a:t>
-            </a:r>
-            <a:r>
-              <a:rPr lang="fr-FR" sz="1200" kern="0" dirty="0" err="1" smtClean="0">
-                <a:solidFill>
-                  <a:schemeClr val="tx1">
-                    <a:lumMod val="50000"/>
-                    <a:lumOff val="50000"/>
-                  </a:schemeClr>
-                </a:solidFill>
-                <a:latin typeface="+mn-lt"/>
-                <a:cs typeface="+mn-cs"/>
-              </a:rPr>
-              <a:t>we</a:t>
-            </a:r>
-            <a:r>
-              <a:rPr lang="fr-FR" sz="1200" kern="0" dirty="0" smtClean="0">
-                <a:solidFill>
-                  <a:schemeClr val="tx1">
-                    <a:lumMod val="50000"/>
-                    <a:lumOff val="50000"/>
-                  </a:schemeClr>
-                </a:solidFill>
-                <a:latin typeface="+mn-lt"/>
-                <a:cs typeface="+mn-cs"/>
-              </a:rPr>
-              <a:t> use </a:t>
-            </a:r>
-            <a:r>
-              <a:rPr lang="fr-FR" sz="1200" kern="0" dirty="0" err="1" smtClean="0">
-                <a:solidFill>
-                  <a:schemeClr val="tx1">
-                    <a:lumMod val="50000"/>
-                    <a:lumOff val="50000"/>
-                  </a:schemeClr>
-                </a:solidFill>
-                <a:latin typeface="+mn-lt"/>
-                <a:cs typeface="+mn-cs"/>
-              </a:rPr>
-              <a:t>ADLs</a:t>
-            </a:r>
-            <a:r>
-              <a:rPr lang="fr-FR" sz="1200" kern="0" dirty="0" smtClean="0">
-                <a:solidFill>
-                  <a:schemeClr val="tx1">
-                    <a:lumMod val="50000"/>
-                    <a:lumOff val="50000"/>
-                  </a:schemeClr>
-                </a:solidFill>
-                <a:latin typeface="+mn-lt"/>
-                <a:cs typeface="+mn-cs"/>
-              </a:rPr>
-              <a:t>?</a:t>
-            </a:r>
-            <a:endParaRPr kumimoji="0" lang="fr-FR" sz="1200" b="1" i="0" u="sng" strike="noStrike" kern="0" cap="none" spc="0" normalizeH="0" baseline="0" noProof="0" dirty="0" smtClean="0">
-              <a:ln>
-                <a:noFill/>
-              </a:ln>
-              <a:effectLst/>
-              <a:uLnTx/>
-              <a:uFillTx/>
-              <a:latin typeface="+mn-lt"/>
-              <a:ea typeface="+mn-ea"/>
-              <a:cs typeface="+mn-cs"/>
-            </a:endParaRPr>
-          </a:p>
-        </p:txBody>
-      </p:sp>
-      <p:sp>
-        <p:nvSpPr>
-          <p:cNvPr id="5" name="ZoneTexte 4"/>
-          <p:cNvSpPr txBox="1"/>
-          <p:nvPr/>
-        </p:nvSpPr>
-        <p:spPr>
-          <a:xfrm>
-            <a:off x="2786050" y="0"/>
-            <a:ext cx="861133" cy="276999"/>
-          </a:xfrm>
-          <a:prstGeom prst="rect">
-            <a:avLst/>
-          </a:prstGeom>
-          <a:noFill/>
-          <a:ln>
-            <a:noFill/>
-          </a:ln>
-        </p:spPr>
-        <p:txBody>
-          <a:bodyPr wrap="none" rtlCol="0">
-            <a:spAutoFit/>
-          </a:bodyPr>
-          <a:lstStyle/>
-          <a:p>
-            <a:pPr fontAlgn="auto">
-              <a:spcBef>
-                <a:spcPct val="20000"/>
-              </a:spcBef>
-              <a:spcAft>
-                <a:spcPts val="0"/>
-              </a:spcAft>
-            </a:pPr>
-            <a:r>
-              <a:rPr lang="fr-FR" sz="1200" kern="0" dirty="0" err="1" smtClean="0">
-                <a:solidFill>
-                  <a:schemeClr val="tx1">
-                    <a:lumMod val="50000"/>
-                    <a:lumOff val="50000"/>
-                  </a:schemeClr>
-                </a:solidFill>
-                <a:latin typeface="+mn-lt"/>
-                <a:cs typeface="+mn-cs"/>
-              </a:rPr>
-              <a:t>ADLChoice</a:t>
-            </a:r>
-            <a:endParaRPr lang="fr-FR" sz="1200" kern="0" dirty="0" smtClean="0">
-              <a:solidFill>
-                <a:schemeClr val="tx1">
-                  <a:lumMod val="50000"/>
-                  <a:lumOff val="50000"/>
-                </a:schemeClr>
-              </a:solidFill>
-              <a:latin typeface="+mn-lt"/>
-              <a:cs typeface="+mn-cs"/>
-            </a:endParaRPr>
-          </a:p>
-        </p:txBody>
-      </p:sp>
-      <p:sp>
-        <p:nvSpPr>
-          <p:cNvPr id="6" name="ZoneTexte 5"/>
-          <p:cNvSpPr txBox="1"/>
-          <p:nvPr/>
-        </p:nvSpPr>
-        <p:spPr>
-          <a:xfrm>
-            <a:off x="4572000" y="0"/>
-            <a:ext cx="1418978" cy="276999"/>
-          </a:xfrm>
-          <a:prstGeom prst="rect">
-            <a:avLst/>
-          </a:prstGeom>
-          <a:noFill/>
-          <a:ln>
-            <a:noFill/>
-          </a:ln>
-        </p:spPr>
-        <p:txBody>
-          <a:bodyPr wrap="none" rtlCol="0">
-            <a:spAutoFit/>
-          </a:bodyPr>
-          <a:lstStyle/>
-          <a:p>
-            <a:pPr marL="0" marR="0" indent="0" algn="l" defTabSz="914400" rtl="0" eaLnBrk="1" fontAlgn="auto" latinLnBrk="0" hangingPunct="1">
-              <a:lnSpc>
-                <a:spcPct val="100000"/>
-              </a:lnSpc>
-              <a:spcBef>
-                <a:spcPct val="20000"/>
-              </a:spcBef>
-              <a:spcAft>
-                <a:spcPts val="0"/>
-              </a:spcAft>
-              <a:buClrTx/>
-              <a:buSzTx/>
-              <a:buFontTx/>
-              <a:buNone/>
-              <a:tabLst/>
-            </a:pPr>
-            <a:r>
-              <a:rPr lang="fr-FR" sz="1200" kern="0" dirty="0" err="1" smtClean="0">
-                <a:solidFill>
-                  <a:schemeClr val="tx1">
-                    <a:lumMod val="50000"/>
-                    <a:lumOff val="50000"/>
-                  </a:schemeClr>
-                </a:solidFill>
-                <a:latin typeface="+mn-lt"/>
-                <a:cs typeface="+mn-cs"/>
-              </a:rPr>
-              <a:t>ACME</a:t>
-            </a:r>
-            <a:r>
-              <a:rPr kumimoji="0" lang="fr-FR" sz="1200" i="0" u="none" strike="noStrike" kern="0" cap="none" spc="0" normalizeH="0" baseline="0" noProof="0" dirty="0" smtClean="0">
-                <a:ln>
-                  <a:noFill/>
-                </a:ln>
-                <a:solidFill>
-                  <a:schemeClr val="tx1">
-                    <a:lumMod val="50000"/>
-                    <a:lumOff val="50000"/>
-                  </a:schemeClr>
-                </a:solidFill>
-                <a:effectLst/>
-                <a:uLnTx/>
-                <a:uFillTx/>
-                <a:latin typeface="+mn-lt"/>
-                <a:ea typeface="+mn-ea"/>
-                <a:cs typeface="+mn-cs"/>
-              </a:rPr>
-              <a:t> </a:t>
-            </a:r>
-            <a:r>
-              <a:rPr lang="fr-FR" sz="1200" kern="0" dirty="0" err="1" smtClean="0">
-                <a:solidFill>
-                  <a:schemeClr val="tx1">
-                    <a:lumMod val="50000"/>
-                    <a:lumOff val="50000"/>
-                  </a:schemeClr>
-                </a:solidFill>
-                <a:latin typeface="+mn-lt"/>
-                <a:cs typeface="+mn-cs"/>
-              </a:rPr>
-              <a:t>Presentation</a:t>
-            </a:r>
-          </a:p>
-        </p:txBody>
-      </p:sp>
-      <p:sp>
-        <p:nvSpPr>
-          <p:cNvPr id="7" name="ZoneTexte 6"/>
-          <p:cNvSpPr txBox="1"/>
-          <p:nvPr/>
-        </p:nvSpPr>
-        <p:spPr>
-          <a:xfrm>
-            <a:off x="6786578" y="0"/>
-            <a:ext cx="1407758" cy="276999"/>
-          </a:xfrm>
-          <a:prstGeom prst="rect">
-            <a:avLst/>
-          </a:prstGeom>
-          <a:noFill/>
-          <a:ln>
-            <a:noFill/>
-          </a:ln>
-        </p:spPr>
-        <p:txBody>
-          <a:bodyPr wrap="none" rtlCol="0">
-            <a:spAutoFit/>
-          </a:bodyPr>
-          <a:lstStyle/>
-          <a:p>
-            <a:pPr marL="0" marR="0" indent="0" algn="l" defTabSz="914400" rtl="0" eaLnBrk="1" fontAlgn="auto" latinLnBrk="0" hangingPunct="1">
-              <a:lnSpc>
-                <a:spcPct val="100000"/>
-              </a:lnSpc>
-              <a:spcBef>
-                <a:spcPct val="20000"/>
-              </a:spcBef>
-              <a:spcAft>
-                <a:spcPts val="0"/>
-              </a:spcAft>
-              <a:buClrTx/>
-              <a:buSzTx/>
-              <a:buFontTx/>
-              <a:buNone/>
-              <a:tabLst/>
-            </a:pPr>
-            <a:r>
-              <a:rPr lang="fr-FR" sz="1200" b="1" u="sng" kern="0" dirty="0" smtClean="0">
-                <a:latin typeface="+mn-lt"/>
-                <a:cs typeface="+mn-cs"/>
-              </a:rPr>
-              <a:t>ATAM</a:t>
-            </a:r>
-            <a:r>
-              <a:rPr kumimoji="0" lang="fr-FR" sz="1200" i="0" u="none" strike="noStrike" kern="0" cap="none" spc="0" normalizeH="0" baseline="0" noProof="0" dirty="0" smtClean="0">
-                <a:ln>
-                  <a:noFill/>
-                </a:ln>
-                <a:solidFill>
-                  <a:schemeClr val="tx1">
-                    <a:lumMod val="50000"/>
-                    <a:lumOff val="50000"/>
-                  </a:schemeClr>
-                </a:solidFill>
-                <a:effectLst/>
-                <a:uLnTx/>
-                <a:uFillTx/>
-                <a:latin typeface="+mn-lt"/>
-                <a:ea typeface="+mn-ea"/>
-                <a:cs typeface="+mn-cs"/>
-              </a:rPr>
-              <a:t> </a:t>
-            </a:r>
-            <a:r>
-              <a:rPr lang="fr-FR" sz="1200" b="1" u="sng" kern="0" dirty="0" smtClean="0">
-                <a:latin typeface="+mn-lt"/>
-                <a:cs typeface="+mn-cs"/>
-              </a:rPr>
-              <a:t>introduction</a:t>
-            </a:r>
-          </a:p>
-        </p:txBody>
-      </p:sp>
-    </p:spTree>
-  </p:cSld>
-  <p:clrMapOvr>
-    <a:masterClrMapping/>
-  </p:clrMapOvr>
-</p:sld>
-</file>
-
-<file path=ppt/slides/slide26.xml><?xml version="1.0" encoding="utf-8"?>
 <p:sld xmlns:a="http://schemas.openxmlformats.org/drawingml/2006/main" xmlns:r="http://schemas.openxmlformats.org/officeDocument/2006/relationships" xmlns:p="http://schemas.openxmlformats.org/presentationml/2006/main">
   <p:cSld>
     <p:spTree>
@@ -17226,7 +16187,7 @@
 </p:sld>
 </file>
 
-<file path=ppt/slides/slide27.xml><?xml version="1.0" encoding="utf-8"?>
+<file path=ppt/slides/slide26.xml><?xml version="1.0" encoding="utf-8"?>
 <p:sld xmlns:a="http://schemas.openxmlformats.org/drawingml/2006/main" xmlns:r="http://schemas.openxmlformats.org/officeDocument/2006/relationships" xmlns:p="http://schemas.openxmlformats.org/presentationml/2006/main">
   <p:cSld>
     <p:spTree>
@@ -17836,7 +16797,7 @@
 </p:sld>
 </file>
 
-<file path=ppt/slides/slide28.xml><?xml version="1.0" encoding="utf-8"?>
+<file path=ppt/slides/slide27.xml><?xml version="1.0" encoding="utf-8"?>
 <p:sld xmlns:a="http://schemas.openxmlformats.org/drawingml/2006/main" xmlns:r="http://schemas.openxmlformats.org/officeDocument/2006/relationships" xmlns:p="http://schemas.openxmlformats.org/presentationml/2006/main">
   <p:cSld>
     <p:spTree>
@@ -18580,7 +17541,7 @@
     </p:spTree>
     <p:extLst>
       <p:ext uri="{BB962C8B-B14F-4D97-AF65-F5344CB8AC3E}">
-        <p14:creationId xmlns:mc="http://schemas.openxmlformats.org/markup-compatibility/2006" xmlns:mv="urn:schemas-microsoft-com:mac:vml" xmlns:p14="http://schemas.microsoft.com/office/powerpoint/2007/7/12/main" xmlns="" val="3707259682"/>
+        <p14:creationId xmlns="" xmlns:p14="http://schemas.microsoft.com/office/powerpoint/2007/7/12/main" xmlns:mv="urn:schemas-microsoft-com:mac:vml" xmlns:mc="http://schemas.openxmlformats.org/markup-compatibility/2006" val="3707259682"/>
       </p:ext>
     </p:extLst>
   </p:cSld>
@@ -19139,7 +18100,11 @@
           <a:p>
             <a:r>
               <a:rPr lang="en-GB" dirty="0" smtClean="0"/>
-              <a:t>2. ADL investigation and choice</a:t>
+              <a:t>2. ADL </a:t>
+            </a:r>
+            <a:r>
+              <a:rPr lang="en-GB" dirty="0" smtClean="0"/>
+              <a:t>choice</a:t>
             </a:r>
             <a:endParaRPr lang="en-GB" dirty="0"/>
           </a:p>
@@ -19174,8 +18139,66 @@
             <a:pPr lvl="1"/>
             <a:r>
               <a:rPr lang="en-GB" dirty="0" smtClean="0"/>
-              <a:t>Abacus</a:t>
-            </a:r>
+              <a:t>Abacus :</a:t>
+            </a:r>
+          </a:p>
+          <a:p>
+            <a:pPr lvl="2"/>
+            <a:r>
+              <a:rPr lang="en-GB" dirty="0" smtClean="0"/>
+              <a:t>No</a:t>
+            </a:r>
+            <a:r>
+              <a:rPr lang="en-US" dirty="0" smtClean="0"/>
+              <a:t>t well </a:t>
+            </a:r>
+            <a:r>
+              <a:rPr lang="en-US" dirty="0" smtClean="0"/>
+              <a:t>furnished (movies, </a:t>
+            </a:r>
+            <a:r>
+              <a:rPr lang="en-US" dirty="0" smtClean="0"/>
+              <a:t>tutorials,…) </a:t>
+            </a:r>
+            <a:r>
+              <a:rPr lang="en-US" dirty="0" smtClean="0"/>
+              <a:t>but not a lot of </a:t>
+            </a:r>
+            <a:r>
+              <a:rPr lang="en-US" dirty="0" smtClean="0"/>
+              <a:t>papers</a:t>
+            </a:r>
+          </a:p>
+          <a:p>
+            <a:pPr lvl="2"/>
+            <a:r>
+              <a:rPr lang="en-US" dirty="0" smtClean="0"/>
+              <a:t>For professional </a:t>
+            </a:r>
+            <a:r>
+              <a:rPr lang="en-US" dirty="0" smtClean="0"/>
+              <a:t>&amp; </a:t>
+            </a:r>
+            <a:r>
+              <a:rPr lang="en-US" dirty="0" smtClean="0"/>
+              <a:t>enterprises</a:t>
+            </a:r>
+          </a:p>
+          <a:p>
+            <a:pPr lvl="2"/>
+            <a:r>
+              <a:rPr lang="en-US" dirty="0" smtClean="0"/>
+              <a:t>Software : 30 </a:t>
+            </a:r>
+            <a:r>
+              <a:rPr lang="en-US" dirty="0" smtClean="0"/>
+              <a:t>day </a:t>
+            </a:r>
+            <a:r>
+              <a:rPr lang="en-US" dirty="0" smtClean="0"/>
+              <a:t>trial</a:t>
+            </a:r>
+            <a:endParaRPr lang="en-GB" dirty="0" smtClean="0"/>
           </a:p>
           <a:p>
             <a:pPr lvl="1"/>
@@ -19183,6 +18206,52 @@
               <a:rPr lang="en-GB" dirty="0" err="1" smtClean="0"/>
               <a:t>Rapide</a:t>
             </a:r>
+            <a:r>
+              <a:rPr lang="en-GB" dirty="0" smtClean="0"/>
+              <a:t> : </a:t>
+            </a:r>
+          </a:p>
+          <a:p>
+            <a:pPr lvl="2"/>
+            <a:r>
+              <a:rPr lang="en-US" dirty="0" smtClean="0"/>
+              <a:t>Best furnished  papers</a:t>
+            </a:r>
+            <a:endParaRPr lang="en-US" dirty="0" smtClean="0"/>
+          </a:p>
+          <a:p>
+            <a:pPr lvl="2"/>
+            <a:r>
+              <a:rPr lang="en-US" dirty="0" smtClean="0"/>
+              <a:t>B</a:t>
+            </a:r>
+            <a:r>
+              <a:rPr lang="en-US" dirty="0" smtClean="0"/>
+              <a:t>est </a:t>
+            </a:r>
+            <a:r>
+              <a:rPr lang="en-US" dirty="0" smtClean="0"/>
+              <a:t>example furniture</a:t>
+            </a:r>
+          </a:p>
+          <a:p>
+            <a:pPr lvl="2"/>
+            <a:r>
+              <a:rPr lang="en-US" dirty="0" smtClean="0"/>
+              <a:t>Software on Linux </a:t>
+            </a:r>
+            <a:r>
+              <a:rPr lang="en-US" dirty="0" smtClean="0"/>
+              <a:t>&amp; </a:t>
+            </a:r>
+            <a:r>
+              <a:rPr lang="en-US" dirty="0" smtClean="0"/>
+              <a:t>Solaris : free BUT </a:t>
+            </a:r>
+            <a:r>
+              <a:rPr lang="en-US" dirty="0" smtClean="0"/>
+              <a:t>NOT ACCESSIBLE</a:t>
+            </a:r>
             <a:endParaRPr lang="en-GB" dirty="0" smtClean="0"/>
           </a:p>
           <a:p>
@@ -19193,11 +18262,35 @@
             </a:r>
           </a:p>
           <a:p>
-            <a:pPr lvl="1"/>
-            <a:r>
-              <a:rPr lang="en-GB" dirty="0" smtClean="0"/>
-              <a:t>ACME</a:t>
-            </a:r>
+            <a:pPr lvl="2"/>
+            <a:r>
+              <a:rPr lang="en-US" dirty="0" smtClean="0"/>
+              <a:t>Not </a:t>
+            </a:r>
+            <a:r>
+              <a:rPr lang="en-US" dirty="0" smtClean="0"/>
+              <a:t>too much documents</a:t>
+            </a:r>
+          </a:p>
+          <a:p>
+            <a:pPr lvl="2"/>
+            <a:r>
+              <a:rPr lang="en-US" dirty="0" smtClean="0"/>
+              <a:t>Well furnished on Internet</a:t>
+            </a:r>
+            <a:endParaRPr lang="en-US" dirty="0" smtClean="0"/>
+          </a:p>
+          <a:p>
+            <a:pPr lvl="2"/>
+            <a:r>
+              <a:rPr lang="en-US" dirty="0" smtClean="0"/>
+              <a:t>No </a:t>
+            </a:r>
+            <a:r>
+              <a:rPr lang="en-US" dirty="0" smtClean="0"/>
+              <a:t>software</a:t>
+            </a:r>
+            <a:endParaRPr lang="en-GB" dirty="0" smtClean="0"/>
           </a:p>
           <a:p>
             <a:pPr lvl="1"/>
@@ -19208,12 +18301,32 @@
             <a:endParaRPr lang="en-GB" dirty="0" smtClean="0"/>
           </a:p>
           <a:p>
-            <a:pPr lvl="1"/>
+            <a:pPr lvl="2"/>
             <a:r>
               <a:rPr lang="en-GB" dirty="0" smtClean="0"/>
-              <a:t>AADL</a:t>
-            </a:r>
-            <a:endParaRPr lang="en-GB" dirty="0"/>
+              <a:t>Furnished</a:t>
+            </a:r>
+            <a:endParaRPr lang="en-GB" dirty="0" smtClean="0"/>
+          </a:p>
+          <a:p>
+            <a:pPr lvl="2"/>
+            <a:r>
+              <a:rPr lang="en-GB" dirty="0" smtClean="0"/>
+              <a:t>S</a:t>
+            </a:r>
+            <a:r>
+              <a:rPr lang="en-GB" smtClean="0"/>
+              <a:t>oftware </a:t>
+            </a:r>
+            <a:r>
+              <a:rPr lang="en-GB" dirty="0" smtClean="0"/>
+              <a:t>not </a:t>
+            </a:r>
+            <a:r>
+              <a:rPr lang="en-GB" dirty="0" smtClean="0"/>
+              <a:t>available</a:t>
+            </a:r>
+            <a:endParaRPr lang="en-GB" dirty="0" smtClean="0"/>
           </a:p>
         </p:txBody>
       </p:sp>
@@ -19578,580 +18691,6 @@
 </file>
 
 <file path=ppt/slides/slide6.xml><?xml version="1.0" encoding="utf-8"?>
-<p:sld xmlns:a="http://schemas.openxmlformats.org/drawingml/2006/main" xmlns:r="http://schemas.openxmlformats.org/officeDocument/2006/relationships" xmlns:p="http://schemas.openxmlformats.org/presentationml/2006/main">
-  <p:cSld>
-    <p:spTree>
-      <p:nvGrpSpPr>
-        <p:cNvPr id="1" name=""/>
-        <p:cNvGrpSpPr/>
-        <p:nvPr/>
-      </p:nvGrpSpPr>
-      <p:grpSpPr>
-        <a:xfrm>
-          <a:off x="0" y="0"/>
-          <a:ext cx="0" cy="0"/>
-          <a:chOff x="0" y="0"/>
-          <a:chExt cx="0" cy="0"/>
-        </a:xfrm>
-      </p:grpSpPr>
-      <p:sp>
-        <p:nvSpPr>
-          <p:cNvPr id="2" name="Title 1"/>
-          <p:cNvSpPr>
-            <a:spLocks noGrp="1"/>
-          </p:cNvSpPr>
-          <p:nvPr>
-            <p:ph type="ctrTitle"/>
-          </p:nvPr>
-        </p:nvSpPr>
-        <p:spPr/>
-        <p:txBody>
-          <a:bodyPr/>
-          <a:lstStyle/>
-          <a:p>
-            <a:r>
-              <a:rPr lang="en-GB" dirty="0" smtClean="0"/>
-              <a:t>2. ADL investigation and choice</a:t>
-            </a:r>
-            <a:endParaRPr lang="en-GB" dirty="0"/>
-          </a:p>
-        </p:txBody>
-      </p:sp>
-      <p:sp>
-        <p:nvSpPr>
-          <p:cNvPr id="3" name="Text Placeholder 2"/>
-          <p:cNvSpPr>
-            <a:spLocks noGrp="1"/>
-          </p:cNvSpPr>
-          <p:nvPr>
-            <p:ph type="body" sz="quarter" idx="10"/>
-          </p:nvPr>
-        </p:nvSpPr>
-        <p:spPr/>
-        <p:txBody>
-          <a:bodyPr/>
-          <a:lstStyle/>
-          <a:p>
-            <a:r>
-              <a:rPr lang="en-GB" dirty="0" smtClean="0"/>
-              <a:t>Comparison between several available </a:t>
-            </a:r>
-            <a:r>
-              <a:rPr lang="en-GB" dirty="0" err="1" smtClean="0"/>
-              <a:t>ADLs</a:t>
-            </a:r>
-            <a:endParaRPr lang="en-GB" dirty="0" smtClean="0"/>
-          </a:p>
-          <a:p>
-            <a:pPr lvl="1"/>
-            <a:r>
-              <a:rPr lang="en-GB" dirty="0" smtClean="0"/>
-              <a:t>Abacus</a:t>
-            </a:r>
-          </a:p>
-          <a:p>
-            <a:pPr lvl="1"/>
-            <a:r>
-              <a:rPr lang="en-GB" dirty="0" err="1" smtClean="0"/>
-              <a:t>Rapide</a:t>
-            </a:r>
-            <a:endParaRPr lang="en-GB" dirty="0" smtClean="0"/>
-          </a:p>
-          <a:p>
-            <a:pPr lvl="1"/>
-            <a:r>
-              <a:rPr lang="en-GB" sz="2800" b="1" dirty="0" smtClean="0"/>
-              <a:t>Wright</a:t>
-            </a:r>
-            <a:endParaRPr lang="en-GB" sz="2800" b="1" dirty="0" smtClean="0"/>
-          </a:p>
-          <a:p>
-            <a:pPr lvl="1"/>
-            <a:r>
-              <a:rPr lang="en-GB" dirty="0" smtClean="0"/>
-              <a:t>ACME</a:t>
-            </a:r>
-          </a:p>
-          <a:p>
-            <a:pPr lvl="1"/>
-            <a:r>
-              <a:rPr lang="en-GB" dirty="0" err="1" smtClean="0"/>
-              <a:t>Unicon</a:t>
-            </a:r>
-            <a:endParaRPr lang="en-GB" dirty="0" smtClean="0"/>
-          </a:p>
-          <a:p>
-            <a:pPr lvl="1"/>
-            <a:r>
-              <a:rPr lang="en-GB" dirty="0" smtClean="0"/>
-              <a:t>AADL</a:t>
-            </a:r>
-          </a:p>
-          <a:p>
-            <a:pPr lvl="1"/>
-            <a:endParaRPr lang="en-GB" dirty="0" smtClean="0"/>
-          </a:p>
-          <a:p>
-            <a:pPr lvl="2">
-              <a:buNone/>
-            </a:pPr>
-            <a:r>
-              <a:rPr lang="en-GB" sz="2400" dirty="0" smtClean="0">
-                <a:solidFill>
-                  <a:schemeClr val="tx1"/>
-                </a:solidFill>
-                <a:sym typeface="Wingdings" pitchFamily="2" charset="2"/>
-              </a:rPr>
-              <a:t> Comparison with Wright</a:t>
-            </a:r>
-            <a:endParaRPr lang="en-GB" sz="2400" dirty="0">
-              <a:solidFill>
-                <a:schemeClr val="tx1"/>
-              </a:solidFill>
-            </a:endParaRPr>
-          </a:p>
-        </p:txBody>
-      </p:sp>
-      <p:sp>
-        <p:nvSpPr>
-          <p:cNvPr id="4" name="ZoneTexte 3"/>
-          <p:cNvSpPr txBox="1"/>
-          <p:nvPr/>
-        </p:nvSpPr>
-        <p:spPr>
-          <a:xfrm>
-            <a:off x="500034" y="0"/>
-            <a:ext cx="1558440" cy="276999"/>
-          </a:xfrm>
-          <a:prstGeom prst="rect">
-            <a:avLst/>
-          </a:prstGeom>
-          <a:noFill/>
-          <a:ln>
-            <a:noFill/>
-          </a:ln>
-        </p:spPr>
-        <p:txBody>
-          <a:bodyPr wrap="none" rtlCol="0">
-            <a:spAutoFit/>
-          </a:bodyPr>
-          <a:lstStyle/>
-          <a:p>
-            <a:pPr marL="0" marR="0" indent="0" algn="l" defTabSz="914400" rtl="0" eaLnBrk="1" fontAlgn="auto" latinLnBrk="0" hangingPunct="1">
-              <a:lnSpc>
-                <a:spcPct val="100000"/>
-              </a:lnSpc>
-              <a:spcBef>
-                <a:spcPct val="20000"/>
-              </a:spcBef>
-              <a:spcAft>
-                <a:spcPts val="0"/>
-              </a:spcAft>
-              <a:buClrTx/>
-              <a:buSzTx/>
-              <a:buFontTx/>
-              <a:buNone/>
-              <a:tabLst/>
-            </a:pPr>
-            <a:r>
-              <a:rPr lang="fr-FR" sz="1200" kern="0" dirty="0" err="1" smtClean="0">
-                <a:solidFill>
-                  <a:schemeClr val="tx1">
-                    <a:lumMod val="50000"/>
-                    <a:lumOff val="50000"/>
-                  </a:schemeClr>
-                </a:solidFill>
-                <a:latin typeface="+mn-lt"/>
-                <a:cs typeface="+mn-cs"/>
-              </a:rPr>
-              <a:t>Why</a:t>
-            </a:r>
-            <a:r>
-              <a:rPr lang="fr-FR" sz="1200" kern="0" dirty="0" smtClean="0">
-                <a:solidFill>
-                  <a:schemeClr val="tx1">
-                    <a:lumMod val="50000"/>
-                    <a:lumOff val="50000"/>
-                  </a:schemeClr>
-                </a:solidFill>
-                <a:latin typeface="+mn-lt"/>
-                <a:cs typeface="+mn-cs"/>
-              </a:rPr>
-              <a:t> do </a:t>
-            </a:r>
-            <a:r>
-              <a:rPr lang="fr-FR" sz="1200" kern="0" dirty="0" err="1" smtClean="0">
-                <a:solidFill>
-                  <a:schemeClr val="tx1">
-                    <a:lumMod val="50000"/>
-                    <a:lumOff val="50000"/>
-                  </a:schemeClr>
-                </a:solidFill>
-                <a:latin typeface="+mn-lt"/>
-                <a:cs typeface="+mn-cs"/>
-              </a:rPr>
-              <a:t>we</a:t>
-            </a:r>
-            <a:r>
-              <a:rPr lang="fr-FR" sz="1200" kern="0" dirty="0" smtClean="0">
-                <a:solidFill>
-                  <a:schemeClr val="tx1">
-                    <a:lumMod val="50000"/>
-                    <a:lumOff val="50000"/>
-                  </a:schemeClr>
-                </a:solidFill>
-                <a:latin typeface="+mn-lt"/>
-                <a:cs typeface="+mn-cs"/>
-              </a:rPr>
-              <a:t> use </a:t>
-            </a:r>
-            <a:r>
-              <a:rPr lang="fr-FR" sz="1200" kern="0" dirty="0" err="1" smtClean="0">
-                <a:solidFill>
-                  <a:schemeClr val="tx1">
-                    <a:lumMod val="50000"/>
-                    <a:lumOff val="50000"/>
-                  </a:schemeClr>
-                </a:solidFill>
-                <a:latin typeface="+mn-lt"/>
-                <a:cs typeface="+mn-cs"/>
-              </a:rPr>
-              <a:t>ADLs</a:t>
-            </a:r>
-            <a:r>
-              <a:rPr lang="fr-FR" sz="1200" kern="0" dirty="0" smtClean="0">
-                <a:solidFill>
-                  <a:schemeClr val="tx1">
-                    <a:lumMod val="50000"/>
-                    <a:lumOff val="50000"/>
-                  </a:schemeClr>
-                </a:solidFill>
-                <a:latin typeface="+mn-lt"/>
-                <a:cs typeface="+mn-cs"/>
-              </a:rPr>
-              <a:t>?</a:t>
-            </a:r>
-            <a:endParaRPr kumimoji="0" lang="fr-FR" sz="1200" b="1" i="0" u="sng" strike="noStrike" kern="0" cap="none" spc="0" normalizeH="0" baseline="0" noProof="0" dirty="0" smtClean="0">
-              <a:ln>
-                <a:noFill/>
-              </a:ln>
-              <a:effectLst/>
-              <a:uLnTx/>
-              <a:uFillTx/>
-              <a:latin typeface="+mn-lt"/>
-              <a:ea typeface="+mn-ea"/>
-              <a:cs typeface="+mn-cs"/>
-            </a:endParaRPr>
-          </a:p>
-        </p:txBody>
-      </p:sp>
-      <p:sp>
-        <p:nvSpPr>
-          <p:cNvPr id="5" name="ZoneTexte 4"/>
-          <p:cNvSpPr txBox="1"/>
-          <p:nvPr/>
-        </p:nvSpPr>
-        <p:spPr>
-          <a:xfrm>
-            <a:off x="2714612" y="0"/>
-            <a:ext cx="904415" cy="276999"/>
-          </a:xfrm>
-          <a:prstGeom prst="rect">
-            <a:avLst/>
-          </a:prstGeom>
-          <a:noFill/>
-          <a:ln>
-            <a:noFill/>
-          </a:ln>
-        </p:spPr>
-        <p:txBody>
-          <a:bodyPr wrap="none" rtlCol="0">
-            <a:spAutoFit/>
-          </a:bodyPr>
-          <a:lstStyle/>
-          <a:p>
-            <a:pPr fontAlgn="auto">
-              <a:spcBef>
-                <a:spcPct val="20000"/>
-              </a:spcBef>
-              <a:spcAft>
-                <a:spcPts val="0"/>
-              </a:spcAft>
-            </a:pPr>
-            <a:r>
-              <a:rPr lang="fr-FR" sz="1200" b="1" u="sng" kern="0" dirty="0" smtClean="0">
-                <a:latin typeface="+mn-lt"/>
-                <a:cs typeface="+mn-cs"/>
-              </a:rPr>
-              <a:t>ADL </a:t>
-            </a:r>
-            <a:r>
-              <a:rPr lang="fr-FR" sz="1200" b="1" u="sng" kern="0" dirty="0" err="1" smtClean="0">
-                <a:latin typeface="+mn-lt"/>
-                <a:cs typeface="+mn-cs"/>
-              </a:rPr>
-              <a:t>Choice</a:t>
-            </a:r>
-            <a:endParaRPr lang="fr-FR" sz="1200" b="1" u="sng" kern="0" dirty="0" smtClean="0">
-              <a:latin typeface="+mn-lt"/>
-              <a:cs typeface="+mn-cs"/>
-            </a:endParaRPr>
-          </a:p>
-        </p:txBody>
-      </p:sp>
-      <p:sp>
-        <p:nvSpPr>
-          <p:cNvPr id="6" name="ZoneTexte 5"/>
-          <p:cNvSpPr txBox="1"/>
-          <p:nvPr/>
-        </p:nvSpPr>
-        <p:spPr>
-          <a:xfrm>
-            <a:off x="4572000" y="0"/>
-            <a:ext cx="1399742" cy="276999"/>
-          </a:xfrm>
-          <a:prstGeom prst="rect">
-            <a:avLst/>
-          </a:prstGeom>
-          <a:noFill/>
-          <a:ln>
-            <a:noFill/>
-          </a:ln>
-        </p:spPr>
-        <p:txBody>
-          <a:bodyPr wrap="none" rtlCol="0">
-            <a:spAutoFit/>
-          </a:bodyPr>
-          <a:lstStyle/>
-          <a:p>
-            <a:pPr marL="0" marR="0" indent="0" algn="l" defTabSz="914400" rtl="0" eaLnBrk="1" fontAlgn="auto" latinLnBrk="0" hangingPunct="1">
-              <a:lnSpc>
-                <a:spcPct val="100000"/>
-              </a:lnSpc>
-              <a:spcBef>
-                <a:spcPct val="20000"/>
-              </a:spcBef>
-              <a:spcAft>
-                <a:spcPts val="0"/>
-              </a:spcAft>
-              <a:buClrTx/>
-              <a:buSzTx/>
-              <a:buFontTx/>
-              <a:buNone/>
-              <a:tabLst/>
-            </a:pPr>
-            <a:r>
-              <a:rPr kumimoji="0" lang="fr-FR" sz="1200" i="0" u="none" strike="noStrike" kern="0" cap="none" spc="0" normalizeH="0" baseline="0" noProof="0" dirty="0" smtClean="0">
-                <a:ln>
-                  <a:noFill/>
-                </a:ln>
-                <a:solidFill>
-                  <a:schemeClr val="tx1">
-                    <a:lumMod val="50000"/>
-                    <a:lumOff val="50000"/>
-                  </a:schemeClr>
-                </a:solidFill>
-                <a:effectLst/>
-                <a:uLnTx/>
-                <a:uFillTx/>
-                <a:latin typeface="+mn-lt"/>
-                <a:ea typeface="+mn-ea"/>
-                <a:cs typeface="+mn-cs"/>
-              </a:rPr>
-              <a:t>ACME </a:t>
-            </a:r>
-            <a:r>
-              <a:rPr kumimoji="0" lang="fr-FR" sz="1200" i="0" u="none" strike="noStrike" kern="0" cap="none" spc="0" normalizeH="0" baseline="0" noProof="0" dirty="0" err="1" smtClean="0">
-                <a:ln>
-                  <a:noFill/>
-                </a:ln>
-                <a:solidFill>
-                  <a:schemeClr val="tx1">
-                    <a:lumMod val="50000"/>
-                    <a:lumOff val="50000"/>
-                  </a:schemeClr>
-                </a:solidFill>
-                <a:effectLst/>
-                <a:uLnTx/>
-                <a:uFillTx/>
-                <a:latin typeface="+mn-lt"/>
-                <a:ea typeface="+mn-ea"/>
-                <a:cs typeface="+mn-cs"/>
-              </a:rPr>
-              <a:t>Presentation</a:t>
-            </a:r>
-            <a:endParaRPr kumimoji="0" lang="fr-FR" sz="1200" i="0" u="none" strike="noStrike" kern="0" cap="none" spc="0" normalizeH="0" baseline="0" noProof="0" dirty="0" smtClean="0">
-              <a:ln>
-                <a:noFill/>
-              </a:ln>
-              <a:solidFill>
-                <a:schemeClr val="tx1">
-                  <a:lumMod val="50000"/>
-                  <a:lumOff val="50000"/>
-                </a:schemeClr>
-              </a:solidFill>
-              <a:effectLst/>
-              <a:uLnTx/>
-              <a:uFillTx/>
-              <a:latin typeface="+mn-lt"/>
-              <a:ea typeface="+mn-ea"/>
-              <a:cs typeface="+mn-cs"/>
-            </a:endParaRPr>
-          </a:p>
-        </p:txBody>
-      </p:sp>
-      <p:sp>
-        <p:nvSpPr>
-          <p:cNvPr id="7" name="ZoneTexte 6"/>
-          <p:cNvSpPr txBox="1"/>
-          <p:nvPr/>
-        </p:nvSpPr>
-        <p:spPr>
-          <a:xfrm>
-            <a:off x="6786578" y="0"/>
-            <a:ext cx="1382110" cy="276999"/>
-          </a:xfrm>
-          <a:prstGeom prst="rect">
-            <a:avLst/>
-          </a:prstGeom>
-          <a:noFill/>
-          <a:ln>
-            <a:noFill/>
-          </a:ln>
-        </p:spPr>
-        <p:txBody>
-          <a:bodyPr wrap="none" rtlCol="0">
-            <a:spAutoFit/>
-          </a:bodyPr>
-          <a:lstStyle/>
-          <a:p>
-            <a:pPr marL="0" marR="0" indent="0" algn="l" defTabSz="914400" rtl="0" eaLnBrk="1" fontAlgn="auto" latinLnBrk="0" hangingPunct="1">
-              <a:lnSpc>
-                <a:spcPct val="100000"/>
-              </a:lnSpc>
-              <a:spcBef>
-                <a:spcPct val="20000"/>
-              </a:spcBef>
-              <a:spcAft>
-                <a:spcPts val="0"/>
-              </a:spcAft>
-              <a:buClrTx/>
-              <a:buSzTx/>
-              <a:buFontTx/>
-              <a:buNone/>
-              <a:tabLst/>
-            </a:pPr>
-            <a:r>
-              <a:rPr kumimoji="0" lang="fr-FR" sz="1200" i="0" u="none" strike="noStrike" kern="0" cap="none" spc="0" normalizeH="0" baseline="0" noProof="0" dirty="0" smtClean="0">
-                <a:ln>
-                  <a:noFill/>
-                </a:ln>
-                <a:solidFill>
-                  <a:schemeClr val="tx1">
-                    <a:lumMod val="50000"/>
-                    <a:lumOff val="50000"/>
-                  </a:schemeClr>
-                </a:solidFill>
-                <a:effectLst/>
-                <a:uLnTx/>
-                <a:uFillTx/>
-                <a:latin typeface="+mn-lt"/>
-                <a:ea typeface="+mn-ea"/>
-                <a:cs typeface="+mn-cs"/>
-              </a:rPr>
-              <a:t>ATAM introduction</a:t>
-            </a:r>
-          </a:p>
-        </p:txBody>
-      </p:sp>
-    </p:spTree>
-  </p:cSld>
-  <p:clrMapOvr>
-    <a:masterClrMapping/>
-  </p:clrMapOvr>
-</p:sld>
-</file>
-
-<file path=ppt/slides/slide7.xml><?xml version="1.0" encoding="utf-8"?>
-<p:sld xmlns:a="http://schemas.openxmlformats.org/drawingml/2006/main" xmlns:r="http://schemas.openxmlformats.org/officeDocument/2006/relationships" xmlns:p="http://schemas.openxmlformats.org/presentationml/2006/main">
-  <p:cSld>
-    <p:spTree>
-      <p:nvGrpSpPr>
-        <p:cNvPr id="1" name=""/>
-        <p:cNvGrpSpPr/>
-        <p:nvPr/>
-      </p:nvGrpSpPr>
-      <p:grpSpPr>
-        <a:xfrm>
-          <a:off x="0" y="0"/>
-          <a:ext cx="0" cy="0"/>
-          <a:chOff x="0" y="0"/>
-          <a:chExt cx="0" cy="0"/>
-        </a:xfrm>
-      </p:grpSpPr>
-      <p:sp>
-        <p:nvSpPr>
-          <p:cNvPr id="2" name="Titre 1"/>
-          <p:cNvSpPr>
-            <a:spLocks noGrp="1"/>
-          </p:cNvSpPr>
-          <p:nvPr>
-            <p:ph type="ctrTitle"/>
-          </p:nvPr>
-        </p:nvSpPr>
-        <p:spPr/>
-        <p:txBody>
-          <a:bodyPr/>
-          <a:lstStyle/>
-          <a:p>
-            <a:r>
-              <a:rPr lang="en-GB" dirty="0" smtClean="0"/>
-              <a:t>2. ADL </a:t>
-            </a:r>
-            <a:r>
-              <a:rPr lang="en-GB" dirty="0" smtClean="0"/>
-              <a:t>investigation and </a:t>
-            </a:r>
-            <a:r>
-              <a:rPr lang="en-GB" dirty="0" smtClean="0"/>
-              <a:t>choice (CONT.)</a:t>
-            </a:r>
-            <a:endParaRPr lang="en-US" dirty="0"/>
-          </a:p>
-        </p:txBody>
-      </p:sp>
-      <p:sp>
-        <p:nvSpPr>
-          <p:cNvPr id="3" name="Espace réservé du texte 2"/>
-          <p:cNvSpPr>
-            <a:spLocks noGrp="1"/>
-          </p:cNvSpPr>
-          <p:nvPr>
-            <p:ph type="body" sz="quarter" idx="10"/>
-          </p:nvPr>
-        </p:nvSpPr>
-        <p:spPr/>
-        <p:txBody>
-          <a:bodyPr/>
-          <a:lstStyle/>
-          <a:p>
-            <a:r>
-              <a:rPr lang="en-US" dirty="0" smtClean="0"/>
-              <a:t>WRIGHT :</a:t>
-            </a:r>
-            <a:endParaRPr lang="en-US" dirty="0"/>
-          </a:p>
-        </p:txBody>
-      </p:sp>
-    </p:spTree>
-  </p:cSld>
-  <p:clrMapOvr>
-    <a:masterClrMapping/>
-  </p:clrMapOvr>
-</p:sld>
-</file>
-
-<file path=ppt/slides/slide8.xml><?xml version="1.0" encoding="utf-8"?>
 <p:sld xmlns:a="http://schemas.openxmlformats.org/drawingml/2006/main" xmlns:r="http://schemas.openxmlformats.org/officeDocument/2006/relationships" xmlns:p="http://schemas.openxmlformats.org/presentationml/2006/main">
   <p:cSld>
     <p:spTree>
@@ -20773,7 +19312,7 @@
 </p:sld>
 </file>
 
-<file path=ppt/slides/slide9.xml><?xml version="1.0" encoding="utf-8"?>
+<file path=ppt/slides/slide7.xml><?xml version="1.0" encoding="utf-8"?>
 <p:sld xmlns:a="http://schemas.openxmlformats.org/drawingml/2006/main" xmlns:r="http://schemas.openxmlformats.org/officeDocument/2006/relationships" xmlns:p="http://schemas.openxmlformats.org/presentationml/2006/main">
   <p:cSld>
     <p:spTree>
@@ -21207,6 +19746,1046 @@
           </a:p>
         </p:txBody>
       </p:sp>
+    </p:spTree>
+  </p:cSld>
+  <p:clrMapOvr>
+    <a:masterClrMapping/>
+  </p:clrMapOvr>
+  <p:timing>
+    <p:tnLst>
+      <p:par>
+        <p:cTn id="1" dur="indefinite" restart="never" nodeType="tmRoot"/>
+      </p:par>
+    </p:tnLst>
+  </p:timing>
+</p:sld>
+</file>
+
+<file path=ppt/slides/slide8.xml><?xml version="1.0" encoding="utf-8"?>
+<p:sld xmlns:a="http://schemas.openxmlformats.org/drawingml/2006/main" xmlns:r="http://schemas.openxmlformats.org/officeDocument/2006/relationships" xmlns:p="http://schemas.openxmlformats.org/presentationml/2006/main">
+  <p:cSld>
+    <p:spTree>
+      <p:nvGrpSpPr>
+        <p:cNvPr id="1" name=""/>
+        <p:cNvGrpSpPr/>
+        <p:nvPr/>
+      </p:nvGrpSpPr>
+      <p:grpSpPr>
+        <a:xfrm>
+          <a:off x="0" y="0"/>
+          <a:ext cx="0" cy="0"/>
+          <a:chOff x="0" y="0"/>
+          <a:chExt cx="0" cy="0"/>
+        </a:xfrm>
+      </p:grpSpPr>
+      <p:sp>
+        <p:nvSpPr>
+          <p:cNvPr id="2" name="Titre 1"/>
+          <p:cNvSpPr>
+            <a:spLocks noGrp="1"/>
+          </p:cNvSpPr>
+          <p:nvPr>
+            <p:ph type="ctrTitle"/>
+          </p:nvPr>
+        </p:nvSpPr>
+        <p:spPr/>
+        <p:txBody>
+          <a:bodyPr/>
+          <a:lstStyle/>
+          <a:p>
+            <a:r>
+              <a:rPr lang="fr-FR" dirty="0" smtClean="0"/>
+              <a:t>3. A</a:t>
+            </a:r>
+            <a:r>
+              <a:rPr smtClean="0"/>
+              <a:t>cme kernel &amp; elements</a:t>
+            </a:r>
+            <a:endParaRPr lang="fr-FR" dirty="0"/>
+          </a:p>
+        </p:txBody>
+      </p:sp>
+      <p:sp>
+        <p:nvSpPr>
+          <p:cNvPr id="3" name="Espace réservé du texte 2"/>
+          <p:cNvSpPr>
+            <a:spLocks noGrp="1"/>
+          </p:cNvSpPr>
+          <p:nvPr>
+            <p:ph type="body" sz="quarter" idx="10"/>
+          </p:nvPr>
+        </p:nvSpPr>
+        <p:spPr>
+          <a:xfrm>
+            <a:off x="285750" y="1214422"/>
+            <a:ext cx="8643968" cy="5357828"/>
+          </a:xfrm>
+        </p:spPr>
+        <p:txBody>
+          <a:bodyPr/>
+          <a:lstStyle/>
+          <a:p>
+            <a:r>
+              <a:rPr lang="en-US" dirty="0" smtClean="0"/>
+              <a:t>Components, with ports</a:t>
+            </a:r>
+          </a:p>
+          <a:p>
+            <a:r>
+              <a:rPr lang="en-US" dirty="0" smtClean="0"/>
+              <a:t>Connectors, with roles</a:t>
+            </a:r>
+          </a:p>
+          <a:p>
+            <a:r>
+              <a:rPr lang="en-US" dirty="0" smtClean="0"/>
+              <a:t>Attachments of particular ports to particular roles</a:t>
+            </a:r>
+          </a:p>
+          <a:p>
+            <a:r>
+              <a:rPr lang="en-US" dirty="0" smtClean="0"/>
+              <a:t>Properties of any of above</a:t>
+            </a:r>
+            <a:endParaRPr lang="fr-FR" dirty="0"/>
+          </a:p>
+        </p:txBody>
+      </p:sp>
+      <p:sp>
+        <p:nvSpPr>
+          <p:cNvPr id="5" name="ZoneTexte 4"/>
+          <p:cNvSpPr txBox="1"/>
+          <p:nvPr/>
+        </p:nvSpPr>
+        <p:spPr>
+          <a:xfrm>
+            <a:off x="500034" y="0"/>
+            <a:ext cx="1558440" cy="276999"/>
+          </a:xfrm>
+          <a:prstGeom prst="rect">
+            <a:avLst/>
+          </a:prstGeom>
+          <a:noFill/>
+          <a:ln>
+            <a:noFill/>
+          </a:ln>
+        </p:spPr>
+        <p:txBody>
+          <a:bodyPr wrap="none" rtlCol="0">
+            <a:spAutoFit/>
+          </a:bodyPr>
+          <a:lstStyle/>
+          <a:p>
+            <a:pPr marL="0" marR="0" indent="0" algn="l" defTabSz="914400" rtl="0" eaLnBrk="1" fontAlgn="auto" latinLnBrk="0" hangingPunct="1">
+              <a:lnSpc>
+                <a:spcPct val="100000"/>
+              </a:lnSpc>
+              <a:spcBef>
+                <a:spcPct val="20000"/>
+              </a:spcBef>
+              <a:spcAft>
+                <a:spcPts val="0"/>
+              </a:spcAft>
+              <a:buClrTx/>
+              <a:buSzTx/>
+              <a:buFontTx/>
+              <a:buNone/>
+              <a:tabLst/>
+            </a:pPr>
+            <a:r>
+              <a:rPr lang="fr-FR" sz="1200" kern="0" dirty="0" err="1" smtClean="0">
+                <a:solidFill>
+                  <a:schemeClr val="tx1">
+                    <a:lumMod val="50000"/>
+                    <a:lumOff val="50000"/>
+                  </a:schemeClr>
+                </a:solidFill>
+                <a:latin typeface="+mn-lt"/>
+                <a:cs typeface="+mn-cs"/>
+              </a:rPr>
+              <a:t>Why</a:t>
+            </a:r>
+            <a:r>
+              <a:rPr lang="fr-FR" sz="1200" kern="0" dirty="0" smtClean="0">
+                <a:solidFill>
+                  <a:schemeClr val="tx1">
+                    <a:lumMod val="50000"/>
+                    <a:lumOff val="50000"/>
+                  </a:schemeClr>
+                </a:solidFill>
+                <a:latin typeface="+mn-lt"/>
+                <a:cs typeface="+mn-cs"/>
+              </a:rPr>
+              <a:t> do </a:t>
+            </a:r>
+            <a:r>
+              <a:rPr lang="fr-FR" sz="1200" kern="0" dirty="0" err="1" smtClean="0">
+                <a:solidFill>
+                  <a:schemeClr val="tx1">
+                    <a:lumMod val="50000"/>
+                    <a:lumOff val="50000"/>
+                  </a:schemeClr>
+                </a:solidFill>
+                <a:latin typeface="+mn-lt"/>
+                <a:cs typeface="+mn-cs"/>
+              </a:rPr>
+              <a:t>we</a:t>
+            </a:r>
+            <a:r>
+              <a:rPr lang="fr-FR" sz="1200" kern="0" dirty="0" smtClean="0">
+                <a:solidFill>
+                  <a:schemeClr val="tx1">
+                    <a:lumMod val="50000"/>
+                    <a:lumOff val="50000"/>
+                  </a:schemeClr>
+                </a:solidFill>
+                <a:latin typeface="+mn-lt"/>
+                <a:cs typeface="+mn-cs"/>
+              </a:rPr>
+              <a:t> use </a:t>
+            </a:r>
+            <a:r>
+              <a:rPr lang="fr-FR" sz="1200" kern="0" dirty="0" err="1" smtClean="0">
+                <a:solidFill>
+                  <a:schemeClr val="tx1">
+                    <a:lumMod val="50000"/>
+                    <a:lumOff val="50000"/>
+                  </a:schemeClr>
+                </a:solidFill>
+                <a:latin typeface="+mn-lt"/>
+                <a:cs typeface="+mn-cs"/>
+              </a:rPr>
+              <a:t>ADLs</a:t>
+            </a:r>
+            <a:r>
+              <a:rPr lang="fr-FR" sz="1200" kern="0" dirty="0" smtClean="0">
+                <a:solidFill>
+                  <a:schemeClr val="tx1">
+                    <a:lumMod val="50000"/>
+                    <a:lumOff val="50000"/>
+                  </a:schemeClr>
+                </a:solidFill>
+                <a:latin typeface="+mn-lt"/>
+                <a:cs typeface="+mn-cs"/>
+              </a:rPr>
+              <a:t>?</a:t>
+            </a:r>
+            <a:endParaRPr kumimoji="0" lang="fr-FR" sz="1200" b="1" i="0" u="sng" strike="noStrike" kern="0" cap="none" spc="0" normalizeH="0" baseline="0" noProof="0" dirty="0" smtClean="0">
+              <a:ln>
+                <a:noFill/>
+              </a:ln>
+              <a:effectLst/>
+              <a:uLnTx/>
+              <a:uFillTx/>
+              <a:latin typeface="+mn-lt"/>
+              <a:ea typeface="+mn-ea"/>
+              <a:cs typeface="+mn-cs"/>
+            </a:endParaRPr>
+          </a:p>
+        </p:txBody>
+      </p:sp>
+      <p:sp>
+        <p:nvSpPr>
+          <p:cNvPr id="6" name="ZoneTexte 5"/>
+          <p:cNvSpPr txBox="1"/>
+          <p:nvPr/>
+        </p:nvSpPr>
+        <p:spPr>
+          <a:xfrm>
+            <a:off x="2786050" y="0"/>
+            <a:ext cx="889987" cy="276999"/>
+          </a:xfrm>
+          <a:prstGeom prst="rect">
+            <a:avLst/>
+          </a:prstGeom>
+          <a:noFill/>
+          <a:ln>
+            <a:noFill/>
+          </a:ln>
+        </p:spPr>
+        <p:txBody>
+          <a:bodyPr wrap="none" rtlCol="0">
+            <a:spAutoFit/>
+          </a:bodyPr>
+          <a:lstStyle/>
+          <a:p>
+            <a:pPr fontAlgn="auto">
+              <a:spcBef>
+                <a:spcPct val="20000"/>
+              </a:spcBef>
+              <a:spcAft>
+                <a:spcPts val="0"/>
+              </a:spcAft>
+            </a:pPr>
+            <a:r>
+              <a:rPr lang="fr-FR" sz="1200" kern="0" dirty="0" smtClean="0">
+                <a:solidFill>
+                  <a:schemeClr val="tx1">
+                    <a:lumMod val="50000"/>
+                    <a:lumOff val="50000"/>
+                  </a:schemeClr>
+                </a:solidFill>
+                <a:latin typeface="+mn-lt"/>
+                <a:cs typeface="+mn-cs"/>
+              </a:rPr>
+              <a:t>ADL </a:t>
+            </a:r>
+            <a:r>
+              <a:rPr lang="fr-FR" sz="1200" kern="0" dirty="0" err="1" smtClean="0">
+                <a:solidFill>
+                  <a:schemeClr val="tx1">
+                    <a:lumMod val="50000"/>
+                    <a:lumOff val="50000"/>
+                  </a:schemeClr>
+                </a:solidFill>
+                <a:latin typeface="+mn-lt"/>
+                <a:cs typeface="+mn-cs"/>
+              </a:rPr>
+              <a:t>Choice</a:t>
+            </a:r>
+            <a:endParaRPr lang="fr-FR" sz="1200" kern="0" dirty="0" smtClean="0">
+              <a:solidFill>
+                <a:schemeClr val="tx1">
+                  <a:lumMod val="50000"/>
+                  <a:lumOff val="50000"/>
+                </a:schemeClr>
+              </a:solidFill>
+              <a:latin typeface="+mn-lt"/>
+              <a:cs typeface="+mn-cs"/>
+            </a:endParaRPr>
+          </a:p>
+        </p:txBody>
+      </p:sp>
+      <p:sp>
+        <p:nvSpPr>
+          <p:cNvPr id="7" name="ZoneTexte 6"/>
+          <p:cNvSpPr txBox="1"/>
+          <p:nvPr/>
+        </p:nvSpPr>
+        <p:spPr>
+          <a:xfrm>
+            <a:off x="4572000" y="0"/>
+            <a:ext cx="1418978" cy="276999"/>
+          </a:xfrm>
+          <a:prstGeom prst="rect">
+            <a:avLst/>
+          </a:prstGeom>
+          <a:noFill/>
+          <a:ln>
+            <a:noFill/>
+          </a:ln>
+        </p:spPr>
+        <p:txBody>
+          <a:bodyPr wrap="none" rtlCol="0">
+            <a:spAutoFit/>
+          </a:bodyPr>
+          <a:lstStyle/>
+          <a:p>
+            <a:pPr marL="0" marR="0" indent="0" algn="l" defTabSz="914400" rtl="0" eaLnBrk="1" fontAlgn="auto" latinLnBrk="0" hangingPunct="1">
+              <a:lnSpc>
+                <a:spcPct val="100000"/>
+              </a:lnSpc>
+              <a:spcBef>
+                <a:spcPct val="20000"/>
+              </a:spcBef>
+              <a:spcAft>
+                <a:spcPts val="0"/>
+              </a:spcAft>
+              <a:buClrTx/>
+              <a:buSzTx/>
+              <a:buFontTx/>
+              <a:buNone/>
+              <a:tabLst/>
+            </a:pPr>
+            <a:r>
+              <a:rPr lang="fr-FR" sz="1200" b="1" u="sng" kern="0" dirty="0" smtClean="0">
+                <a:latin typeface="+mn-lt"/>
+                <a:cs typeface="+mn-cs"/>
+              </a:rPr>
+              <a:t>ACME</a:t>
+            </a:r>
+            <a:r>
+              <a:rPr kumimoji="0" lang="fr-FR" sz="1200" i="0" u="none" strike="noStrike" kern="0" cap="none" spc="0" normalizeH="0" baseline="0" noProof="0" dirty="0" smtClean="0">
+                <a:ln>
+                  <a:noFill/>
+                </a:ln>
+                <a:solidFill>
+                  <a:schemeClr val="tx1">
+                    <a:lumMod val="50000"/>
+                    <a:lumOff val="50000"/>
+                  </a:schemeClr>
+                </a:solidFill>
+                <a:effectLst/>
+                <a:uLnTx/>
+                <a:uFillTx/>
+                <a:latin typeface="+mn-lt"/>
+                <a:ea typeface="+mn-ea"/>
+                <a:cs typeface="+mn-cs"/>
+              </a:rPr>
+              <a:t> </a:t>
+            </a:r>
+            <a:r>
+              <a:rPr lang="fr-FR" sz="1200" b="1" u="sng" kern="0" dirty="0" err="1" smtClean="0">
+                <a:latin typeface="+mn-lt"/>
+                <a:cs typeface="+mn-cs"/>
+              </a:rPr>
+              <a:t>Presentation</a:t>
+            </a:r>
+            <a:endParaRPr lang="fr-FR" sz="1200" b="1" u="sng" kern="0" dirty="0" smtClean="0">
+              <a:latin typeface="+mn-lt"/>
+              <a:cs typeface="+mn-cs"/>
+            </a:endParaRPr>
+          </a:p>
+        </p:txBody>
+      </p:sp>
+      <p:sp>
+        <p:nvSpPr>
+          <p:cNvPr id="8" name="ZoneTexte 7"/>
+          <p:cNvSpPr txBox="1"/>
+          <p:nvPr/>
+        </p:nvSpPr>
+        <p:spPr>
+          <a:xfrm>
+            <a:off x="6786578" y="0"/>
+            <a:ext cx="1382110" cy="276999"/>
+          </a:xfrm>
+          <a:prstGeom prst="rect">
+            <a:avLst/>
+          </a:prstGeom>
+          <a:noFill/>
+          <a:ln>
+            <a:noFill/>
+          </a:ln>
+        </p:spPr>
+        <p:txBody>
+          <a:bodyPr wrap="none" rtlCol="0">
+            <a:spAutoFit/>
+          </a:bodyPr>
+          <a:lstStyle/>
+          <a:p>
+            <a:pPr marL="0" marR="0" indent="0" algn="l" defTabSz="914400" rtl="0" eaLnBrk="1" fontAlgn="auto" latinLnBrk="0" hangingPunct="1">
+              <a:lnSpc>
+                <a:spcPct val="100000"/>
+              </a:lnSpc>
+              <a:spcBef>
+                <a:spcPct val="20000"/>
+              </a:spcBef>
+              <a:spcAft>
+                <a:spcPts val="0"/>
+              </a:spcAft>
+              <a:buClrTx/>
+              <a:buSzTx/>
+              <a:buFontTx/>
+              <a:buNone/>
+              <a:tabLst/>
+            </a:pPr>
+            <a:r>
+              <a:rPr kumimoji="0" lang="fr-FR" sz="1200" i="0" u="none" strike="noStrike" kern="0" cap="none" spc="0" normalizeH="0" baseline="0" noProof="0" dirty="0" smtClean="0">
+                <a:ln>
+                  <a:noFill/>
+                </a:ln>
+                <a:solidFill>
+                  <a:schemeClr val="tx1">
+                    <a:lumMod val="50000"/>
+                    <a:lumOff val="50000"/>
+                  </a:schemeClr>
+                </a:solidFill>
+                <a:effectLst/>
+                <a:uLnTx/>
+                <a:uFillTx/>
+                <a:latin typeface="+mn-lt"/>
+                <a:ea typeface="+mn-ea"/>
+                <a:cs typeface="+mn-cs"/>
+              </a:rPr>
+              <a:t>ATAM introduction</a:t>
+            </a:r>
+          </a:p>
+        </p:txBody>
+      </p:sp>
+    </p:spTree>
+  </p:cSld>
+  <p:clrMapOvr>
+    <a:masterClrMapping/>
+  </p:clrMapOvr>
+  <p:timing>
+    <p:tnLst>
+      <p:par>
+        <p:cTn id="1" dur="indefinite" restart="never" nodeType="tmRoot"/>
+      </p:par>
+    </p:tnLst>
+  </p:timing>
+</p:sld>
+</file>
+
+<file path=ppt/slides/slide9.xml><?xml version="1.0" encoding="utf-8"?>
+<p:sld xmlns:a="http://schemas.openxmlformats.org/drawingml/2006/main" xmlns:r="http://schemas.openxmlformats.org/officeDocument/2006/relationships" xmlns:p="http://schemas.openxmlformats.org/presentationml/2006/main">
+  <p:cSld>
+    <p:spTree>
+      <p:nvGrpSpPr>
+        <p:cNvPr id="1" name=""/>
+        <p:cNvGrpSpPr/>
+        <p:nvPr/>
+      </p:nvGrpSpPr>
+      <p:grpSpPr>
+        <a:xfrm>
+          <a:off x="0" y="0"/>
+          <a:ext cx="0" cy="0"/>
+          <a:chOff x="0" y="0"/>
+          <a:chExt cx="0" cy="0"/>
+        </a:xfrm>
+      </p:grpSpPr>
+      <p:sp>
+        <p:nvSpPr>
+          <p:cNvPr id="2" name="Titre 1"/>
+          <p:cNvSpPr>
+            <a:spLocks noGrp="1"/>
+          </p:cNvSpPr>
+          <p:nvPr>
+            <p:ph type="ctrTitle"/>
+          </p:nvPr>
+        </p:nvSpPr>
+        <p:spPr/>
+        <p:txBody>
+          <a:bodyPr/>
+          <a:lstStyle/>
+          <a:p>
+            <a:r>
+              <a:rPr smtClean="0"/>
+              <a:t>3. Acme description</a:t>
+            </a:r>
+            <a:endParaRPr lang="fr-FR" dirty="0"/>
+          </a:p>
+        </p:txBody>
+      </p:sp>
+      <p:sp>
+        <p:nvSpPr>
+          <p:cNvPr id="3" name="Espace réservé du texte 2"/>
+          <p:cNvSpPr>
+            <a:spLocks noGrp="1"/>
+          </p:cNvSpPr>
+          <p:nvPr>
+            <p:ph type="body" sz="quarter" idx="10"/>
+          </p:nvPr>
+        </p:nvSpPr>
+        <p:spPr/>
+        <p:txBody>
+          <a:bodyPr/>
+          <a:lstStyle/>
+          <a:p>
+            <a:r>
+              <a:rPr lang="en-US" dirty="0" smtClean="0"/>
+              <a:t>ACME describes a whole system thanks to</a:t>
+            </a:r>
+          </a:p>
+          <a:p>
+            <a:pPr lvl="1"/>
+            <a:r>
+              <a:rPr lang="en-US" dirty="0" smtClean="0"/>
+              <a:t>Library of 7 architectural elements</a:t>
+            </a:r>
+          </a:p>
+          <a:p>
+            <a:pPr lvl="2"/>
+            <a:r>
+              <a:rPr lang="en-US" dirty="0" smtClean="0"/>
+              <a:t>Components</a:t>
+            </a:r>
+          </a:p>
+          <a:p>
+            <a:pPr lvl="2"/>
+            <a:r>
+              <a:rPr lang="en-US" dirty="0" smtClean="0"/>
+              <a:t> connectors</a:t>
+            </a:r>
+          </a:p>
+          <a:p>
+            <a:pPr lvl="2"/>
+            <a:r>
+              <a:rPr lang="en-US" dirty="0" smtClean="0"/>
+              <a:t>systems</a:t>
+            </a:r>
+          </a:p>
+          <a:p>
+            <a:pPr lvl="2"/>
+            <a:r>
+              <a:rPr lang="en-US" dirty="0" smtClean="0"/>
+              <a:t>ports</a:t>
+            </a:r>
+          </a:p>
+          <a:p>
+            <a:pPr lvl="2"/>
+            <a:r>
+              <a:rPr lang="en-US" dirty="0" smtClean="0"/>
+              <a:t>Roles</a:t>
+            </a:r>
+          </a:p>
+          <a:p>
+            <a:pPr lvl="2"/>
+            <a:r>
+              <a:rPr lang="en-US" dirty="0" smtClean="0"/>
+              <a:t> representations</a:t>
+            </a:r>
+          </a:p>
+          <a:p>
+            <a:pPr lvl="2"/>
+            <a:r>
+              <a:rPr lang="en-US" dirty="0" smtClean="0"/>
+              <a:t> representation maps</a:t>
+            </a:r>
+          </a:p>
+          <a:p>
+            <a:pPr lvl="1"/>
+            <a:r>
+              <a:rPr smtClean="0"/>
+              <a:t>Architectural families</a:t>
+            </a:r>
+          </a:p>
+          <a:p>
+            <a:pPr lvl="2"/>
+            <a:r>
+              <a:rPr smtClean="0"/>
+              <a:t>Tiered</a:t>
+            </a:r>
+          </a:p>
+          <a:p>
+            <a:pPr lvl="2"/>
+            <a:r>
+              <a:rPr smtClean="0"/>
+              <a:t>Pipe &amp; filters</a:t>
+            </a:r>
+          </a:p>
+          <a:p>
+            <a:pPr lvl="2"/>
+            <a:r>
+              <a:rPr smtClean="0"/>
+              <a:t>Client &amp; servers</a:t>
+            </a:r>
+          </a:p>
+          <a:p>
+            <a:pPr lvl="2"/>
+            <a:r>
+              <a:rPr smtClean="0"/>
+              <a:t>Pub-Sub</a:t>
+            </a:r>
+          </a:p>
+          <a:p>
+            <a:pPr lvl="2"/>
+            <a:r>
+              <a:rPr smtClean="0"/>
+              <a:t>Shared data</a:t>
+            </a:r>
+          </a:p>
+          <a:p>
+            <a:pPr lvl="2"/>
+            <a:r>
+              <a:rPr lang="fr-FR" dirty="0" smtClean="0"/>
+              <a:t>T</a:t>
+            </a:r>
+            <a:r>
+              <a:rPr smtClean="0"/>
+              <a:t>hree-tiered</a:t>
+            </a:r>
+          </a:p>
+          <a:p>
+            <a:pPr lvl="1"/>
+            <a:endParaRPr smtClean="0"/>
+          </a:p>
+          <a:p>
+            <a:pPr lvl="1">
+              <a:buNone/>
+            </a:pPr>
+            <a:endParaRPr smtClean="0"/>
+          </a:p>
+        </p:txBody>
+      </p:sp>
+      <p:sp>
+        <p:nvSpPr>
+          <p:cNvPr id="4" name="ZoneTexte 3"/>
+          <p:cNvSpPr txBox="1"/>
+          <p:nvPr/>
+        </p:nvSpPr>
+        <p:spPr>
+          <a:xfrm>
+            <a:off x="500034" y="0"/>
+            <a:ext cx="1558440" cy="276999"/>
+          </a:xfrm>
+          <a:prstGeom prst="rect">
+            <a:avLst/>
+          </a:prstGeom>
+          <a:noFill/>
+          <a:ln>
+            <a:noFill/>
+          </a:ln>
+        </p:spPr>
+        <p:txBody>
+          <a:bodyPr wrap="none" rtlCol="0">
+            <a:spAutoFit/>
+          </a:bodyPr>
+          <a:lstStyle/>
+          <a:p>
+            <a:pPr marL="0" marR="0" indent="0" algn="l" defTabSz="914400" rtl="0" eaLnBrk="1" fontAlgn="auto" latinLnBrk="0" hangingPunct="1">
+              <a:lnSpc>
+                <a:spcPct val="100000"/>
+              </a:lnSpc>
+              <a:spcBef>
+                <a:spcPct val="20000"/>
+              </a:spcBef>
+              <a:spcAft>
+                <a:spcPts val="0"/>
+              </a:spcAft>
+              <a:buClrTx/>
+              <a:buSzTx/>
+              <a:buFontTx/>
+              <a:buNone/>
+              <a:tabLst/>
+            </a:pPr>
+            <a:r>
+              <a:rPr lang="fr-FR" sz="1200" kern="0" dirty="0" err="1" smtClean="0">
+                <a:solidFill>
+                  <a:schemeClr val="tx1">
+                    <a:lumMod val="50000"/>
+                    <a:lumOff val="50000"/>
+                  </a:schemeClr>
+                </a:solidFill>
+                <a:latin typeface="+mn-lt"/>
+                <a:cs typeface="+mn-cs"/>
+              </a:rPr>
+              <a:t>Why</a:t>
+            </a:r>
+            <a:r>
+              <a:rPr lang="fr-FR" sz="1200" kern="0" dirty="0" smtClean="0">
+                <a:solidFill>
+                  <a:schemeClr val="tx1">
+                    <a:lumMod val="50000"/>
+                    <a:lumOff val="50000"/>
+                  </a:schemeClr>
+                </a:solidFill>
+                <a:latin typeface="+mn-lt"/>
+                <a:cs typeface="+mn-cs"/>
+              </a:rPr>
+              <a:t> do </a:t>
+            </a:r>
+            <a:r>
+              <a:rPr lang="fr-FR" sz="1200" kern="0" dirty="0" err="1" smtClean="0">
+                <a:solidFill>
+                  <a:schemeClr val="tx1">
+                    <a:lumMod val="50000"/>
+                    <a:lumOff val="50000"/>
+                  </a:schemeClr>
+                </a:solidFill>
+                <a:latin typeface="+mn-lt"/>
+                <a:cs typeface="+mn-cs"/>
+              </a:rPr>
+              <a:t>we</a:t>
+            </a:r>
+            <a:r>
+              <a:rPr lang="fr-FR" sz="1200" kern="0" dirty="0" smtClean="0">
+                <a:solidFill>
+                  <a:schemeClr val="tx1">
+                    <a:lumMod val="50000"/>
+                    <a:lumOff val="50000"/>
+                  </a:schemeClr>
+                </a:solidFill>
+                <a:latin typeface="+mn-lt"/>
+                <a:cs typeface="+mn-cs"/>
+              </a:rPr>
+              <a:t> use </a:t>
+            </a:r>
+            <a:r>
+              <a:rPr lang="fr-FR" sz="1200" kern="0" dirty="0" err="1" smtClean="0">
+                <a:solidFill>
+                  <a:schemeClr val="tx1">
+                    <a:lumMod val="50000"/>
+                    <a:lumOff val="50000"/>
+                  </a:schemeClr>
+                </a:solidFill>
+                <a:latin typeface="+mn-lt"/>
+                <a:cs typeface="+mn-cs"/>
+              </a:rPr>
+              <a:t>ADLs</a:t>
+            </a:r>
+            <a:r>
+              <a:rPr lang="fr-FR" sz="1200" kern="0" dirty="0" smtClean="0">
+                <a:solidFill>
+                  <a:schemeClr val="tx1">
+                    <a:lumMod val="50000"/>
+                    <a:lumOff val="50000"/>
+                  </a:schemeClr>
+                </a:solidFill>
+                <a:latin typeface="+mn-lt"/>
+                <a:cs typeface="+mn-cs"/>
+              </a:rPr>
+              <a:t>?</a:t>
+            </a:r>
+            <a:endParaRPr kumimoji="0" lang="fr-FR" sz="1200" b="1" i="0" u="sng" strike="noStrike" kern="0" cap="none" spc="0" normalizeH="0" baseline="0" noProof="0" dirty="0" smtClean="0">
+              <a:ln>
+                <a:noFill/>
+              </a:ln>
+              <a:effectLst/>
+              <a:uLnTx/>
+              <a:uFillTx/>
+              <a:latin typeface="+mn-lt"/>
+              <a:ea typeface="+mn-ea"/>
+              <a:cs typeface="+mn-cs"/>
+            </a:endParaRPr>
+          </a:p>
+        </p:txBody>
+      </p:sp>
+      <p:sp>
+        <p:nvSpPr>
+          <p:cNvPr id="5" name="ZoneTexte 4"/>
+          <p:cNvSpPr txBox="1"/>
+          <p:nvPr/>
+        </p:nvSpPr>
+        <p:spPr>
+          <a:xfrm>
+            <a:off x="2786050" y="0"/>
+            <a:ext cx="889987" cy="276999"/>
+          </a:xfrm>
+          <a:prstGeom prst="rect">
+            <a:avLst/>
+          </a:prstGeom>
+          <a:noFill/>
+          <a:ln>
+            <a:noFill/>
+          </a:ln>
+        </p:spPr>
+        <p:txBody>
+          <a:bodyPr wrap="none" rtlCol="0">
+            <a:spAutoFit/>
+          </a:bodyPr>
+          <a:lstStyle/>
+          <a:p>
+            <a:pPr fontAlgn="auto">
+              <a:spcBef>
+                <a:spcPct val="20000"/>
+              </a:spcBef>
+              <a:spcAft>
+                <a:spcPts val="0"/>
+              </a:spcAft>
+            </a:pPr>
+            <a:r>
+              <a:rPr lang="fr-FR" sz="1200" kern="0" dirty="0" smtClean="0">
+                <a:solidFill>
+                  <a:schemeClr val="tx1">
+                    <a:lumMod val="50000"/>
+                    <a:lumOff val="50000"/>
+                  </a:schemeClr>
+                </a:solidFill>
+                <a:latin typeface="+mn-lt"/>
+                <a:cs typeface="+mn-cs"/>
+              </a:rPr>
+              <a:t>ADL </a:t>
+            </a:r>
+            <a:r>
+              <a:rPr lang="fr-FR" sz="1200" kern="0" dirty="0" err="1" smtClean="0">
+                <a:solidFill>
+                  <a:schemeClr val="tx1">
+                    <a:lumMod val="50000"/>
+                    <a:lumOff val="50000"/>
+                  </a:schemeClr>
+                </a:solidFill>
+                <a:latin typeface="+mn-lt"/>
+                <a:cs typeface="+mn-cs"/>
+              </a:rPr>
+              <a:t>Choice</a:t>
+            </a:r>
+            <a:endParaRPr lang="fr-FR" sz="1200" kern="0" dirty="0" smtClean="0">
+              <a:solidFill>
+                <a:schemeClr val="tx1">
+                  <a:lumMod val="50000"/>
+                  <a:lumOff val="50000"/>
+                </a:schemeClr>
+              </a:solidFill>
+              <a:latin typeface="+mn-lt"/>
+              <a:cs typeface="+mn-cs"/>
+            </a:endParaRPr>
+          </a:p>
+        </p:txBody>
+      </p:sp>
+      <p:sp>
+        <p:nvSpPr>
+          <p:cNvPr id="6" name="ZoneTexte 5"/>
+          <p:cNvSpPr txBox="1"/>
+          <p:nvPr/>
+        </p:nvSpPr>
+        <p:spPr>
+          <a:xfrm>
+            <a:off x="4572000" y="0"/>
+            <a:ext cx="1418978" cy="276999"/>
+          </a:xfrm>
+          <a:prstGeom prst="rect">
+            <a:avLst/>
+          </a:prstGeom>
+          <a:noFill/>
+          <a:ln>
+            <a:noFill/>
+          </a:ln>
+        </p:spPr>
+        <p:txBody>
+          <a:bodyPr wrap="none" rtlCol="0">
+            <a:spAutoFit/>
+          </a:bodyPr>
+          <a:lstStyle/>
+          <a:p>
+            <a:pPr marL="0" marR="0" indent="0" algn="l" defTabSz="914400" rtl="0" eaLnBrk="1" fontAlgn="auto" latinLnBrk="0" hangingPunct="1">
+              <a:lnSpc>
+                <a:spcPct val="100000"/>
+              </a:lnSpc>
+              <a:spcBef>
+                <a:spcPct val="20000"/>
+              </a:spcBef>
+              <a:spcAft>
+                <a:spcPts val="0"/>
+              </a:spcAft>
+              <a:buClrTx/>
+              <a:buSzTx/>
+              <a:buFontTx/>
+              <a:buNone/>
+              <a:tabLst/>
+            </a:pPr>
+            <a:r>
+              <a:rPr lang="fr-FR" sz="1200" b="1" u="sng" kern="0" dirty="0" smtClean="0">
+                <a:latin typeface="+mn-lt"/>
+                <a:cs typeface="+mn-cs"/>
+              </a:rPr>
+              <a:t>ACME</a:t>
+            </a:r>
+            <a:r>
+              <a:rPr kumimoji="0" lang="fr-FR" sz="1200" i="0" u="none" strike="noStrike" kern="0" cap="none" spc="0" normalizeH="0" baseline="0" noProof="0" dirty="0" smtClean="0">
+                <a:ln>
+                  <a:noFill/>
+                </a:ln>
+                <a:solidFill>
+                  <a:schemeClr val="tx1">
+                    <a:lumMod val="50000"/>
+                    <a:lumOff val="50000"/>
+                  </a:schemeClr>
+                </a:solidFill>
+                <a:effectLst/>
+                <a:uLnTx/>
+                <a:uFillTx/>
+                <a:latin typeface="+mn-lt"/>
+                <a:ea typeface="+mn-ea"/>
+                <a:cs typeface="+mn-cs"/>
+              </a:rPr>
+              <a:t> </a:t>
+            </a:r>
+            <a:r>
+              <a:rPr lang="fr-FR" sz="1200" b="1" u="sng" kern="0" dirty="0" err="1" smtClean="0">
+                <a:latin typeface="+mn-lt"/>
+                <a:cs typeface="+mn-cs"/>
+              </a:rPr>
+              <a:t>Presentation</a:t>
+            </a:r>
+            <a:endParaRPr lang="fr-FR" sz="1200" b="1" u="sng" kern="0" dirty="0" smtClean="0">
+              <a:latin typeface="+mn-lt"/>
+              <a:cs typeface="+mn-cs"/>
+            </a:endParaRPr>
+          </a:p>
+        </p:txBody>
+      </p:sp>
+      <p:sp>
+        <p:nvSpPr>
+          <p:cNvPr id="7" name="ZoneTexte 6"/>
+          <p:cNvSpPr txBox="1"/>
+          <p:nvPr/>
+        </p:nvSpPr>
+        <p:spPr>
+          <a:xfrm>
+            <a:off x="6786578" y="0"/>
+            <a:ext cx="1382110" cy="276999"/>
+          </a:xfrm>
+          <a:prstGeom prst="rect">
+            <a:avLst/>
+          </a:prstGeom>
+          <a:noFill/>
+          <a:ln>
+            <a:noFill/>
+          </a:ln>
+        </p:spPr>
+        <p:txBody>
+          <a:bodyPr wrap="none" rtlCol="0">
+            <a:spAutoFit/>
+          </a:bodyPr>
+          <a:lstStyle/>
+          <a:p>
+            <a:pPr marL="0" marR="0" indent="0" algn="l" defTabSz="914400" rtl="0" eaLnBrk="1" fontAlgn="auto" latinLnBrk="0" hangingPunct="1">
+              <a:lnSpc>
+                <a:spcPct val="100000"/>
+              </a:lnSpc>
+              <a:spcBef>
+                <a:spcPct val="20000"/>
+              </a:spcBef>
+              <a:spcAft>
+                <a:spcPts val="0"/>
+              </a:spcAft>
+              <a:buClrTx/>
+              <a:buSzTx/>
+              <a:buFontTx/>
+              <a:buNone/>
+              <a:tabLst/>
+            </a:pPr>
+            <a:r>
+              <a:rPr kumimoji="0" lang="fr-FR" sz="1200" i="0" u="none" strike="noStrike" kern="0" cap="none" spc="0" normalizeH="0" baseline="0" noProof="0" dirty="0" smtClean="0">
+                <a:ln>
+                  <a:noFill/>
+                </a:ln>
+                <a:solidFill>
+                  <a:schemeClr val="tx1">
+                    <a:lumMod val="50000"/>
+                    <a:lumOff val="50000"/>
+                  </a:schemeClr>
+                </a:solidFill>
+                <a:effectLst/>
+                <a:uLnTx/>
+                <a:uFillTx/>
+                <a:latin typeface="+mn-lt"/>
+                <a:ea typeface="+mn-ea"/>
+                <a:cs typeface="+mn-cs"/>
+              </a:rPr>
+              <a:t>ATAM introduction</a:t>
+            </a:r>
+          </a:p>
+        </p:txBody>
+      </p:sp>
+      <p:pic>
+        <p:nvPicPr>
+          <p:cNvPr id="8" name="Picture 2" descr="D:\Bureau\ElementsOfAnAcmeDescription.png"/>
+          <p:cNvPicPr>
+            <a:picLocks noChangeAspect="1" noChangeArrowheads="1"/>
+          </p:cNvPicPr>
+          <p:nvPr/>
+        </p:nvPicPr>
+        <p:blipFill>
+          <a:blip r:embed="rId2">
+            <a:clrChange>
+              <a:clrFrom>
+                <a:srgbClr val="FFFFFF"/>
+              </a:clrFrom>
+              <a:clrTo>
+                <a:srgbClr val="FFFFFF">
+                  <a:alpha val="0"/>
+                </a:srgbClr>
+              </a:clrTo>
+            </a:clrChange>
+          </a:blip>
+          <a:srcRect t="8887" b="8908"/>
+          <a:stretch>
+            <a:fillRect/>
+          </a:stretch>
+        </p:blipFill>
+        <p:spPr bwMode="auto">
+          <a:xfrm>
+            <a:off x="3857620" y="2357430"/>
+            <a:ext cx="4572032" cy="1990179"/>
+          </a:xfrm>
+          <a:prstGeom prst="rect">
+            <a:avLst/>
+          </a:prstGeom>
+          <a:noFill/>
+        </p:spPr>
+      </p:pic>
     </p:spTree>
   </p:cSld>
   <p:clrMapOvr>

--- a/trunk/Project 2/Part2/CS554_EuroTeam_Project2_OP5.pptx
+++ b/trunk/Project 2/Part2/CS554_EuroTeam_Project2_OP5.pptx
@@ -365,7 +365,7 @@
     </p:spTree>
     <p:extLst>
       <p:ext uri="{BB962C8B-B14F-4D97-AF65-F5344CB8AC3E}">
-        <p14:creationId xmlns:p14="http://schemas.microsoft.com/office/powerpoint/2007/7/12/main" xmlns="" val="3216856891"/>
+        <p14:creationId xmlns="" xmlns:p14="http://schemas.microsoft.com/office/powerpoint/2007/7/12/main" val="3216856891"/>
       </p:ext>
     </p:extLst>
   </p:cSld>
@@ -670,7 +670,7 @@
     </p:spTree>
     <p:extLst>
       <p:ext uri="{BB962C8B-B14F-4D97-AF65-F5344CB8AC3E}">
-        <p14:creationId xmlns:p14="http://schemas.microsoft.com/office/powerpoint/2007/7/12/main" xmlns="" val="3483236166"/>
+        <p14:creationId xmlns="" xmlns:p14="http://schemas.microsoft.com/office/powerpoint/2007/7/12/main" val="3483236166"/>
       </p:ext>
     </p:extLst>
   </p:cSld>
@@ -2548,7 +2548,7 @@
           <a:blip r:embed="rId4">
             <a:extLst>
               <a:ext uri="28A0092B-C50C-407e-A947-70E740481C1C">
-                <a14:useLocalDpi xmlns:a14="http://schemas.microsoft.com/office/drawing/2007/7/7/main" xmlns="" val="0"/>
+                <a14:useLocalDpi xmlns="" xmlns:a14="http://schemas.microsoft.com/office/drawing/2007/7/7/main" val="0"/>
               </a:ext>
             </a:extLst>
           </a:blip>
@@ -2568,14 +2568,14 @@
           <a:noFill/>
           <a:extLst>
             <a:ext uri="{909E8E84-426E-40dd-AFC4-6F175D3DCCD1}">
-              <a14:hiddenFill xmlns:a14="http://schemas.microsoft.com/office/drawing/2007/7/7/main" xmlns="">
+              <a14:hiddenFill xmlns="" xmlns:a14="http://schemas.microsoft.com/office/drawing/2007/7/7/main">
                 <a:solidFill>
                   <a:schemeClr val="accent1"/>
                 </a:solidFill>
               </a14:hiddenFill>
             </a:ext>
             <a:ext uri="{91240B29-F687-4f45-9708-019B960494DF}">
-              <a14:hiddenLine xmlns:a14="http://schemas.microsoft.com/office/drawing/2007/7/7/main" xmlns="" w="9525">
+              <a14:hiddenLine xmlns="" xmlns:a14="http://schemas.microsoft.com/office/drawing/2007/7/7/main" w="9525">
                 <a:solidFill>
                   <a:schemeClr val="tx1"/>
                 </a:solidFill>
@@ -2585,7 +2585,7 @@
               </a14:hiddenLine>
             </a:ext>
             <a:ext uri="{AF507438-7753-43e0-B8FC-AC1667EBCBE1}">
-              <a14:hiddenEffects xmlns:a14="http://schemas.microsoft.com/office/drawing/2007/7/7/main" xmlns="">
+              <a14:hiddenEffects xmlns="" xmlns:a14="http://schemas.microsoft.com/office/drawing/2007/7/7/main">
                 <a:effectLst>
                   <a:outerShdw dist="35921" dir="2700000" algn="ctr" rotWithShape="0">
                     <a:schemeClr val="bg2"/>
@@ -2599,7 +2599,7 @@
     </p:spTree>
     <p:extLst>
       <p:ext uri="{BB962C8B-B14F-4D97-AF65-F5344CB8AC3E}">
-        <p14:creationId xmlns:p14="http://schemas.microsoft.com/office/powerpoint/2007/7/12/main" xmlns="" val="1066328049"/>
+        <p14:creationId xmlns="" xmlns:p14="http://schemas.microsoft.com/office/powerpoint/2007/7/12/main" val="1066328049"/>
       </p:ext>
     </p:extLst>
   </p:cSld>
@@ -7717,7 +7717,7 @@
           <a:bodyPr/>
           <a:lstStyle/>
           <a:p>
-            <a:endParaRPr lang="en-US"/>
+            <a:endParaRPr lang="en-US" dirty="0"/>
           </a:p>
         </p:txBody>
       </p:sp>
@@ -11710,7 +11710,7 @@
     </p:spTree>
     <p:extLst>
       <p:ext uri="{BB962C8B-B14F-4D97-AF65-F5344CB8AC3E}">
-        <p14:creationId xmlns="" xmlns:p14="http://schemas.microsoft.com/office/powerpoint/2007/7/12/main" xmlns:mv="urn:schemas-microsoft-com:mac:vml" xmlns:mc="http://schemas.openxmlformats.org/markup-compatibility/2006" val="3707259682"/>
+        <p14:creationId xmlns:mc="http://schemas.openxmlformats.org/markup-compatibility/2006" xmlns:mv="urn:schemas-microsoft-com:mac:vml" xmlns:p14="http://schemas.microsoft.com/office/powerpoint/2007/7/12/main" xmlns="" val="3707259682"/>
       </p:ext>
     </p:extLst>
   </p:cSld>
@@ -12319,53 +12319,21 @@
             </a:r>
             <a:r>
               <a:rPr lang="en-US" dirty="0" smtClean="0"/>
-              <a:t>t well </a:t>
-            </a:r>
+              <a:t>t well furnished (movies, tutorials,…) but not a lot of papers</a:t>
+            </a:r>
+          </a:p>
+          <a:p>
+            <a:pPr lvl="2"/>
             <a:r>
               <a:rPr lang="en-US" dirty="0" smtClean="0"/>
-              <a:t>furnished (movies, </a:t>
-            </a:r>
+              <a:t>For professional &amp; enterprises</a:t>
+            </a:r>
+          </a:p>
+          <a:p>
+            <a:pPr lvl="2"/>
             <a:r>
               <a:rPr lang="en-US" dirty="0" smtClean="0"/>
-              <a:t>tutorials,…) </a:t>
-            </a:r>
-            <a:r>
-              <a:rPr lang="en-US" dirty="0" smtClean="0"/>
-              <a:t>but not a lot of </a:t>
-            </a:r>
-            <a:r>
-              <a:rPr lang="en-US" dirty="0" smtClean="0"/>
-              <a:t>papers</a:t>
-            </a:r>
-          </a:p>
-          <a:p>
-            <a:pPr lvl="2"/>
-            <a:r>
-              <a:rPr lang="en-US" dirty="0" smtClean="0"/>
-              <a:t>For professional </a:t>
-            </a:r>
-            <a:r>
-              <a:rPr lang="en-US" dirty="0" smtClean="0"/>
-              <a:t>&amp; </a:t>
-            </a:r>
-            <a:r>
-              <a:rPr lang="en-US" dirty="0" smtClean="0"/>
-              <a:t>enterprises</a:t>
-            </a:r>
-          </a:p>
-          <a:p>
-            <a:pPr lvl="2"/>
-            <a:r>
-              <a:rPr lang="en-US" dirty="0" smtClean="0"/>
-              <a:t>Software : 30 </a:t>
-            </a:r>
-            <a:r>
-              <a:rPr lang="en-US" dirty="0" smtClean="0"/>
-              <a:t>day </a:t>
-            </a:r>
-            <a:r>
-              <a:rPr lang="en-US" dirty="0" smtClean="0"/>
-              <a:t>trial</a:t>
+              <a:t>Software : 30 day trial</a:t>
             </a:r>
             <a:endParaRPr lang="en-GB" dirty="0" smtClean="0"/>
           </a:p>
@@ -12386,40 +12354,19 @@
               <a:rPr lang="en-US" dirty="0" smtClean="0"/>
               <a:t>Best furnished  papers</a:t>
             </a:r>
-            <a:endParaRPr lang="en-US" dirty="0" smtClean="0"/>
           </a:p>
           <a:p>
             <a:pPr lvl="2"/>
             <a:r>
               <a:rPr lang="en-US" dirty="0" smtClean="0"/>
-              <a:t>B</a:t>
-            </a:r>
+              <a:t>Best example furniture</a:t>
+            </a:r>
+          </a:p>
+          <a:p>
+            <a:pPr lvl="2"/>
             <a:r>
               <a:rPr lang="en-US" dirty="0" smtClean="0"/>
-              <a:t>est </a:t>
-            </a:r>
-            <a:r>
-              <a:rPr lang="en-US" dirty="0" smtClean="0"/>
-              <a:t>example furniture</a:t>
-            </a:r>
-          </a:p>
-          <a:p>
-            <a:pPr lvl="2"/>
-            <a:r>
-              <a:rPr lang="en-US" dirty="0" smtClean="0"/>
-              <a:t>Software on Linux </a:t>
-            </a:r>
-            <a:r>
-              <a:rPr lang="en-US" dirty="0" smtClean="0"/>
-              <a:t>&amp; </a:t>
-            </a:r>
-            <a:r>
-              <a:rPr lang="en-US" dirty="0" smtClean="0"/>
-              <a:t>Solaris : free BUT </a:t>
-            </a:r>
-            <a:r>
-              <a:rPr lang="en-US" dirty="0" smtClean="0"/>
-              <a:t>NOT ACCESSIBLE</a:t>
+              <a:t>Software on Linux &amp; Solaris : free BUT NOT ACCESSIBLE</a:t>
             </a:r>
             <a:endParaRPr lang="en-GB" dirty="0" smtClean="0"/>
           </a:p>
@@ -12434,11 +12381,7 @@
             <a:pPr lvl="2"/>
             <a:r>
               <a:rPr lang="en-US" dirty="0" smtClean="0"/>
-              <a:t>Not </a:t>
-            </a:r>
-            <a:r>
-              <a:rPr lang="en-US" dirty="0" smtClean="0"/>
-              <a:t>too much documents</a:t>
+              <a:t>Not too much documents</a:t>
             </a:r>
           </a:p>
           <a:p>
@@ -12447,17 +12390,12 @@
               <a:rPr lang="en-US" dirty="0" smtClean="0"/>
               <a:t>Well furnished on Internet</a:t>
             </a:r>
-            <a:endParaRPr lang="en-US" dirty="0" smtClean="0"/>
           </a:p>
           <a:p>
             <a:pPr lvl="2"/>
             <a:r>
               <a:rPr lang="en-US" dirty="0" smtClean="0"/>
-              <a:t>No </a:t>
-            </a:r>
-            <a:r>
-              <a:rPr lang="en-US" dirty="0" smtClean="0"/>
-              <a:t>software</a:t>
+              <a:t>No software</a:t>
             </a:r>
             <a:endParaRPr lang="en-GB" dirty="0" smtClean="0"/>
           </a:p>
@@ -12475,23 +12413,13 @@
               <a:rPr lang="en-GB" dirty="0" smtClean="0"/>
               <a:t>Furnished</a:t>
             </a:r>
-            <a:endParaRPr lang="en-GB" dirty="0" smtClean="0"/>
           </a:p>
           <a:p>
             <a:pPr lvl="2"/>
             <a:r>
               <a:rPr lang="en-GB" dirty="0" smtClean="0"/>
-              <a:t>Software </a:t>
-            </a:r>
-            <a:r>
-              <a:rPr lang="en-GB" dirty="0" smtClean="0"/>
-              <a:t>not </a:t>
-            </a:r>
-            <a:r>
-              <a:rPr lang="en-GB" dirty="0" smtClean="0"/>
-              <a:t>available</a:t>
-            </a:r>
-            <a:endParaRPr lang="en-GB" dirty="0" smtClean="0"/>
+              <a:t>Software not available</a:t>
+            </a:r>
           </a:p>
         </p:txBody>
       </p:sp>
@@ -14006,7 +13934,6 @@
               <a:rPr lang="en-US" dirty="0" smtClean="0"/>
               <a:t>Connectors</a:t>
             </a:r>
-            <a:endParaRPr lang="en-US" dirty="0" smtClean="0"/>
           </a:p>
           <a:p>
             <a:pPr lvl="2"/>
@@ -14014,19 +13941,13 @@
               <a:rPr lang="en-US" dirty="0" smtClean="0"/>
               <a:t>Systems</a:t>
             </a:r>
-            <a:endParaRPr lang="en-US" dirty="0" smtClean="0"/>
           </a:p>
           <a:p>
             <a:pPr lvl="2"/>
             <a:r>
               <a:rPr lang="en-US" dirty="0" smtClean="0"/>
-              <a:t>P</a:t>
-            </a:r>
-            <a:r>
-              <a:rPr lang="en-US" dirty="0" smtClean="0"/>
-              <a:t>orts</a:t>
-            </a:r>
-            <a:endParaRPr lang="en-US" dirty="0" smtClean="0"/>
+              <a:t>Ports</a:t>
+            </a:r>
           </a:p>
           <a:p>
             <a:pPr lvl="2"/>
@@ -14039,23 +13960,14 @@
             <a:pPr lvl="2"/>
             <a:r>
               <a:rPr lang="en-US" dirty="0" smtClean="0"/>
-              <a:t>R</a:t>
-            </a:r>
+              <a:t>Representations</a:t>
+            </a:r>
+          </a:p>
+          <a:p>
+            <a:pPr lvl="2"/>
             <a:r>
               <a:rPr lang="en-US" dirty="0" smtClean="0"/>
-              <a:t>epresentations</a:t>
-            </a:r>
-            <a:endParaRPr lang="en-US" dirty="0" smtClean="0"/>
-          </a:p>
-          <a:p>
-            <a:pPr lvl="2"/>
-            <a:r>
-              <a:rPr lang="en-US" dirty="0" smtClean="0"/>
-              <a:t>Representation </a:t>
-            </a:r>
-            <a:r>
-              <a:rPr lang="en-US" dirty="0" smtClean="0"/>
-              <a:t>maps</a:t>
+              <a:t>Representation maps</a:t>
             </a:r>
           </a:p>
           <a:p>
